--- a/Real Estate Mkt.pptx
+++ b/Real Estate Mkt.pptx
@@ -119,6 +119,11 @@
       </a:defRPr>
     </a:lvl9pPr>
   </p:defaultTextStyle>
+  <p:extLst>
+    <p:ext uri="{EFAFB233-063F-42B5-8137-9DF3F51BA10A}">
+      <p15:sldGuideLst xmlns:p15="http://schemas.microsoft.com/office/powerpoint/2012/main"/>
+    </p:ext>
+  </p:extLst>
 </p:presentation>
 </file>
 
@@ -126,12 +131,198 @@
 <p1510:revInfo xmlns:a="http://schemas.openxmlformats.org/drawingml/2006/main" xmlns:r="http://schemas.openxmlformats.org/officeDocument/2006/relationships" xmlns:p1510="http://schemas.microsoft.com/office/powerpoint/2015/10/main">
   <p1510:revLst>
     <p1510:client id="{1BA56BAF-28D7-4A7C-8808-7304D8F524B9}" v="11" dt="2020-11-07T21:03:59.960"/>
+    <p1510:client id="{92C7CA92-B255-409F-99CE-2D2DC2B2ACC0}" v="4" dt="2020-11-08T14:31:40.315"/>
   </p1510:revLst>
 </p1510:revInfo>
 </file>
 
 <file path=ppt/changesInfos/changesInfo1.xml><?xml version="1.0" encoding="utf-8"?>
 <pc:chgInfo xmlns:a="http://schemas.openxmlformats.org/drawingml/2006/main" xmlns:r="http://schemas.openxmlformats.org/officeDocument/2006/relationships" xmlns:ac="http://schemas.microsoft.com/office/drawing/2013/main/command" xmlns:pc="http://schemas.microsoft.com/office/powerpoint/2013/main/command">
+  <pc:docChgLst>
+    <pc:chgData name="Marina Ercoli" userId="895246e1d6dbe33d" providerId="LiveId" clId="{92C7CA92-B255-409F-99CE-2D2DC2B2ACC0}"/>
+    <pc:docChg chg="custSel modSld">
+      <pc:chgData name="Marina Ercoli" userId="895246e1d6dbe33d" providerId="LiveId" clId="{92C7CA92-B255-409F-99CE-2D2DC2B2ACC0}" dt="2020-11-08T14:36:46.900" v="137" actId="20577"/>
+      <pc:docMkLst>
+        <pc:docMk/>
+      </pc:docMkLst>
+      <pc:sldChg chg="modTransition">
+        <pc:chgData name="Marina Ercoli" userId="895246e1d6dbe33d" providerId="LiveId" clId="{92C7CA92-B255-409F-99CE-2D2DC2B2ACC0}" dt="2020-11-08T14:31:40.315" v="79"/>
+        <pc:sldMkLst>
+          <pc:docMk/>
+          <pc:sldMk cId="1704619193" sldId="256"/>
+        </pc:sldMkLst>
+      </pc:sldChg>
+      <pc:sldChg chg="modSp mod modTransition">
+        <pc:chgData name="Marina Ercoli" userId="895246e1d6dbe33d" providerId="LiveId" clId="{92C7CA92-B255-409F-99CE-2D2DC2B2ACC0}" dt="2020-11-08T14:31:40.315" v="79"/>
+        <pc:sldMkLst>
+          <pc:docMk/>
+          <pc:sldMk cId="1721340933" sldId="258"/>
+        </pc:sldMkLst>
+        <pc:spChg chg="mod">
+          <ac:chgData name="Marina Ercoli" userId="895246e1d6dbe33d" providerId="LiveId" clId="{92C7CA92-B255-409F-99CE-2D2DC2B2ACC0}" dt="2020-11-08T14:20:40.197" v="4" actId="20577"/>
+          <ac:spMkLst>
+            <pc:docMk/>
+            <pc:sldMk cId="1721340933" sldId="258"/>
+            <ac:spMk id="6" creationId="{AB8C65B5-8163-4E17-BC2A-195AC06AD212}"/>
+          </ac:spMkLst>
+        </pc:spChg>
+      </pc:sldChg>
+      <pc:sldChg chg="modSp mod modTransition">
+        <pc:chgData name="Marina Ercoli" userId="895246e1d6dbe33d" providerId="LiveId" clId="{92C7CA92-B255-409F-99CE-2D2DC2B2ACC0}" dt="2020-11-08T14:36:46.900" v="137" actId="20577"/>
+        <pc:sldMkLst>
+          <pc:docMk/>
+          <pc:sldMk cId="1335930001" sldId="259"/>
+        </pc:sldMkLst>
+        <pc:spChg chg="mod">
+          <ac:chgData name="Marina Ercoli" userId="895246e1d6dbe33d" providerId="LiveId" clId="{92C7CA92-B255-409F-99CE-2D2DC2B2ACC0}" dt="2020-11-08T14:36:46.900" v="137" actId="20577"/>
+          <ac:spMkLst>
+            <pc:docMk/>
+            <pc:sldMk cId="1335930001" sldId="259"/>
+            <ac:spMk id="16" creationId="{61478787-8F0A-49D4-8F4E-05012AA9B270}"/>
+          </ac:spMkLst>
+        </pc:spChg>
+      </pc:sldChg>
+      <pc:sldChg chg="modSp mod modTransition">
+        <pc:chgData name="Marina Ercoli" userId="895246e1d6dbe33d" providerId="LiveId" clId="{92C7CA92-B255-409F-99CE-2D2DC2B2ACC0}" dt="2020-11-08T14:31:40.315" v="79"/>
+        <pc:sldMkLst>
+          <pc:docMk/>
+          <pc:sldMk cId="515109759" sldId="260"/>
+        </pc:sldMkLst>
+        <pc:spChg chg="mod">
+          <ac:chgData name="Marina Ercoli" userId="895246e1d6dbe33d" providerId="LiveId" clId="{92C7CA92-B255-409F-99CE-2D2DC2B2ACC0}" dt="2020-11-08T14:27:24.498" v="73" actId="20577"/>
+          <ac:spMkLst>
+            <pc:docMk/>
+            <pc:sldMk cId="515109759" sldId="260"/>
+            <ac:spMk id="6" creationId="{AB8C65B5-8163-4E17-BC2A-195AC06AD212}"/>
+          </ac:spMkLst>
+        </pc:spChg>
+      </pc:sldChg>
+      <pc:sldChg chg="modSp mod modTransition">
+        <pc:chgData name="Marina Ercoli" userId="895246e1d6dbe33d" providerId="LiveId" clId="{92C7CA92-B255-409F-99CE-2D2DC2B2ACC0}" dt="2020-11-08T14:31:40.315" v="79"/>
+        <pc:sldMkLst>
+          <pc:docMk/>
+          <pc:sldMk cId="386137476" sldId="262"/>
+        </pc:sldMkLst>
+        <pc:spChg chg="mod">
+          <ac:chgData name="Marina Ercoli" userId="895246e1d6dbe33d" providerId="LiveId" clId="{92C7CA92-B255-409F-99CE-2D2DC2B2ACC0}" dt="2020-11-08T14:25:39.129" v="43" actId="20577"/>
+          <ac:spMkLst>
+            <pc:docMk/>
+            <pc:sldMk cId="386137476" sldId="262"/>
+            <ac:spMk id="3" creationId="{5CBCD2FB-86AE-4224-B314-92DB0A60E4CC}"/>
+          </ac:spMkLst>
+        </pc:spChg>
+      </pc:sldChg>
+      <pc:sldChg chg="modSp mod modTransition">
+        <pc:chgData name="Marina Ercoli" userId="895246e1d6dbe33d" providerId="LiveId" clId="{92C7CA92-B255-409F-99CE-2D2DC2B2ACC0}" dt="2020-11-08T14:31:40.315" v="79"/>
+        <pc:sldMkLst>
+          <pc:docMk/>
+          <pc:sldMk cId="288516001" sldId="263"/>
+        </pc:sldMkLst>
+        <pc:spChg chg="mod">
+          <ac:chgData name="Marina Ercoli" userId="895246e1d6dbe33d" providerId="LiveId" clId="{92C7CA92-B255-409F-99CE-2D2DC2B2ACC0}" dt="2020-11-08T14:26:50.504" v="55" actId="20577"/>
+          <ac:spMkLst>
+            <pc:docMk/>
+            <pc:sldMk cId="288516001" sldId="263"/>
+            <ac:spMk id="34" creationId="{EBBA600E-BD08-4F92-9788-C2511A225C10}"/>
+          </ac:spMkLst>
+        </pc:spChg>
+        <pc:spChg chg="mod">
+          <ac:chgData name="Marina Ercoli" userId="895246e1d6dbe33d" providerId="LiveId" clId="{92C7CA92-B255-409F-99CE-2D2DC2B2ACC0}" dt="2020-11-08T14:26:24.317" v="51" actId="20577"/>
+          <ac:spMkLst>
+            <pc:docMk/>
+            <pc:sldMk cId="288516001" sldId="263"/>
+            <ac:spMk id="82" creationId="{01BA662B-0D97-49F2-8F36-97A1171B9F89}"/>
+          </ac:spMkLst>
+        </pc:spChg>
+      </pc:sldChg>
+      <pc:sldChg chg="modTransition">
+        <pc:chgData name="Marina Ercoli" userId="895246e1d6dbe33d" providerId="LiveId" clId="{92C7CA92-B255-409F-99CE-2D2DC2B2ACC0}" dt="2020-11-08T14:31:40.315" v="79"/>
+        <pc:sldMkLst>
+          <pc:docMk/>
+          <pc:sldMk cId="3146211802" sldId="264"/>
+        </pc:sldMkLst>
+      </pc:sldChg>
+      <pc:sldChg chg="modTransition">
+        <pc:chgData name="Marina Ercoli" userId="895246e1d6dbe33d" providerId="LiveId" clId="{92C7CA92-B255-409F-99CE-2D2DC2B2ACC0}" dt="2020-11-08T14:31:40.315" v="79"/>
+        <pc:sldMkLst>
+          <pc:docMk/>
+          <pc:sldMk cId="3977117954" sldId="266"/>
+        </pc:sldMkLst>
+      </pc:sldChg>
+      <pc:sldChg chg="modSp mod modTransition">
+        <pc:chgData name="Marina Ercoli" userId="895246e1d6dbe33d" providerId="LiveId" clId="{92C7CA92-B255-409F-99CE-2D2DC2B2ACC0}" dt="2020-11-08T14:31:40.315" v="79"/>
+        <pc:sldMkLst>
+          <pc:docMk/>
+          <pc:sldMk cId="976448399" sldId="268"/>
+        </pc:sldMkLst>
+        <pc:spChg chg="mod">
+          <ac:chgData name="Marina Ercoli" userId="895246e1d6dbe33d" providerId="LiveId" clId="{92C7CA92-B255-409F-99CE-2D2DC2B2ACC0}" dt="2020-11-08T14:28:24.303" v="74" actId="20577"/>
+          <ac:spMkLst>
+            <pc:docMk/>
+            <pc:sldMk cId="976448399" sldId="268"/>
+            <ac:spMk id="14" creationId="{50B4CB4D-B695-495E-B072-7DF37C14B4D6}"/>
+          </ac:spMkLst>
+        </pc:spChg>
+      </pc:sldChg>
+      <pc:sldChg chg="modTransition">
+        <pc:chgData name="Marina Ercoli" userId="895246e1d6dbe33d" providerId="LiveId" clId="{92C7CA92-B255-409F-99CE-2D2DC2B2ACC0}" dt="2020-11-08T14:31:40.315" v="79"/>
+        <pc:sldMkLst>
+          <pc:docMk/>
+          <pc:sldMk cId="438456063" sldId="269"/>
+        </pc:sldMkLst>
+      </pc:sldChg>
+      <pc:sldChg chg="modTransition">
+        <pc:chgData name="Marina Ercoli" userId="895246e1d6dbe33d" providerId="LiveId" clId="{92C7CA92-B255-409F-99CE-2D2DC2B2ACC0}" dt="2020-11-08T14:31:40.315" v="79"/>
+        <pc:sldMkLst>
+          <pc:docMk/>
+          <pc:sldMk cId="1306512237" sldId="270"/>
+        </pc:sldMkLst>
+      </pc:sldChg>
+      <pc:sldChg chg="modSp mod modTransition">
+        <pc:chgData name="Marina Ercoli" userId="895246e1d6dbe33d" providerId="LiveId" clId="{92C7CA92-B255-409F-99CE-2D2DC2B2ACC0}" dt="2020-11-08T14:31:40.315" v="79"/>
+        <pc:sldMkLst>
+          <pc:docMk/>
+          <pc:sldMk cId="44990578" sldId="271"/>
+        </pc:sldMkLst>
+        <pc:spChg chg="mod">
+          <ac:chgData name="Marina Ercoli" userId="895246e1d6dbe33d" providerId="LiveId" clId="{92C7CA92-B255-409F-99CE-2D2DC2B2ACC0}" dt="2020-11-08T14:29:08.089" v="75" actId="108"/>
+          <ac:spMkLst>
+            <pc:docMk/>
+            <pc:sldMk cId="44990578" sldId="271"/>
+            <ac:spMk id="6" creationId="{AB8C65B5-8163-4E17-BC2A-195AC06AD212}"/>
+          </ac:spMkLst>
+        </pc:spChg>
+      </pc:sldChg>
+      <pc:sldChg chg="modTransition">
+        <pc:chgData name="Marina Ercoli" userId="895246e1d6dbe33d" providerId="LiveId" clId="{92C7CA92-B255-409F-99CE-2D2DC2B2ACC0}" dt="2020-11-08T14:31:40.315" v="79"/>
+        <pc:sldMkLst>
+          <pc:docMk/>
+          <pc:sldMk cId="2160863434" sldId="272"/>
+        </pc:sldMkLst>
+      </pc:sldChg>
+      <pc:sldChg chg="modTransition">
+        <pc:chgData name="Marina Ercoli" userId="895246e1d6dbe33d" providerId="LiveId" clId="{92C7CA92-B255-409F-99CE-2D2DC2B2ACC0}" dt="2020-11-08T14:31:40.315" v="79"/>
+        <pc:sldMkLst>
+          <pc:docMk/>
+          <pc:sldMk cId="3405510997" sldId="273"/>
+        </pc:sldMkLst>
+      </pc:sldChg>
+      <pc:sldChg chg="modTransition">
+        <pc:chgData name="Marina Ercoli" userId="895246e1d6dbe33d" providerId="LiveId" clId="{92C7CA92-B255-409F-99CE-2D2DC2B2ACC0}" dt="2020-11-08T14:31:40.315" v="79"/>
+        <pc:sldMkLst>
+          <pc:docMk/>
+          <pc:sldMk cId="3972983593" sldId="274"/>
+        </pc:sldMkLst>
+      </pc:sldChg>
+      <pc:sldChg chg="modTransition">
+        <pc:chgData name="Marina Ercoli" userId="895246e1d6dbe33d" providerId="LiveId" clId="{92C7CA92-B255-409F-99CE-2D2DC2B2ACC0}" dt="2020-11-08T14:31:40.315" v="79"/>
+        <pc:sldMkLst>
+          <pc:docMk/>
+          <pc:sldMk cId="3406540889" sldId="276"/>
+        </pc:sldMkLst>
+      </pc:sldChg>
+    </pc:docChg>
+  </pc:docChgLst>
   <pc:docChgLst>
     <pc:chgData name="Marina Ercoli" userId="895246e1d6dbe33d" providerId="LiveId" clId="{1BA56BAF-28D7-4A7C-8808-7304D8F524B9}"/>
     <pc:docChg chg="undo custSel addSld delSld modSld sldOrd">
@@ -1052,7 +1243,7 @@
           <a:p>
             <a:fld id="{6EA93034-D864-46EE-BF64-756895E3DFD7}" type="datetimeFigureOut">
               <a:rPr lang="en-CA" smtClean="0"/>
-              <a:t>2020-11-07</a:t>
+              <a:t>2020-11-08</a:t>
             </a:fld>
             <a:endParaRPr lang="en-CA"/>
           </a:p>
@@ -1252,7 +1443,7 @@
           <a:p>
             <a:fld id="{6EA93034-D864-46EE-BF64-756895E3DFD7}" type="datetimeFigureOut">
               <a:rPr lang="en-CA" smtClean="0"/>
-              <a:t>2020-11-07</a:t>
+              <a:t>2020-11-08</a:t>
             </a:fld>
             <a:endParaRPr lang="en-CA"/>
           </a:p>
@@ -1462,7 +1653,7 @@
           <a:p>
             <a:fld id="{6EA93034-D864-46EE-BF64-756895E3DFD7}" type="datetimeFigureOut">
               <a:rPr lang="en-CA" smtClean="0"/>
-              <a:t>2020-11-07</a:t>
+              <a:t>2020-11-08</a:t>
             </a:fld>
             <a:endParaRPr lang="en-CA"/>
           </a:p>
@@ -1662,7 +1853,7 @@
           <a:p>
             <a:fld id="{6EA93034-D864-46EE-BF64-756895E3DFD7}" type="datetimeFigureOut">
               <a:rPr lang="en-CA" smtClean="0"/>
-              <a:t>2020-11-07</a:t>
+              <a:t>2020-11-08</a:t>
             </a:fld>
             <a:endParaRPr lang="en-CA"/>
           </a:p>
@@ -1938,7 +2129,7 @@
           <a:p>
             <a:fld id="{6EA93034-D864-46EE-BF64-756895E3DFD7}" type="datetimeFigureOut">
               <a:rPr lang="en-CA" smtClean="0"/>
-              <a:t>2020-11-07</a:t>
+              <a:t>2020-11-08</a:t>
             </a:fld>
             <a:endParaRPr lang="en-CA"/>
           </a:p>
@@ -2206,7 +2397,7 @@
           <a:p>
             <a:fld id="{6EA93034-D864-46EE-BF64-756895E3DFD7}" type="datetimeFigureOut">
               <a:rPr lang="en-CA" smtClean="0"/>
-              <a:t>2020-11-07</a:t>
+              <a:t>2020-11-08</a:t>
             </a:fld>
             <a:endParaRPr lang="en-CA"/>
           </a:p>
@@ -2621,7 +2812,7 @@
           <a:p>
             <a:fld id="{6EA93034-D864-46EE-BF64-756895E3DFD7}" type="datetimeFigureOut">
               <a:rPr lang="en-CA" smtClean="0"/>
-              <a:t>2020-11-07</a:t>
+              <a:t>2020-11-08</a:t>
             </a:fld>
             <a:endParaRPr lang="en-CA"/>
           </a:p>
@@ -2763,7 +2954,7 @@
           <a:p>
             <a:fld id="{6EA93034-D864-46EE-BF64-756895E3DFD7}" type="datetimeFigureOut">
               <a:rPr lang="en-CA" smtClean="0"/>
-              <a:t>2020-11-07</a:t>
+              <a:t>2020-11-08</a:t>
             </a:fld>
             <a:endParaRPr lang="en-CA"/>
           </a:p>
@@ -2876,7 +3067,7 @@
           <a:p>
             <a:fld id="{6EA93034-D864-46EE-BF64-756895E3DFD7}" type="datetimeFigureOut">
               <a:rPr lang="en-CA" smtClean="0"/>
-              <a:t>2020-11-07</a:t>
+              <a:t>2020-11-08</a:t>
             </a:fld>
             <a:endParaRPr lang="en-CA"/>
           </a:p>
@@ -3189,7 +3380,7 @@
           <a:p>
             <a:fld id="{6EA93034-D864-46EE-BF64-756895E3DFD7}" type="datetimeFigureOut">
               <a:rPr lang="en-CA" smtClean="0"/>
-              <a:t>2020-11-07</a:t>
+              <a:t>2020-11-08</a:t>
             </a:fld>
             <a:endParaRPr lang="en-CA"/>
           </a:p>
@@ -3478,7 +3669,7 @@
           <a:p>
             <a:fld id="{6EA93034-D864-46EE-BF64-756895E3DFD7}" type="datetimeFigureOut">
               <a:rPr lang="en-CA" smtClean="0"/>
-              <a:t>2020-11-07</a:t>
+              <a:t>2020-11-08</a:t>
             </a:fld>
             <a:endParaRPr lang="en-CA"/>
           </a:p>
@@ -3721,7 +3912,7 @@
           <a:p>
             <a:fld id="{6EA93034-D864-46EE-BF64-756895E3DFD7}" type="datetimeFigureOut">
               <a:rPr lang="en-CA" smtClean="0"/>
-              <a:t>2020-11-07</a:t>
+              <a:t>2020-11-08</a:t>
             </a:fld>
             <a:endParaRPr lang="en-CA"/>
           </a:p>
@@ -4883,6 +5074,18 @@
   <p:clrMapOvr>
     <a:masterClrMapping/>
   </p:clrMapOvr>
+  <mc:AlternateContent xmlns:mc="http://schemas.openxmlformats.org/markup-compatibility/2006">
+    <mc:Choice xmlns:p159="http://schemas.microsoft.com/office/powerpoint/2015/09/main" Requires="p159">
+      <p:transition xmlns:p14="http://schemas.microsoft.com/office/powerpoint/2010/main" spd="slow" p14:dur="2000">
+        <p159:morph option="byObject"/>
+      </p:transition>
+    </mc:Choice>
+    <mc:Fallback>
+      <p:transition spd="slow">
+        <p:fade/>
+      </p:transition>
+    </mc:Fallback>
+  </mc:AlternateContent>
 </p:sld>
 </file>
 
@@ -5375,6 +5578,18 @@
   <p:clrMapOvr>
     <a:masterClrMapping/>
   </p:clrMapOvr>
+  <mc:AlternateContent xmlns:mc="http://schemas.openxmlformats.org/markup-compatibility/2006">
+    <mc:Choice xmlns:p159="http://schemas.microsoft.com/office/powerpoint/2015/09/main" Requires="p159">
+      <p:transition xmlns:p14="http://schemas.microsoft.com/office/powerpoint/2010/main" spd="slow" p14:dur="2000">
+        <p159:morph option="byObject"/>
+      </p:transition>
+    </mc:Choice>
+    <mc:Fallback>
+      <p:transition spd="slow">
+        <p:fade/>
+      </p:transition>
+    </mc:Fallback>
+  </mc:AlternateContent>
 </p:sld>
 </file>
 
@@ -6068,6 +6283,18 @@
   <p:clrMapOvr>
     <a:masterClrMapping/>
   </p:clrMapOvr>
+  <mc:AlternateContent xmlns:mc="http://schemas.openxmlformats.org/markup-compatibility/2006">
+    <mc:Choice xmlns:p159="http://schemas.microsoft.com/office/powerpoint/2015/09/main" Requires="p159">
+      <p:transition xmlns:p14="http://schemas.microsoft.com/office/powerpoint/2010/main" spd="slow" p14:dur="2000">
+        <p159:morph option="byObject"/>
+      </p:transition>
+    </mc:Choice>
+    <mc:Fallback>
+      <p:transition spd="slow">
+        <p:fade/>
+      </p:transition>
+    </mc:Fallback>
+  </mc:AlternateContent>
 </p:sld>
 </file>
 
@@ -6441,11 +6668,18 @@
               <a:t>| </a:t>
             </a:r>
             <a:r>
+              <a:rPr lang="en-CA" sz="1800" b="1" dirty="0">
+                <a:latin typeface="Century Schoolbook" panose="02040604050505020304" pitchFamily="18" charset="0"/>
+                <a:cs typeface="Calibri" panose="020F0502020204030204" pitchFamily="34" charset="0"/>
+              </a:rPr>
+              <a:t>General conclusions</a:t>
+            </a:r>
+            <a:r>
               <a:rPr lang="en-CA" sz="1800" b="0" i="0" dirty="0">
                 <a:effectLst/>
                 <a:latin typeface="Century Schoolbook" panose="02040604050505020304" pitchFamily="18" charset="0"/>
               </a:rPr>
-              <a:t>General conclusions:</a:t>
+              <a:t>:</a:t>
             </a:r>
             <a:endParaRPr lang="en-CA" sz="1800" dirty="0">
               <a:latin typeface="Century Schoolbook" panose="02040604050505020304" pitchFamily="18" charset="0"/>
@@ -6624,6 +6858,18 @@
   <p:clrMapOvr>
     <a:masterClrMapping/>
   </p:clrMapOvr>
+  <mc:AlternateContent xmlns:mc="http://schemas.openxmlformats.org/markup-compatibility/2006">
+    <mc:Choice xmlns:p159="http://schemas.microsoft.com/office/powerpoint/2015/09/main" Requires="p159">
+      <p:transition xmlns:p14="http://schemas.microsoft.com/office/powerpoint/2010/main" spd="slow" p14:dur="2000">
+        <p159:morph option="byObject"/>
+      </p:transition>
+    </mc:Choice>
+    <mc:Fallback>
+      <p:transition spd="slow">
+        <p:fade/>
+      </p:transition>
+    </mc:Fallback>
+  </mc:AlternateContent>
 </p:sld>
 </file>
 
@@ -7190,6 +7436,18 @@
   <p:clrMapOvr>
     <a:masterClrMapping/>
   </p:clrMapOvr>
+  <mc:AlternateContent xmlns:mc="http://schemas.openxmlformats.org/markup-compatibility/2006">
+    <mc:Choice xmlns:p159="http://schemas.microsoft.com/office/powerpoint/2015/09/main" Requires="p159">
+      <p:transition xmlns:p14="http://schemas.microsoft.com/office/powerpoint/2010/main" spd="slow" p14:dur="2000">
+        <p159:morph option="byObject"/>
+      </p:transition>
+    </mc:Choice>
+    <mc:Fallback>
+      <p:transition spd="slow">
+        <p:fade/>
+      </p:transition>
+    </mc:Fallback>
+  </mc:AlternateContent>
 </p:sld>
 </file>
 
@@ -7753,6 +8011,18 @@
   <p:clrMapOvr>
     <a:masterClrMapping/>
   </p:clrMapOvr>
+  <mc:AlternateContent xmlns:mc="http://schemas.openxmlformats.org/markup-compatibility/2006">
+    <mc:Choice xmlns:p159="http://schemas.microsoft.com/office/powerpoint/2015/09/main" Requires="p159">
+      <p:transition xmlns:p14="http://schemas.microsoft.com/office/powerpoint/2010/main" spd="slow" p14:dur="2000">
+        <p159:morph option="byObject"/>
+      </p:transition>
+    </mc:Choice>
+    <mc:Fallback>
+      <p:transition spd="slow">
+        <p:fade/>
+      </p:transition>
+    </mc:Fallback>
+  </mc:AlternateContent>
 </p:sld>
 </file>
 
@@ -8142,6 +8412,18 @@
   <p:clrMapOvr>
     <a:masterClrMapping/>
   </p:clrMapOvr>
+  <mc:AlternateContent xmlns:mc="http://schemas.openxmlformats.org/markup-compatibility/2006">
+    <mc:Choice xmlns:p159="http://schemas.microsoft.com/office/powerpoint/2015/09/main" Requires="p159">
+      <p:transition xmlns:p14="http://schemas.microsoft.com/office/powerpoint/2010/main" spd="slow" p14:dur="2000">
+        <p159:morph option="byObject"/>
+      </p:transition>
+    </mc:Choice>
+    <mc:Fallback>
+      <p:transition spd="slow">
+        <p:fade/>
+      </p:transition>
+    </mc:Fallback>
+  </mc:AlternateContent>
 </p:sld>
 </file>
 
@@ -8785,6 +9067,18 @@
   <p:clrMapOvr>
     <a:masterClrMapping/>
   </p:clrMapOvr>
+  <mc:AlternateContent xmlns:mc="http://schemas.openxmlformats.org/markup-compatibility/2006">
+    <mc:Choice xmlns:p159="http://schemas.microsoft.com/office/powerpoint/2015/09/main" Requires="p159">
+      <p:transition xmlns:p14="http://schemas.microsoft.com/office/powerpoint/2010/main" spd="slow" p14:dur="2000">
+        <p159:morph option="byObject"/>
+      </p:transition>
+    </mc:Choice>
+    <mc:Fallback>
+      <p:transition spd="slow">
+        <p:fade/>
+      </p:transition>
+    </mc:Fallback>
+  </mc:AlternateContent>
 </p:sld>
 </file>
 
@@ -9096,7 +9390,7 @@
                 <a:ea typeface="Calibri" panose="020F0502020204030204" pitchFamily="34" charset="0"/>
                 <a:cs typeface="Calibri" panose="020F0502020204030204" pitchFamily="34" charset="0"/>
               </a:rPr>
-              <a:t>To analyse the impact of Covid19 on the real estate market comparing 2019 and 2020 data from GTA. </a:t>
+              <a:t>To analyse the impact of Covid-19 on the real estate market comparing 2019 and 2020 data from GTA. </a:t>
             </a:r>
           </a:p>
           <a:p>
@@ -9161,18 +9455,11 @@
               <a:buChar char="§"/>
             </a:pPr>
             <a:r>
-              <a:rPr lang="en-CA" sz="1400" dirty="0">
+              <a:rPr lang="en-CA" sz="1600" dirty="0">
                 <a:latin typeface="Century Schoolbook" panose="02040604050505020304" pitchFamily="18" charset="0"/>
                 <a:cs typeface="Calibri" panose="020F0502020204030204" pitchFamily="34" charset="0"/>
               </a:rPr>
-              <a:t>   What is the impact </a:t>
-            </a:r>
-            <a:r>
-              <a:rPr lang="en-CA" sz="1600" dirty="0">
-                <a:latin typeface="Century Schoolbook" panose="02040604050505020304" pitchFamily="18" charset="0"/>
-                <a:cs typeface="Calibri" panose="020F0502020204030204" pitchFamily="34" charset="0"/>
-              </a:rPr>
-              <a:t>of Covid19 on the real estate market?</a:t>
+              <a:t>   What is the impact of Covid-19 on the real estate market?</a:t>
             </a:r>
           </a:p>
           <a:p>
@@ -9204,7 +9491,7 @@
                 <a:latin typeface="Century Schoolbook" panose="02040604050505020304" pitchFamily="18" charset="0"/>
                 <a:cs typeface="Calibri" panose="020F0502020204030204" pitchFamily="34" charset="0"/>
               </a:rPr>
-              <a:t>Is there any correlation between Covid1-19 and the volume of sales?</a:t>
+              <a:t>Is there any correlation between Covid-19 and the volume of sales?</a:t>
             </a:r>
           </a:p>
           <a:p>
@@ -9393,6 +9680,18 @@
   <p:clrMapOvr>
     <a:masterClrMapping/>
   </p:clrMapOvr>
+  <mc:AlternateContent xmlns:mc="http://schemas.openxmlformats.org/markup-compatibility/2006">
+    <mc:Choice xmlns:p159="http://schemas.microsoft.com/office/powerpoint/2015/09/main" Requires="p159">
+      <p:transition xmlns:p14="http://schemas.microsoft.com/office/powerpoint/2010/main" spd="slow" p14:dur="2000">
+        <p159:morph option="byObject"/>
+      </p:transition>
+    </mc:Choice>
+    <mc:Fallback>
+      <p:transition spd="slow">
+        <p:fade/>
+      </p:transition>
+    </mc:Fallback>
+  </mc:AlternateContent>
 </p:sld>
 </file>
 
@@ -9695,7 +9994,7 @@
                 <a:ea typeface="Calibri" panose="020F0502020204030204" pitchFamily="34" charset="0"/>
                 <a:cs typeface="Calibri" panose="020F0502020204030204" pitchFamily="34" charset="0"/>
               </a:rPr>
-              <a:t>To analyse the impact </a:t>
+              <a:t>……..</a:t>
             </a:r>
           </a:p>
           <a:p>
@@ -9794,7 +10093,7 @@
                 <a:latin typeface="Century Schoolbook" panose="02040604050505020304" pitchFamily="18" charset="0"/>
                 <a:cs typeface="Calibri" panose="020F0502020204030204" pitchFamily="34" charset="0"/>
               </a:rPr>
-              <a:t>To analyze the impact of COVID-19 on the real estate market in Ontario.</a:t>
+              <a:t>To analyze the impact of Covid-19 on the real estate market in Ontario.</a:t>
             </a:r>
           </a:p>
           <a:p>
@@ -9967,6 +10266,18 @@
   <p:clrMapOvr>
     <a:masterClrMapping/>
   </p:clrMapOvr>
+  <mc:AlternateContent xmlns:mc="http://schemas.openxmlformats.org/markup-compatibility/2006">
+    <mc:Choice xmlns:p159="http://schemas.microsoft.com/office/powerpoint/2015/09/main" Requires="p159">
+      <p:transition xmlns:p14="http://schemas.microsoft.com/office/powerpoint/2010/main" spd="slow" p14:dur="2000">
+        <p159:morph option="byObject"/>
+      </p:transition>
+    </mc:Choice>
+    <mc:Fallback>
+      <p:transition spd="slow">
+        <p:fade/>
+      </p:transition>
+    </mc:Fallback>
+  </mc:AlternateContent>
 </p:sld>
 </file>
 
@@ -10321,7 +10632,7 @@
         <p:spPr>
           <a:xfrm>
             <a:off x="6853258" y="1823274"/>
-            <a:ext cx="3953261" cy="2462213"/>
+            <a:ext cx="4283497" cy="2462213"/>
           </a:xfrm>
           <a:prstGeom prst="rect">
             <a:avLst/>
@@ -10399,7 +10710,7 @@
                 <a:latin typeface="Century Schoolbook" panose="02040604050505020304" pitchFamily="18" charset="0"/>
                 <a:cs typeface="Calibri" panose="020F0502020204030204" pitchFamily="34" charset="0"/>
               </a:rPr>
-              <a:t>open.canada.ca</a:t>
+              <a:t>open.canada.ca ----- CSV</a:t>
             </a:r>
           </a:p>
           <a:p>
@@ -10415,7 +10726,7 @@
                 <a:latin typeface="Century Schoolbook" panose="02040604050505020304" pitchFamily="18" charset="0"/>
                 <a:cs typeface="Calibri" panose="020F0502020204030204" pitchFamily="34" charset="0"/>
               </a:rPr>
-              <a:t>data.ontario.ca</a:t>
+              <a:t>data.ontario.ca ----- JSON</a:t>
             </a:r>
           </a:p>
           <a:p>
@@ -10431,7 +10742,7 @@
                 <a:latin typeface="Century Schoolbook" panose="02040604050505020304" pitchFamily="18" charset="0"/>
                 <a:cs typeface="Calibri" panose="020F0502020204030204" pitchFamily="34" charset="0"/>
               </a:rPr>
-              <a:t>quandl.com</a:t>
+              <a:t>quandl.com ---------- API</a:t>
             </a:r>
           </a:p>
           <a:p>
@@ -10447,7 +10758,14 @@
                 <a:latin typeface="Century Schoolbook" panose="02040604050505020304" pitchFamily="18" charset="0"/>
                 <a:cs typeface="Calibri" panose="020F0502020204030204" pitchFamily="34" charset="0"/>
               </a:rPr>
-              <a:t>bankofcanada.ca</a:t>
+              <a:t>bankofcanada.</a:t>
+            </a:r>
+            <a:r>
+              <a:rPr lang="en-CA">
+                <a:latin typeface="Century Schoolbook" panose="02040604050505020304" pitchFamily="18" charset="0"/>
+                <a:cs typeface="Calibri" panose="020F0502020204030204" pitchFamily="34" charset="0"/>
+              </a:rPr>
+              <a:t>ca ---- CSV</a:t>
             </a:r>
             <a:endParaRPr lang="en-US" dirty="0">
               <a:latin typeface="Century Schoolbook" panose="02040604050505020304" pitchFamily="18" charset="0"/>
@@ -10539,6 +10857,18 @@
   <p:clrMapOvr>
     <a:masterClrMapping/>
   </p:clrMapOvr>
+  <mc:AlternateContent xmlns:mc="http://schemas.openxmlformats.org/markup-compatibility/2006">
+    <mc:Choice xmlns:p159="http://schemas.microsoft.com/office/powerpoint/2015/09/main" Requires="p159">
+      <p:transition xmlns:p14="http://schemas.microsoft.com/office/powerpoint/2010/main" spd="slow" p14:dur="2000">
+        <p159:morph option="byObject"/>
+      </p:transition>
+    </mc:Choice>
+    <mc:Fallback>
+      <p:transition spd="slow">
+        <p:fade/>
+      </p:transition>
+    </mc:Fallback>
+  </mc:AlternateContent>
 </p:sld>
 </file>
 
@@ -10695,7 +11025,7 @@
         <p:spPr>
           <a:xfrm>
             <a:off x="428247" y="1604836"/>
-            <a:ext cx="11335505" cy="4108817"/>
+            <a:ext cx="11335505" cy="4539704"/>
           </a:xfrm>
           <a:prstGeom prst="rect">
             <a:avLst/>
@@ -10740,49 +11070,15 @@
           <a:p>
             <a:pPr marL="685800" lvl="1"/>
             <a:r>
-              <a:rPr lang="en-CA" sz="1400" dirty="0" err="1">
-                <a:effectLst/>
-                <a:latin typeface="Century Schoolbook" panose="02040604050505020304" pitchFamily="18" charset="0"/>
-                <a:ea typeface="Calibri" panose="020F0502020204030204" pitchFamily="34" charset="0"/>
+              <a:rPr lang="en-CA" sz="1400" dirty="0">
+                <a:latin typeface="Century Schoolbook" panose="02040604050505020304" pitchFamily="18" charset="0"/>
                 <a:cs typeface="Calibri" panose="020F0502020204030204" pitchFamily="34" charset="0"/>
               </a:rPr>
-              <a:t>Absorved</a:t>
-            </a:r>
-            <a:r>
-              <a:rPr lang="en-CA" sz="1400" dirty="0">
-                <a:effectLst/>
-                <a:latin typeface="Century Schoolbook" panose="02040604050505020304" pitchFamily="18" charset="0"/>
-                <a:ea typeface="Calibri" panose="020F0502020204030204" pitchFamily="34" charset="0"/>
-                <a:cs typeface="Calibri" panose="020F0502020204030204" pitchFamily="34" charset="0"/>
-              </a:rPr>
-              <a:t> &amp; </a:t>
-            </a:r>
-            <a:r>
-              <a:rPr lang="en-CA" sz="1400" dirty="0" err="1">
-                <a:effectLst/>
-                <a:latin typeface="Century Schoolbook" panose="02040604050505020304" pitchFamily="18" charset="0"/>
-                <a:ea typeface="Calibri" panose="020F0502020204030204" pitchFamily="34" charset="0"/>
-                <a:cs typeface="Calibri" panose="020F0502020204030204" pitchFamily="34" charset="0"/>
-              </a:rPr>
-              <a:t>unabsorved</a:t>
-            </a:r>
-            <a:r>
-              <a:rPr lang="en-CA" sz="1400" dirty="0">
-                <a:effectLst/>
-                <a:latin typeface="Century Schoolbook" panose="02040604050505020304" pitchFamily="18" charset="0"/>
-                <a:ea typeface="Calibri" panose="020F0502020204030204" pitchFamily="34" charset="0"/>
-                <a:cs typeface="Calibri" panose="020F0502020204030204" pitchFamily="34" charset="0"/>
-              </a:rPr>
-              <a:t> houses in Canada</a:t>
-            </a:r>
-            <a:br>
-              <a:rPr lang="en-CA" sz="1400" dirty="0">
-                <a:effectLst/>
-                <a:latin typeface="Century Schoolbook" panose="02040604050505020304" pitchFamily="18" charset="0"/>
-                <a:ea typeface="Calibri" panose="020F0502020204030204" pitchFamily="34" charset="0"/>
-                <a:cs typeface="Calibri" panose="020F0502020204030204" pitchFamily="34" charset="0"/>
-              </a:rPr>
-            </a:br>
+              <a:t>Canada Mortgage and Housing Corporation, absorptions and unabsorbed inventory, newly completed dwellings, by type of dwelling unit in census agglomerations of 50,000 and over</a:t>
+            </a:r>
+          </a:p>
+          <a:p>
+            <a:pPr marL="685800" lvl="1"/>
             <a:r>
               <a:rPr lang="en-CA" sz="1400" u="sng" dirty="0">
                 <a:solidFill>
@@ -10824,12 +11120,10 @@
             <a:pPr marL="685800" lvl="1"/>
             <a:r>
               <a:rPr lang="en-CA" sz="1400" dirty="0">
-                <a:effectLst/>
-                <a:latin typeface="Century Schoolbook" panose="02040604050505020304" pitchFamily="18" charset="0"/>
-                <a:ea typeface="Calibri" panose="020F0502020204030204" pitchFamily="34" charset="0"/>
+                <a:latin typeface="Century Schoolbook" panose="02040604050505020304" pitchFamily="18" charset="0"/>
                 <a:cs typeface="Calibri" panose="020F0502020204030204" pitchFamily="34" charset="0"/>
               </a:rPr>
-              <a:t>Houses under construction</a:t>
+              <a:t>Canada Mortgage and Housing Corporation, housing under construction in all centres 10,000 and over for Canada, provinces, and selected census metropolitan areas</a:t>
             </a:r>
             <a:br>
               <a:rPr lang="en-CA" sz="1400" dirty="0">
@@ -10885,31 +11179,15 @@
           <a:p>
             <a:pPr marL="685800" lvl="1"/>
             <a:r>
-              <a:rPr lang="en-CA" sz="1400" dirty="0" err="1">
-                <a:effectLst/>
-                <a:latin typeface="Century Schoolbook" panose="02040604050505020304" pitchFamily="18" charset="0"/>
-                <a:ea typeface="Calibri" panose="020F0502020204030204" pitchFamily="34" charset="0"/>
+              <a:rPr lang="en-CA" sz="1400" dirty="0">
+                <a:latin typeface="Century Schoolbook" panose="02040604050505020304" pitchFamily="18" charset="0"/>
                 <a:cs typeface="Calibri" panose="020F0502020204030204" pitchFamily="34" charset="0"/>
               </a:rPr>
-              <a:t>Covid</a:t>
-            </a:r>
-            <a:r>
-              <a:rPr lang="en-CA" sz="1400" dirty="0">
-                <a:effectLst/>
-                <a:latin typeface="Century Schoolbook" panose="02040604050505020304" pitchFamily="18" charset="0"/>
-                <a:ea typeface="Calibri" panose="020F0502020204030204" pitchFamily="34" charset="0"/>
-                <a:cs typeface="Calibri" panose="020F0502020204030204" pitchFamily="34" charset="0"/>
-              </a:rPr>
-              <a:t> – ON</a:t>
-            </a:r>
-            <a:br>
-              <a:rPr lang="en-CA" sz="1400" dirty="0">
-                <a:effectLst/>
-                <a:latin typeface="Century Schoolbook" panose="02040604050505020304" pitchFamily="18" charset="0"/>
-                <a:ea typeface="Calibri" panose="020F0502020204030204" pitchFamily="34" charset="0"/>
-                <a:cs typeface="Calibri" panose="020F0502020204030204" pitchFamily="34" charset="0"/>
-              </a:rPr>
-            </a:br>
+              <a:t>Confirmed positive cases of COVID19 in Ontario</a:t>
+            </a:r>
+          </a:p>
+          <a:p>
+            <a:pPr marL="685800" lvl="1"/>
             <a:r>
               <a:rPr lang="en-CA" sz="1400" u="sng" dirty="0">
                 <a:solidFill>
@@ -10937,16 +11215,6 @@
           </a:p>
           <a:p>
             <a:pPr marL="685800" lvl="1"/>
-            <a:r>
-              <a:rPr lang="pt-BR" sz="1400" u="sng" dirty="0">
-                <a:solidFill>
-                  <a:srgbClr val="0000FF"/>
-                </a:solidFill>
-                <a:latin typeface="Century Schoolbook" panose="02040604050505020304" pitchFamily="18" charset="0"/>
-                <a:cs typeface="Times New Roman" panose="02020603050405020304" pitchFamily="18" charset="0"/>
-              </a:rPr>
-              <a:t> </a:t>
-            </a:r>
             <a:endParaRPr lang="en-CA" sz="1400" u="sng" dirty="0">
               <a:solidFill>
                 <a:srgbClr val="0000FF"/>
@@ -11022,19 +11290,11 @@
             <a:pPr marL="685800" lvl="1"/>
             <a:r>
               <a:rPr lang="en-CA" sz="1400" dirty="0">
-                <a:effectLst/>
-                <a:latin typeface="Century Schoolbook" panose="02040604050505020304" pitchFamily="18" charset="0"/>
-                <a:ea typeface="Calibri" panose="020F0502020204030204" pitchFamily="34" charset="0"/>
+                <a:latin typeface="Century Schoolbook" panose="02040604050505020304" pitchFamily="18" charset="0"/>
                 <a:cs typeface="Calibri" panose="020F0502020204030204" pitchFamily="34" charset="0"/>
               </a:rPr>
-              <a:t>Interest rates:</a:t>
-            </a:r>
-            <a:endParaRPr lang="en-CA" sz="1400" dirty="0">
-              <a:effectLst/>
-              <a:latin typeface="Century Schoolbook" panose="02040604050505020304" pitchFamily="18" charset="0"/>
-              <a:ea typeface="Calibri" panose="020F0502020204030204" pitchFamily="34" charset="0"/>
-              <a:cs typeface="Times New Roman" panose="02020603050405020304" pitchFamily="18" charset="0"/>
-            </a:endParaRPr>
+              <a:t>Canadian Interest Rates and Monetary Policy Variables: 10-Year Lookup</a:t>
+            </a:r>
           </a:p>
           <a:p>
             <a:pPr marL="685800" lvl="1"/>
@@ -11155,6 +11415,18 @@
   <p:clrMapOvr>
     <a:masterClrMapping/>
   </p:clrMapOvr>
+  <mc:AlternateContent xmlns:mc="http://schemas.openxmlformats.org/markup-compatibility/2006">
+    <mc:Choice xmlns:p159="http://schemas.microsoft.com/office/powerpoint/2015/09/main" Requires="p159">
+      <p:transition xmlns:p14="http://schemas.microsoft.com/office/powerpoint/2010/main" spd="slow" p14:dur="2000">
+        <p159:morph option="byObject"/>
+      </p:transition>
+    </mc:Choice>
+    <mc:Fallback>
+      <p:transition spd="slow">
+        <p:fade/>
+      </p:transition>
+    </mc:Fallback>
+  </mc:AlternateContent>
 </p:sld>
 </file>
 
@@ -11445,7 +11717,7 @@
                 </a:solidFill>
                 <a:latin typeface="Century Schoolbook" panose="02040604050505020304" pitchFamily="18" charset="0"/>
               </a:rPr>
-              <a:t>We all agreed to create a column named ‘Date’ with the same format for all datasets. 	Allowing us to grouping the datasets easier.</a:t>
+              <a:t>We all agreed to create a column named ‘Date’ with the same format for all datasets. 	Allowing us to grouping the datasets easily.</a:t>
             </a:r>
             <a:endParaRPr lang="en-CA" sz="2000" b="0" dirty="0">
               <a:effectLst/>
@@ -11541,7 +11813,7 @@
                 <a:effectLst/>
                 <a:latin typeface="Century Schoolbook" panose="02040604050505020304" pitchFamily="18" charset="0"/>
               </a:rPr>
-              <a:t>sed on the main data frame, creating a new chart that only included the information we needed</a:t>
+              <a:t>sed on the main data frame, create a new chart that only includes the information we need</a:t>
             </a:r>
             <a:endParaRPr lang="en-US" sz="1400" kern="1200" dirty="0">
               <a:latin typeface="Century Schoolbook" panose="02040604050505020304" pitchFamily="18" charset="0"/>
@@ -11855,6 +12127,18 @@
   <p:clrMapOvr>
     <a:masterClrMapping/>
   </p:clrMapOvr>
+  <mc:AlternateContent xmlns:mc="http://schemas.openxmlformats.org/markup-compatibility/2006">
+    <mc:Choice xmlns:p159="http://schemas.microsoft.com/office/powerpoint/2015/09/main" Requires="p159">
+      <p:transition xmlns:p14="http://schemas.microsoft.com/office/powerpoint/2010/main" spd="slow" p14:dur="2000">
+        <p159:morph option="byObject"/>
+      </p:transition>
+    </mc:Choice>
+    <mc:Fallback>
+      <p:transition spd="slow">
+        <p:fade/>
+      </p:transition>
+    </mc:Fallback>
+  </mc:AlternateContent>
 </p:sld>
 </file>
 
@@ -12203,6 +12487,18 @@
   <p:clrMapOvr>
     <a:masterClrMapping/>
   </p:clrMapOvr>
+  <mc:AlternateContent xmlns:mc="http://schemas.openxmlformats.org/markup-compatibility/2006">
+    <mc:Choice xmlns:p159="http://schemas.microsoft.com/office/powerpoint/2015/09/main" Requires="p159">
+      <p:transition xmlns:p14="http://schemas.microsoft.com/office/powerpoint/2010/main" spd="slow" p14:dur="2000">
+        <p159:morph option="byObject"/>
+      </p:transition>
+    </mc:Choice>
+    <mc:Fallback>
+      <p:transition spd="slow">
+        <p:fade/>
+      </p:transition>
+    </mc:Fallback>
+  </mc:AlternateContent>
 </p:sld>
 </file>
 
@@ -12643,6 +12939,18 @@
   <p:clrMapOvr>
     <a:masterClrMapping/>
   </p:clrMapOvr>
+  <mc:AlternateContent xmlns:mc="http://schemas.openxmlformats.org/markup-compatibility/2006">
+    <mc:Choice xmlns:p159="http://schemas.microsoft.com/office/powerpoint/2015/09/main" Requires="p159">
+      <p:transition xmlns:p14="http://schemas.microsoft.com/office/powerpoint/2010/main" spd="slow" p14:dur="2000">
+        <p159:morph option="byObject"/>
+      </p:transition>
+    </mc:Choice>
+    <mc:Fallback>
+      <p:transition spd="slow">
+        <p:fade/>
+      </p:transition>
+    </mc:Fallback>
+  </mc:AlternateContent>
 </p:sld>
 </file>
 
@@ -13017,7 +13325,7 @@
                 </a:solidFill>
                 <a:latin typeface="Century Schoolbook" panose="02040604050505020304" pitchFamily="18" charset="0"/>
               </a:rPr>
-              <a:t>How we solve them</a:t>
+              <a:t>How we solve them:</a:t>
             </a:r>
           </a:p>
         </p:txBody>
@@ -13095,6 +13403,18 @@
   <p:clrMapOvr>
     <a:masterClrMapping/>
   </p:clrMapOvr>
+  <mc:AlternateContent xmlns:mc="http://schemas.openxmlformats.org/markup-compatibility/2006">
+    <mc:Choice xmlns:p159="http://schemas.microsoft.com/office/powerpoint/2015/09/main" Requires="p159">
+      <p:transition xmlns:p14="http://schemas.microsoft.com/office/powerpoint/2010/main" spd="slow" p14:dur="2000">
+        <p159:morph option="byObject"/>
+      </p:transition>
+    </mc:Choice>
+    <mc:Fallback>
+      <p:transition spd="slow">
+        <p:fade/>
+      </p:transition>
+    </mc:Fallback>
+  </mc:AlternateContent>
 </p:sld>
 </file>
 

--- a/Real Estate Mkt.pptx
+++ b/Real Estate Mkt.pptx
@@ -7,20 +7,17 @@
   <p:sldIdLst>
     <p:sldId id="276" r:id="rId2"/>
     <p:sldId id="258" r:id="rId3"/>
-    <p:sldId id="260" r:id="rId4"/>
-    <p:sldId id="259" r:id="rId5"/>
-    <p:sldId id="262" r:id="rId6"/>
-    <p:sldId id="263" r:id="rId7"/>
-    <p:sldId id="266" r:id="rId8"/>
-    <p:sldId id="264" r:id="rId9"/>
-    <p:sldId id="268" r:id="rId10"/>
-    <p:sldId id="269" r:id="rId11"/>
-    <p:sldId id="270" r:id="rId12"/>
-    <p:sldId id="271" r:id="rId13"/>
-    <p:sldId id="273" r:id="rId14"/>
-    <p:sldId id="272" r:id="rId15"/>
-    <p:sldId id="274" r:id="rId16"/>
-    <p:sldId id="256" r:id="rId17"/>
+    <p:sldId id="262" r:id="rId4"/>
+    <p:sldId id="263" r:id="rId5"/>
+    <p:sldId id="266" r:id="rId6"/>
+    <p:sldId id="268" r:id="rId7"/>
+    <p:sldId id="269" r:id="rId8"/>
+    <p:sldId id="277" r:id="rId9"/>
+    <p:sldId id="270" r:id="rId10"/>
+    <p:sldId id="271" r:id="rId11"/>
+    <p:sldId id="272" r:id="rId12"/>
+    <p:sldId id="274" r:id="rId13"/>
+    <p:sldId id="256" r:id="rId14"/>
   </p:sldIdLst>
   <p:sldSz cx="12192000" cy="6858000"/>
   <p:notesSz cx="6858000" cy="9144000"/>
@@ -130,8 +127,7 @@
 <file path=ppt/revisionInfo.xml><?xml version="1.0" encoding="utf-8"?>
 <p1510:revInfo xmlns:a="http://schemas.openxmlformats.org/drawingml/2006/main" xmlns:r="http://schemas.openxmlformats.org/officeDocument/2006/relationships" xmlns:p1510="http://schemas.microsoft.com/office/powerpoint/2015/10/main">
   <p1510:revLst>
-    <p1510:client id="{1BA56BAF-28D7-4A7C-8808-7304D8F524B9}" v="11" dt="2020-11-07T21:03:59.960"/>
-    <p1510:client id="{92C7CA92-B255-409F-99CE-2D2DC2B2ACC0}" v="4" dt="2020-11-08T14:31:40.315"/>
+    <p1510:client id="{92C7CA92-B255-409F-99CE-2D2DC2B2ACC0}" v="7" dt="2020-11-11T01:46:17.959"/>
   </p1510:revLst>
 </p1510:revInfo>
 </file>
@@ -140,8 +136,8 @@
 <pc:chgInfo xmlns:a="http://schemas.openxmlformats.org/drawingml/2006/main" xmlns:r="http://schemas.openxmlformats.org/officeDocument/2006/relationships" xmlns:ac="http://schemas.microsoft.com/office/drawing/2013/main/command" xmlns:pc="http://schemas.microsoft.com/office/powerpoint/2013/main/command">
   <pc:docChgLst>
     <pc:chgData name="Marina Ercoli" userId="895246e1d6dbe33d" providerId="LiveId" clId="{92C7CA92-B255-409F-99CE-2D2DC2B2ACC0}"/>
-    <pc:docChg chg="custSel modSld">
-      <pc:chgData name="Marina Ercoli" userId="895246e1d6dbe33d" providerId="LiveId" clId="{92C7CA92-B255-409F-99CE-2D2DC2B2ACC0}" dt="2020-11-08T14:36:46.900" v="137" actId="20577"/>
+    <pc:docChg chg="undo custSel addSld delSld modSld sldOrd">
+      <pc:chgData name="Marina Ercoli" userId="895246e1d6dbe33d" providerId="LiveId" clId="{92C7CA92-B255-409F-99CE-2D2DC2B2ACC0}" dt="2020-11-11T01:58:57.923" v="703" actId="2696"/>
       <pc:docMkLst>
         <pc:docMk/>
       </pc:docMkLst>
@@ -153,13 +149,13 @@
         </pc:sldMkLst>
       </pc:sldChg>
       <pc:sldChg chg="modSp mod modTransition">
-        <pc:chgData name="Marina Ercoli" userId="895246e1d6dbe33d" providerId="LiveId" clId="{92C7CA92-B255-409F-99CE-2D2DC2B2ACC0}" dt="2020-11-08T14:31:40.315" v="79"/>
+        <pc:chgData name="Marina Ercoli" userId="895246e1d6dbe33d" providerId="LiveId" clId="{92C7CA92-B255-409F-99CE-2D2DC2B2ACC0}" dt="2020-11-11T01:21:14.261" v="408" actId="20577"/>
         <pc:sldMkLst>
           <pc:docMk/>
           <pc:sldMk cId="1721340933" sldId="258"/>
         </pc:sldMkLst>
         <pc:spChg chg="mod">
-          <ac:chgData name="Marina Ercoli" userId="895246e1d6dbe33d" providerId="LiveId" clId="{92C7CA92-B255-409F-99CE-2D2DC2B2ACC0}" dt="2020-11-08T14:20:40.197" v="4" actId="20577"/>
+          <ac:chgData name="Marina Ercoli" userId="895246e1d6dbe33d" providerId="LiveId" clId="{92C7CA92-B255-409F-99CE-2D2DC2B2ACC0}" dt="2020-11-11T01:21:14.261" v="408" actId="20577"/>
           <ac:spMkLst>
             <pc:docMk/>
             <pc:sldMk cId="1721340933" sldId="258"/>
@@ -167,12 +163,20 @@
           </ac:spMkLst>
         </pc:spChg>
       </pc:sldChg>
-      <pc:sldChg chg="modSp mod modTransition">
-        <pc:chgData name="Marina Ercoli" userId="895246e1d6dbe33d" providerId="LiveId" clId="{92C7CA92-B255-409F-99CE-2D2DC2B2ACC0}" dt="2020-11-08T14:36:46.900" v="137" actId="20577"/>
+      <pc:sldChg chg="modSp del mod ord modTransition">
+        <pc:chgData name="Marina Ercoli" userId="895246e1d6dbe33d" providerId="LiveId" clId="{92C7CA92-B255-409F-99CE-2D2DC2B2ACC0}" dt="2020-11-11T01:35:51.529" v="668" actId="2696"/>
         <pc:sldMkLst>
           <pc:docMk/>
           <pc:sldMk cId="1335930001" sldId="259"/>
         </pc:sldMkLst>
+        <pc:spChg chg="mod">
+          <ac:chgData name="Marina Ercoli" userId="895246e1d6dbe33d" providerId="LiveId" clId="{92C7CA92-B255-409F-99CE-2D2DC2B2ACC0}" dt="2020-11-11T01:26:34.706" v="456" actId="6549"/>
+          <ac:spMkLst>
+            <pc:docMk/>
+            <pc:sldMk cId="1335930001" sldId="259"/>
+            <ac:spMk id="10" creationId="{D4B40B4C-A268-4EDA-9A79-6A3292BE8A8F}"/>
+          </ac:spMkLst>
+        </pc:spChg>
         <pc:spChg chg="mod">
           <ac:chgData name="Marina Ercoli" userId="895246e1d6dbe33d" providerId="LiveId" clId="{92C7CA92-B255-409F-99CE-2D2DC2B2ACC0}" dt="2020-11-08T14:36:46.900" v="137" actId="20577"/>
           <ac:spMkLst>
@@ -182,14 +186,14 @@
           </ac:spMkLst>
         </pc:spChg>
       </pc:sldChg>
-      <pc:sldChg chg="modSp mod modTransition">
-        <pc:chgData name="Marina Ercoli" userId="895246e1d6dbe33d" providerId="LiveId" clId="{92C7CA92-B255-409F-99CE-2D2DC2B2ACC0}" dt="2020-11-08T14:31:40.315" v="79"/>
+      <pc:sldChg chg="modSp del mod modTransition">
+        <pc:chgData name="Marina Ercoli" userId="895246e1d6dbe33d" providerId="LiveId" clId="{92C7CA92-B255-409F-99CE-2D2DC2B2ACC0}" dt="2020-11-11T01:18:34.171" v="323" actId="2696"/>
         <pc:sldMkLst>
           <pc:docMk/>
           <pc:sldMk cId="515109759" sldId="260"/>
         </pc:sldMkLst>
         <pc:spChg chg="mod">
-          <ac:chgData name="Marina Ercoli" userId="895246e1d6dbe33d" providerId="LiveId" clId="{92C7CA92-B255-409F-99CE-2D2DC2B2ACC0}" dt="2020-11-08T14:27:24.498" v="73" actId="20577"/>
+          <ac:chgData name="Marina Ercoli" userId="895246e1d6dbe33d" providerId="LiveId" clId="{92C7CA92-B255-409F-99CE-2D2DC2B2ACC0}" dt="2020-11-11T01:13:47.355" v="262" actId="27636"/>
           <ac:spMkLst>
             <pc:docMk/>
             <pc:sldMk cId="515109759" sldId="260"/>
@@ -197,18 +201,26 @@
           </ac:spMkLst>
         </pc:spChg>
       </pc:sldChg>
-      <pc:sldChg chg="modSp mod modTransition">
-        <pc:chgData name="Marina Ercoli" userId="895246e1d6dbe33d" providerId="LiveId" clId="{92C7CA92-B255-409F-99CE-2D2DC2B2ACC0}" dt="2020-11-08T14:31:40.315" v="79"/>
+      <pc:sldChg chg="modSp mod ord modTransition">
+        <pc:chgData name="Marina Ercoli" userId="895246e1d6dbe33d" providerId="LiveId" clId="{92C7CA92-B255-409F-99CE-2D2DC2B2ACC0}" dt="2020-11-11T01:35:30.279" v="667" actId="404"/>
         <pc:sldMkLst>
           <pc:docMk/>
           <pc:sldMk cId="386137476" sldId="262"/>
         </pc:sldMkLst>
         <pc:spChg chg="mod">
-          <ac:chgData name="Marina Ercoli" userId="895246e1d6dbe33d" providerId="LiveId" clId="{92C7CA92-B255-409F-99CE-2D2DC2B2ACC0}" dt="2020-11-08T14:25:39.129" v="43" actId="20577"/>
+          <ac:chgData name="Marina Ercoli" userId="895246e1d6dbe33d" providerId="LiveId" clId="{92C7CA92-B255-409F-99CE-2D2DC2B2ACC0}" dt="2020-11-11T01:35:30.279" v="667" actId="404"/>
           <ac:spMkLst>
             <pc:docMk/>
             <pc:sldMk cId="386137476" sldId="262"/>
             <ac:spMk id="3" creationId="{5CBCD2FB-86AE-4224-B314-92DB0A60E4CC}"/>
+          </ac:spMkLst>
+        </pc:spChg>
+        <pc:spChg chg="mod">
+          <ac:chgData name="Marina Ercoli" userId="895246e1d6dbe33d" providerId="LiveId" clId="{92C7CA92-B255-409F-99CE-2D2DC2B2ACC0}" dt="2020-11-11T01:28:03.710" v="481" actId="20577"/>
+          <ac:spMkLst>
+            <pc:docMk/>
+            <pc:sldMk cId="386137476" sldId="262"/>
+            <ac:spMk id="4" creationId="{50DF5C7B-714C-44DC-B49A-F16BE5E80C8B}"/>
           </ac:spMkLst>
         </pc:spChg>
       </pc:sldChg>
@@ -235,19 +247,43 @@
           </ac:spMkLst>
         </pc:spChg>
       </pc:sldChg>
-      <pc:sldChg chg="modTransition">
-        <pc:chgData name="Marina Ercoli" userId="895246e1d6dbe33d" providerId="LiveId" clId="{92C7CA92-B255-409F-99CE-2D2DC2B2ACC0}" dt="2020-11-08T14:31:40.315" v="79"/>
+      <pc:sldChg chg="modSp del mod modTransition">
+        <pc:chgData name="Marina Ercoli" userId="895246e1d6dbe33d" providerId="LiveId" clId="{92C7CA92-B255-409F-99CE-2D2DC2B2ACC0}" dt="2020-11-11T01:43:03.562" v="696" actId="2696"/>
         <pc:sldMkLst>
           <pc:docMk/>
           <pc:sldMk cId="3146211802" sldId="264"/>
         </pc:sldMkLst>
+        <pc:spChg chg="mod">
+          <ac:chgData name="Marina Ercoli" userId="895246e1d6dbe33d" providerId="LiveId" clId="{92C7CA92-B255-409F-99CE-2D2DC2B2ACC0}" dt="2020-11-11T01:42:00.203" v="695" actId="20577"/>
+          <ac:spMkLst>
+            <pc:docMk/>
+            <pc:sldMk cId="3146211802" sldId="264"/>
+            <ac:spMk id="9" creationId="{02F3F37C-5EB5-40DC-904C-F1046056AD48}"/>
+          </ac:spMkLst>
+        </pc:spChg>
       </pc:sldChg>
-      <pc:sldChg chg="modTransition">
-        <pc:chgData name="Marina Ercoli" userId="895246e1d6dbe33d" providerId="LiveId" clId="{92C7CA92-B255-409F-99CE-2D2DC2B2ACC0}" dt="2020-11-08T14:31:40.315" v="79"/>
+      <pc:sldChg chg="addSp delSp modSp mod modTransition">
+        <pc:chgData name="Marina Ercoli" userId="895246e1d6dbe33d" providerId="LiveId" clId="{92C7CA92-B255-409F-99CE-2D2DC2B2ACC0}" dt="2020-11-11T01:46:20.552" v="702" actId="1076"/>
         <pc:sldMkLst>
           <pc:docMk/>
           <pc:sldMk cId="3977117954" sldId="266"/>
         </pc:sldMkLst>
+        <pc:picChg chg="del">
+          <ac:chgData name="Marina Ercoli" userId="895246e1d6dbe33d" providerId="LiveId" clId="{92C7CA92-B255-409F-99CE-2D2DC2B2ACC0}" dt="2020-11-11T01:39:42.801" v="692" actId="478"/>
+          <ac:picMkLst>
+            <pc:docMk/>
+            <pc:sldMk cId="3977117954" sldId="266"/>
+            <ac:picMk id="3" creationId="{42F8F412-72F3-49AF-A93D-167DE6B4314E}"/>
+          </ac:picMkLst>
+        </pc:picChg>
+        <pc:picChg chg="add mod">
+          <ac:chgData name="Marina Ercoli" userId="895246e1d6dbe33d" providerId="LiveId" clId="{92C7CA92-B255-409F-99CE-2D2DC2B2ACC0}" dt="2020-11-11T01:46:20.552" v="702" actId="1076"/>
+          <ac:picMkLst>
+            <pc:docMk/>
+            <pc:sldMk cId="3977117954" sldId="266"/>
+            <ac:picMk id="6" creationId="{98B00E97-E2C5-4C7E-8F29-E925E28096AC}"/>
+          </ac:picMkLst>
+        </pc:picChg>
       </pc:sldChg>
       <pc:sldChg chg="modSp mod modTransition">
         <pc:chgData name="Marina Ercoli" userId="895246e1d6dbe33d" providerId="LiveId" clId="{92C7CA92-B255-409F-99CE-2D2DC2B2ACC0}" dt="2020-11-08T14:31:40.315" v="79"/>
@@ -264,8 +300,8 @@
           </ac:spMkLst>
         </pc:spChg>
       </pc:sldChg>
-      <pc:sldChg chg="modTransition">
-        <pc:chgData name="Marina Ercoli" userId="895246e1d6dbe33d" providerId="LiveId" clId="{92C7CA92-B255-409F-99CE-2D2DC2B2ACC0}" dt="2020-11-08T14:31:40.315" v="79"/>
+      <pc:sldChg chg="ord modTransition">
+        <pc:chgData name="Marina Ercoli" userId="895246e1d6dbe33d" providerId="LiveId" clId="{92C7CA92-B255-409F-99CE-2D2DC2B2ACC0}" dt="2020-11-11T01:43:21.850" v="700"/>
         <pc:sldMkLst>
           <pc:docMk/>
           <pc:sldMk cId="438456063" sldId="269"/>
@@ -300,8 +336,8 @@
           <pc:sldMk cId="2160863434" sldId="272"/>
         </pc:sldMkLst>
       </pc:sldChg>
-      <pc:sldChg chg="modTransition">
-        <pc:chgData name="Marina Ercoli" userId="895246e1d6dbe33d" providerId="LiveId" clId="{92C7CA92-B255-409F-99CE-2D2DC2B2ACC0}" dt="2020-11-08T14:31:40.315" v="79"/>
+      <pc:sldChg chg="del modTransition">
+        <pc:chgData name="Marina Ercoli" userId="895246e1d6dbe33d" providerId="LiveId" clId="{92C7CA92-B255-409F-99CE-2D2DC2B2ACC0}" dt="2020-11-11T01:58:57.923" v="703" actId="2696"/>
         <pc:sldMkLst>
           <pc:docMk/>
           <pc:sldMk cId="3405510997" sldId="273"/>
@@ -314,12 +350,59 @@
           <pc:sldMk cId="3972983593" sldId="274"/>
         </pc:sldMkLst>
       </pc:sldChg>
-      <pc:sldChg chg="modTransition">
-        <pc:chgData name="Marina Ercoli" userId="895246e1d6dbe33d" providerId="LiveId" clId="{92C7CA92-B255-409F-99CE-2D2DC2B2ACC0}" dt="2020-11-08T14:31:40.315" v="79"/>
+      <pc:sldChg chg="modSp mod modTransition">
+        <pc:chgData name="Marina Ercoli" userId="895246e1d6dbe33d" providerId="LiveId" clId="{92C7CA92-B255-409F-99CE-2D2DC2B2ACC0}" dt="2020-11-11T01:09:31.144" v="236" actId="14100"/>
         <pc:sldMkLst>
           <pc:docMk/>
           <pc:sldMk cId="3406540889" sldId="276"/>
         </pc:sldMkLst>
+        <pc:spChg chg="mod">
+          <ac:chgData name="Marina Ercoli" userId="895246e1d6dbe33d" providerId="LiveId" clId="{92C7CA92-B255-409F-99CE-2D2DC2B2ACC0}" dt="2020-11-11T01:09:31.144" v="236" actId="14100"/>
+          <ac:spMkLst>
+            <pc:docMk/>
+            <pc:sldMk cId="3406540889" sldId="276"/>
+            <ac:spMk id="7" creationId="{579D5581-53BA-44EB-8D96-6F645B299C3A}"/>
+          </ac:spMkLst>
+        </pc:spChg>
+        <pc:spChg chg="mod">
+          <ac:chgData name="Marina Ercoli" userId="895246e1d6dbe33d" providerId="LiveId" clId="{92C7CA92-B255-409F-99CE-2D2DC2B2ACC0}" dt="2020-11-11T01:08:04.942" v="146" actId="313"/>
+          <ac:spMkLst>
+            <pc:docMk/>
+            <pc:sldMk cId="3406540889" sldId="276"/>
+            <ac:spMk id="11" creationId="{8D7D6A06-05A4-43A0-9060-88AF66C8A9F4}"/>
+          </ac:spMkLst>
+        </pc:spChg>
+      </pc:sldChg>
+      <pc:sldChg chg="addSp delSp modSp add mod ord">
+        <pc:chgData name="Marina Ercoli" userId="895246e1d6dbe33d" providerId="LiveId" clId="{92C7CA92-B255-409F-99CE-2D2DC2B2ACC0}" dt="2020-11-11T01:43:15.502" v="698"/>
+        <pc:sldMkLst>
+          <pc:docMk/>
+          <pc:sldMk cId="1417207179" sldId="277"/>
+        </pc:sldMkLst>
+        <pc:spChg chg="mod">
+          <ac:chgData name="Marina Ercoli" userId="895246e1d6dbe33d" providerId="LiveId" clId="{92C7CA92-B255-409F-99CE-2D2DC2B2ACC0}" dt="2020-11-11T01:25:10.857" v="445" actId="20577"/>
+          <ac:spMkLst>
+            <pc:docMk/>
+            <pc:sldMk cId="1417207179" sldId="277"/>
+            <ac:spMk id="4" creationId="{50DF5C7B-714C-44DC-B49A-F16BE5E80C8B}"/>
+          </ac:spMkLst>
+        </pc:spChg>
+        <pc:spChg chg="del mod">
+          <ac:chgData name="Marina Ercoli" userId="895246e1d6dbe33d" providerId="LiveId" clId="{92C7CA92-B255-409F-99CE-2D2DC2B2ACC0}" dt="2020-11-11T01:38:11.405" v="674" actId="478"/>
+          <ac:spMkLst>
+            <pc:docMk/>
+            <pc:sldMk cId="1417207179" sldId="277"/>
+            <ac:spMk id="6" creationId="{AB8C65B5-8163-4E17-BC2A-195AC06AD212}"/>
+          </ac:spMkLst>
+        </pc:spChg>
+        <pc:spChg chg="add mod">
+          <ac:chgData name="Marina Ercoli" userId="895246e1d6dbe33d" providerId="LiveId" clId="{92C7CA92-B255-409F-99CE-2D2DC2B2ACC0}" dt="2020-11-11T01:38:40.958" v="689" actId="20577"/>
+          <ac:spMkLst>
+            <pc:docMk/>
+            <pc:sldMk cId="1417207179" sldId="277"/>
+            <ac:spMk id="7" creationId="{362594AB-54A2-4EAB-B654-C341286EBCB8}"/>
+          </ac:spMkLst>
+        </pc:spChg>
       </pc:sldChg>
     </pc:docChg>
   </pc:docChgLst>
@@ -1243,7 +1326,7 @@
           <a:p>
             <a:fld id="{6EA93034-D864-46EE-BF64-756895E3DFD7}" type="datetimeFigureOut">
               <a:rPr lang="en-CA" smtClean="0"/>
-              <a:t>2020-11-08</a:t>
+              <a:t>2020-11-10</a:t>
             </a:fld>
             <a:endParaRPr lang="en-CA"/>
           </a:p>
@@ -1443,7 +1526,7 @@
           <a:p>
             <a:fld id="{6EA93034-D864-46EE-BF64-756895E3DFD7}" type="datetimeFigureOut">
               <a:rPr lang="en-CA" smtClean="0"/>
-              <a:t>2020-11-08</a:t>
+              <a:t>2020-11-10</a:t>
             </a:fld>
             <a:endParaRPr lang="en-CA"/>
           </a:p>
@@ -1653,7 +1736,7 @@
           <a:p>
             <a:fld id="{6EA93034-D864-46EE-BF64-756895E3DFD7}" type="datetimeFigureOut">
               <a:rPr lang="en-CA" smtClean="0"/>
-              <a:t>2020-11-08</a:t>
+              <a:t>2020-11-10</a:t>
             </a:fld>
             <a:endParaRPr lang="en-CA"/>
           </a:p>
@@ -1853,7 +1936,7 @@
           <a:p>
             <a:fld id="{6EA93034-D864-46EE-BF64-756895E3DFD7}" type="datetimeFigureOut">
               <a:rPr lang="en-CA" smtClean="0"/>
-              <a:t>2020-11-08</a:t>
+              <a:t>2020-11-10</a:t>
             </a:fld>
             <a:endParaRPr lang="en-CA"/>
           </a:p>
@@ -2129,7 +2212,7 @@
           <a:p>
             <a:fld id="{6EA93034-D864-46EE-BF64-756895E3DFD7}" type="datetimeFigureOut">
               <a:rPr lang="en-CA" smtClean="0"/>
-              <a:t>2020-11-08</a:t>
+              <a:t>2020-11-10</a:t>
             </a:fld>
             <a:endParaRPr lang="en-CA"/>
           </a:p>
@@ -2397,7 +2480,7 @@
           <a:p>
             <a:fld id="{6EA93034-D864-46EE-BF64-756895E3DFD7}" type="datetimeFigureOut">
               <a:rPr lang="en-CA" smtClean="0"/>
-              <a:t>2020-11-08</a:t>
+              <a:t>2020-11-10</a:t>
             </a:fld>
             <a:endParaRPr lang="en-CA"/>
           </a:p>
@@ -2812,7 +2895,7 @@
           <a:p>
             <a:fld id="{6EA93034-D864-46EE-BF64-756895E3DFD7}" type="datetimeFigureOut">
               <a:rPr lang="en-CA" smtClean="0"/>
-              <a:t>2020-11-08</a:t>
+              <a:t>2020-11-10</a:t>
             </a:fld>
             <a:endParaRPr lang="en-CA"/>
           </a:p>
@@ -2954,7 +3037,7 @@
           <a:p>
             <a:fld id="{6EA93034-D864-46EE-BF64-756895E3DFD7}" type="datetimeFigureOut">
               <a:rPr lang="en-CA" smtClean="0"/>
-              <a:t>2020-11-08</a:t>
+              <a:t>2020-11-10</a:t>
             </a:fld>
             <a:endParaRPr lang="en-CA"/>
           </a:p>
@@ -3067,7 +3150,7 @@
           <a:p>
             <a:fld id="{6EA93034-D864-46EE-BF64-756895E3DFD7}" type="datetimeFigureOut">
               <a:rPr lang="en-CA" smtClean="0"/>
-              <a:t>2020-11-08</a:t>
+              <a:t>2020-11-10</a:t>
             </a:fld>
             <a:endParaRPr lang="en-CA"/>
           </a:p>
@@ -3380,7 +3463,7 @@
           <a:p>
             <a:fld id="{6EA93034-D864-46EE-BF64-756895E3DFD7}" type="datetimeFigureOut">
               <a:rPr lang="en-CA" smtClean="0"/>
-              <a:t>2020-11-08</a:t>
+              <a:t>2020-11-10</a:t>
             </a:fld>
             <a:endParaRPr lang="en-CA"/>
           </a:p>
@@ -3669,7 +3752,7 @@
           <a:p>
             <a:fld id="{6EA93034-D864-46EE-BF64-756895E3DFD7}" type="datetimeFigureOut">
               <a:rPr lang="en-CA" smtClean="0"/>
-              <a:t>2020-11-08</a:t>
+              <a:t>2020-11-10</a:t>
             </a:fld>
             <a:endParaRPr lang="en-CA"/>
           </a:p>
@@ -3912,7 +3995,7 @@
           <a:p>
             <a:fld id="{6EA93034-D864-46EE-BF64-756895E3DFD7}" type="datetimeFigureOut">
               <a:rPr lang="en-CA" smtClean="0"/>
-              <a:t>2020-11-08</a:t>
+              <a:t>2020-11-10</a:t>
             </a:fld>
             <a:endParaRPr lang="en-CA"/>
           </a:p>
@@ -4576,7 +4659,7 @@
         <p:spPr>
           <a:xfrm>
             <a:off x="265043" y="5640643"/>
-            <a:ext cx="2729948" cy="474836"/>
+            <a:ext cx="5459896" cy="474836"/>
           </a:xfrm>
           <a:prstGeom prst="rect">
             <a:avLst/>
@@ -4584,7 +4667,7 @@
         </p:spPr>
         <p:txBody>
           <a:bodyPr vert="horz" lIns="91440" tIns="45720" rIns="91440" bIns="45720" rtlCol="0">
-            <a:normAutofit lnSpcReduction="10000"/>
+            <a:normAutofit fontScale="55000" lnSpcReduction="20000"/>
           </a:bodyPr>
           <a:lstStyle>
             <a:lvl1pPr marL="0" indent="0" algn="ctr" defTabSz="914400" rtl="0" eaLnBrk="1" latinLnBrk="0" hangingPunct="1">
@@ -4759,12 +4842,9 @@
                 </a:solidFill>
                 <a:latin typeface="Century Schoolbook" panose="02040604050505020304" pitchFamily="18" charset="0"/>
               </a:rPr>
-              <a:t>Covid-19</a:t>
-            </a:r>
-            <a:r>
-              <a:rPr lang="en-US" sz="2800" dirty="0"/>
-              <a:t> </a:t>
-            </a:r>
+              <a:t>The impact of COVID-19 in Ontario’s Real Estate Market</a:t>
+            </a:r>
+            <a:endParaRPr lang="en-US" sz="2800" dirty="0"/>
           </a:p>
         </p:txBody>
       </p:sp>
@@ -4962,16 +5042,10 @@
           <a:p>
             <a:pPr algn="l"/>
             <a:r>
-              <a:rPr lang="en-US" sz="2800" u="sng" dirty="0" err="1">
-                <a:latin typeface="Century Schoolbook" panose="02040604050505020304" pitchFamily="18" charset="0"/>
-              </a:rPr>
-              <a:t>Authours</a:t>
-            </a:r>
-            <a:r>
               <a:rPr lang="en-US" sz="2800" u="sng" dirty="0">
                 <a:latin typeface="Century Schoolbook" panose="02040604050505020304" pitchFamily="18" charset="0"/>
               </a:rPr>
-              <a:t>: </a:t>
+              <a:t>Authors: </a:t>
             </a:r>
           </a:p>
           <a:p>
@@ -5074,13 +5148,13 @@
   <p:clrMapOvr>
     <a:masterClrMapping/>
   </p:clrMapOvr>
-  <mc:AlternateContent xmlns:mc="http://schemas.openxmlformats.org/markup-compatibility/2006">
-    <mc:Choice xmlns:p159="http://schemas.microsoft.com/office/powerpoint/2015/09/main" Requires="p159">
+  <mc:AlternateContent xmlns:mc="http://schemas.openxmlformats.org/markup-compatibility/2006" xmlns:p159="http://schemas.microsoft.com/office/powerpoint/2015/09/main">
+    <mc:Choice Requires="p159">
       <p:transition xmlns:p14="http://schemas.microsoft.com/office/powerpoint/2010/main" spd="slow" p14:dur="2000">
         <p159:morph option="byObject"/>
       </p:transition>
     </mc:Choice>
-    <mc:Fallback>
+    <mc:Fallback xmlns="">
       <p:transition spd="slow">
         <p:fade/>
       </p:transition>
@@ -5108,10 +5182,470 @@
       </p:grpSpPr>
       <p:sp>
         <p:nvSpPr>
-          <p:cNvPr id="2" name="Rectangle 1">
-            <a:extLst>
-              <a:ext uri="{FF2B5EF4-FFF2-40B4-BE49-F238E27FC236}">
-                <a16:creationId xmlns:a16="http://schemas.microsoft.com/office/drawing/2014/main" id="{EEE071ED-06F3-4D4B-A393-6B931DD1EBE1}"/>
+          <p:cNvPr id="4" name="Title 1">
+            <a:extLst>
+              <a:ext uri="{FF2B5EF4-FFF2-40B4-BE49-F238E27FC236}">
+                <a16:creationId xmlns:a16="http://schemas.microsoft.com/office/drawing/2014/main" id="{50DF5C7B-714C-44DC-B49A-F16BE5E80C8B}"/>
+              </a:ext>
+            </a:extLst>
+          </p:cNvPr>
+          <p:cNvSpPr txBox="1">
+            <a:spLocks/>
+          </p:cNvSpPr>
+          <p:nvPr/>
+        </p:nvSpPr>
+        <p:spPr>
+          <a:xfrm>
+            <a:off x="424920" y="330535"/>
+            <a:ext cx="5535205" cy="935510"/>
+          </a:xfrm>
+          <a:prstGeom prst="rect">
+            <a:avLst/>
+          </a:prstGeom>
+        </p:spPr>
+        <p:txBody>
+          <a:bodyPr vert="horz" lIns="91440" tIns="45720" rIns="91440" bIns="45720" rtlCol="0" anchor="b">
+            <a:normAutofit/>
+          </a:bodyPr>
+          <a:lstStyle>
+            <a:lvl1pPr algn="ctr" defTabSz="914400" rtl="0" eaLnBrk="1" latinLnBrk="0" hangingPunct="1">
+              <a:lnSpc>
+                <a:spcPct val="90000"/>
+              </a:lnSpc>
+              <a:spcBef>
+                <a:spcPct val="0"/>
+              </a:spcBef>
+              <a:buNone/>
+              <a:defRPr sz="6000" kern="1200">
+                <a:solidFill>
+                  <a:schemeClr val="tx1"/>
+                </a:solidFill>
+                <a:latin typeface="+mj-lt"/>
+                <a:ea typeface="+mj-ea"/>
+                <a:cs typeface="+mj-cs"/>
+              </a:defRPr>
+            </a:lvl1pPr>
+          </a:lstStyle>
+          <a:p>
+            <a:pPr algn="l">
+              <a:spcBef>
+                <a:spcPts val="600"/>
+              </a:spcBef>
+              <a:spcAft>
+                <a:spcPts val="600"/>
+              </a:spcAft>
+            </a:pPr>
+            <a:r>
+              <a:rPr lang="en-US" sz="3400" dirty="0">
+                <a:solidFill>
+                  <a:srgbClr val="00B050"/>
+                </a:solidFill>
+                <a:latin typeface="Century Schoolbook" panose="02040604050505020304" pitchFamily="18" charset="0"/>
+              </a:rPr>
+              <a:t>Discussion</a:t>
+            </a:r>
+          </a:p>
+        </p:txBody>
+      </p:sp>
+      <p:sp>
+        <p:nvSpPr>
+          <p:cNvPr id="6" name="Subtitle 2">
+            <a:extLst>
+              <a:ext uri="{FF2B5EF4-FFF2-40B4-BE49-F238E27FC236}">
+                <a16:creationId xmlns:a16="http://schemas.microsoft.com/office/drawing/2014/main" id="{AB8C65B5-8163-4E17-BC2A-195AC06AD212}"/>
+              </a:ext>
+            </a:extLst>
+          </p:cNvPr>
+          <p:cNvSpPr txBox="1">
+            <a:spLocks/>
+          </p:cNvSpPr>
+          <p:nvPr/>
+        </p:nvSpPr>
+        <p:spPr>
+          <a:xfrm>
+            <a:off x="796673" y="1604837"/>
+            <a:ext cx="8942238" cy="4271642"/>
+          </a:xfrm>
+          <a:prstGeom prst="rect">
+            <a:avLst/>
+          </a:prstGeom>
+        </p:spPr>
+        <p:txBody>
+          <a:bodyPr vert="horz" lIns="91440" tIns="45720" rIns="91440" bIns="45720" rtlCol="0">
+            <a:normAutofit/>
+          </a:bodyPr>
+          <a:lstStyle>
+            <a:lvl1pPr marL="0" indent="0" algn="ctr" defTabSz="914400" rtl="0" eaLnBrk="1" latinLnBrk="0" hangingPunct="1">
+              <a:lnSpc>
+                <a:spcPct val="90000"/>
+              </a:lnSpc>
+              <a:spcBef>
+                <a:spcPts val="1000"/>
+              </a:spcBef>
+              <a:buFont typeface="Arial" panose="020B0604020202020204" pitchFamily="34" charset="0"/>
+              <a:buNone/>
+              <a:defRPr sz="2400" kern="1200">
+                <a:solidFill>
+                  <a:schemeClr val="tx1"/>
+                </a:solidFill>
+                <a:latin typeface="+mn-lt"/>
+                <a:ea typeface="+mn-ea"/>
+                <a:cs typeface="+mn-cs"/>
+              </a:defRPr>
+            </a:lvl1pPr>
+            <a:lvl2pPr marL="457200" indent="0" algn="ctr" defTabSz="914400" rtl="0" eaLnBrk="1" latinLnBrk="0" hangingPunct="1">
+              <a:lnSpc>
+                <a:spcPct val="90000"/>
+              </a:lnSpc>
+              <a:spcBef>
+                <a:spcPts val="500"/>
+              </a:spcBef>
+              <a:buFont typeface="Arial" panose="020B0604020202020204" pitchFamily="34" charset="0"/>
+              <a:buNone/>
+              <a:defRPr sz="2000" kern="1200">
+                <a:solidFill>
+                  <a:schemeClr val="tx1"/>
+                </a:solidFill>
+                <a:latin typeface="+mn-lt"/>
+                <a:ea typeface="+mn-ea"/>
+                <a:cs typeface="+mn-cs"/>
+              </a:defRPr>
+            </a:lvl2pPr>
+            <a:lvl3pPr marL="914400" indent="0" algn="ctr" defTabSz="914400" rtl="0" eaLnBrk="1" latinLnBrk="0" hangingPunct="1">
+              <a:lnSpc>
+                <a:spcPct val="90000"/>
+              </a:lnSpc>
+              <a:spcBef>
+                <a:spcPts val="500"/>
+              </a:spcBef>
+              <a:buFont typeface="Arial" panose="020B0604020202020204" pitchFamily="34" charset="0"/>
+              <a:buNone/>
+              <a:defRPr sz="1800" kern="1200">
+                <a:solidFill>
+                  <a:schemeClr val="tx1"/>
+                </a:solidFill>
+                <a:latin typeface="+mn-lt"/>
+                <a:ea typeface="+mn-ea"/>
+                <a:cs typeface="+mn-cs"/>
+              </a:defRPr>
+            </a:lvl3pPr>
+            <a:lvl4pPr marL="1371600" indent="0" algn="ctr" defTabSz="914400" rtl="0" eaLnBrk="1" latinLnBrk="0" hangingPunct="1">
+              <a:lnSpc>
+                <a:spcPct val="90000"/>
+              </a:lnSpc>
+              <a:spcBef>
+                <a:spcPts val="500"/>
+              </a:spcBef>
+              <a:buFont typeface="Arial" panose="020B0604020202020204" pitchFamily="34" charset="0"/>
+              <a:buNone/>
+              <a:defRPr sz="1600" kern="1200">
+                <a:solidFill>
+                  <a:schemeClr val="tx1"/>
+                </a:solidFill>
+                <a:latin typeface="+mn-lt"/>
+                <a:ea typeface="+mn-ea"/>
+                <a:cs typeface="+mn-cs"/>
+              </a:defRPr>
+            </a:lvl4pPr>
+            <a:lvl5pPr marL="1828800" indent="0" algn="ctr" defTabSz="914400" rtl="0" eaLnBrk="1" latinLnBrk="0" hangingPunct="1">
+              <a:lnSpc>
+                <a:spcPct val="90000"/>
+              </a:lnSpc>
+              <a:spcBef>
+                <a:spcPts val="500"/>
+              </a:spcBef>
+              <a:buFont typeface="Arial" panose="020B0604020202020204" pitchFamily="34" charset="0"/>
+              <a:buNone/>
+              <a:defRPr sz="1600" kern="1200">
+                <a:solidFill>
+                  <a:schemeClr val="tx1"/>
+                </a:solidFill>
+                <a:latin typeface="+mn-lt"/>
+                <a:ea typeface="+mn-ea"/>
+                <a:cs typeface="+mn-cs"/>
+              </a:defRPr>
+            </a:lvl5pPr>
+            <a:lvl6pPr marL="2286000" indent="0" algn="ctr" defTabSz="914400" rtl="0" eaLnBrk="1" latinLnBrk="0" hangingPunct="1">
+              <a:lnSpc>
+                <a:spcPct val="90000"/>
+              </a:lnSpc>
+              <a:spcBef>
+                <a:spcPts val="500"/>
+              </a:spcBef>
+              <a:buFont typeface="Arial" panose="020B0604020202020204" pitchFamily="34" charset="0"/>
+              <a:buNone/>
+              <a:defRPr sz="1600" kern="1200">
+                <a:solidFill>
+                  <a:schemeClr val="tx1"/>
+                </a:solidFill>
+                <a:latin typeface="+mn-lt"/>
+                <a:ea typeface="+mn-ea"/>
+                <a:cs typeface="+mn-cs"/>
+              </a:defRPr>
+            </a:lvl6pPr>
+            <a:lvl7pPr marL="2743200" indent="0" algn="ctr" defTabSz="914400" rtl="0" eaLnBrk="1" latinLnBrk="0" hangingPunct="1">
+              <a:lnSpc>
+                <a:spcPct val="90000"/>
+              </a:lnSpc>
+              <a:spcBef>
+                <a:spcPts val="500"/>
+              </a:spcBef>
+              <a:buFont typeface="Arial" panose="020B0604020202020204" pitchFamily="34" charset="0"/>
+              <a:buNone/>
+              <a:defRPr sz="1600" kern="1200">
+                <a:solidFill>
+                  <a:schemeClr val="tx1"/>
+                </a:solidFill>
+                <a:latin typeface="+mn-lt"/>
+                <a:ea typeface="+mn-ea"/>
+                <a:cs typeface="+mn-cs"/>
+              </a:defRPr>
+            </a:lvl7pPr>
+            <a:lvl8pPr marL="3200400" indent="0" algn="ctr" defTabSz="914400" rtl="0" eaLnBrk="1" latinLnBrk="0" hangingPunct="1">
+              <a:lnSpc>
+                <a:spcPct val="90000"/>
+              </a:lnSpc>
+              <a:spcBef>
+                <a:spcPts val="500"/>
+              </a:spcBef>
+              <a:buFont typeface="Arial" panose="020B0604020202020204" pitchFamily="34" charset="0"/>
+              <a:buNone/>
+              <a:defRPr sz="1600" kern="1200">
+                <a:solidFill>
+                  <a:schemeClr val="tx1"/>
+                </a:solidFill>
+                <a:latin typeface="+mn-lt"/>
+                <a:ea typeface="+mn-ea"/>
+                <a:cs typeface="+mn-cs"/>
+              </a:defRPr>
+            </a:lvl8pPr>
+            <a:lvl9pPr marL="3657600" indent="0" algn="ctr" defTabSz="914400" rtl="0" eaLnBrk="1" latinLnBrk="0" hangingPunct="1">
+              <a:lnSpc>
+                <a:spcPct val="90000"/>
+              </a:lnSpc>
+              <a:spcBef>
+                <a:spcPts val="500"/>
+              </a:spcBef>
+              <a:buFont typeface="Arial" panose="020B0604020202020204" pitchFamily="34" charset="0"/>
+              <a:buNone/>
+              <a:defRPr sz="1600" kern="1200">
+                <a:solidFill>
+                  <a:schemeClr val="tx1"/>
+                </a:solidFill>
+                <a:latin typeface="+mn-lt"/>
+                <a:ea typeface="+mn-ea"/>
+                <a:cs typeface="+mn-cs"/>
+              </a:defRPr>
+            </a:lvl9pPr>
+          </a:lstStyle>
+          <a:p>
+            <a:pPr marL="285750" indent="-285750" algn="l">
+              <a:lnSpc>
+                <a:spcPct val="120000"/>
+              </a:lnSpc>
+              <a:buFont typeface="Wingdings" panose="05000000000000000000" pitchFamily="2" charset="2"/>
+              <a:buChar char="ü"/>
+            </a:pPr>
+            <a:r>
+              <a:rPr lang="en-CA" sz="1800" b="1" dirty="0">
+                <a:latin typeface="Century Schoolbook" panose="02040604050505020304" pitchFamily="18" charset="0"/>
+                <a:cs typeface="Calibri" panose="020F0502020204030204" pitchFamily="34" charset="0"/>
+              </a:rPr>
+              <a:t>Findings: </a:t>
+            </a:r>
+          </a:p>
+          <a:p>
+            <a:pPr marL="742950" lvl="1" indent="-285750" algn="l">
+              <a:lnSpc>
+                <a:spcPct val="120000"/>
+              </a:lnSpc>
+              <a:buFont typeface="Wingdings" panose="05000000000000000000" pitchFamily="2" charset="2"/>
+              <a:buChar char="§"/>
+            </a:pPr>
+            <a:r>
+              <a:rPr lang="en-CA" sz="1600" dirty="0">
+                <a:effectLst/>
+                <a:latin typeface="Century Schoolbook" panose="02040604050505020304" pitchFamily="18" charset="0"/>
+                <a:ea typeface="Calibri" panose="020F0502020204030204" pitchFamily="34" charset="0"/>
+                <a:cs typeface="Calibri" panose="020F0502020204030204" pitchFamily="34" charset="0"/>
+              </a:rPr>
+              <a:t>………</a:t>
+            </a:r>
+          </a:p>
+          <a:p>
+            <a:pPr marL="742950" lvl="1" indent="-285750" algn="l">
+              <a:lnSpc>
+                <a:spcPct val="120000"/>
+              </a:lnSpc>
+              <a:buFont typeface="Wingdings" panose="05000000000000000000" pitchFamily="2" charset="2"/>
+              <a:buChar char="§"/>
+            </a:pPr>
+            <a:r>
+              <a:rPr lang="en-CA" sz="1600" dirty="0">
+                <a:effectLst/>
+                <a:latin typeface="Century Schoolbook" panose="02040604050505020304" pitchFamily="18" charset="0"/>
+                <a:ea typeface="Calibri" panose="020F0502020204030204" pitchFamily="34" charset="0"/>
+                <a:cs typeface="Calibri" panose="020F0502020204030204" pitchFamily="34" charset="0"/>
+              </a:rPr>
+              <a:t>……….</a:t>
+            </a:r>
+            <a:endParaRPr lang="en-CA" sz="1400" dirty="0">
+              <a:effectLst/>
+              <a:latin typeface="Century Schoolbook" panose="02040604050505020304" pitchFamily="18" charset="0"/>
+              <a:ea typeface="Calibri" panose="020F0502020204030204" pitchFamily="34" charset="0"/>
+              <a:cs typeface="Times New Roman" panose="02020603050405020304" pitchFamily="18" charset="0"/>
+            </a:endParaRPr>
+          </a:p>
+          <a:p>
+            <a:pPr lvl="0" algn="l"/>
+            <a:endParaRPr lang="en-CA" sz="1800" dirty="0">
+              <a:latin typeface="Century Schoolbook" panose="02040604050505020304" pitchFamily="18" charset="0"/>
+              <a:cs typeface="Calibri" panose="020F0502020204030204" pitchFamily="34" charset="0"/>
+            </a:endParaRPr>
+          </a:p>
+          <a:p>
+            <a:pPr lvl="0" algn="l"/>
+            <a:endParaRPr lang="en-CA" sz="1800" dirty="0">
+              <a:latin typeface="Century Schoolbook" panose="02040604050505020304" pitchFamily="18" charset="0"/>
+              <a:cs typeface="Calibri" panose="020F0502020204030204" pitchFamily="34" charset="0"/>
+            </a:endParaRPr>
+          </a:p>
+          <a:p>
+            <a:pPr marL="285750" lvl="0" indent="-285750" algn="l">
+              <a:buFont typeface="Wingdings" panose="05000000000000000000" pitchFamily="2" charset="2"/>
+              <a:buChar char="ü"/>
+            </a:pPr>
+            <a:r>
+              <a:rPr lang="en-CA" sz="1800" b="1" dirty="0">
+                <a:latin typeface="Century Schoolbook" panose="02040604050505020304" pitchFamily="18" charset="0"/>
+                <a:cs typeface="Calibri" panose="020F0502020204030204" pitchFamily="34" charset="0"/>
+              </a:rPr>
+              <a:t>Inferences </a:t>
+            </a:r>
+            <a:r>
+              <a:rPr lang="en-CA" sz="2000" b="0" i="0" dirty="0">
+                <a:solidFill>
+                  <a:srgbClr val="4D5156"/>
+                </a:solidFill>
+                <a:effectLst/>
+                <a:latin typeface="Century Schoolbook" panose="02040604050505020304" pitchFamily="18" charset="0"/>
+              </a:rPr>
+              <a:t>| </a:t>
+            </a:r>
+            <a:r>
+              <a:rPr lang="en-CA" sz="1800" b="1" dirty="0">
+                <a:latin typeface="Century Schoolbook" panose="02040604050505020304" pitchFamily="18" charset="0"/>
+                <a:cs typeface="Calibri" panose="020F0502020204030204" pitchFamily="34" charset="0"/>
+              </a:rPr>
+              <a:t>General conclusions</a:t>
+            </a:r>
+            <a:r>
+              <a:rPr lang="en-CA" sz="1800" b="0" i="0" dirty="0">
+                <a:effectLst/>
+                <a:latin typeface="Century Schoolbook" panose="02040604050505020304" pitchFamily="18" charset="0"/>
+              </a:rPr>
+              <a:t>:</a:t>
+            </a:r>
+            <a:endParaRPr lang="en-CA" sz="1800" dirty="0">
+              <a:latin typeface="Century Schoolbook" panose="02040604050505020304" pitchFamily="18" charset="0"/>
+              <a:cs typeface="Calibri" panose="020F0502020204030204" pitchFamily="34" charset="0"/>
+            </a:endParaRPr>
+          </a:p>
+          <a:p>
+            <a:pPr marL="742950" lvl="1" indent="-285750" algn="l">
+              <a:lnSpc>
+                <a:spcPct val="120000"/>
+              </a:lnSpc>
+              <a:buFont typeface="Wingdings" panose="05000000000000000000" pitchFamily="2" charset="2"/>
+              <a:buChar char="§"/>
+            </a:pPr>
+            <a:r>
+              <a:rPr lang="en-CA" sz="1800" dirty="0">
+                <a:effectLst/>
+                <a:latin typeface="Century Schoolbook" panose="02040604050505020304" pitchFamily="18" charset="0"/>
+                <a:ea typeface="Calibri" panose="020F0502020204030204" pitchFamily="34" charset="0"/>
+                <a:cs typeface="Calibri" panose="020F0502020204030204" pitchFamily="34" charset="0"/>
+              </a:rPr>
+              <a:t>………</a:t>
+            </a:r>
+          </a:p>
+          <a:p>
+            <a:pPr marL="742950" lvl="1" indent="-285750" algn="l">
+              <a:lnSpc>
+                <a:spcPct val="120000"/>
+              </a:lnSpc>
+              <a:buFont typeface="Wingdings" panose="05000000000000000000" pitchFamily="2" charset="2"/>
+              <a:buChar char="§"/>
+            </a:pPr>
+            <a:r>
+              <a:rPr lang="en-CA" sz="1800" dirty="0">
+                <a:effectLst/>
+                <a:latin typeface="Century Schoolbook" panose="02040604050505020304" pitchFamily="18" charset="0"/>
+                <a:ea typeface="Calibri" panose="020F0502020204030204" pitchFamily="34" charset="0"/>
+                <a:cs typeface="Calibri" panose="020F0502020204030204" pitchFamily="34" charset="0"/>
+              </a:rPr>
+              <a:t>……….</a:t>
+            </a:r>
+            <a:endParaRPr lang="en-CA" sz="1600" dirty="0">
+              <a:effectLst/>
+              <a:latin typeface="Century Schoolbook" panose="02040604050505020304" pitchFamily="18" charset="0"/>
+              <a:ea typeface="Calibri" panose="020F0502020204030204" pitchFamily="34" charset="0"/>
+              <a:cs typeface="Times New Roman" panose="02020603050405020304" pitchFamily="18" charset="0"/>
+            </a:endParaRPr>
+          </a:p>
+          <a:p>
+            <a:pPr marL="285750" lvl="0" indent="-285750" algn="l">
+              <a:buFont typeface="Wingdings" panose="05000000000000000000" pitchFamily="2" charset="2"/>
+              <a:buChar char="ü"/>
+            </a:pPr>
+            <a:endParaRPr lang="en-CA" sz="1800" dirty="0">
+              <a:latin typeface="Century Schoolbook" panose="02040604050505020304" pitchFamily="18" charset="0"/>
+              <a:cs typeface="Calibri" panose="020F0502020204030204" pitchFamily="34" charset="0"/>
+            </a:endParaRPr>
+          </a:p>
+        </p:txBody>
+      </p:sp>
+      <p:pic>
+        <p:nvPicPr>
+          <p:cNvPr id="8" name="Picture 7" descr="A picture containing diagram&#10;&#10;Description automatically generated">
+            <a:extLst>
+              <a:ext uri="{FF2B5EF4-FFF2-40B4-BE49-F238E27FC236}">
+                <a16:creationId xmlns:a16="http://schemas.microsoft.com/office/drawing/2014/main" id="{7314AAE1-4A8B-4769-9B85-F4F77C3FA243}"/>
+              </a:ext>
+            </a:extLst>
+          </p:cNvPr>
+          <p:cNvPicPr>
+            <a:picLocks noChangeAspect="1"/>
+          </p:cNvPicPr>
+          <p:nvPr/>
+        </p:nvPicPr>
+        <p:blipFill rotWithShape="1">
+          <a:blip r:embed="rId2">
+            <a:extLst>
+              <a:ext uri="{28A0092B-C50C-407E-A947-70E740481C1C}">
+                <a14:useLocalDpi xmlns:a14="http://schemas.microsoft.com/office/drawing/2010/main" val="0"/>
+              </a:ext>
+            </a:extLst>
+          </a:blip>
+          <a:srcRect l="4257" t="23094" r="65929" b="35362"/>
+          <a:stretch/>
+        </p:blipFill>
+        <p:spPr>
+          <a:xfrm>
+            <a:off x="10176498" y="0"/>
+            <a:ext cx="2015502" cy="1604836"/>
+          </a:xfrm>
+          <a:prstGeom prst="rect">
+            <a:avLst/>
+          </a:prstGeom>
+        </p:spPr>
+      </p:pic>
+      <p:sp>
+        <p:nvSpPr>
+          <p:cNvPr id="10" name="Rectangle 9">
+            <a:extLst>
+              <a:ext uri="{FF2B5EF4-FFF2-40B4-BE49-F238E27FC236}">
+                <a16:creationId xmlns:a16="http://schemas.microsoft.com/office/drawing/2014/main" id="{EADA0E04-8858-4EB2-A55F-CD4DAD514B83}"/>
               </a:ext>
             </a:extLst>
           </p:cNvPr>
@@ -5179,412 +5713,23 @@
           </a:p>
         </p:txBody>
       </p:sp>
-      <p:sp>
-        <p:nvSpPr>
-          <p:cNvPr id="4" name="Title 1">
-            <a:extLst>
-              <a:ext uri="{FF2B5EF4-FFF2-40B4-BE49-F238E27FC236}">
-                <a16:creationId xmlns:a16="http://schemas.microsoft.com/office/drawing/2014/main" id="{50DF5C7B-714C-44DC-B49A-F16BE5E80C8B}"/>
-              </a:ext>
-            </a:extLst>
-          </p:cNvPr>
-          <p:cNvSpPr txBox="1">
-            <a:spLocks/>
-          </p:cNvSpPr>
-          <p:nvPr/>
-        </p:nvSpPr>
-        <p:spPr>
-          <a:xfrm>
-            <a:off x="630264" y="468786"/>
-            <a:ext cx="8132631" cy="667263"/>
-          </a:xfrm>
-          <a:prstGeom prst="rect">
-            <a:avLst/>
-          </a:prstGeom>
-        </p:spPr>
-        <p:txBody>
-          <a:bodyPr vert="horz" lIns="91440" tIns="45720" rIns="91440" bIns="45720" rtlCol="0" anchor="b">
-            <a:normAutofit/>
-          </a:bodyPr>
-          <a:lstStyle>
-            <a:lvl1pPr algn="ctr" defTabSz="914400" rtl="0" eaLnBrk="1" latinLnBrk="0" hangingPunct="1">
-              <a:lnSpc>
-                <a:spcPct val="90000"/>
-              </a:lnSpc>
-              <a:spcBef>
-                <a:spcPct val="0"/>
-              </a:spcBef>
-              <a:buNone/>
-              <a:defRPr sz="6000" kern="1200">
-                <a:solidFill>
-                  <a:schemeClr val="tx1"/>
-                </a:solidFill>
-                <a:latin typeface="+mj-lt"/>
-                <a:ea typeface="+mj-ea"/>
-                <a:cs typeface="+mj-cs"/>
-              </a:defRPr>
-            </a:lvl1pPr>
-          </a:lstStyle>
-          <a:p>
-            <a:pPr algn="l">
-              <a:spcBef>
-                <a:spcPts val="1200"/>
-              </a:spcBef>
-            </a:pPr>
-            <a:r>
-              <a:rPr lang="en-US" sz="3400" dirty="0">
-                <a:solidFill>
-                  <a:schemeClr val="accent2">
-                    <a:lumMod val="75000"/>
-                  </a:schemeClr>
-                </a:solidFill>
-                <a:latin typeface="Century Schoolbook" panose="02040604050505020304" pitchFamily="18" charset="0"/>
-              </a:rPr>
-              <a:t>Exploration</a:t>
-            </a:r>
-          </a:p>
-        </p:txBody>
-      </p:sp>
-      <p:cxnSp>
-        <p:nvCxnSpPr>
-          <p:cNvPr id="7" name="Straight Connector 6">
-            <a:extLst>
-              <a:ext uri="{FF2B5EF4-FFF2-40B4-BE49-F238E27FC236}">
-                <a16:creationId xmlns:a16="http://schemas.microsoft.com/office/drawing/2014/main" id="{A4C14B66-1E57-4EB1-92A2-8390733AD1D5}"/>
-              </a:ext>
-            </a:extLst>
-          </p:cNvPr>
-          <p:cNvCxnSpPr/>
-          <p:nvPr/>
-        </p:nvCxnSpPr>
-        <p:spPr>
-          <a:xfrm>
-            <a:off x="209320" y="1136049"/>
-            <a:ext cx="11501610" cy="0"/>
-          </a:xfrm>
-          <a:prstGeom prst="line">
-            <a:avLst/>
-          </a:prstGeom>
-        </p:spPr>
-        <p:style>
-          <a:lnRef idx="1">
-            <a:schemeClr val="accent2"/>
-          </a:lnRef>
-          <a:fillRef idx="0">
-            <a:schemeClr val="accent2"/>
-          </a:fillRef>
-          <a:effectRef idx="0">
-            <a:schemeClr val="accent2"/>
-          </a:effectRef>
-          <a:fontRef idx="minor">
-            <a:schemeClr val="tx1"/>
-          </a:fontRef>
-        </p:style>
-      </p:cxnSp>
-      <p:sp>
-        <p:nvSpPr>
-          <p:cNvPr id="13" name="TextBox 12">
-            <a:extLst>
-              <a:ext uri="{FF2B5EF4-FFF2-40B4-BE49-F238E27FC236}">
-                <a16:creationId xmlns:a16="http://schemas.microsoft.com/office/drawing/2014/main" id="{0AE89165-76A7-40BD-93AD-5C6E3B13B88B}"/>
-              </a:ext>
-            </a:extLst>
-          </p:cNvPr>
-          <p:cNvSpPr txBox="1"/>
-          <p:nvPr/>
-        </p:nvSpPr>
-        <p:spPr>
-          <a:xfrm>
-            <a:off x="630264" y="1725973"/>
-            <a:ext cx="6312664" cy="400110"/>
-          </a:xfrm>
-          <a:prstGeom prst="rect">
-            <a:avLst/>
-          </a:prstGeom>
-          <a:noFill/>
-        </p:spPr>
-        <p:txBody>
-          <a:bodyPr wrap="square">
-            <a:spAutoFit/>
-          </a:bodyPr>
-          <a:lstStyle/>
-          <a:p>
-            <a:r>
-              <a:rPr lang="en-CA" sz="2000" dirty="0">
-                <a:latin typeface="Century Schoolbook" panose="02040604050505020304" pitchFamily="18" charset="0"/>
-              </a:rPr>
-              <a:t>Interesting figures developed during exploration:</a:t>
-            </a:r>
-          </a:p>
-        </p:txBody>
-      </p:sp>
-      <p:sp>
-        <p:nvSpPr>
-          <p:cNvPr id="15" name="TextBox 14">
-            <a:extLst>
-              <a:ext uri="{FF2B5EF4-FFF2-40B4-BE49-F238E27FC236}">
-                <a16:creationId xmlns:a16="http://schemas.microsoft.com/office/drawing/2014/main" id="{9D00CB6A-9BD1-4015-9156-C064F456FBED}"/>
-              </a:ext>
-            </a:extLst>
-          </p:cNvPr>
-          <p:cNvSpPr txBox="1"/>
-          <p:nvPr/>
-        </p:nvSpPr>
-        <p:spPr>
-          <a:xfrm>
-            <a:off x="6533003" y="1783307"/>
-            <a:ext cx="2818202" cy="369332"/>
-          </a:xfrm>
-          <a:prstGeom prst="rect">
-            <a:avLst/>
-          </a:prstGeom>
-          <a:noFill/>
-        </p:spPr>
-        <p:txBody>
-          <a:bodyPr wrap="square">
-            <a:spAutoFit/>
-          </a:bodyPr>
-          <a:lstStyle/>
-          <a:p>
-            <a:r>
-              <a:rPr lang="en-CA" dirty="0">
-                <a:latin typeface="Century Schoolbook" panose="02040604050505020304" pitchFamily="18" charset="0"/>
-                <a:hlinkClick r:id="rId2"/>
-              </a:rPr>
-              <a:t>Final </a:t>
-            </a:r>
-            <a:r>
-              <a:rPr lang="en-CA" dirty="0" err="1">
-                <a:latin typeface="Century Schoolbook" panose="02040604050505020304" pitchFamily="18" charset="0"/>
-                <a:hlinkClick r:id="rId2"/>
-              </a:rPr>
-              <a:t>Jupyter</a:t>
-            </a:r>
-            <a:r>
-              <a:rPr lang="en-CA" dirty="0">
-                <a:latin typeface="Century Schoolbook" panose="02040604050505020304" pitchFamily="18" charset="0"/>
-                <a:hlinkClick r:id="rId2"/>
-              </a:rPr>
-              <a:t> Notebook</a:t>
-            </a:r>
-            <a:endParaRPr lang="en-CA" dirty="0">
-              <a:latin typeface="Century Schoolbook" panose="02040604050505020304" pitchFamily="18" charset="0"/>
-            </a:endParaRPr>
-          </a:p>
-        </p:txBody>
-      </p:sp>
-      <p:sp>
-        <p:nvSpPr>
-          <p:cNvPr id="8" name="TextBox 7">
-            <a:extLst>
-              <a:ext uri="{FF2B5EF4-FFF2-40B4-BE49-F238E27FC236}">
-                <a16:creationId xmlns:a16="http://schemas.microsoft.com/office/drawing/2014/main" id="{AE7A7980-DB70-4A81-9B72-5C8B97A14EFA}"/>
-              </a:ext>
-            </a:extLst>
-          </p:cNvPr>
-          <p:cNvSpPr txBox="1"/>
-          <p:nvPr/>
-        </p:nvSpPr>
-        <p:spPr>
-          <a:xfrm>
-            <a:off x="630264" y="2523264"/>
-            <a:ext cx="10344839" cy="954107"/>
-          </a:xfrm>
-          <a:prstGeom prst="rect">
-            <a:avLst/>
-          </a:prstGeom>
-          <a:noFill/>
-        </p:spPr>
-        <p:txBody>
-          <a:bodyPr wrap="square">
-            <a:spAutoFit/>
-          </a:bodyPr>
-          <a:lstStyle/>
-          <a:p>
-            <a:pPr marL="457200" rtl="0"/>
-            <a:br>
-              <a:rPr lang="en-CA" sz="1800" b="1" i="0" u="none" strike="noStrike" dirty="0">
-                <a:solidFill>
-                  <a:srgbClr val="000000"/>
-                </a:solidFill>
-                <a:effectLst/>
-                <a:latin typeface="Calibri" panose="020F0502020204030204" pitchFamily="34" charset="0"/>
-              </a:rPr>
-            </a:br>
-            <a:r>
-              <a:rPr lang="en-CA" sz="2000" b="1" dirty="0">
-                <a:solidFill>
-                  <a:srgbClr val="000000"/>
-                </a:solidFill>
-                <a:latin typeface="Century Schoolbook" panose="02040604050505020304" pitchFamily="18" charset="0"/>
-              </a:rPr>
-              <a:t>Figures </a:t>
-            </a:r>
-            <a:r>
-              <a:rPr lang="en-CA" sz="2000" b="1" i="0" u="none" strike="noStrike" dirty="0">
-                <a:solidFill>
-                  <a:srgbClr val="000000"/>
-                </a:solidFill>
-                <a:effectLst/>
-                <a:latin typeface="Century Schoolbook" panose="02040604050505020304" pitchFamily="18" charset="0"/>
-              </a:rPr>
-              <a:t>Summary </a:t>
-            </a:r>
-            <a:br>
-              <a:rPr lang="en-CA" dirty="0"/>
-            </a:br>
-            <a:endParaRPr lang="en-CA" dirty="0"/>
-          </a:p>
-        </p:txBody>
-      </p:sp>
-      <p:graphicFrame>
-        <p:nvGraphicFramePr>
-          <p:cNvPr id="17" name="Table 17">
-            <a:extLst>
-              <a:ext uri="{FF2B5EF4-FFF2-40B4-BE49-F238E27FC236}">
-                <a16:creationId xmlns:a16="http://schemas.microsoft.com/office/drawing/2014/main" id="{E2F87133-7B91-4EE4-9637-D45444B9651F}"/>
-              </a:ext>
-            </a:extLst>
-          </p:cNvPr>
-          <p:cNvGraphicFramePr>
-            <a:graphicFrameLocks noGrp="1"/>
-          </p:cNvGraphicFramePr>
-          <p:nvPr>
-            <p:extLst>
-              <p:ext uri="{D42A27DB-BD31-4B8C-83A1-F6EECF244321}">
-                <p14:modId xmlns:p14="http://schemas.microsoft.com/office/powerpoint/2010/main" val="3358125800"/>
-              </p:ext>
-            </p:extLst>
-          </p:nvPr>
-        </p:nvGraphicFramePr>
-        <p:xfrm>
-          <a:off x="1584314" y="3359513"/>
-          <a:ext cx="8128000" cy="1112520"/>
-        </p:xfrm>
-        <a:graphic>
-          <a:graphicData uri="http://schemas.openxmlformats.org/drawingml/2006/table">
-            <a:tbl>
-              <a:tblPr firstRow="1" bandRow="1">
-                <a:tableStyleId>{21E4AEA4-8DFA-4A89-87EB-49C32662AFE0}</a:tableStyleId>
-              </a:tblPr>
-              <a:tblGrid>
-                <a:gridCol w="4064000">
-                  <a:extLst>
-                    <a:ext uri="{9D8B030D-6E8A-4147-A177-3AD203B41FA5}">
-                      <a16:colId xmlns:a16="http://schemas.microsoft.com/office/drawing/2014/main" val="4250318149"/>
-                    </a:ext>
-                  </a:extLst>
-                </a:gridCol>
-                <a:gridCol w="4064000">
-                  <a:extLst>
-                    <a:ext uri="{9D8B030D-6E8A-4147-A177-3AD203B41FA5}">
-                      <a16:colId xmlns:a16="http://schemas.microsoft.com/office/drawing/2014/main" val="4157212451"/>
-                    </a:ext>
-                  </a:extLst>
-                </a:gridCol>
-              </a:tblGrid>
-              <a:tr h="370840">
-                <a:tc>
-                  <a:txBody>
-                    <a:bodyPr/>
-                    <a:lstStyle/>
-                    <a:p>
-                      <a:endParaRPr lang="en-CA" dirty="0"/>
-                    </a:p>
-                  </a:txBody>
-                  <a:tcPr/>
-                </a:tc>
-                <a:tc>
-                  <a:txBody>
-                    <a:bodyPr/>
-                    <a:lstStyle/>
-                    <a:p>
-                      <a:endParaRPr lang="en-CA"/>
-                    </a:p>
-                  </a:txBody>
-                  <a:tcPr/>
-                </a:tc>
-                <a:extLst>
-                  <a:ext uri="{0D108BD9-81ED-4DB2-BD59-A6C34878D82A}">
-                    <a16:rowId xmlns:a16="http://schemas.microsoft.com/office/drawing/2014/main" val="1468962831"/>
-                  </a:ext>
-                </a:extLst>
-              </a:tr>
-              <a:tr h="370840">
-                <a:tc>
-                  <a:txBody>
-                    <a:bodyPr/>
-                    <a:lstStyle/>
-                    <a:p>
-                      <a:endParaRPr lang="en-CA" dirty="0"/>
-                    </a:p>
-                  </a:txBody>
-                  <a:tcPr/>
-                </a:tc>
-                <a:tc>
-                  <a:txBody>
-                    <a:bodyPr/>
-                    <a:lstStyle/>
-                    <a:p>
-                      <a:endParaRPr lang="en-CA"/>
-                    </a:p>
-                  </a:txBody>
-                  <a:tcPr/>
-                </a:tc>
-                <a:extLst>
-                  <a:ext uri="{0D108BD9-81ED-4DB2-BD59-A6C34878D82A}">
-                    <a16:rowId xmlns:a16="http://schemas.microsoft.com/office/drawing/2014/main" val="3756493888"/>
-                  </a:ext>
-                </a:extLst>
-              </a:tr>
-              <a:tr h="370840">
-                <a:tc>
-                  <a:txBody>
-                    <a:bodyPr/>
-                    <a:lstStyle/>
-                    <a:p>
-                      <a:endParaRPr lang="en-CA"/>
-                    </a:p>
-                  </a:txBody>
-                  <a:tcPr/>
-                </a:tc>
-                <a:tc>
-                  <a:txBody>
-                    <a:bodyPr/>
-                    <a:lstStyle/>
-                    <a:p>
-                      <a:endParaRPr lang="en-CA" dirty="0"/>
-                    </a:p>
-                  </a:txBody>
-                  <a:tcPr/>
-                </a:tc>
-                <a:extLst>
-                  <a:ext uri="{0D108BD9-81ED-4DB2-BD59-A6C34878D82A}">
-                    <a16:rowId xmlns:a16="http://schemas.microsoft.com/office/drawing/2014/main" val="3596268837"/>
-                  </a:ext>
-                </a:extLst>
-              </a:tr>
-            </a:tbl>
-          </a:graphicData>
-        </a:graphic>
-      </p:graphicFrame>
     </p:spTree>
     <p:extLst>
       <p:ext uri="{BB962C8B-B14F-4D97-AF65-F5344CB8AC3E}">
-        <p14:creationId xmlns:p14="http://schemas.microsoft.com/office/powerpoint/2010/main" val="438456063"/>
+        <p14:creationId xmlns:p14="http://schemas.microsoft.com/office/powerpoint/2010/main" val="44990578"/>
       </p:ext>
     </p:extLst>
   </p:cSld>
   <p:clrMapOvr>
     <a:masterClrMapping/>
   </p:clrMapOvr>
-  <mc:AlternateContent xmlns:mc="http://schemas.openxmlformats.org/markup-compatibility/2006">
-    <mc:Choice xmlns:p159="http://schemas.microsoft.com/office/powerpoint/2015/09/main" Requires="p159">
+  <mc:AlternateContent xmlns:mc="http://schemas.openxmlformats.org/markup-compatibility/2006" xmlns:p159="http://schemas.microsoft.com/office/powerpoint/2015/09/main">
+    <mc:Choice Requires="p159">
       <p:transition xmlns:p14="http://schemas.microsoft.com/office/powerpoint/2010/main" spd="slow" p14:dur="2000">
         <p159:morph option="byObject"/>
       </p:transition>
     </mc:Choice>
-    <mc:Fallback>
+    <mc:Fallback xmlns="">
       <p:transition spd="slow">
         <p:fade/>
       </p:transition>
@@ -5668,11 +5813,13 @@
             <a:r>
               <a:rPr lang="en-US" sz="3400" dirty="0">
                 <a:solidFill>
-                  <a:srgbClr val="00B050"/>
-                </a:solidFill>
-                <a:latin typeface="Century Schoolbook" panose="02040604050505020304" pitchFamily="18" charset="0"/>
-              </a:rPr>
-              <a:t>Data Analysis</a:t>
+                  <a:schemeClr val="accent5">
+                    <a:lumMod val="75000"/>
+                  </a:schemeClr>
+                </a:solidFill>
+                <a:latin typeface="Century Schoolbook" panose="02040604050505020304" pitchFamily="18" charset="0"/>
+              </a:rPr>
+              <a:t>Post Mortem</a:t>
             </a:r>
           </a:p>
         </p:txBody>
@@ -5881,7 +6028,7 @@
                 <a:latin typeface="Century Schoolbook" panose="02040604050505020304" pitchFamily="18" charset="0"/>
                 <a:cs typeface="Calibri" panose="020F0502020204030204" pitchFamily="34" charset="0"/>
               </a:rPr>
-              <a:t>Steps to analyze the data and answer proposal questions: </a:t>
+              <a:t>Difficulties that arose, and how we dealt with them: </a:t>
             </a:r>
           </a:p>
           <a:p>
@@ -5934,6 +6081,13 @@
             </a:endParaRPr>
           </a:p>
           <a:p>
+            <a:pPr lvl="0" algn="l"/>
+            <a:endParaRPr lang="en-CA" sz="1800" dirty="0">
+              <a:latin typeface="Century Schoolbook" panose="02040604050505020304" pitchFamily="18" charset="0"/>
+              <a:cs typeface="Calibri" panose="020F0502020204030204" pitchFamily="34" charset="0"/>
+            </a:endParaRPr>
+          </a:p>
+          <a:p>
             <a:pPr marL="285750" lvl="0" indent="-285750" algn="l">
               <a:buFont typeface="Wingdings" panose="05000000000000000000" pitchFamily="2" charset="2"/>
               <a:buChar char="ü"/>
@@ -5943,18 +6097,66 @@
                 <a:latin typeface="Century Schoolbook" panose="02040604050505020304" pitchFamily="18" charset="0"/>
                 <a:cs typeface="Calibri" panose="020F0502020204030204" pitchFamily="34" charset="0"/>
               </a:rPr>
-              <a:t>Interesting figures developed during analysis</a:t>
-            </a:r>
-            <a:r>
-              <a:rPr lang="en-CA" sz="1400" b="1" dirty="0">
+              <a:t>Additional questions </a:t>
+            </a:r>
+            <a:r>
+              <a:rPr lang="en-CA" sz="1800" b="1" i="0" dirty="0">
+                <a:solidFill>
+                  <a:srgbClr val="4D5156"/>
+                </a:solidFill>
+                <a:effectLst/>
+                <a:latin typeface="Century Schoolbook" panose="02040604050505020304" pitchFamily="18" charset="0"/>
+              </a:rPr>
+              <a:t>| </a:t>
+            </a:r>
+            <a:r>
+              <a:rPr lang="en-CA" sz="1800" b="1" dirty="0">
                 <a:latin typeface="Century Schoolbook" panose="02040604050505020304" pitchFamily="18" charset="0"/>
                 <a:cs typeface="Calibri" panose="020F0502020204030204" pitchFamily="34" charset="0"/>
               </a:rPr>
-              <a:t> :</a:t>
-            </a:r>
-            <a:endParaRPr lang="en-CA" sz="1800" dirty="0">
+              <a:t>What would we research next?</a:t>
+            </a:r>
+          </a:p>
+          <a:p>
+            <a:pPr marL="742950" lvl="1" indent="-285750" algn="l">
+              <a:lnSpc>
+                <a:spcPct val="120000"/>
+              </a:lnSpc>
+              <a:buFont typeface="Wingdings" panose="05000000000000000000" pitchFamily="2" charset="2"/>
+              <a:buChar char="§"/>
+            </a:pPr>
+            <a:r>
+              <a:rPr lang="en-CA" sz="1800" dirty="0">
+                <a:effectLst/>
+                <a:latin typeface="Century Schoolbook" panose="02040604050505020304" pitchFamily="18" charset="0"/>
+                <a:ea typeface="Calibri" panose="020F0502020204030204" pitchFamily="34" charset="0"/>
+                <a:cs typeface="Calibri" panose="020F0502020204030204" pitchFamily="34" charset="0"/>
+              </a:rPr>
+              <a:t>………</a:t>
+            </a:r>
+          </a:p>
+          <a:p>
+            <a:pPr marL="742950" lvl="1" indent="-285750" algn="l">
+              <a:lnSpc>
+                <a:spcPct val="120000"/>
+              </a:lnSpc>
+              <a:buFont typeface="Wingdings" panose="05000000000000000000" pitchFamily="2" charset="2"/>
+              <a:buChar char="§"/>
+            </a:pPr>
+            <a:r>
+              <a:rPr lang="en-CA" sz="1800" dirty="0">
+                <a:effectLst/>
+                <a:latin typeface="Century Schoolbook" panose="02040604050505020304" pitchFamily="18" charset="0"/>
+                <a:ea typeface="Calibri" panose="020F0502020204030204" pitchFamily="34" charset="0"/>
+                <a:cs typeface="Calibri" panose="020F0502020204030204" pitchFamily="34" charset="0"/>
+              </a:rPr>
+              <a:t>……….</a:t>
+            </a:r>
+            <a:endParaRPr lang="en-CA" sz="1600" dirty="0">
+              <a:effectLst/>
               <a:latin typeface="Century Schoolbook" panose="02040604050505020304" pitchFamily="18" charset="0"/>
-              <a:cs typeface="Calibri" panose="020F0502020204030204" pitchFamily="34" charset="0"/>
+              <a:ea typeface="Calibri" panose="020F0502020204030204" pitchFamily="34" charset="0"/>
+              <a:cs typeface="Times New Roman" panose="02020603050405020304" pitchFamily="18" charset="0"/>
             </a:endParaRPr>
           </a:p>
           <a:p>
@@ -5967,18 +6169,52 @@
               <a:cs typeface="Calibri" panose="020F0502020204030204" pitchFamily="34" charset="0"/>
             </a:endParaRPr>
           </a:p>
-          <a:p>
-            <a:pPr marL="285750" lvl="0" indent="-285750" algn="l">
-              <a:buFont typeface="Wingdings" panose="05000000000000000000" pitchFamily="2" charset="2"/>
-              <a:buChar char="ü"/>
-            </a:pPr>
-            <a:endParaRPr lang="en-CA" sz="1800" dirty="0">
-              <a:latin typeface="Century Schoolbook" panose="02040604050505020304" pitchFamily="18" charset="0"/>
-              <a:cs typeface="Calibri" panose="020F0502020204030204" pitchFamily="34" charset="0"/>
-            </a:endParaRPr>
-          </a:p>
         </p:txBody>
       </p:sp>
+      <p:pic>
+        <p:nvPicPr>
+          <p:cNvPr id="8" name="Picture 7" descr="A picture containing diagram&#10;&#10;Description automatically generated">
+            <a:extLst>
+              <a:ext uri="{FF2B5EF4-FFF2-40B4-BE49-F238E27FC236}">
+                <a16:creationId xmlns:a16="http://schemas.microsoft.com/office/drawing/2014/main" id="{7314AAE1-4A8B-4769-9B85-F4F77C3FA243}"/>
+              </a:ext>
+            </a:extLst>
+          </p:cNvPr>
+          <p:cNvPicPr>
+            <a:picLocks noChangeAspect="1"/>
+          </p:cNvPicPr>
+          <p:nvPr/>
+        </p:nvPicPr>
+        <p:blipFill rotWithShape="1">
+          <a:blip r:embed="rId2">
+            <a:extLst>
+              <a:ext uri="{BEBA8EAE-BF5A-486C-A8C5-ECC9F3942E4B}">
+                <a14:imgProps xmlns:a14="http://schemas.microsoft.com/office/drawing/2010/main">
+                  <a14:imgLayer r:embed="rId3">
+                    <a14:imgEffect>
+                      <a14:colorTemperature colorTemp="4700"/>
+                    </a14:imgEffect>
+                  </a14:imgLayer>
+                </a14:imgProps>
+              </a:ext>
+              <a:ext uri="{28A0092B-C50C-407E-A947-70E740481C1C}">
+                <a14:useLocalDpi xmlns:a14="http://schemas.microsoft.com/office/drawing/2010/main" val="0"/>
+              </a:ext>
+            </a:extLst>
+          </a:blip>
+          <a:srcRect l="4257" t="23094" r="65929" b="35362"/>
+          <a:stretch/>
+        </p:blipFill>
+        <p:spPr>
+          <a:xfrm>
+            <a:off x="10176498" y="0"/>
+            <a:ext cx="2015502" cy="1604836"/>
+          </a:xfrm>
+          <a:prstGeom prst="rect">
+            <a:avLst/>
+          </a:prstGeom>
+        </p:spPr>
+      </p:pic>
       <p:sp>
         <p:nvSpPr>
           <p:cNvPr id="10" name="Rectangle 9">
@@ -6052,244 +6288,23 @@
           </a:p>
         </p:txBody>
       </p:sp>
-      <p:sp>
-        <p:nvSpPr>
-          <p:cNvPr id="2" name="TextBox 1">
-            <a:extLst>
-              <a:ext uri="{FF2B5EF4-FFF2-40B4-BE49-F238E27FC236}">
-                <a16:creationId xmlns:a16="http://schemas.microsoft.com/office/drawing/2014/main" id="{DF1D0849-D307-4B83-B4EA-3C130221BA45}"/>
-              </a:ext>
-            </a:extLst>
-          </p:cNvPr>
-          <p:cNvSpPr txBox="1"/>
-          <p:nvPr/>
-        </p:nvSpPr>
-        <p:spPr>
-          <a:xfrm>
-            <a:off x="6830459" y="3150640"/>
-            <a:ext cx="2818202" cy="369332"/>
-          </a:xfrm>
-          <a:prstGeom prst="rect">
-            <a:avLst/>
-          </a:prstGeom>
-          <a:noFill/>
-        </p:spPr>
-        <p:txBody>
-          <a:bodyPr wrap="square">
-            <a:spAutoFit/>
-          </a:bodyPr>
-          <a:lstStyle/>
-          <a:p>
-            <a:r>
-              <a:rPr lang="en-CA" dirty="0">
-                <a:latin typeface="Century Schoolbook" panose="02040604050505020304" pitchFamily="18" charset="0"/>
-                <a:hlinkClick r:id="rId2"/>
-              </a:rPr>
-              <a:t>Final </a:t>
-            </a:r>
-            <a:r>
-              <a:rPr lang="en-CA" dirty="0" err="1">
-                <a:latin typeface="Century Schoolbook" panose="02040604050505020304" pitchFamily="18" charset="0"/>
-                <a:hlinkClick r:id="rId2"/>
-              </a:rPr>
-              <a:t>Jupyter</a:t>
-            </a:r>
-            <a:r>
-              <a:rPr lang="en-CA" dirty="0">
-                <a:latin typeface="Century Schoolbook" panose="02040604050505020304" pitchFamily="18" charset="0"/>
-                <a:hlinkClick r:id="rId2"/>
-              </a:rPr>
-              <a:t> Notebook</a:t>
-            </a:r>
-            <a:endParaRPr lang="en-CA" dirty="0">
-              <a:latin typeface="Century Schoolbook" panose="02040604050505020304" pitchFamily="18" charset="0"/>
-            </a:endParaRPr>
-          </a:p>
-        </p:txBody>
-      </p:sp>
-      <p:graphicFrame>
-        <p:nvGraphicFramePr>
-          <p:cNvPr id="3" name="Table 17">
-            <a:extLst>
-              <a:ext uri="{FF2B5EF4-FFF2-40B4-BE49-F238E27FC236}">
-                <a16:creationId xmlns:a16="http://schemas.microsoft.com/office/drawing/2014/main" id="{B1B6E89D-63C2-49BD-9490-5B5A89F9F714}"/>
-              </a:ext>
-            </a:extLst>
-          </p:cNvPr>
-          <p:cNvGraphicFramePr>
-            <a:graphicFrameLocks noGrp="1"/>
-          </p:cNvGraphicFramePr>
-          <p:nvPr>
-            <p:extLst>
-              <p:ext uri="{D42A27DB-BD31-4B8C-83A1-F6EECF244321}">
-                <p14:modId xmlns:p14="http://schemas.microsoft.com/office/powerpoint/2010/main" val="2184445278"/>
-              </p:ext>
-            </p:extLst>
-          </p:nvPr>
-        </p:nvGraphicFramePr>
-        <p:xfrm>
-          <a:off x="1705499" y="4177770"/>
-          <a:ext cx="8128000" cy="1112520"/>
-        </p:xfrm>
-        <a:graphic>
-          <a:graphicData uri="http://schemas.openxmlformats.org/drawingml/2006/table">
-            <a:tbl>
-              <a:tblPr firstRow="1" bandRow="1">
-                <a:tableStyleId>{93296810-A885-4BE3-A3E7-6D5BEEA58F35}</a:tableStyleId>
-              </a:tblPr>
-              <a:tblGrid>
-                <a:gridCol w="4064000">
-                  <a:extLst>
-                    <a:ext uri="{9D8B030D-6E8A-4147-A177-3AD203B41FA5}">
-                      <a16:colId xmlns:a16="http://schemas.microsoft.com/office/drawing/2014/main" val="4250318149"/>
-                    </a:ext>
-                  </a:extLst>
-                </a:gridCol>
-                <a:gridCol w="4064000">
-                  <a:extLst>
-                    <a:ext uri="{9D8B030D-6E8A-4147-A177-3AD203B41FA5}">
-                      <a16:colId xmlns:a16="http://schemas.microsoft.com/office/drawing/2014/main" val="4157212451"/>
-                    </a:ext>
-                  </a:extLst>
-                </a:gridCol>
-              </a:tblGrid>
-              <a:tr h="370840">
-                <a:tc>
-                  <a:txBody>
-                    <a:bodyPr/>
-                    <a:lstStyle/>
-                    <a:p>
-                      <a:endParaRPr lang="en-CA" dirty="0"/>
-                    </a:p>
-                  </a:txBody>
-                  <a:tcPr/>
-                </a:tc>
-                <a:tc>
-                  <a:txBody>
-                    <a:bodyPr/>
-                    <a:lstStyle/>
-                    <a:p>
-                      <a:endParaRPr lang="en-CA"/>
-                    </a:p>
-                  </a:txBody>
-                  <a:tcPr/>
-                </a:tc>
-                <a:extLst>
-                  <a:ext uri="{0D108BD9-81ED-4DB2-BD59-A6C34878D82A}">
-                    <a16:rowId xmlns:a16="http://schemas.microsoft.com/office/drawing/2014/main" val="1468962831"/>
-                  </a:ext>
-                </a:extLst>
-              </a:tr>
-              <a:tr h="370840">
-                <a:tc>
-                  <a:txBody>
-                    <a:bodyPr/>
-                    <a:lstStyle/>
-                    <a:p>
-                      <a:endParaRPr lang="en-CA" dirty="0"/>
-                    </a:p>
-                  </a:txBody>
-                  <a:tcPr/>
-                </a:tc>
-                <a:tc>
-                  <a:txBody>
-                    <a:bodyPr/>
-                    <a:lstStyle/>
-                    <a:p>
-                      <a:endParaRPr lang="en-CA"/>
-                    </a:p>
-                  </a:txBody>
-                  <a:tcPr/>
-                </a:tc>
-                <a:extLst>
-                  <a:ext uri="{0D108BD9-81ED-4DB2-BD59-A6C34878D82A}">
-                    <a16:rowId xmlns:a16="http://schemas.microsoft.com/office/drawing/2014/main" val="3756493888"/>
-                  </a:ext>
-                </a:extLst>
-              </a:tr>
-              <a:tr h="370840">
-                <a:tc>
-                  <a:txBody>
-                    <a:bodyPr/>
-                    <a:lstStyle/>
-                    <a:p>
-                      <a:endParaRPr lang="en-CA"/>
-                    </a:p>
-                  </a:txBody>
-                  <a:tcPr/>
-                </a:tc>
-                <a:tc>
-                  <a:txBody>
-                    <a:bodyPr/>
-                    <a:lstStyle/>
-                    <a:p>
-                      <a:endParaRPr lang="en-CA" dirty="0"/>
-                    </a:p>
-                  </a:txBody>
-                  <a:tcPr/>
-                </a:tc>
-                <a:extLst>
-                  <a:ext uri="{0D108BD9-81ED-4DB2-BD59-A6C34878D82A}">
-                    <a16:rowId xmlns:a16="http://schemas.microsoft.com/office/drawing/2014/main" val="3596268837"/>
-                  </a:ext>
-                </a:extLst>
-              </a:tr>
-            </a:tbl>
-          </a:graphicData>
-        </a:graphic>
-      </p:graphicFrame>
-      <p:pic>
-        <p:nvPicPr>
-          <p:cNvPr id="5" name="Picture 4" descr="A picture containing diagram&#10;&#10;Description automatically generated">
-            <a:extLst>
-              <a:ext uri="{FF2B5EF4-FFF2-40B4-BE49-F238E27FC236}">
-                <a16:creationId xmlns:a16="http://schemas.microsoft.com/office/drawing/2014/main" id="{B2EA1A92-949A-443A-ACC3-F51E52FD83F4}"/>
-              </a:ext>
-            </a:extLst>
-          </p:cNvPr>
-          <p:cNvPicPr>
-            <a:picLocks noChangeAspect="1"/>
-          </p:cNvPicPr>
-          <p:nvPr/>
-        </p:nvPicPr>
-        <p:blipFill rotWithShape="1">
-          <a:blip r:embed="rId3">
-            <a:extLst>
-              <a:ext uri="{28A0092B-C50C-407E-A947-70E740481C1C}">
-                <a14:useLocalDpi xmlns:a14="http://schemas.microsoft.com/office/drawing/2010/main" val="0"/>
-              </a:ext>
-            </a:extLst>
-          </a:blip>
-          <a:srcRect l="4257" t="23094" r="65929" b="35362"/>
-          <a:stretch/>
-        </p:blipFill>
-        <p:spPr>
-          <a:xfrm>
-            <a:off x="10176498" y="0"/>
-            <a:ext cx="2015502" cy="1604836"/>
-          </a:xfrm>
-          <a:prstGeom prst="rect">
-            <a:avLst/>
-          </a:prstGeom>
-        </p:spPr>
-      </p:pic>
     </p:spTree>
     <p:extLst>
       <p:ext uri="{BB962C8B-B14F-4D97-AF65-F5344CB8AC3E}">
-        <p14:creationId xmlns:p14="http://schemas.microsoft.com/office/powerpoint/2010/main" val="1306512237"/>
+        <p14:creationId xmlns:p14="http://schemas.microsoft.com/office/powerpoint/2010/main" val="2160863434"/>
       </p:ext>
     </p:extLst>
   </p:cSld>
   <p:clrMapOvr>
     <a:masterClrMapping/>
   </p:clrMapOvr>
-  <mc:AlternateContent xmlns:mc="http://schemas.openxmlformats.org/markup-compatibility/2006">
-    <mc:Choice xmlns:p159="http://schemas.microsoft.com/office/powerpoint/2015/09/main" Requires="p159">
+  <mc:AlternateContent xmlns:mc="http://schemas.openxmlformats.org/markup-compatibility/2006" xmlns:p159="http://schemas.microsoft.com/office/powerpoint/2015/09/main">
+    <mc:Choice Requires="p159">
       <p:transition xmlns:p14="http://schemas.microsoft.com/office/powerpoint/2010/main" spd="slow" p14:dur="2000">
         <p159:morph option="byObject"/>
       </p:transition>
     </mc:Choice>
-    <mc:Fallback>
+    <mc:Fallback xmlns="">
       <p:transition spd="slow">
         <p:fade/>
       </p:transition>
@@ -6317,10 +6332,10 @@
       </p:grpSpPr>
       <p:sp>
         <p:nvSpPr>
-          <p:cNvPr id="4" name="Title 1">
-            <a:extLst>
-              <a:ext uri="{FF2B5EF4-FFF2-40B4-BE49-F238E27FC236}">
-                <a16:creationId xmlns:a16="http://schemas.microsoft.com/office/drawing/2014/main" id="{50DF5C7B-714C-44DC-B49A-F16BE5E80C8B}"/>
+          <p:cNvPr id="6" name="Subtitle 2">
+            <a:extLst>
+              <a:ext uri="{FF2B5EF4-FFF2-40B4-BE49-F238E27FC236}">
+                <a16:creationId xmlns:a16="http://schemas.microsoft.com/office/drawing/2014/main" id="{AB8C65B5-8163-4E17-BC2A-195AC06AD212}"/>
               </a:ext>
             </a:extLst>
           </p:cNvPr>
@@ -6331,75 +6346,8 @@
         </p:nvSpPr>
         <p:spPr>
           <a:xfrm>
-            <a:off x="424920" y="330535"/>
-            <a:ext cx="5535205" cy="935510"/>
-          </a:xfrm>
-          <a:prstGeom prst="rect">
-            <a:avLst/>
-          </a:prstGeom>
-        </p:spPr>
-        <p:txBody>
-          <a:bodyPr vert="horz" lIns="91440" tIns="45720" rIns="91440" bIns="45720" rtlCol="0" anchor="b">
-            <a:normAutofit/>
-          </a:bodyPr>
-          <a:lstStyle>
-            <a:lvl1pPr algn="ctr" defTabSz="914400" rtl="0" eaLnBrk="1" latinLnBrk="0" hangingPunct="1">
-              <a:lnSpc>
-                <a:spcPct val="90000"/>
-              </a:lnSpc>
-              <a:spcBef>
-                <a:spcPct val="0"/>
-              </a:spcBef>
-              <a:buNone/>
-              <a:defRPr sz="6000" kern="1200">
-                <a:solidFill>
-                  <a:schemeClr val="tx1"/>
-                </a:solidFill>
-                <a:latin typeface="+mj-lt"/>
-                <a:ea typeface="+mj-ea"/>
-                <a:cs typeface="+mj-cs"/>
-              </a:defRPr>
-            </a:lvl1pPr>
-          </a:lstStyle>
-          <a:p>
-            <a:pPr algn="l">
-              <a:spcBef>
-                <a:spcPts val="600"/>
-              </a:spcBef>
-              <a:spcAft>
-                <a:spcPts val="600"/>
-              </a:spcAft>
-            </a:pPr>
-            <a:r>
-              <a:rPr lang="en-US" sz="3400" dirty="0">
-                <a:solidFill>
-                  <a:srgbClr val="00B050"/>
-                </a:solidFill>
-                <a:latin typeface="Century Schoolbook" panose="02040604050505020304" pitchFamily="18" charset="0"/>
-              </a:rPr>
-              <a:t>Discussion</a:t>
-            </a:r>
-          </a:p>
-        </p:txBody>
-      </p:sp>
-      <p:sp>
-        <p:nvSpPr>
-          <p:cNvPr id="6" name="Subtitle 2">
-            <a:extLst>
-              <a:ext uri="{FF2B5EF4-FFF2-40B4-BE49-F238E27FC236}">
-                <a16:creationId xmlns:a16="http://schemas.microsoft.com/office/drawing/2014/main" id="{AB8C65B5-8163-4E17-BC2A-195AC06AD212}"/>
-              </a:ext>
-            </a:extLst>
-          </p:cNvPr>
-          <p:cNvSpPr txBox="1">
-            <a:spLocks/>
-          </p:cNvSpPr>
-          <p:nvPr/>
-        </p:nvSpPr>
-        <p:spPr>
-          <a:xfrm>
-            <a:off x="796673" y="1604837"/>
-            <a:ext cx="8942238" cy="4271642"/>
+            <a:off x="0" y="72039"/>
+            <a:ext cx="5438874" cy="1193447"/>
           </a:xfrm>
           <a:prstGeom prst="rect">
             <a:avLst/>
@@ -6407,7 +6355,7 @@
         </p:spPr>
         <p:txBody>
           <a:bodyPr vert="horz" lIns="91440" tIns="45720" rIns="91440" bIns="45720" rtlCol="0">
-            <a:normAutofit/>
+            <a:normAutofit fontScale="92500"/>
           </a:bodyPr>
           <a:lstStyle>
             <a:lvl1pPr marL="0" indent="0" algn="ctr" defTabSz="914400" rtl="0" eaLnBrk="1" latinLnBrk="0" hangingPunct="1">
@@ -6574,22 +6522,6 @@
             </a:lvl9pPr>
           </a:lstStyle>
           <a:p>
-            <a:pPr marL="285750" indent="-285750" algn="l">
-              <a:lnSpc>
-                <a:spcPct val="120000"/>
-              </a:lnSpc>
-              <a:buFont typeface="Wingdings" panose="05000000000000000000" pitchFamily="2" charset="2"/>
-              <a:buChar char="ü"/>
-            </a:pPr>
-            <a:r>
-              <a:rPr lang="en-CA" sz="1800" b="1" dirty="0">
-                <a:latin typeface="Century Schoolbook" panose="02040604050505020304" pitchFamily="18" charset="0"/>
-                <a:cs typeface="Calibri" panose="020F0502020204030204" pitchFamily="34" charset="0"/>
-              </a:rPr>
-              <a:t>Findings: </a:t>
-            </a:r>
-          </a:p>
-          <a:p>
             <a:pPr marL="742950" lvl="1" indent="-285750" algn="l">
               <a:lnSpc>
                 <a:spcPct val="120000"/>
@@ -6597,184 +6529,54 @@
               <a:buFont typeface="Wingdings" panose="05000000000000000000" pitchFamily="2" charset="2"/>
               <a:buChar char="§"/>
             </a:pPr>
-            <a:r>
-              <a:rPr lang="en-CA" sz="1600" dirty="0">
-                <a:effectLst/>
-                <a:latin typeface="Century Schoolbook" panose="02040604050505020304" pitchFamily="18" charset="0"/>
-                <a:ea typeface="Calibri" panose="020F0502020204030204" pitchFamily="34" charset="0"/>
-                <a:cs typeface="Calibri" panose="020F0502020204030204" pitchFamily="34" charset="0"/>
-              </a:rPr>
-              <a:t>………</a:t>
-            </a:r>
-          </a:p>
-          <a:p>
-            <a:pPr marL="742950" lvl="1" indent="-285750" algn="l">
+            <a:endParaRPr lang="en-CA" sz="1800" b="1" dirty="0">
+              <a:solidFill>
+                <a:schemeClr val="accent2">
+                  <a:lumMod val="75000"/>
+                </a:schemeClr>
+              </a:solidFill>
+              <a:latin typeface="Century Schoolbook" panose="02040604050505020304" pitchFamily="18" charset="0"/>
+              <a:ea typeface="Calibri" panose="020F0502020204030204" pitchFamily="34" charset="0"/>
+              <a:cs typeface="Calibri" panose="020F0502020204030204" pitchFamily="34" charset="0"/>
+            </a:endParaRPr>
+          </a:p>
+          <a:p>
+            <a:pPr lvl="1" algn="l">
               <a:lnSpc>
                 <a:spcPct val="120000"/>
               </a:lnSpc>
-              <a:buFont typeface="Wingdings" panose="05000000000000000000" pitchFamily="2" charset="2"/>
-              <a:buChar char="§"/>
             </a:pPr>
             <a:r>
-              <a:rPr lang="en-CA" sz="1600" dirty="0">
-                <a:effectLst/>
-                <a:latin typeface="Century Schoolbook" panose="02040604050505020304" pitchFamily="18" charset="0"/>
-                <a:ea typeface="Calibri" panose="020F0502020204030204" pitchFamily="34" charset="0"/>
-                <a:cs typeface="Calibri" panose="020F0502020204030204" pitchFamily="34" charset="0"/>
-              </a:rPr>
-              <a:t>……….</a:t>
-            </a:r>
-            <a:endParaRPr lang="en-CA" sz="1400" dirty="0">
-              <a:effectLst/>
-              <a:latin typeface="Century Schoolbook" panose="02040604050505020304" pitchFamily="18" charset="0"/>
-              <a:ea typeface="Calibri" panose="020F0502020204030204" pitchFamily="34" charset="0"/>
-              <a:cs typeface="Times New Roman" panose="02020603050405020304" pitchFamily="18" charset="0"/>
-            </a:endParaRPr>
-          </a:p>
-          <a:p>
-            <a:pPr lvl="0" algn="l"/>
-            <a:endParaRPr lang="en-CA" sz="1800" dirty="0">
-              <a:latin typeface="Century Schoolbook" panose="02040604050505020304" pitchFamily="18" charset="0"/>
-              <a:cs typeface="Calibri" panose="020F0502020204030204" pitchFamily="34" charset="0"/>
-            </a:endParaRPr>
-          </a:p>
-          <a:p>
-            <a:pPr lvl="0" algn="l"/>
-            <a:endParaRPr lang="en-CA" sz="1800" dirty="0">
-              <a:latin typeface="Century Schoolbook" panose="02040604050505020304" pitchFamily="18" charset="0"/>
-              <a:cs typeface="Calibri" panose="020F0502020204030204" pitchFamily="34" charset="0"/>
-            </a:endParaRPr>
+              <a:rPr lang="en-CA" sz="3400" b="1" dirty="0">
+                <a:solidFill>
+                  <a:schemeClr val="accent2">
+                    <a:lumMod val="75000"/>
+                  </a:schemeClr>
+                </a:solidFill>
+                <a:latin typeface="Century Schoolbook" panose="02040604050505020304" pitchFamily="18" charset="0"/>
+                <a:ea typeface="+mj-ea"/>
+                <a:cs typeface="+mj-cs"/>
+              </a:rPr>
+              <a:t>Q&amp;A with the audience</a:t>
+            </a:r>
           </a:p>
           <a:p>
             <a:pPr marL="285750" lvl="0" indent="-285750" algn="l">
               <a:buFont typeface="Wingdings" panose="05000000000000000000" pitchFamily="2" charset="2"/>
               <a:buChar char="ü"/>
             </a:pPr>
-            <a:r>
-              <a:rPr lang="en-CA" sz="1800" b="1" dirty="0">
-                <a:latin typeface="Century Schoolbook" panose="02040604050505020304" pitchFamily="18" charset="0"/>
-                <a:cs typeface="Calibri" panose="020F0502020204030204" pitchFamily="34" charset="0"/>
-              </a:rPr>
-              <a:t>Inferences </a:t>
-            </a:r>
-            <a:r>
-              <a:rPr lang="en-CA" sz="2000" b="0" i="0" dirty="0">
-                <a:solidFill>
-                  <a:srgbClr val="4D5156"/>
-                </a:solidFill>
-                <a:effectLst/>
-                <a:latin typeface="Century Schoolbook" panose="02040604050505020304" pitchFamily="18" charset="0"/>
-              </a:rPr>
-              <a:t>| </a:t>
-            </a:r>
-            <a:r>
-              <a:rPr lang="en-CA" sz="1800" b="1" dirty="0">
-                <a:latin typeface="Century Schoolbook" panose="02040604050505020304" pitchFamily="18" charset="0"/>
-                <a:cs typeface="Calibri" panose="020F0502020204030204" pitchFamily="34" charset="0"/>
-              </a:rPr>
-              <a:t>General conclusions</a:t>
-            </a:r>
-            <a:r>
-              <a:rPr lang="en-CA" sz="1800" b="0" i="0" dirty="0">
-                <a:effectLst/>
-                <a:latin typeface="Century Schoolbook" panose="02040604050505020304" pitchFamily="18" charset="0"/>
-              </a:rPr>
-              <a:t>:</a:t>
-            </a:r>
-            <a:endParaRPr lang="en-CA" sz="1800" dirty="0">
+            <a:endParaRPr lang="en-CA" sz="1800" b="1" dirty="0">
+              <a:solidFill>
+                <a:schemeClr val="accent2">
+                  <a:lumMod val="75000"/>
+                </a:schemeClr>
+              </a:solidFill>
               <a:latin typeface="Century Schoolbook" panose="02040604050505020304" pitchFamily="18" charset="0"/>
               <a:cs typeface="Calibri" panose="020F0502020204030204" pitchFamily="34" charset="0"/>
             </a:endParaRPr>
           </a:p>
-          <a:p>
-            <a:pPr marL="742950" lvl="1" indent="-285750" algn="l">
-              <a:lnSpc>
-                <a:spcPct val="120000"/>
-              </a:lnSpc>
-              <a:buFont typeface="Wingdings" panose="05000000000000000000" pitchFamily="2" charset="2"/>
-              <a:buChar char="§"/>
-            </a:pPr>
-            <a:r>
-              <a:rPr lang="en-CA" sz="1800" dirty="0">
-                <a:effectLst/>
-                <a:latin typeface="Century Schoolbook" panose="02040604050505020304" pitchFamily="18" charset="0"/>
-                <a:ea typeface="Calibri" panose="020F0502020204030204" pitchFamily="34" charset="0"/>
-                <a:cs typeface="Calibri" panose="020F0502020204030204" pitchFamily="34" charset="0"/>
-              </a:rPr>
-              <a:t>………</a:t>
-            </a:r>
-          </a:p>
-          <a:p>
-            <a:pPr marL="742950" lvl="1" indent="-285750" algn="l">
-              <a:lnSpc>
-                <a:spcPct val="120000"/>
-              </a:lnSpc>
-              <a:buFont typeface="Wingdings" panose="05000000000000000000" pitchFamily="2" charset="2"/>
-              <a:buChar char="§"/>
-            </a:pPr>
-            <a:r>
-              <a:rPr lang="en-CA" sz="1800" dirty="0">
-                <a:effectLst/>
-                <a:latin typeface="Century Schoolbook" panose="02040604050505020304" pitchFamily="18" charset="0"/>
-                <a:ea typeface="Calibri" panose="020F0502020204030204" pitchFamily="34" charset="0"/>
-                <a:cs typeface="Calibri" panose="020F0502020204030204" pitchFamily="34" charset="0"/>
-              </a:rPr>
-              <a:t>……….</a:t>
-            </a:r>
-            <a:endParaRPr lang="en-CA" sz="1600" dirty="0">
-              <a:effectLst/>
-              <a:latin typeface="Century Schoolbook" panose="02040604050505020304" pitchFamily="18" charset="0"/>
-              <a:ea typeface="Calibri" panose="020F0502020204030204" pitchFamily="34" charset="0"/>
-              <a:cs typeface="Times New Roman" panose="02020603050405020304" pitchFamily="18" charset="0"/>
-            </a:endParaRPr>
-          </a:p>
-          <a:p>
-            <a:pPr marL="285750" lvl="0" indent="-285750" algn="l">
-              <a:buFont typeface="Wingdings" panose="05000000000000000000" pitchFamily="2" charset="2"/>
-              <a:buChar char="ü"/>
-            </a:pPr>
-            <a:endParaRPr lang="en-CA" sz="1800" dirty="0">
-              <a:latin typeface="Century Schoolbook" panose="02040604050505020304" pitchFamily="18" charset="0"/>
-              <a:cs typeface="Calibri" panose="020F0502020204030204" pitchFamily="34" charset="0"/>
-            </a:endParaRPr>
-          </a:p>
         </p:txBody>
       </p:sp>
-      <p:pic>
-        <p:nvPicPr>
-          <p:cNvPr id="8" name="Picture 7" descr="A picture containing diagram&#10;&#10;Description automatically generated">
-            <a:extLst>
-              <a:ext uri="{FF2B5EF4-FFF2-40B4-BE49-F238E27FC236}">
-                <a16:creationId xmlns:a16="http://schemas.microsoft.com/office/drawing/2014/main" id="{7314AAE1-4A8B-4769-9B85-F4F77C3FA243}"/>
-              </a:ext>
-            </a:extLst>
-          </p:cNvPr>
-          <p:cNvPicPr>
-            <a:picLocks noChangeAspect="1"/>
-          </p:cNvPicPr>
-          <p:nvPr/>
-        </p:nvPicPr>
-        <p:blipFill rotWithShape="1">
-          <a:blip r:embed="rId2">
-            <a:extLst>
-              <a:ext uri="{28A0092B-C50C-407E-A947-70E740481C1C}">
-                <a14:useLocalDpi xmlns:a14="http://schemas.microsoft.com/office/drawing/2010/main" val="0"/>
-              </a:ext>
-            </a:extLst>
-          </a:blip>
-          <a:srcRect l="4257" t="23094" r="65929" b="35362"/>
-          <a:stretch/>
-        </p:blipFill>
-        <p:spPr>
-          <a:xfrm>
-            <a:off x="10176498" y="0"/>
-            <a:ext cx="2015502" cy="1604836"/>
-          </a:xfrm>
-          <a:prstGeom prst="rect">
-            <a:avLst/>
-          </a:prstGeom>
-        </p:spPr>
-      </p:pic>
       <p:sp>
         <p:nvSpPr>
           <p:cNvPr id="10" name="Rectangle 9">
@@ -6848,23 +6650,62 @@
           </a:p>
         </p:txBody>
       </p:sp>
+      <p:pic>
+        <p:nvPicPr>
+          <p:cNvPr id="7" name="Picture 6" descr="A close up of a logo&#10;&#10;Description automatically generated">
+            <a:extLst>
+              <a:ext uri="{FF2B5EF4-FFF2-40B4-BE49-F238E27FC236}">
+                <a16:creationId xmlns:a16="http://schemas.microsoft.com/office/drawing/2014/main" id="{FD833693-95BB-4365-BD8B-C06743E826FA}"/>
+              </a:ext>
+            </a:extLst>
+          </p:cNvPr>
+          <p:cNvPicPr>
+            <a:picLocks noChangeAspect="1"/>
+          </p:cNvPicPr>
+          <p:nvPr/>
+        </p:nvPicPr>
+        <p:blipFill>
+          <a:blip r:embed="rId2">
+            <a:extLst>
+              <a:ext uri="{28A0092B-C50C-407E-A947-70E740481C1C}">
+                <a14:useLocalDpi xmlns:a14="http://schemas.microsoft.com/office/drawing/2010/main" val="0"/>
+              </a:ext>
+              <a:ext uri="{837473B0-CC2E-450A-ABE3-18F120FF3D39}">
+                <a1611:picAttrSrcUrl xmlns:a1611="http://schemas.microsoft.com/office/drawing/2016/11/main" r:id="rId3"/>
+              </a:ext>
+            </a:extLst>
+          </a:blip>
+          <a:stretch>
+            <a:fillRect/>
+          </a:stretch>
+        </p:blipFill>
+        <p:spPr>
+          <a:xfrm>
+            <a:off x="2792775" y="1188394"/>
+            <a:ext cx="6606449" cy="4954837"/>
+          </a:xfrm>
+          <a:prstGeom prst="rect">
+            <a:avLst/>
+          </a:prstGeom>
+        </p:spPr>
+      </p:pic>
     </p:spTree>
     <p:extLst>
       <p:ext uri="{BB962C8B-B14F-4D97-AF65-F5344CB8AC3E}">
-        <p14:creationId xmlns:p14="http://schemas.microsoft.com/office/powerpoint/2010/main" val="44990578"/>
+        <p14:creationId xmlns:p14="http://schemas.microsoft.com/office/powerpoint/2010/main" val="3972983593"/>
       </p:ext>
     </p:extLst>
   </p:cSld>
   <p:clrMapOvr>
     <a:masterClrMapping/>
   </p:clrMapOvr>
-  <mc:AlternateContent xmlns:mc="http://schemas.openxmlformats.org/markup-compatibility/2006">
-    <mc:Choice xmlns:p159="http://schemas.microsoft.com/office/powerpoint/2015/09/main" Requires="p159">
+  <mc:AlternateContent xmlns:mc="http://schemas.openxmlformats.org/markup-compatibility/2006" xmlns:p159="http://schemas.microsoft.com/office/powerpoint/2015/09/main">
+    <mc:Choice Requires="p159">
       <p:transition xmlns:p14="http://schemas.microsoft.com/office/powerpoint/2010/main" spd="slow" p14:dur="2000">
         <p159:morph option="byObject"/>
       </p:transition>
     </mc:Choice>
-    <mc:Fallback>
+    <mc:Fallback xmlns="">
       <p:transition spd="slow">
         <p:fade/>
       </p:transition>
@@ -6892,6 +6733,661 @@
       </p:grpSpPr>
       <p:sp>
         <p:nvSpPr>
+          <p:cNvPr id="6" name="Title 1">
+            <a:extLst>
+              <a:ext uri="{FF2B5EF4-FFF2-40B4-BE49-F238E27FC236}">
+                <a16:creationId xmlns:a16="http://schemas.microsoft.com/office/drawing/2014/main" id="{76A09E4B-015C-4F81-B595-B8801F160D84}"/>
+              </a:ext>
+            </a:extLst>
+          </p:cNvPr>
+          <p:cNvSpPr txBox="1">
+            <a:spLocks/>
+          </p:cNvSpPr>
+          <p:nvPr/>
+        </p:nvSpPr>
+        <p:spPr>
+          <a:xfrm>
+            <a:off x="383757" y="597643"/>
+            <a:ext cx="5036542" cy="1158446"/>
+          </a:xfrm>
+          <a:prstGeom prst="rect">
+            <a:avLst/>
+          </a:prstGeom>
+        </p:spPr>
+        <p:txBody>
+          <a:bodyPr vert="horz" lIns="91440" tIns="45720" rIns="91440" bIns="45720" rtlCol="0" anchor="b">
+            <a:normAutofit/>
+          </a:bodyPr>
+          <a:lstStyle>
+            <a:lvl1pPr algn="ctr" defTabSz="914400" rtl="0" eaLnBrk="1" latinLnBrk="0" hangingPunct="1">
+              <a:lnSpc>
+                <a:spcPct val="90000"/>
+              </a:lnSpc>
+              <a:spcBef>
+                <a:spcPct val="0"/>
+              </a:spcBef>
+              <a:buNone/>
+              <a:defRPr sz="6000" kern="1200">
+                <a:solidFill>
+                  <a:schemeClr val="tx1"/>
+                </a:solidFill>
+                <a:latin typeface="+mj-lt"/>
+                <a:ea typeface="+mj-ea"/>
+                <a:cs typeface="+mj-cs"/>
+              </a:defRPr>
+            </a:lvl1pPr>
+          </a:lstStyle>
+          <a:p>
+            <a:pPr algn="l"/>
+            <a:r>
+              <a:rPr lang="en-US" dirty="0">
+                <a:solidFill>
+                  <a:srgbClr val="00B050"/>
+                </a:solidFill>
+                <a:latin typeface="Century Schoolbook" panose="02040604050505020304" pitchFamily="18" charset="0"/>
+              </a:rPr>
+              <a:t>Thank You!</a:t>
+            </a:r>
+          </a:p>
+        </p:txBody>
+      </p:sp>
+      <p:sp>
+        <p:nvSpPr>
+          <p:cNvPr id="7" name="Subtitle 2">
+            <a:extLst>
+              <a:ext uri="{FF2B5EF4-FFF2-40B4-BE49-F238E27FC236}">
+                <a16:creationId xmlns:a16="http://schemas.microsoft.com/office/drawing/2014/main" id="{579D5581-53BA-44EB-8D96-6F645B299C3A}"/>
+              </a:ext>
+            </a:extLst>
+          </p:cNvPr>
+          <p:cNvSpPr txBox="1">
+            <a:spLocks/>
+          </p:cNvSpPr>
+          <p:nvPr/>
+        </p:nvSpPr>
+        <p:spPr>
+          <a:xfrm>
+            <a:off x="265043" y="5640643"/>
+            <a:ext cx="2729948" cy="474836"/>
+          </a:xfrm>
+          <a:prstGeom prst="rect">
+            <a:avLst/>
+          </a:prstGeom>
+        </p:spPr>
+        <p:txBody>
+          <a:bodyPr vert="horz" lIns="91440" tIns="45720" rIns="91440" bIns="45720" rtlCol="0">
+            <a:normAutofit lnSpcReduction="10000"/>
+          </a:bodyPr>
+          <a:lstStyle>
+            <a:lvl1pPr marL="0" indent="0" algn="ctr" defTabSz="914400" rtl="0" eaLnBrk="1" latinLnBrk="0" hangingPunct="1">
+              <a:lnSpc>
+                <a:spcPct val="90000"/>
+              </a:lnSpc>
+              <a:spcBef>
+                <a:spcPts val="1000"/>
+              </a:spcBef>
+              <a:buFont typeface="Arial" panose="020B0604020202020204" pitchFamily="34" charset="0"/>
+              <a:buNone/>
+              <a:defRPr sz="2400" kern="1200">
+                <a:solidFill>
+                  <a:schemeClr val="tx1"/>
+                </a:solidFill>
+                <a:latin typeface="+mn-lt"/>
+                <a:ea typeface="+mn-ea"/>
+                <a:cs typeface="+mn-cs"/>
+              </a:defRPr>
+            </a:lvl1pPr>
+            <a:lvl2pPr marL="457200" indent="0" algn="ctr" defTabSz="914400" rtl="0" eaLnBrk="1" latinLnBrk="0" hangingPunct="1">
+              <a:lnSpc>
+                <a:spcPct val="90000"/>
+              </a:lnSpc>
+              <a:spcBef>
+                <a:spcPts val="500"/>
+              </a:spcBef>
+              <a:buFont typeface="Arial" panose="020B0604020202020204" pitchFamily="34" charset="0"/>
+              <a:buNone/>
+              <a:defRPr sz="2000" kern="1200">
+                <a:solidFill>
+                  <a:schemeClr val="tx1"/>
+                </a:solidFill>
+                <a:latin typeface="+mn-lt"/>
+                <a:ea typeface="+mn-ea"/>
+                <a:cs typeface="+mn-cs"/>
+              </a:defRPr>
+            </a:lvl2pPr>
+            <a:lvl3pPr marL="914400" indent="0" algn="ctr" defTabSz="914400" rtl="0" eaLnBrk="1" latinLnBrk="0" hangingPunct="1">
+              <a:lnSpc>
+                <a:spcPct val="90000"/>
+              </a:lnSpc>
+              <a:spcBef>
+                <a:spcPts val="500"/>
+              </a:spcBef>
+              <a:buFont typeface="Arial" panose="020B0604020202020204" pitchFamily="34" charset="0"/>
+              <a:buNone/>
+              <a:defRPr sz="1800" kern="1200">
+                <a:solidFill>
+                  <a:schemeClr val="tx1"/>
+                </a:solidFill>
+                <a:latin typeface="+mn-lt"/>
+                <a:ea typeface="+mn-ea"/>
+                <a:cs typeface="+mn-cs"/>
+              </a:defRPr>
+            </a:lvl3pPr>
+            <a:lvl4pPr marL="1371600" indent="0" algn="ctr" defTabSz="914400" rtl="0" eaLnBrk="1" latinLnBrk="0" hangingPunct="1">
+              <a:lnSpc>
+                <a:spcPct val="90000"/>
+              </a:lnSpc>
+              <a:spcBef>
+                <a:spcPts val="500"/>
+              </a:spcBef>
+              <a:buFont typeface="Arial" panose="020B0604020202020204" pitchFamily="34" charset="0"/>
+              <a:buNone/>
+              <a:defRPr sz="1600" kern="1200">
+                <a:solidFill>
+                  <a:schemeClr val="tx1"/>
+                </a:solidFill>
+                <a:latin typeface="+mn-lt"/>
+                <a:ea typeface="+mn-ea"/>
+                <a:cs typeface="+mn-cs"/>
+              </a:defRPr>
+            </a:lvl4pPr>
+            <a:lvl5pPr marL="1828800" indent="0" algn="ctr" defTabSz="914400" rtl="0" eaLnBrk="1" latinLnBrk="0" hangingPunct="1">
+              <a:lnSpc>
+                <a:spcPct val="90000"/>
+              </a:lnSpc>
+              <a:spcBef>
+                <a:spcPts val="500"/>
+              </a:spcBef>
+              <a:buFont typeface="Arial" panose="020B0604020202020204" pitchFamily="34" charset="0"/>
+              <a:buNone/>
+              <a:defRPr sz="1600" kern="1200">
+                <a:solidFill>
+                  <a:schemeClr val="tx1"/>
+                </a:solidFill>
+                <a:latin typeface="+mn-lt"/>
+                <a:ea typeface="+mn-ea"/>
+                <a:cs typeface="+mn-cs"/>
+              </a:defRPr>
+            </a:lvl5pPr>
+            <a:lvl6pPr marL="2286000" indent="0" algn="ctr" defTabSz="914400" rtl="0" eaLnBrk="1" latinLnBrk="0" hangingPunct="1">
+              <a:lnSpc>
+                <a:spcPct val="90000"/>
+              </a:lnSpc>
+              <a:spcBef>
+                <a:spcPts val="500"/>
+              </a:spcBef>
+              <a:buFont typeface="Arial" panose="020B0604020202020204" pitchFamily="34" charset="0"/>
+              <a:buNone/>
+              <a:defRPr sz="1600" kern="1200">
+                <a:solidFill>
+                  <a:schemeClr val="tx1"/>
+                </a:solidFill>
+                <a:latin typeface="+mn-lt"/>
+                <a:ea typeface="+mn-ea"/>
+                <a:cs typeface="+mn-cs"/>
+              </a:defRPr>
+            </a:lvl6pPr>
+            <a:lvl7pPr marL="2743200" indent="0" algn="ctr" defTabSz="914400" rtl="0" eaLnBrk="1" latinLnBrk="0" hangingPunct="1">
+              <a:lnSpc>
+                <a:spcPct val="90000"/>
+              </a:lnSpc>
+              <a:spcBef>
+                <a:spcPts val="500"/>
+              </a:spcBef>
+              <a:buFont typeface="Arial" panose="020B0604020202020204" pitchFamily="34" charset="0"/>
+              <a:buNone/>
+              <a:defRPr sz="1600" kern="1200">
+                <a:solidFill>
+                  <a:schemeClr val="tx1"/>
+                </a:solidFill>
+                <a:latin typeface="+mn-lt"/>
+                <a:ea typeface="+mn-ea"/>
+                <a:cs typeface="+mn-cs"/>
+              </a:defRPr>
+            </a:lvl7pPr>
+            <a:lvl8pPr marL="3200400" indent="0" algn="ctr" defTabSz="914400" rtl="0" eaLnBrk="1" latinLnBrk="0" hangingPunct="1">
+              <a:lnSpc>
+                <a:spcPct val="90000"/>
+              </a:lnSpc>
+              <a:spcBef>
+                <a:spcPts val="500"/>
+              </a:spcBef>
+              <a:buFont typeface="Arial" panose="020B0604020202020204" pitchFamily="34" charset="0"/>
+              <a:buNone/>
+              <a:defRPr sz="1600" kern="1200">
+                <a:solidFill>
+                  <a:schemeClr val="tx1"/>
+                </a:solidFill>
+                <a:latin typeface="+mn-lt"/>
+                <a:ea typeface="+mn-ea"/>
+                <a:cs typeface="+mn-cs"/>
+              </a:defRPr>
+            </a:lvl8pPr>
+            <a:lvl9pPr marL="3657600" indent="0" algn="ctr" defTabSz="914400" rtl="0" eaLnBrk="1" latinLnBrk="0" hangingPunct="1">
+              <a:lnSpc>
+                <a:spcPct val="90000"/>
+              </a:lnSpc>
+              <a:spcBef>
+                <a:spcPts val="500"/>
+              </a:spcBef>
+              <a:buFont typeface="Arial" panose="020B0604020202020204" pitchFamily="34" charset="0"/>
+              <a:buNone/>
+              <a:defRPr sz="1600" kern="1200">
+                <a:solidFill>
+                  <a:schemeClr val="tx1"/>
+                </a:solidFill>
+                <a:latin typeface="+mn-lt"/>
+                <a:ea typeface="+mn-ea"/>
+                <a:cs typeface="+mn-cs"/>
+              </a:defRPr>
+            </a:lvl9pPr>
+          </a:lstStyle>
+          <a:p>
+            <a:pPr algn="l"/>
+            <a:r>
+              <a:rPr lang="en-US" sz="2800" dirty="0">
+                <a:solidFill>
+                  <a:schemeClr val="bg1"/>
+                </a:solidFill>
+                <a:latin typeface="Century Schoolbook" panose="02040604050505020304" pitchFamily="18" charset="0"/>
+              </a:rPr>
+              <a:t>Covid-19</a:t>
+            </a:r>
+            <a:r>
+              <a:rPr lang="en-US" sz="2800" dirty="0"/>
+              <a:t> </a:t>
+            </a:r>
+          </a:p>
+        </p:txBody>
+      </p:sp>
+      <p:sp>
+        <p:nvSpPr>
+          <p:cNvPr id="11" name="Subtitle 2">
+            <a:extLst>
+              <a:ext uri="{FF2B5EF4-FFF2-40B4-BE49-F238E27FC236}">
+                <a16:creationId xmlns:a16="http://schemas.microsoft.com/office/drawing/2014/main" id="{8D7D6A06-05A4-43A0-9060-88AF66C8A9F4}"/>
+              </a:ext>
+            </a:extLst>
+          </p:cNvPr>
+          <p:cNvSpPr txBox="1">
+            <a:spLocks/>
+          </p:cNvSpPr>
+          <p:nvPr/>
+        </p:nvSpPr>
+        <p:spPr>
+          <a:xfrm>
+            <a:off x="1630017" y="6115479"/>
+            <a:ext cx="9367371" cy="560300"/>
+          </a:xfrm>
+          <a:prstGeom prst="rect">
+            <a:avLst/>
+          </a:prstGeom>
+        </p:spPr>
+        <p:txBody>
+          <a:bodyPr vert="horz" lIns="91440" tIns="45720" rIns="91440" bIns="45720" rtlCol="0">
+            <a:normAutofit fontScale="70000" lnSpcReduction="20000"/>
+          </a:bodyPr>
+          <a:lstStyle>
+            <a:lvl1pPr marL="0" indent="0" algn="ctr" defTabSz="914400" rtl="0" eaLnBrk="1" latinLnBrk="0" hangingPunct="1">
+              <a:lnSpc>
+                <a:spcPct val="90000"/>
+              </a:lnSpc>
+              <a:spcBef>
+                <a:spcPts val="1000"/>
+              </a:spcBef>
+              <a:buFont typeface="Arial" panose="020B0604020202020204" pitchFamily="34" charset="0"/>
+              <a:buNone/>
+              <a:defRPr sz="2400" kern="1200">
+                <a:solidFill>
+                  <a:schemeClr val="tx1"/>
+                </a:solidFill>
+                <a:latin typeface="+mn-lt"/>
+                <a:ea typeface="+mn-ea"/>
+                <a:cs typeface="+mn-cs"/>
+              </a:defRPr>
+            </a:lvl1pPr>
+            <a:lvl2pPr marL="457200" indent="0" algn="ctr" defTabSz="914400" rtl="0" eaLnBrk="1" latinLnBrk="0" hangingPunct="1">
+              <a:lnSpc>
+                <a:spcPct val="90000"/>
+              </a:lnSpc>
+              <a:spcBef>
+                <a:spcPts val="500"/>
+              </a:spcBef>
+              <a:buFont typeface="Arial" panose="020B0604020202020204" pitchFamily="34" charset="0"/>
+              <a:buNone/>
+              <a:defRPr sz="2000" kern="1200">
+                <a:solidFill>
+                  <a:schemeClr val="tx1"/>
+                </a:solidFill>
+                <a:latin typeface="+mn-lt"/>
+                <a:ea typeface="+mn-ea"/>
+                <a:cs typeface="+mn-cs"/>
+              </a:defRPr>
+            </a:lvl2pPr>
+            <a:lvl3pPr marL="914400" indent="0" algn="ctr" defTabSz="914400" rtl="0" eaLnBrk="1" latinLnBrk="0" hangingPunct="1">
+              <a:lnSpc>
+                <a:spcPct val="90000"/>
+              </a:lnSpc>
+              <a:spcBef>
+                <a:spcPts val="500"/>
+              </a:spcBef>
+              <a:buFont typeface="Arial" panose="020B0604020202020204" pitchFamily="34" charset="0"/>
+              <a:buNone/>
+              <a:defRPr sz="1800" kern="1200">
+                <a:solidFill>
+                  <a:schemeClr val="tx1"/>
+                </a:solidFill>
+                <a:latin typeface="+mn-lt"/>
+                <a:ea typeface="+mn-ea"/>
+                <a:cs typeface="+mn-cs"/>
+              </a:defRPr>
+            </a:lvl3pPr>
+            <a:lvl4pPr marL="1371600" indent="0" algn="ctr" defTabSz="914400" rtl="0" eaLnBrk="1" latinLnBrk="0" hangingPunct="1">
+              <a:lnSpc>
+                <a:spcPct val="90000"/>
+              </a:lnSpc>
+              <a:spcBef>
+                <a:spcPts val="500"/>
+              </a:spcBef>
+              <a:buFont typeface="Arial" panose="020B0604020202020204" pitchFamily="34" charset="0"/>
+              <a:buNone/>
+              <a:defRPr sz="1600" kern="1200">
+                <a:solidFill>
+                  <a:schemeClr val="tx1"/>
+                </a:solidFill>
+                <a:latin typeface="+mn-lt"/>
+                <a:ea typeface="+mn-ea"/>
+                <a:cs typeface="+mn-cs"/>
+              </a:defRPr>
+            </a:lvl4pPr>
+            <a:lvl5pPr marL="1828800" indent="0" algn="ctr" defTabSz="914400" rtl="0" eaLnBrk="1" latinLnBrk="0" hangingPunct="1">
+              <a:lnSpc>
+                <a:spcPct val="90000"/>
+              </a:lnSpc>
+              <a:spcBef>
+                <a:spcPts val="500"/>
+              </a:spcBef>
+              <a:buFont typeface="Arial" panose="020B0604020202020204" pitchFamily="34" charset="0"/>
+              <a:buNone/>
+              <a:defRPr sz="1600" kern="1200">
+                <a:solidFill>
+                  <a:schemeClr val="tx1"/>
+                </a:solidFill>
+                <a:latin typeface="+mn-lt"/>
+                <a:ea typeface="+mn-ea"/>
+                <a:cs typeface="+mn-cs"/>
+              </a:defRPr>
+            </a:lvl5pPr>
+            <a:lvl6pPr marL="2286000" indent="0" algn="ctr" defTabSz="914400" rtl="0" eaLnBrk="1" latinLnBrk="0" hangingPunct="1">
+              <a:lnSpc>
+                <a:spcPct val="90000"/>
+              </a:lnSpc>
+              <a:spcBef>
+                <a:spcPts val="500"/>
+              </a:spcBef>
+              <a:buFont typeface="Arial" panose="020B0604020202020204" pitchFamily="34" charset="0"/>
+              <a:buNone/>
+              <a:defRPr sz="1600" kern="1200">
+                <a:solidFill>
+                  <a:schemeClr val="tx1"/>
+                </a:solidFill>
+                <a:latin typeface="+mn-lt"/>
+                <a:ea typeface="+mn-ea"/>
+                <a:cs typeface="+mn-cs"/>
+              </a:defRPr>
+            </a:lvl6pPr>
+            <a:lvl7pPr marL="2743200" indent="0" algn="ctr" defTabSz="914400" rtl="0" eaLnBrk="1" latinLnBrk="0" hangingPunct="1">
+              <a:lnSpc>
+                <a:spcPct val="90000"/>
+              </a:lnSpc>
+              <a:spcBef>
+                <a:spcPts val="500"/>
+              </a:spcBef>
+              <a:buFont typeface="Arial" panose="020B0604020202020204" pitchFamily="34" charset="0"/>
+              <a:buNone/>
+              <a:defRPr sz="1600" kern="1200">
+                <a:solidFill>
+                  <a:schemeClr val="tx1"/>
+                </a:solidFill>
+                <a:latin typeface="+mn-lt"/>
+                <a:ea typeface="+mn-ea"/>
+                <a:cs typeface="+mn-cs"/>
+              </a:defRPr>
+            </a:lvl7pPr>
+            <a:lvl8pPr marL="3200400" indent="0" algn="ctr" defTabSz="914400" rtl="0" eaLnBrk="1" latinLnBrk="0" hangingPunct="1">
+              <a:lnSpc>
+                <a:spcPct val="90000"/>
+              </a:lnSpc>
+              <a:spcBef>
+                <a:spcPts val="500"/>
+              </a:spcBef>
+              <a:buFont typeface="Arial" panose="020B0604020202020204" pitchFamily="34" charset="0"/>
+              <a:buNone/>
+              <a:defRPr sz="1600" kern="1200">
+                <a:solidFill>
+                  <a:schemeClr val="tx1"/>
+                </a:solidFill>
+                <a:latin typeface="+mn-lt"/>
+                <a:ea typeface="+mn-ea"/>
+                <a:cs typeface="+mn-cs"/>
+              </a:defRPr>
+            </a:lvl8pPr>
+            <a:lvl9pPr marL="3657600" indent="0" algn="ctr" defTabSz="914400" rtl="0" eaLnBrk="1" latinLnBrk="0" hangingPunct="1">
+              <a:lnSpc>
+                <a:spcPct val="90000"/>
+              </a:lnSpc>
+              <a:spcBef>
+                <a:spcPts val="500"/>
+              </a:spcBef>
+              <a:buFont typeface="Arial" panose="020B0604020202020204" pitchFamily="34" charset="0"/>
+              <a:buNone/>
+              <a:defRPr sz="1600" kern="1200">
+                <a:solidFill>
+                  <a:schemeClr val="tx1"/>
+                </a:solidFill>
+                <a:latin typeface="+mn-lt"/>
+                <a:ea typeface="+mn-ea"/>
+                <a:cs typeface="+mn-cs"/>
+              </a:defRPr>
+            </a:lvl9pPr>
+          </a:lstStyle>
+          <a:p>
+            <a:pPr algn="l"/>
+            <a:r>
+              <a:rPr lang="en-US" sz="2700" b="1" dirty="0">
+                <a:latin typeface="Century Schoolbook" panose="02040604050505020304" pitchFamily="18" charset="0"/>
+              </a:rPr>
+              <a:t>Emilia</a:t>
+            </a:r>
+            <a:r>
+              <a:rPr lang="en-US" sz="2700" dirty="0">
+                <a:latin typeface="Century Schoolbook" panose="02040604050505020304" pitchFamily="18" charset="0"/>
+              </a:rPr>
+              <a:t> </a:t>
+            </a:r>
+            <a:r>
+              <a:rPr lang="en-CA" sz="2700" dirty="0" err="1">
+                <a:latin typeface="Century Schoolbook" panose="02040604050505020304" pitchFamily="18" charset="0"/>
+              </a:rPr>
+              <a:t>Lubanska</a:t>
+            </a:r>
+            <a:r>
+              <a:rPr lang="en-CA" sz="2700" dirty="0">
+                <a:latin typeface="Century Schoolbook" panose="02040604050505020304" pitchFamily="18" charset="0"/>
+              </a:rPr>
+              <a:t>,</a:t>
+            </a:r>
+            <a:r>
+              <a:rPr lang="en-US" sz="2700" dirty="0">
+                <a:latin typeface="Century Schoolbook" panose="02040604050505020304" pitchFamily="18" charset="0"/>
+              </a:rPr>
+              <a:t> </a:t>
+            </a:r>
+            <a:r>
+              <a:rPr lang="en-US" sz="2800" b="1" dirty="0">
+                <a:latin typeface="Century Schoolbook" panose="02040604050505020304" pitchFamily="18" charset="0"/>
+              </a:rPr>
+              <a:t>Jorge</a:t>
+            </a:r>
+            <a:r>
+              <a:rPr lang="en-US" sz="2800" dirty="0">
+                <a:latin typeface="Century Schoolbook" panose="02040604050505020304" pitchFamily="18" charset="0"/>
+              </a:rPr>
+              <a:t> Arriola, </a:t>
+            </a:r>
+            <a:r>
+              <a:rPr lang="en-US" sz="2800" b="1" dirty="0">
+                <a:latin typeface="Century Schoolbook" panose="02040604050505020304" pitchFamily="18" charset="0"/>
+              </a:rPr>
+              <a:t>Marina </a:t>
+            </a:r>
+            <a:r>
+              <a:rPr lang="en-US" sz="2800" dirty="0">
+                <a:latin typeface="Century Schoolbook" panose="02040604050505020304" pitchFamily="18" charset="0"/>
+              </a:rPr>
+              <a:t>Ercoli, </a:t>
+            </a:r>
+            <a:r>
+              <a:rPr lang="en-US" sz="2800" b="1" dirty="0">
+                <a:latin typeface="Century Schoolbook" panose="02040604050505020304" pitchFamily="18" charset="0"/>
+              </a:rPr>
+              <a:t>Monica</a:t>
+            </a:r>
+            <a:r>
+              <a:rPr lang="en-US" sz="2800" dirty="0">
+                <a:latin typeface="Century Schoolbook" panose="02040604050505020304" pitchFamily="18" charset="0"/>
+              </a:rPr>
+              <a:t> Lin, </a:t>
+            </a:r>
+            <a:r>
+              <a:rPr lang="en-US" sz="2800" b="1" dirty="0" err="1">
+                <a:latin typeface="Century Schoolbook" panose="02040604050505020304" pitchFamily="18" charset="0"/>
+              </a:rPr>
+              <a:t>Ulisses</a:t>
+            </a:r>
+            <a:r>
+              <a:rPr lang="en-US" sz="2800" b="1" dirty="0">
+                <a:latin typeface="Century Schoolbook" panose="02040604050505020304" pitchFamily="18" charset="0"/>
+              </a:rPr>
+              <a:t> </a:t>
+            </a:r>
+            <a:r>
+              <a:rPr lang="en-US" sz="2800" dirty="0">
+                <a:latin typeface="Century Schoolbook" panose="02040604050505020304" pitchFamily="18" charset="0"/>
+              </a:rPr>
+              <a:t>Pinto </a:t>
+            </a:r>
+            <a:endParaRPr lang="en-US" sz="2800" dirty="0"/>
+          </a:p>
+        </p:txBody>
+      </p:sp>
+      <p:sp>
+        <p:nvSpPr>
+          <p:cNvPr id="13" name="Title 1">
+            <a:extLst>
+              <a:ext uri="{FF2B5EF4-FFF2-40B4-BE49-F238E27FC236}">
+                <a16:creationId xmlns:a16="http://schemas.microsoft.com/office/drawing/2014/main" id="{29B929CA-254B-4B37-AD20-E98B25F83D91}"/>
+              </a:ext>
+            </a:extLst>
+          </p:cNvPr>
+          <p:cNvSpPr txBox="1">
+            <a:spLocks/>
+          </p:cNvSpPr>
+          <p:nvPr/>
+        </p:nvSpPr>
+        <p:spPr>
+          <a:xfrm>
+            <a:off x="3971133" y="2871043"/>
+            <a:ext cx="4481750" cy="903516"/>
+          </a:xfrm>
+          <a:prstGeom prst="rect">
+            <a:avLst/>
+          </a:prstGeom>
+        </p:spPr>
+        <p:txBody>
+          <a:bodyPr vert="horz" lIns="91440" tIns="45720" rIns="91440" bIns="45720" rtlCol="0" anchor="b">
+            <a:normAutofit fontScale="55000" lnSpcReduction="20000"/>
+          </a:bodyPr>
+          <a:lstStyle>
+            <a:lvl1pPr algn="ctr" defTabSz="914400" rtl="0" eaLnBrk="1" latinLnBrk="0" hangingPunct="1">
+              <a:lnSpc>
+                <a:spcPct val="90000"/>
+              </a:lnSpc>
+              <a:spcBef>
+                <a:spcPct val="0"/>
+              </a:spcBef>
+              <a:buNone/>
+              <a:defRPr sz="6000" kern="1200">
+                <a:solidFill>
+                  <a:schemeClr val="tx1"/>
+                </a:solidFill>
+                <a:latin typeface="+mj-lt"/>
+                <a:ea typeface="+mj-ea"/>
+                <a:cs typeface="+mj-cs"/>
+              </a:defRPr>
+            </a:lvl1pPr>
+          </a:lstStyle>
+          <a:p>
+            <a:pPr algn="l"/>
+            <a:r>
+              <a:rPr lang="en-US" dirty="0">
+                <a:solidFill>
+                  <a:schemeClr val="accent2">
+                    <a:lumMod val="60000"/>
+                    <a:lumOff val="40000"/>
+                  </a:schemeClr>
+                </a:solidFill>
+                <a:latin typeface="Century Schoolbook" panose="02040604050505020304" pitchFamily="18" charset="0"/>
+              </a:rPr>
+              <a:t>Our photo to be added</a:t>
+            </a:r>
+          </a:p>
+        </p:txBody>
+      </p:sp>
+    </p:spTree>
+    <p:extLst>
+      <p:ext uri="{BB962C8B-B14F-4D97-AF65-F5344CB8AC3E}">
+        <p14:creationId xmlns:p14="http://schemas.microsoft.com/office/powerpoint/2010/main" val="1704619193"/>
+      </p:ext>
+    </p:extLst>
+  </p:cSld>
+  <p:clrMapOvr>
+    <a:masterClrMapping/>
+  </p:clrMapOvr>
+  <mc:AlternateContent xmlns:mc="http://schemas.openxmlformats.org/markup-compatibility/2006" xmlns:p159="http://schemas.microsoft.com/office/powerpoint/2015/09/main">
+    <mc:Choice Requires="p159">
+      <p:transition xmlns:p14="http://schemas.microsoft.com/office/powerpoint/2010/main" spd="slow" p14:dur="2000">
+        <p159:morph option="byObject"/>
+      </p:transition>
+    </mc:Choice>
+    <mc:Fallback xmlns="">
+      <p:transition spd="slow">
+        <p:fade/>
+      </p:transition>
+    </mc:Fallback>
+  </mc:AlternateContent>
+</p:sld>
+</file>
+
+<file path=ppt/slides/slide2.xml><?xml version="1.0" encoding="utf-8"?>
+<p:sld xmlns:a="http://schemas.openxmlformats.org/drawingml/2006/main" xmlns:r="http://schemas.openxmlformats.org/officeDocument/2006/relationships" xmlns:p="http://schemas.openxmlformats.org/presentationml/2006/main">
+  <p:cSld>
+    <p:spTree>
+      <p:nvGrpSpPr>
+        <p:cNvPr id="1" name=""/>
+        <p:cNvGrpSpPr/>
+        <p:nvPr/>
+      </p:nvGrpSpPr>
+      <p:grpSpPr>
+        <a:xfrm>
+          <a:off x="0" y="0"/>
+          <a:ext cx="0" cy="0"/>
+          <a:chOff x="0" y="0"/>
+          <a:chExt cx="0" cy="0"/>
+        </a:xfrm>
+      </p:grpSpPr>
+      <p:sp>
+        <p:nvSpPr>
           <p:cNvPr id="4" name="Title 1">
             <a:extLst>
               <a:ext uri="{FF2B5EF4-FFF2-40B4-BE49-F238E27FC236}">
@@ -6948,11 +7444,11 @@
             <a:r>
               <a:rPr lang="en-US" sz="3400" dirty="0">
                 <a:solidFill>
-                  <a:srgbClr val="00B050"/>
-                </a:solidFill>
-                <a:latin typeface="Century Schoolbook" panose="02040604050505020304" pitchFamily="18" charset="0"/>
-              </a:rPr>
-              <a:t>Discussion</a:t>
+                  <a:schemeClr val="accent6"/>
+                </a:solidFill>
+                <a:latin typeface="Century Schoolbook" panose="02040604050505020304" pitchFamily="18" charset="0"/>
+              </a:rPr>
+              <a:t>Motivation &amp; Summary</a:t>
             </a:r>
           </a:p>
         </p:txBody>
@@ -7158,10 +7654,19 @@
             </a:pPr>
             <a:r>
               <a:rPr lang="en-CA" sz="1800" b="1" dirty="0">
-                <a:latin typeface="Century Schoolbook" panose="02040604050505020304" pitchFamily="18" charset="0"/>
+                <a:effectLst/>
+                <a:latin typeface="Century Schoolbook" panose="02040604050505020304" pitchFamily="18" charset="0"/>
+                <a:ea typeface="Calibri" panose="020F0502020204030204" pitchFamily="34" charset="0"/>
                 <a:cs typeface="Calibri" panose="020F0502020204030204" pitchFamily="34" charset="0"/>
               </a:rPr>
-              <a:t>Findings: </a:t>
+              <a:t>Goal </a:t>
+            </a:r>
+            <a:r>
+              <a:rPr lang="en-CA" sz="1800" b="1" dirty="0">
+                <a:latin typeface="Century Schoolbook" panose="02040604050505020304" pitchFamily="18" charset="0"/>
+                <a:cs typeface="Calibri" panose="020F0502020204030204" pitchFamily="34" charset="0"/>
+              </a:rPr>
+              <a:t>&amp; Hypothesis</a:t>
             </a:r>
           </a:p>
           <a:p>
@@ -7179,7 +7684,7 @@
                 <a:ea typeface="Calibri" panose="020F0502020204030204" pitchFamily="34" charset="0"/>
                 <a:cs typeface="Calibri" panose="020F0502020204030204" pitchFamily="34" charset="0"/>
               </a:rPr>
-              <a:t>………</a:t>
+              <a:t>To analyse the impact of Covid-19 on the real estate market comparing 2019 and 2020 data from Ontario. </a:t>
             </a:r>
           </a:p>
           <a:p>
@@ -7192,13 +7697,22 @@
             </a:pPr>
             <a:r>
               <a:rPr lang="en-CA" sz="1600" dirty="0">
-                <a:effectLst/>
-                <a:latin typeface="Century Schoolbook" panose="02040604050505020304" pitchFamily="18" charset="0"/>
-                <a:ea typeface="Calibri" panose="020F0502020204030204" pitchFamily="34" charset="0"/>
+                <a:latin typeface="Century Schoolbook" panose="02040604050505020304" pitchFamily="18" charset="0"/>
                 <a:cs typeface="Calibri" panose="020F0502020204030204" pitchFamily="34" charset="0"/>
               </a:rPr>
-              <a:t>……….</a:t>
-            </a:r>
+              <a:t>We believe that indicators related to the real estate market will have a lower performance in 2020 than in 2019. (e.g. less houses sold in 2020 than in 2019)</a:t>
+            </a:r>
+            <a:endParaRPr lang="en-CA" dirty="0">
+              <a:latin typeface="Century Schoolbook" panose="02040604050505020304" pitchFamily="18" charset="0"/>
+              <a:cs typeface="Calibri" panose="020F0502020204030204" pitchFamily="34" charset="0"/>
+            </a:endParaRPr>
+          </a:p>
+          <a:p>
+            <a:pPr lvl="1" algn="l">
+              <a:lnSpc>
+                <a:spcPct val="120000"/>
+              </a:lnSpc>
+            </a:pPr>
             <a:endParaRPr lang="en-CA" sz="1400" dirty="0">
               <a:effectLst/>
               <a:latin typeface="Century Schoolbook" panose="02040604050505020304" pitchFamily="18" charset="0"/>
@@ -7207,103 +7721,120 @@
             </a:endParaRPr>
           </a:p>
           <a:p>
-            <a:pPr lvl="0" algn="l"/>
+            <a:pPr marL="285750" lvl="0" indent="-285750" algn="l">
+              <a:buFont typeface="Wingdings" panose="05000000000000000000" pitchFamily="2" charset="2"/>
+              <a:buChar char="ü"/>
+            </a:pPr>
+            <a:r>
+              <a:rPr lang="en-CA" sz="1800" b="1" dirty="0">
+                <a:latin typeface="Century Schoolbook" panose="02040604050505020304" pitchFamily="18" charset="0"/>
+                <a:cs typeface="Calibri" panose="020F0502020204030204" pitchFamily="34" charset="0"/>
+              </a:rPr>
+              <a:t>Questions</a:t>
+            </a:r>
+          </a:p>
+          <a:p>
+            <a:pPr marL="742950" lvl="1" indent="-285750" algn="l">
+              <a:lnSpc>
+                <a:spcPct val="100000"/>
+              </a:lnSpc>
+              <a:buFont typeface="Wingdings" panose="05000000000000000000" pitchFamily="2" charset="2"/>
+              <a:buChar char="§"/>
+            </a:pPr>
+            <a:r>
+              <a:rPr lang="en-CA" sz="1600" dirty="0">
+                <a:latin typeface="Century Schoolbook" panose="02040604050505020304" pitchFamily="18" charset="0"/>
+                <a:cs typeface="Calibri" panose="020F0502020204030204" pitchFamily="34" charset="0"/>
+              </a:rPr>
+              <a:t> What are the number of Covid-19 cases reported in Ontario?</a:t>
+            </a:r>
+            <a:endParaRPr lang="en-US" sz="1600" dirty="0">
+              <a:latin typeface="Century Schoolbook" panose="02040604050505020304" pitchFamily="18" charset="0"/>
+              <a:cs typeface="Calibri" panose="020F0502020204030204" pitchFamily="34" charset="0"/>
+            </a:endParaRPr>
+          </a:p>
+          <a:p>
+            <a:pPr marL="742950" lvl="1" indent="-285750" algn="l">
+              <a:lnSpc>
+                <a:spcPct val="100000"/>
+              </a:lnSpc>
+              <a:buFont typeface="Wingdings" panose="05000000000000000000" pitchFamily="2" charset="2"/>
+              <a:buChar char="§"/>
+            </a:pPr>
+            <a:r>
+              <a:rPr lang="en-CA" sz="1600" dirty="0">
+                <a:latin typeface="Century Schoolbook" panose="02040604050505020304" pitchFamily="18" charset="0"/>
+                <a:cs typeface="Calibri" panose="020F0502020204030204" pitchFamily="34" charset="0"/>
+              </a:rPr>
+              <a:t> What is the impact of Covid-19 on the real estate market?</a:t>
+            </a:r>
+          </a:p>
+          <a:p>
+            <a:pPr marL="914400" lvl="1" indent="-457200" algn="l">
+              <a:lnSpc>
+                <a:spcPct val="100000"/>
+              </a:lnSpc>
+              <a:buFont typeface="Wingdings" panose="05000000000000000000" pitchFamily="2" charset="2"/>
+              <a:buChar char="§"/>
+            </a:pPr>
+            <a:r>
+              <a:rPr lang="en-CA" sz="1600" dirty="0">
+                <a:latin typeface="Century Schoolbook" panose="02040604050505020304" pitchFamily="18" charset="0"/>
+                <a:cs typeface="Calibri" panose="020F0502020204030204" pitchFamily="34" charset="0"/>
+              </a:rPr>
+              <a:t>Does it impact the interest rates?</a:t>
+            </a:r>
+          </a:p>
+          <a:p>
+            <a:pPr marL="914400" lvl="1" indent="-457200" algn="l">
+              <a:lnSpc>
+                <a:spcPct val="100000"/>
+              </a:lnSpc>
+              <a:buFont typeface="Wingdings" panose="05000000000000000000" pitchFamily="2" charset="2"/>
+              <a:buChar char="§"/>
+            </a:pPr>
+            <a:r>
+              <a:rPr lang="en-CA" sz="1600" dirty="0">
+                <a:latin typeface="Century Schoolbook" panose="02040604050505020304" pitchFamily="18" charset="0"/>
+                <a:cs typeface="Calibri" panose="020F0502020204030204" pitchFamily="34" charset="0"/>
+              </a:rPr>
+              <a:t>Is there any correlation between Covid-19 and the number of houses sold?</a:t>
+            </a:r>
+          </a:p>
+          <a:p>
+            <a:pPr marL="914400" lvl="1" indent="-457200" algn="l">
+              <a:lnSpc>
+                <a:spcPct val="100000"/>
+              </a:lnSpc>
+              <a:buFont typeface="Wingdings" panose="05000000000000000000" pitchFamily="2" charset="2"/>
+              <a:buChar char="§"/>
+            </a:pPr>
+            <a:r>
+              <a:rPr lang="en-CA" sz="1600" dirty="0">
+                <a:latin typeface="Century Schoolbook" panose="02040604050505020304" pitchFamily="18" charset="0"/>
+                <a:cs typeface="Calibri" panose="020F0502020204030204" pitchFamily="34" charset="0"/>
+              </a:rPr>
+              <a:t>What about price fluctuation?</a:t>
+            </a:r>
+          </a:p>
+          <a:p>
+            <a:pPr marL="285750" lvl="0" indent="-285750" algn="l">
+              <a:buFont typeface="Wingdings" panose="05000000000000000000" pitchFamily="2" charset="2"/>
+              <a:buChar char="ü"/>
+            </a:pPr>
             <a:endParaRPr lang="en-CA" sz="1800" dirty="0">
               <a:latin typeface="Century Schoolbook" panose="02040604050505020304" pitchFamily="18" charset="0"/>
               <a:cs typeface="Calibri" panose="020F0502020204030204" pitchFamily="34" charset="0"/>
             </a:endParaRPr>
           </a:p>
           <a:p>
-            <a:pPr lvl="0" algn="l"/>
-            <a:endParaRPr lang="en-CA" sz="1800" dirty="0">
-              <a:latin typeface="Century Schoolbook" panose="02040604050505020304" pitchFamily="18" charset="0"/>
-              <a:cs typeface="Calibri" panose="020F0502020204030204" pitchFamily="34" charset="0"/>
-            </a:endParaRPr>
-          </a:p>
-          <a:p>
             <a:pPr marL="285750" lvl="0" indent="-285750" algn="l">
               <a:buFont typeface="Wingdings" panose="05000000000000000000" pitchFamily="2" charset="2"/>
               <a:buChar char="ü"/>
             </a:pPr>
-            <a:r>
-              <a:rPr lang="en-CA" sz="1800" b="1" dirty="0">
-                <a:latin typeface="Century Schoolbook" panose="02040604050505020304" pitchFamily="18" charset="0"/>
-                <a:cs typeface="Calibri" panose="020F0502020204030204" pitchFamily="34" charset="0"/>
-              </a:rPr>
-              <a:t>Inferences </a:t>
-            </a:r>
-            <a:r>
-              <a:rPr lang="en-CA" sz="2000" b="1" i="0" dirty="0">
-                <a:solidFill>
-                  <a:srgbClr val="4D5156"/>
-                </a:solidFill>
-                <a:effectLst/>
-                <a:latin typeface="Century Schoolbook" panose="02040604050505020304" pitchFamily="18" charset="0"/>
-              </a:rPr>
-              <a:t>|</a:t>
-            </a:r>
-            <a:r>
-              <a:rPr lang="en-CA" sz="2000" b="0" i="0" dirty="0">
-                <a:solidFill>
-                  <a:srgbClr val="4D5156"/>
-                </a:solidFill>
-                <a:effectLst/>
-                <a:latin typeface="Century Schoolbook" panose="02040604050505020304" pitchFamily="18" charset="0"/>
-              </a:rPr>
-              <a:t> </a:t>
-            </a:r>
-            <a:r>
-              <a:rPr lang="en-CA" sz="1800" b="1" i="0" dirty="0">
-                <a:effectLst/>
-                <a:latin typeface="Century Schoolbook" panose="02040604050505020304" pitchFamily="18" charset="0"/>
-              </a:rPr>
-              <a:t>General conclusions:</a:t>
-            </a:r>
-            <a:endParaRPr lang="en-CA" sz="1800" b="1" dirty="0">
+            <a:endParaRPr lang="en-CA" sz="1800" dirty="0">
               <a:latin typeface="Century Schoolbook" panose="02040604050505020304" pitchFamily="18" charset="0"/>
               <a:cs typeface="Calibri" panose="020F0502020204030204" pitchFamily="34" charset="0"/>
-            </a:endParaRPr>
-          </a:p>
-          <a:p>
-            <a:pPr marL="742950" lvl="1" indent="-285750" algn="l">
-              <a:lnSpc>
-                <a:spcPct val="120000"/>
-              </a:lnSpc>
-              <a:buFont typeface="Wingdings" panose="05000000000000000000" pitchFamily="2" charset="2"/>
-              <a:buChar char="§"/>
-            </a:pPr>
-            <a:r>
-              <a:rPr lang="en-CA" sz="1800" dirty="0">
-                <a:effectLst/>
-                <a:latin typeface="Century Schoolbook" panose="02040604050505020304" pitchFamily="18" charset="0"/>
-                <a:ea typeface="Calibri" panose="020F0502020204030204" pitchFamily="34" charset="0"/>
-                <a:cs typeface="Calibri" panose="020F0502020204030204" pitchFamily="34" charset="0"/>
-              </a:rPr>
-              <a:t>………</a:t>
-            </a:r>
-          </a:p>
-          <a:p>
-            <a:pPr marL="742950" lvl="1" indent="-285750" algn="l">
-              <a:lnSpc>
-                <a:spcPct val="120000"/>
-              </a:lnSpc>
-              <a:buFont typeface="Wingdings" panose="05000000000000000000" pitchFamily="2" charset="2"/>
-              <a:buChar char="§"/>
-            </a:pPr>
-            <a:r>
-              <a:rPr lang="en-CA" sz="1800" dirty="0">
-                <a:effectLst/>
-                <a:latin typeface="Century Schoolbook" panose="02040604050505020304" pitchFamily="18" charset="0"/>
-                <a:ea typeface="Calibri" panose="020F0502020204030204" pitchFamily="34" charset="0"/>
-                <a:cs typeface="Calibri" panose="020F0502020204030204" pitchFamily="34" charset="0"/>
-              </a:rPr>
-              <a:t>……….</a:t>
-            </a:r>
-            <a:endParaRPr lang="en-CA" sz="1600" dirty="0">
-              <a:effectLst/>
-              <a:latin typeface="Century Schoolbook" panose="02040604050505020304" pitchFamily="18" charset="0"/>
-              <a:ea typeface="Calibri" panose="020F0502020204030204" pitchFamily="34" charset="0"/>
-              <a:cs typeface="Times New Roman" panose="02020603050405020304" pitchFamily="18" charset="0"/>
             </a:endParaRPr>
           </a:p>
           <a:p>
@@ -7429,20 +7960,20 @@
     </p:spTree>
     <p:extLst>
       <p:ext uri="{BB962C8B-B14F-4D97-AF65-F5344CB8AC3E}">
-        <p14:creationId xmlns:p14="http://schemas.microsoft.com/office/powerpoint/2010/main" val="3405510997"/>
+        <p14:creationId xmlns:p14="http://schemas.microsoft.com/office/powerpoint/2010/main" val="1721340933"/>
       </p:ext>
     </p:extLst>
   </p:cSld>
   <p:clrMapOvr>
     <a:masterClrMapping/>
   </p:clrMapOvr>
-  <mc:AlternateContent xmlns:mc="http://schemas.openxmlformats.org/markup-compatibility/2006">
-    <mc:Choice xmlns:p159="http://schemas.microsoft.com/office/powerpoint/2015/09/main" Requires="p159">
+  <mc:AlternateContent xmlns:mc="http://schemas.openxmlformats.org/markup-compatibility/2006" xmlns:p159="http://schemas.microsoft.com/office/powerpoint/2015/09/main">
+    <mc:Choice Requires="p159">
       <p:transition xmlns:p14="http://schemas.microsoft.com/office/powerpoint/2010/main" spd="slow" p14:dur="2000">
         <p159:morph option="byObject"/>
       </p:transition>
     </mc:Choice>
-    <mc:Fallback>
+    <mc:Fallback xmlns="">
       <p:transition spd="slow">
         <p:fade/>
       </p:transition>
@@ -7451,7 +7982,7 @@
 </p:sld>
 </file>
 
-<file path=ppt/slides/slide14.xml><?xml version="1.0" encoding="utf-8"?>
+<file path=ppt/slides/slide3.xml><?xml version="1.0" encoding="utf-8"?>
 <p:sld xmlns:a="http://schemas.openxmlformats.org/drawingml/2006/main" xmlns:r="http://schemas.openxmlformats.org/officeDocument/2006/relationships" xmlns:p="http://schemas.openxmlformats.org/presentationml/2006/main">
   <p:cSld>
     <p:spTree>
@@ -7484,7 +8015,7 @@
         </p:nvSpPr>
         <p:spPr>
           <a:xfrm>
-            <a:off x="424920" y="330535"/>
+            <a:off x="424918" y="103676"/>
             <a:ext cx="5535205" cy="935510"/>
           </a:xfrm>
           <a:prstGeom prst="rect">
@@ -7526,361 +8057,12 @@
             <a:r>
               <a:rPr lang="en-US" sz="3400" dirty="0">
                 <a:solidFill>
-                  <a:schemeClr val="accent5">
-                    <a:lumMod val="75000"/>
-                  </a:schemeClr>
-                </a:solidFill>
-                <a:latin typeface="Century Schoolbook" panose="02040604050505020304" pitchFamily="18" charset="0"/>
-              </a:rPr>
-              <a:t>Post Mortem</a:t>
-            </a:r>
-          </a:p>
-        </p:txBody>
-      </p:sp>
-      <p:sp>
-        <p:nvSpPr>
-          <p:cNvPr id="6" name="Subtitle 2">
-            <a:extLst>
-              <a:ext uri="{FF2B5EF4-FFF2-40B4-BE49-F238E27FC236}">
-                <a16:creationId xmlns:a16="http://schemas.microsoft.com/office/drawing/2014/main" id="{AB8C65B5-8163-4E17-BC2A-195AC06AD212}"/>
-              </a:ext>
-            </a:extLst>
-          </p:cNvPr>
-          <p:cNvSpPr txBox="1">
-            <a:spLocks/>
-          </p:cNvSpPr>
-          <p:nvPr/>
-        </p:nvSpPr>
-        <p:spPr>
-          <a:xfrm>
-            <a:off x="796673" y="1604837"/>
-            <a:ext cx="8942238" cy="4271642"/>
-          </a:xfrm>
-          <a:prstGeom prst="rect">
-            <a:avLst/>
-          </a:prstGeom>
-        </p:spPr>
-        <p:txBody>
-          <a:bodyPr vert="horz" lIns="91440" tIns="45720" rIns="91440" bIns="45720" rtlCol="0">
-            <a:normAutofit/>
-          </a:bodyPr>
-          <a:lstStyle>
-            <a:lvl1pPr marL="0" indent="0" algn="ctr" defTabSz="914400" rtl="0" eaLnBrk="1" latinLnBrk="0" hangingPunct="1">
-              <a:lnSpc>
-                <a:spcPct val="90000"/>
-              </a:lnSpc>
-              <a:spcBef>
-                <a:spcPts val="1000"/>
-              </a:spcBef>
-              <a:buFont typeface="Arial" panose="020B0604020202020204" pitchFamily="34" charset="0"/>
-              <a:buNone/>
-              <a:defRPr sz="2400" kern="1200">
-                <a:solidFill>
-                  <a:schemeClr val="tx1"/>
-                </a:solidFill>
-                <a:latin typeface="+mn-lt"/>
-                <a:ea typeface="+mn-ea"/>
-                <a:cs typeface="+mn-cs"/>
-              </a:defRPr>
-            </a:lvl1pPr>
-            <a:lvl2pPr marL="457200" indent="0" algn="ctr" defTabSz="914400" rtl="0" eaLnBrk="1" latinLnBrk="0" hangingPunct="1">
-              <a:lnSpc>
-                <a:spcPct val="90000"/>
-              </a:lnSpc>
-              <a:spcBef>
-                <a:spcPts val="500"/>
-              </a:spcBef>
-              <a:buFont typeface="Arial" panose="020B0604020202020204" pitchFamily="34" charset="0"/>
-              <a:buNone/>
-              <a:defRPr sz="2000" kern="1200">
-                <a:solidFill>
-                  <a:schemeClr val="tx1"/>
-                </a:solidFill>
-                <a:latin typeface="+mn-lt"/>
-                <a:ea typeface="+mn-ea"/>
-                <a:cs typeface="+mn-cs"/>
-              </a:defRPr>
-            </a:lvl2pPr>
-            <a:lvl3pPr marL="914400" indent="0" algn="ctr" defTabSz="914400" rtl="0" eaLnBrk="1" latinLnBrk="0" hangingPunct="1">
-              <a:lnSpc>
-                <a:spcPct val="90000"/>
-              </a:lnSpc>
-              <a:spcBef>
-                <a:spcPts val="500"/>
-              </a:spcBef>
-              <a:buFont typeface="Arial" panose="020B0604020202020204" pitchFamily="34" charset="0"/>
-              <a:buNone/>
-              <a:defRPr sz="1800" kern="1200">
-                <a:solidFill>
-                  <a:schemeClr val="tx1"/>
-                </a:solidFill>
-                <a:latin typeface="+mn-lt"/>
-                <a:ea typeface="+mn-ea"/>
-                <a:cs typeface="+mn-cs"/>
-              </a:defRPr>
-            </a:lvl3pPr>
-            <a:lvl4pPr marL="1371600" indent="0" algn="ctr" defTabSz="914400" rtl="0" eaLnBrk="1" latinLnBrk="0" hangingPunct="1">
-              <a:lnSpc>
-                <a:spcPct val="90000"/>
-              </a:lnSpc>
-              <a:spcBef>
-                <a:spcPts val="500"/>
-              </a:spcBef>
-              <a:buFont typeface="Arial" panose="020B0604020202020204" pitchFamily="34" charset="0"/>
-              <a:buNone/>
-              <a:defRPr sz="1600" kern="1200">
-                <a:solidFill>
-                  <a:schemeClr val="tx1"/>
-                </a:solidFill>
-                <a:latin typeface="+mn-lt"/>
-                <a:ea typeface="+mn-ea"/>
-                <a:cs typeface="+mn-cs"/>
-              </a:defRPr>
-            </a:lvl4pPr>
-            <a:lvl5pPr marL="1828800" indent="0" algn="ctr" defTabSz="914400" rtl="0" eaLnBrk="1" latinLnBrk="0" hangingPunct="1">
-              <a:lnSpc>
-                <a:spcPct val="90000"/>
-              </a:lnSpc>
-              <a:spcBef>
-                <a:spcPts val="500"/>
-              </a:spcBef>
-              <a:buFont typeface="Arial" panose="020B0604020202020204" pitchFamily="34" charset="0"/>
-              <a:buNone/>
-              <a:defRPr sz="1600" kern="1200">
-                <a:solidFill>
-                  <a:schemeClr val="tx1"/>
-                </a:solidFill>
-                <a:latin typeface="+mn-lt"/>
-                <a:ea typeface="+mn-ea"/>
-                <a:cs typeface="+mn-cs"/>
-              </a:defRPr>
-            </a:lvl5pPr>
-            <a:lvl6pPr marL="2286000" indent="0" algn="ctr" defTabSz="914400" rtl="0" eaLnBrk="1" latinLnBrk="0" hangingPunct="1">
-              <a:lnSpc>
-                <a:spcPct val="90000"/>
-              </a:lnSpc>
-              <a:spcBef>
-                <a:spcPts val="500"/>
-              </a:spcBef>
-              <a:buFont typeface="Arial" panose="020B0604020202020204" pitchFamily="34" charset="0"/>
-              <a:buNone/>
-              <a:defRPr sz="1600" kern="1200">
-                <a:solidFill>
-                  <a:schemeClr val="tx1"/>
-                </a:solidFill>
-                <a:latin typeface="+mn-lt"/>
-                <a:ea typeface="+mn-ea"/>
-                <a:cs typeface="+mn-cs"/>
-              </a:defRPr>
-            </a:lvl6pPr>
-            <a:lvl7pPr marL="2743200" indent="0" algn="ctr" defTabSz="914400" rtl="0" eaLnBrk="1" latinLnBrk="0" hangingPunct="1">
-              <a:lnSpc>
-                <a:spcPct val="90000"/>
-              </a:lnSpc>
-              <a:spcBef>
-                <a:spcPts val="500"/>
-              </a:spcBef>
-              <a:buFont typeface="Arial" panose="020B0604020202020204" pitchFamily="34" charset="0"/>
-              <a:buNone/>
-              <a:defRPr sz="1600" kern="1200">
-                <a:solidFill>
-                  <a:schemeClr val="tx1"/>
-                </a:solidFill>
-                <a:latin typeface="+mn-lt"/>
-                <a:ea typeface="+mn-ea"/>
-                <a:cs typeface="+mn-cs"/>
-              </a:defRPr>
-            </a:lvl7pPr>
-            <a:lvl8pPr marL="3200400" indent="0" algn="ctr" defTabSz="914400" rtl="0" eaLnBrk="1" latinLnBrk="0" hangingPunct="1">
-              <a:lnSpc>
-                <a:spcPct val="90000"/>
-              </a:lnSpc>
-              <a:spcBef>
-                <a:spcPts val="500"/>
-              </a:spcBef>
-              <a:buFont typeface="Arial" panose="020B0604020202020204" pitchFamily="34" charset="0"/>
-              <a:buNone/>
-              <a:defRPr sz="1600" kern="1200">
-                <a:solidFill>
-                  <a:schemeClr val="tx1"/>
-                </a:solidFill>
-                <a:latin typeface="+mn-lt"/>
-                <a:ea typeface="+mn-ea"/>
-                <a:cs typeface="+mn-cs"/>
-              </a:defRPr>
-            </a:lvl8pPr>
-            <a:lvl9pPr marL="3657600" indent="0" algn="ctr" defTabSz="914400" rtl="0" eaLnBrk="1" latinLnBrk="0" hangingPunct="1">
-              <a:lnSpc>
-                <a:spcPct val="90000"/>
-              </a:lnSpc>
-              <a:spcBef>
-                <a:spcPts val="500"/>
-              </a:spcBef>
-              <a:buFont typeface="Arial" panose="020B0604020202020204" pitchFamily="34" charset="0"/>
-              <a:buNone/>
-              <a:defRPr sz="1600" kern="1200">
-                <a:solidFill>
-                  <a:schemeClr val="tx1"/>
-                </a:solidFill>
-                <a:latin typeface="+mn-lt"/>
-                <a:ea typeface="+mn-ea"/>
-                <a:cs typeface="+mn-cs"/>
-              </a:defRPr>
-            </a:lvl9pPr>
-          </a:lstStyle>
-          <a:p>
-            <a:pPr marL="285750" indent="-285750" algn="l">
-              <a:lnSpc>
-                <a:spcPct val="120000"/>
-              </a:lnSpc>
-              <a:buFont typeface="Wingdings" panose="05000000000000000000" pitchFamily="2" charset="2"/>
-              <a:buChar char="ü"/>
-            </a:pPr>
-            <a:r>
-              <a:rPr lang="en-CA" sz="1800" b="1" dirty="0">
-                <a:latin typeface="Century Schoolbook" panose="02040604050505020304" pitchFamily="18" charset="0"/>
-                <a:cs typeface="Calibri" panose="020F0502020204030204" pitchFamily="34" charset="0"/>
-              </a:rPr>
-              <a:t>Difficulties that arose, and how we dealt with them: </a:t>
-            </a:r>
-          </a:p>
-          <a:p>
-            <a:pPr marL="742950" lvl="1" indent="-285750" algn="l">
-              <a:lnSpc>
-                <a:spcPct val="120000"/>
-              </a:lnSpc>
-              <a:buFont typeface="Wingdings" panose="05000000000000000000" pitchFamily="2" charset="2"/>
-              <a:buChar char="§"/>
-            </a:pPr>
-            <a:r>
-              <a:rPr lang="en-CA" sz="1600" dirty="0">
-                <a:effectLst/>
-                <a:latin typeface="Century Schoolbook" panose="02040604050505020304" pitchFamily="18" charset="0"/>
-                <a:ea typeface="Calibri" panose="020F0502020204030204" pitchFamily="34" charset="0"/>
-                <a:cs typeface="Calibri" panose="020F0502020204030204" pitchFamily="34" charset="0"/>
-              </a:rPr>
-              <a:t>………</a:t>
-            </a:r>
-          </a:p>
-          <a:p>
-            <a:pPr marL="742950" lvl="1" indent="-285750" algn="l">
-              <a:lnSpc>
-                <a:spcPct val="120000"/>
-              </a:lnSpc>
-              <a:buFont typeface="Wingdings" panose="05000000000000000000" pitchFamily="2" charset="2"/>
-              <a:buChar char="§"/>
-            </a:pPr>
-            <a:r>
-              <a:rPr lang="en-CA" sz="1600" dirty="0">
-                <a:effectLst/>
-                <a:latin typeface="Century Schoolbook" panose="02040604050505020304" pitchFamily="18" charset="0"/>
-                <a:ea typeface="Calibri" panose="020F0502020204030204" pitchFamily="34" charset="0"/>
-                <a:cs typeface="Calibri" panose="020F0502020204030204" pitchFamily="34" charset="0"/>
-              </a:rPr>
-              <a:t>……….</a:t>
-            </a:r>
-            <a:endParaRPr lang="en-CA" sz="1400" dirty="0">
-              <a:effectLst/>
-              <a:latin typeface="Century Schoolbook" panose="02040604050505020304" pitchFamily="18" charset="0"/>
-              <a:ea typeface="Calibri" panose="020F0502020204030204" pitchFamily="34" charset="0"/>
-              <a:cs typeface="Times New Roman" panose="02020603050405020304" pitchFamily="18" charset="0"/>
-            </a:endParaRPr>
-          </a:p>
-          <a:p>
-            <a:pPr lvl="0" algn="l"/>
-            <a:endParaRPr lang="en-CA" sz="1800" dirty="0">
-              <a:latin typeface="Century Schoolbook" panose="02040604050505020304" pitchFamily="18" charset="0"/>
-              <a:cs typeface="Calibri" panose="020F0502020204030204" pitchFamily="34" charset="0"/>
-            </a:endParaRPr>
-          </a:p>
-          <a:p>
-            <a:pPr lvl="0" algn="l"/>
-            <a:endParaRPr lang="en-CA" sz="1800" dirty="0">
-              <a:latin typeface="Century Schoolbook" panose="02040604050505020304" pitchFamily="18" charset="0"/>
-              <a:cs typeface="Calibri" panose="020F0502020204030204" pitchFamily="34" charset="0"/>
-            </a:endParaRPr>
-          </a:p>
-          <a:p>
-            <a:pPr marL="285750" lvl="0" indent="-285750" algn="l">
-              <a:buFont typeface="Wingdings" panose="05000000000000000000" pitchFamily="2" charset="2"/>
-              <a:buChar char="ü"/>
-            </a:pPr>
-            <a:r>
-              <a:rPr lang="en-CA" sz="1800" b="1" dirty="0">
-                <a:latin typeface="Century Schoolbook" panose="02040604050505020304" pitchFamily="18" charset="0"/>
-                <a:cs typeface="Calibri" panose="020F0502020204030204" pitchFamily="34" charset="0"/>
-              </a:rPr>
-              <a:t>Additional questions </a:t>
-            </a:r>
-            <a:r>
-              <a:rPr lang="en-CA" sz="1800" b="1" i="0" dirty="0">
-                <a:solidFill>
-                  <a:srgbClr val="4D5156"/>
-                </a:solidFill>
-                <a:effectLst/>
-                <a:latin typeface="Century Schoolbook" panose="02040604050505020304" pitchFamily="18" charset="0"/>
-              </a:rPr>
-              <a:t>| </a:t>
-            </a:r>
-            <a:r>
-              <a:rPr lang="en-CA" sz="1800" b="1" dirty="0">
-                <a:latin typeface="Century Schoolbook" panose="02040604050505020304" pitchFamily="18" charset="0"/>
-                <a:cs typeface="Calibri" panose="020F0502020204030204" pitchFamily="34" charset="0"/>
-              </a:rPr>
-              <a:t>What would we research next?</a:t>
-            </a:r>
-          </a:p>
-          <a:p>
-            <a:pPr marL="742950" lvl="1" indent="-285750" algn="l">
-              <a:lnSpc>
-                <a:spcPct val="120000"/>
-              </a:lnSpc>
-              <a:buFont typeface="Wingdings" panose="05000000000000000000" pitchFamily="2" charset="2"/>
-              <a:buChar char="§"/>
-            </a:pPr>
-            <a:r>
-              <a:rPr lang="en-CA" sz="1800" dirty="0">
-                <a:effectLst/>
-                <a:latin typeface="Century Schoolbook" panose="02040604050505020304" pitchFamily="18" charset="0"/>
-                <a:ea typeface="Calibri" panose="020F0502020204030204" pitchFamily="34" charset="0"/>
-                <a:cs typeface="Calibri" panose="020F0502020204030204" pitchFamily="34" charset="0"/>
-              </a:rPr>
-              <a:t>………</a:t>
-            </a:r>
-          </a:p>
-          <a:p>
-            <a:pPr marL="742950" lvl="1" indent="-285750" algn="l">
-              <a:lnSpc>
-                <a:spcPct val="120000"/>
-              </a:lnSpc>
-              <a:buFont typeface="Wingdings" panose="05000000000000000000" pitchFamily="2" charset="2"/>
-              <a:buChar char="§"/>
-            </a:pPr>
-            <a:r>
-              <a:rPr lang="en-CA" sz="1800" dirty="0">
-                <a:effectLst/>
-                <a:latin typeface="Century Schoolbook" panose="02040604050505020304" pitchFamily="18" charset="0"/>
-                <a:ea typeface="Calibri" panose="020F0502020204030204" pitchFamily="34" charset="0"/>
-                <a:cs typeface="Calibri" panose="020F0502020204030204" pitchFamily="34" charset="0"/>
-              </a:rPr>
-              <a:t>……….</a:t>
-            </a:r>
-            <a:endParaRPr lang="en-CA" sz="1600" dirty="0">
-              <a:effectLst/>
-              <a:latin typeface="Century Schoolbook" panose="02040604050505020304" pitchFamily="18" charset="0"/>
-              <a:ea typeface="Calibri" panose="020F0502020204030204" pitchFamily="34" charset="0"/>
-              <a:cs typeface="Times New Roman" panose="02020603050405020304" pitchFamily="18" charset="0"/>
-            </a:endParaRPr>
-          </a:p>
-          <a:p>
-            <a:pPr marL="285750" lvl="0" indent="-285750" algn="l">
-              <a:buFont typeface="Wingdings" panose="05000000000000000000" pitchFamily="2" charset="2"/>
-              <a:buChar char="ü"/>
-            </a:pPr>
-            <a:endParaRPr lang="en-CA" sz="1800" dirty="0">
-              <a:latin typeface="Century Schoolbook" panose="02040604050505020304" pitchFamily="18" charset="0"/>
-              <a:cs typeface="Calibri" panose="020F0502020204030204" pitchFamily="34" charset="0"/>
-            </a:endParaRPr>
+                  <a:schemeClr val="accent1"/>
+                </a:solidFill>
+                <a:latin typeface="Century Schoolbook" panose="02040604050505020304" pitchFamily="18" charset="0"/>
+              </a:rPr>
+              <a:t>Data Sources</a:t>
+            </a:r>
           </a:p>
         </p:txBody>
       </p:sp>
@@ -7900,12 +8082,22 @@
         </p:nvPicPr>
         <p:blipFill rotWithShape="1">
           <a:blip r:embed="rId2">
+            <a:duotone>
+              <a:schemeClr val="accent5">
+                <a:shade val="45000"/>
+                <a:satMod val="135000"/>
+              </a:schemeClr>
+              <a:prstClr val="white"/>
+            </a:duotone>
             <a:extLst>
               <a:ext uri="{BEBA8EAE-BF5A-486C-A8C5-ECC9F3942E4B}">
                 <a14:imgProps xmlns:a14="http://schemas.microsoft.com/office/drawing/2010/main">
                   <a14:imgLayer r:embed="rId3">
                     <a14:imgEffect>
                       <a14:colorTemperature colorTemp="4700"/>
+                    </a14:imgEffect>
+                    <a14:imgEffect>
+                      <a14:saturation sat="66000"/>
                     </a14:imgEffect>
                   </a14:imgLayer>
                 </a14:imgProps>
@@ -7930,10 +8122,309 @@
       </p:pic>
       <p:sp>
         <p:nvSpPr>
-          <p:cNvPr id="10" name="Rectangle 9">
-            <a:extLst>
-              <a:ext uri="{FF2B5EF4-FFF2-40B4-BE49-F238E27FC236}">
-                <a16:creationId xmlns:a16="http://schemas.microsoft.com/office/drawing/2014/main" id="{EADA0E04-8858-4EB2-A55F-CD4DAD514B83}"/>
+          <p:cNvPr id="3" name="TextBox 2">
+            <a:extLst>
+              <a:ext uri="{FF2B5EF4-FFF2-40B4-BE49-F238E27FC236}">
+                <a16:creationId xmlns:a16="http://schemas.microsoft.com/office/drawing/2014/main" id="{5CBCD2FB-86AE-4224-B314-92DB0A60E4CC}"/>
+              </a:ext>
+            </a:extLst>
+          </p:cNvPr>
+          <p:cNvSpPr txBox="1"/>
+          <p:nvPr/>
+        </p:nvSpPr>
+        <p:spPr>
+          <a:xfrm>
+            <a:off x="-252377" y="1790715"/>
+            <a:ext cx="11662499" cy="3816429"/>
+          </a:xfrm>
+          <a:prstGeom prst="rect">
+            <a:avLst/>
+          </a:prstGeom>
+          <a:noFill/>
+        </p:spPr>
+        <p:txBody>
+          <a:bodyPr wrap="square">
+            <a:spAutoFit/>
+          </a:bodyPr>
+          <a:lstStyle/>
+          <a:p>
+            <a:pPr marL="685800" lvl="1"/>
+            <a:r>
+              <a:rPr lang="en-CA" sz="1400" dirty="0">
+                <a:effectLst/>
+                <a:latin typeface="Century Schoolbook" panose="02040604050505020304" pitchFamily="18" charset="0"/>
+                <a:ea typeface="Calibri" panose="020F0502020204030204" pitchFamily="34" charset="0"/>
+                <a:cs typeface="Times New Roman" panose="02020603050405020304" pitchFamily="18" charset="0"/>
+              </a:rPr>
+              <a:t> </a:t>
+            </a:r>
+          </a:p>
+          <a:p>
+            <a:pPr marL="685800" lvl="1"/>
+            <a:r>
+              <a:rPr lang="en-CA" sz="1400" dirty="0">
+                <a:latin typeface="Century Schoolbook" panose="02040604050505020304" pitchFamily="18" charset="0"/>
+                <a:cs typeface="Calibri" panose="020F0502020204030204" pitchFamily="34" charset="0"/>
+              </a:rPr>
+              <a:t>Canada Mortgage and Housing Corporation, housing under construction in all centres 10,000 and over for Canada, provinces, and selected census metropolitan areas  (</a:t>
+            </a:r>
+            <a:r>
+              <a:rPr lang="en-CA" sz="1400" b="1" dirty="0">
+                <a:latin typeface="Century Schoolbook" panose="02040604050505020304" pitchFamily="18" charset="0"/>
+                <a:cs typeface="Times New Roman" panose="02020603050405020304" pitchFamily="18" charset="0"/>
+              </a:rPr>
+              <a:t>Type: CSV</a:t>
+            </a:r>
+            <a:r>
+              <a:rPr lang="en-CA" sz="1400" dirty="0">
+                <a:effectLst/>
+                <a:latin typeface="Century Schoolbook" panose="02040604050505020304" pitchFamily="18" charset="0"/>
+                <a:ea typeface="Calibri" panose="020F0502020204030204" pitchFamily="34" charset="0"/>
+                <a:cs typeface="Calibri" panose="020F0502020204030204" pitchFamily="34" charset="0"/>
+              </a:rPr>
+              <a:t>)</a:t>
+            </a:r>
+            <a:br>
+              <a:rPr lang="en-CA" sz="1400" dirty="0">
+                <a:effectLst/>
+                <a:latin typeface="Century Schoolbook" panose="02040604050505020304" pitchFamily="18" charset="0"/>
+                <a:ea typeface="Calibri" panose="020F0502020204030204" pitchFamily="34" charset="0"/>
+                <a:cs typeface="Calibri" panose="020F0502020204030204" pitchFamily="34" charset="0"/>
+              </a:rPr>
+            </a:br>
+            <a:r>
+              <a:rPr lang="en-CA" sz="1400" u="sng" dirty="0">
+                <a:solidFill>
+                  <a:srgbClr val="0000FF"/>
+                </a:solidFill>
+                <a:latin typeface="Century Schoolbook" panose="02040604050505020304" pitchFamily="18" charset="0"/>
+                <a:cs typeface="Times New Roman" panose="02020603050405020304" pitchFamily="18" charset="0"/>
+                <a:hlinkClick r:id="rId4">
+                  <a:extLst>
+                    <a:ext uri="{A12FA001-AC4F-418D-AE19-62706E023703}">
+                      <ahyp:hlinkClr xmlns:ahyp="http://schemas.microsoft.com/office/drawing/2018/hyperlinkcolor" val="tx"/>
+                    </a:ext>
+                  </a:extLst>
+                </a:hlinkClick>
+              </a:rPr>
+              <a:t>https://open.canada.ca/data/en/dataset/1995a476-68fd-4fe2-973f-2dd47f7f6c2c</a:t>
+            </a:r>
+            <a:endParaRPr lang="en-CA" sz="1400" u="sng" dirty="0">
+              <a:solidFill>
+                <a:srgbClr val="0000FF"/>
+              </a:solidFill>
+              <a:latin typeface="Century Schoolbook" panose="02040604050505020304" pitchFamily="18" charset="0"/>
+              <a:cs typeface="Times New Roman" panose="02020603050405020304" pitchFamily="18" charset="0"/>
+            </a:endParaRPr>
+          </a:p>
+          <a:p>
+            <a:pPr marL="685800" lvl="1"/>
+            <a:endParaRPr lang="en-CA" sz="1400" u="sng" dirty="0">
+              <a:solidFill>
+                <a:srgbClr val="0000FF"/>
+              </a:solidFill>
+              <a:latin typeface="Century Schoolbook" panose="02040604050505020304" pitchFamily="18" charset="0"/>
+              <a:cs typeface="Times New Roman" panose="02020603050405020304" pitchFamily="18" charset="0"/>
+            </a:endParaRPr>
+          </a:p>
+          <a:p>
+            <a:pPr marL="685800" lvl="1"/>
+            <a:r>
+              <a:rPr lang="pt-BR" sz="1400" dirty="0">
+                <a:effectLst/>
+                <a:latin typeface="Century Schoolbook" panose="02040604050505020304" pitchFamily="18" charset="0"/>
+                <a:ea typeface="Calibri" panose="020F0502020204030204" pitchFamily="34" charset="0"/>
+                <a:cs typeface="Calibri" panose="020F0502020204030204" pitchFamily="34" charset="0"/>
+              </a:rPr>
+              <a:t> </a:t>
+            </a:r>
+            <a:endParaRPr lang="en-CA" sz="1400" dirty="0">
+              <a:effectLst/>
+              <a:latin typeface="Century Schoolbook" panose="02040604050505020304" pitchFamily="18" charset="0"/>
+              <a:ea typeface="Calibri" panose="020F0502020204030204" pitchFamily="34" charset="0"/>
+              <a:cs typeface="Times New Roman" panose="02020603050405020304" pitchFamily="18" charset="0"/>
+            </a:endParaRPr>
+          </a:p>
+          <a:p>
+            <a:pPr marL="685800" lvl="1"/>
+            <a:r>
+              <a:rPr lang="en-CA" sz="1400" dirty="0">
+                <a:latin typeface="Century Schoolbook" panose="02040604050505020304" pitchFamily="18" charset="0"/>
+                <a:cs typeface="Calibri" panose="020F0502020204030204" pitchFamily="34" charset="0"/>
+              </a:rPr>
+              <a:t>Confirmed positive cases of COVID19 in Ontario </a:t>
+            </a:r>
+            <a:r>
+              <a:rPr lang="en-CA" sz="1400" b="1" dirty="0">
+                <a:latin typeface="Century Schoolbook" panose="02040604050505020304" pitchFamily="18" charset="0"/>
+                <a:cs typeface="Calibri" panose="020F0502020204030204" pitchFamily="34" charset="0"/>
+              </a:rPr>
+              <a:t>(Type: CSV)</a:t>
+            </a:r>
+          </a:p>
+          <a:p>
+            <a:pPr marL="685800" lvl="1"/>
+            <a:r>
+              <a:rPr lang="en-CA" sz="1400" dirty="0">
+                <a:solidFill>
+                  <a:srgbClr val="0000FF"/>
+                </a:solidFill>
+                <a:latin typeface="Century Schoolbook" panose="02040604050505020304" pitchFamily="18" charset="0"/>
+                <a:cs typeface="Times New Roman" panose="02020603050405020304" pitchFamily="18" charset="0"/>
+              </a:rPr>
+              <a:t>https://data.ontario.ca/dataset/confirmed-positive-cases-of-covid-19-in-ontario/resource/455fd63b-603d-4608-8216-7d8647f43350</a:t>
+            </a:r>
+          </a:p>
+          <a:p>
+            <a:pPr marL="685800" lvl="1"/>
+            <a:endParaRPr lang="en-CA" sz="1400" b="1" dirty="0">
+              <a:latin typeface="Century Schoolbook" panose="02040604050505020304" pitchFamily="18" charset="0"/>
+              <a:cs typeface="Times New Roman" panose="02020603050405020304" pitchFamily="18" charset="0"/>
+            </a:endParaRPr>
+          </a:p>
+          <a:p>
+            <a:pPr marL="685800" lvl="1"/>
+            <a:endParaRPr lang="en-CA" sz="1400" dirty="0">
+              <a:effectLst/>
+              <a:latin typeface="Century Schoolbook" panose="02040604050505020304" pitchFamily="18" charset="0"/>
+              <a:ea typeface="Calibri" panose="020F0502020204030204" pitchFamily="34" charset="0"/>
+              <a:cs typeface="Calibri" panose="020F0502020204030204" pitchFamily="34" charset="0"/>
+            </a:endParaRPr>
+          </a:p>
+          <a:p>
+            <a:pPr marL="685800" lvl="1"/>
+            <a:r>
+              <a:rPr lang="en-CA" sz="1400" dirty="0">
+                <a:effectLst/>
+                <a:latin typeface="Century Schoolbook" panose="02040604050505020304" pitchFamily="18" charset="0"/>
+                <a:ea typeface="Calibri" panose="020F0502020204030204" pitchFamily="34" charset="0"/>
+                <a:cs typeface="Calibri" panose="020F0502020204030204" pitchFamily="34" charset="0"/>
+              </a:rPr>
+              <a:t>Average, Median and Price Percentiles for Unabsorbed Homeowner and Condominium Units (Provinces) – Ontario </a:t>
+            </a:r>
+            <a:r>
+              <a:rPr lang="en-CA" sz="1400" b="1" dirty="0">
+                <a:effectLst/>
+                <a:latin typeface="Century Schoolbook" panose="02040604050505020304" pitchFamily="18" charset="0"/>
+                <a:ea typeface="Calibri" panose="020F0502020204030204" pitchFamily="34" charset="0"/>
+                <a:cs typeface="Calibri" panose="020F0502020204030204" pitchFamily="34" charset="0"/>
+              </a:rPr>
+              <a:t>(Type: API)</a:t>
+            </a:r>
+            <a:endParaRPr lang="en-CA" sz="1400" b="1" dirty="0">
+              <a:effectLst/>
+              <a:latin typeface="Century Schoolbook" panose="02040604050505020304" pitchFamily="18" charset="0"/>
+              <a:ea typeface="Calibri" panose="020F0502020204030204" pitchFamily="34" charset="0"/>
+              <a:cs typeface="Times New Roman" panose="02020603050405020304" pitchFamily="18" charset="0"/>
+            </a:endParaRPr>
+          </a:p>
+          <a:p>
+            <a:pPr marL="685800" lvl="1"/>
+            <a:r>
+              <a:rPr lang="en-CA" sz="1400" dirty="0">
+                <a:solidFill>
+                  <a:srgbClr val="0000FF"/>
+                </a:solidFill>
+                <a:latin typeface="Century Schoolbook" panose="02040604050505020304" pitchFamily="18" charset="0"/>
+                <a:cs typeface="Times New Roman" panose="02020603050405020304" pitchFamily="18" charset="0"/>
+                <a:hlinkClick r:id="rId5">
+                  <a:extLst>
+                    <a:ext uri="{A12FA001-AC4F-418D-AE19-62706E023703}">
+                      <ahyp:hlinkClr xmlns:ahyp="http://schemas.microsoft.com/office/drawing/2018/hyperlinkcolor" val="tx"/>
+                    </a:ext>
+                  </a:extLst>
+                </a:hlinkClick>
+              </a:rPr>
+              <a:t>https://www.quandl.com/api/v3/datasets/CMHC/HPPA50_ON.json?api_key=9aGzLsxCKNH7a9NEiKi5</a:t>
+            </a:r>
+            <a:endParaRPr lang="en-CA" sz="1400" dirty="0">
+              <a:solidFill>
+                <a:srgbClr val="0000FF"/>
+              </a:solidFill>
+              <a:latin typeface="Century Schoolbook" panose="02040604050505020304" pitchFamily="18" charset="0"/>
+              <a:cs typeface="Times New Roman" panose="02020603050405020304" pitchFamily="18" charset="0"/>
+            </a:endParaRPr>
+          </a:p>
+          <a:p>
+            <a:pPr marL="685800" lvl="1"/>
+            <a:r>
+              <a:rPr lang="pt-BR" sz="1400" dirty="0">
+                <a:effectLst/>
+                <a:latin typeface="Century Schoolbook" panose="02040604050505020304" pitchFamily="18" charset="0"/>
+                <a:ea typeface="Calibri" panose="020F0502020204030204" pitchFamily="34" charset="0"/>
+                <a:cs typeface="Calibri" panose="020F0502020204030204" pitchFamily="34" charset="0"/>
+              </a:rPr>
+              <a:t> </a:t>
+            </a:r>
+          </a:p>
+          <a:p>
+            <a:pPr marL="685800" lvl="1"/>
+            <a:endParaRPr lang="en-CA" sz="1400" dirty="0">
+              <a:effectLst/>
+              <a:latin typeface="Century Schoolbook" panose="02040604050505020304" pitchFamily="18" charset="0"/>
+              <a:ea typeface="Calibri" panose="020F0502020204030204" pitchFamily="34" charset="0"/>
+              <a:cs typeface="Times New Roman" panose="02020603050405020304" pitchFamily="18" charset="0"/>
+            </a:endParaRPr>
+          </a:p>
+          <a:p>
+            <a:pPr marL="685800" lvl="1"/>
+            <a:r>
+              <a:rPr lang="en-CA" sz="1400" dirty="0">
+                <a:latin typeface="Century Schoolbook" panose="02040604050505020304" pitchFamily="18" charset="0"/>
+                <a:cs typeface="Calibri" panose="020F0502020204030204" pitchFamily="34" charset="0"/>
+              </a:rPr>
+              <a:t>Canadian Interest Rates and Monetary Policy Variables: 10-Year Lookup </a:t>
+            </a:r>
+            <a:r>
+              <a:rPr lang="en-CA" sz="1400" b="1" dirty="0">
+                <a:latin typeface="Century Schoolbook" panose="02040604050505020304" pitchFamily="18" charset="0"/>
+                <a:cs typeface="Calibri" panose="020F0502020204030204" pitchFamily="34" charset="0"/>
+              </a:rPr>
+              <a:t>(Type: CSV)</a:t>
+            </a:r>
+          </a:p>
+          <a:p>
+            <a:pPr marL="685800" lvl="1"/>
+            <a:r>
+              <a:rPr lang="en-CA" sz="1400" u="sng" dirty="0">
+                <a:solidFill>
+                  <a:srgbClr val="0000FF"/>
+                </a:solidFill>
+                <a:effectLst/>
+                <a:latin typeface="Century Schoolbook" panose="02040604050505020304" pitchFamily="18" charset="0"/>
+                <a:ea typeface="Calibri" panose="020F0502020204030204" pitchFamily="34" charset="0"/>
+                <a:cs typeface="Times New Roman" panose="02020603050405020304" pitchFamily="18" charset="0"/>
+              </a:rPr>
+              <a:t>https://www.bankofcanada.ca/rates/interest-rates/canadian-interest-rates/</a:t>
+            </a:r>
+            <a:endParaRPr lang="en-CA" sz="1400" dirty="0">
+              <a:effectLst/>
+              <a:latin typeface="Century Schoolbook" panose="02040604050505020304" pitchFamily="18" charset="0"/>
+              <a:ea typeface="Calibri" panose="020F0502020204030204" pitchFamily="34" charset="0"/>
+              <a:cs typeface="Times New Roman" panose="02020603050405020304" pitchFamily="18" charset="0"/>
+            </a:endParaRPr>
+          </a:p>
+          <a:p>
+            <a:pPr marL="1200150" lvl="2" indent="-285750">
+              <a:spcAft>
+                <a:spcPts val="600"/>
+              </a:spcAft>
+              <a:buFont typeface="Wingdings" panose="05000000000000000000" pitchFamily="2" charset="2"/>
+              <a:buChar char="Ø"/>
+            </a:pPr>
+            <a:endParaRPr lang="en-US" dirty="0">
+              <a:latin typeface="Century Schoolbook" panose="02040604050505020304" pitchFamily="18" charset="0"/>
+              <a:cs typeface="Calibri" panose="020F0502020204030204" pitchFamily="34" charset="0"/>
+            </a:endParaRPr>
+          </a:p>
+        </p:txBody>
+      </p:sp>
+      <p:sp>
+        <p:nvSpPr>
+          <p:cNvPr id="5" name="Rectangle 4">
+            <a:extLst>
+              <a:ext uri="{FF2B5EF4-FFF2-40B4-BE49-F238E27FC236}">
+                <a16:creationId xmlns:a16="http://schemas.microsoft.com/office/drawing/2014/main" id="{C9C9AEE1-B6F9-40EB-814E-520E9F5192FA}"/>
               </a:ext>
             </a:extLst>
           </p:cNvPr>
@@ -8004,2275 +8495,20 @@
     </p:spTree>
     <p:extLst>
       <p:ext uri="{BB962C8B-B14F-4D97-AF65-F5344CB8AC3E}">
-        <p14:creationId xmlns:p14="http://schemas.microsoft.com/office/powerpoint/2010/main" val="2160863434"/>
+        <p14:creationId xmlns:p14="http://schemas.microsoft.com/office/powerpoint/2010/main" val="386137476"/>
       </p:ext>
     </p:extLst>
   </p:cSld>
   <p:clrMapOvr>
     <a:masterClrMapping/>
   </p:clrMapOvr>
-  <mc:AlternateContent xmlns:mc="http://schemas.openxmlformats.org/markup-compatibility/2006">
-    <mc:Choice xmlns:p159="http://schemas.microsoft.com/office/powerpoint/2015/09/main" Requires="p159">
+  <mc:AlternateContent xmlns:mc="http://schemas.openxmlformats.org/markup-compatibility/2006" xmlns:p159="http://schemas.microsoft.com/office/powerpoint/2015/09/main">
+    <mc:Choice Requires="p159">
       <p:transition xmlns:p14="http://schemas.microsoft.com/office/powerpoint/2010/main" spd="slow" p14:dur="2000">
         <p159:morph option="byObject"/>
       </p:transition>
     </mc:Choice>
-    <mc:Fallback>
-      <p:transition spd="slow">
-        <p:fade/>
-      </p:transition>
-    </mc:Fallback>
-  </mc:AlternateContent>
-</p:sld>
-</file>
-
-<file path=ppt/slides/slide15.xml><?xml version="1.0" encoding="utf-8"?>
-<p:sld xmlns:a="http://schemas.openxmlformats.org/drawingml/2006/main" xmlns:r="http://schemas.openxmlformats.org/officeDocument/2006/relationships" xmlns:p="http://schemas.openxmlformats.org/presentationml/2006/main">
-  <p:cSld>
-    <p:spTree>
-      <p:nvGrpSpPr>
-        <p:cNvPr id="1" name=""/>
-        <p:cNvGrpSpPr/>
-        <p:nvPr/>
-      </p:nvGrpSpPr>
-      <p:grpSpPr>
-        <a:xfrm>
-          <a:off x="0" y="0"/>
-          <a:ext cx="0" cy="0"/>
-          <a:chOff x="0" y="0"/>
-          <a:chExt cx="0" cy="0"/>
-        </a:xfrm>
-      </p:grpSpPr>
-      <p:sp>
-        <p:nvSpPr>
-          <p:cNvPr id="6" name="Subtitle 2">
-            <a:extLst>
-              <a:ext uri="{FF2B5EF4-FFF2-40B4-BE49-F238E27FC236}">
-                <a16:creationId xmlns:a16="http://schemas.microsoft.com/office/drawing/2014/main" id="{AB8C65B5-8163-4E17-BC2A-195AC06AD212}"/>
-              </a:ext>
-            </a:extLst>
-          </p:cNvPr>
-          <p:cNvSpPr txBox="1">
-            <a:spLocks/>
-          </p:cNvSpPr>
-          <p:nvPr/>
-        </p:nvSpPr>
-        <p:spPr>
-          <a:xfrm>
-            <a:off x="0" y="72039"/>
-            <a:ext cx="5438874" cy="1193447"/>
-          </a:xfrm>
-          <a:prstGeom prst="rect">
-            <a:avLst/>
-          </a:prstGeom>
-        </p:spPr>
-        <p:txBody>
-          <a:bodyPr vert="horz" lIns="91440" tIns="45720" rIns="91440" bIns="45720" rtlCol="0">
-            <a:normAutofit fontScale="92500"/>
-          </a:bodyPr>
-          <a:lstStyle>
-            <a:lvl1pPr marL="0" indent="0" algn="ctr" defTabSz="914400" rtl="0" eaLnBrk="1" latinLnBrk="0" hangingPunct="1">
-              <a:lnSpc>
-                <a:spcPct val="90000"/>
-              </a:lnSpc>
-              <a:spcBef>
-                <a:spcPts val="1000"/>
-              </a:spcBef>
-              <a:buFont typeface="Arial" panose="020B0604020202020204" pitchFamily="34" charset="0"/>
-              <a:buNone/>
-              <a:defRPr sz="2400" kern="1200">
-                <a:solidFill>
-                  <a:schemeClr val="tx1"/>
-                </a:solidFill>
-                <a:latin typeface="+mn-lt"/>
-                <a:ea typeface="+mn-ea"/>
-                <a:cs typeface="+mn-cs"/>
-              </a:defRPr>
-            </a:lvl1pPr>
-            <a:lvl2pPr marL="457200" indent="0" algn="ctr" defTabSz="914400" rtl="0" eaLnBrk="1" latinLnBrk="0" hangingPunct="1">
-              <a:lnSpc>
-                <a:spcPct val="90000"/>
-              </a:lnSpc>
-              <a:spcBef>
-                <a:spcPts val="500"/>
-              </a:spcBef>
-              <a:buFont typeface="Arial" panose="020B0604020202020204" pitchFamily="34" charset="0"/>
-              <a:buNone/>
-              <a:defRPr sz="2000" kern="1200">
-                <a:solidFill>
-                  <a:schemeClr val="tx1"/>
-                </a:solidFill>
-                <a:latin typeface="+mn-lt"/>
-                <a:ea typeface="+mn-ea"/>
-                <a:cs typeface="+mn-cs"/>
-              </a:defRPr>
-            </a:lvl2pPr>
-            <a:lvl3pPr marL="914400" indent="0" algn="ctr" defTabSz="914400" rtl="0" eaLnBrk="1" latinLnBrk="0" hangingPunct="1">
-              <a:lnSpc>
-                <a:spcPct val="90000"/>
-              </a:lnSpc>
-              <a:spcBef>
-                <a:spcPts val="500"/>
-              </a:spcBef>
-              <a:buFont typeface="Arial" panose="020B0604020202020204" pitchFamily="34" charset="0"/>
-              <a:buNone/>
-              <a:defRPr sz="1800" kern="1200">
-                <a:solidFill>
-                  <a:schemeClr val="tx1"/>
-                </a:solidFill>
-                <a:latin typeface="+mn-lt"/>
-                <a:ea typeface="+mn-ea"/>
-                <a:cs typeface="+mn-cs"/>
-              </a:defRPr>
-            </a:lvl3pPr>
-            <a:lvl4pPr marL="1371600" indent="0" algn="ctr" defTabSz="914400" rtl="0" eaLnBrk="1" latinLnBrk="0" hangingPunct="1">
-              <a:lnSpc>
-                <a:spcPct val="90000"/>
-              </a:lnSpc>
-              <a:spcBef>
-                <a:spcPts val="500"/>
-              </a:spcBef>
-              <a:buFont typeface="Arial" panose="020B0604020202020204" pitchFamily="34" charset="0"/>
-              <a:buNone/>
-              <a:defRPr sz="1600" kern="1200">
-                <a:solidFill>
-                  <a:schemeClr val="tx1"/>
-                </a:solidFill>
-                <a:latin typeface="+mn-lt"/>
-                <a:ea typeface="+mn-ea"/>
-                <a:cs typeface="+mn-cs"/>
-              </a:defRPr>
-            </a:lvl4pPr>
-            <a:lvl5pPr marL="1828800" indent="0" algn="ctr" defTabSz="914400" rtl="0" eaLnBrk="1" latinLnBrk="0" hangingPunct="1">
-              <a:lnSpc>
-                <a:spcPct val="90000"/>
-              </a:lnSpc>
-              <a:spcBef>
-                <a:spcPts val="500"/>
-              </a:spcBef>
-              <a:buFont typeface="Arial" panose="020B0604020202020204" pitchFamily="34" charset="0"/>
-              <a:buNone/>
-              <a:defRPr sz="1600" kern="1200">
-                <a:solidFill>
-                  <a:schemeClr val="tx1"/>
-                </a:solidFill>
-                <a:latin typeface="+mn-lt"/>
-                <a:ea typeface="+mn-ea"/>
-                <a:cs typeface="+mn-cs"/>
-              </a:defRPr>
-            </a:lvl5pPr>
-            <a:lvl6pPr marL="2286000" indent="0" algn="ctr" defTabSz="914400" rtl="0" eaLnBrk="1" latinLnBrk="0" hangingPunct="1">
-              <a:lnSpc>
-                <a:spcPct val="90000"/>
-              </a:lnSpc>
-              <a:spcBef>
-                <a:spcPts val="500"/>
-              </a:spcBef>
-              <a:buFont typeface="Arial" panose="020B0604020202020204" pitchFamily="34" charset="0"/>
-              <a:buNone/>
-              <a:defRPr sz="1600" kern="1200">
-                <a:solidFill>
-                  <a:schemeClr val="tx1"/>
-                </a:solidFill>
-                <a:latin typeface="+mn-lt"/>
-                <a:ea typeface="+mn-ea"/>
-                <a:cs typeface="+mn-cs"/>
-              </a:defRPr>
-            </a:lvl6pPr>
-            <a:lvl7pPr marL="2743200" indent="0" algn="ctr" defTabSz="914400" rtl="0" eaLnBrk="1" latinLnBrk="0" hangingPunct="1">
-              <a:lnSpc>
-                <a:spcPct val="90000"/>
-              </a:lnSpc>
-              <a:spcBef>
-                <a:spcPts val="500"/>
-              </a:spcBef>
-              <a:buFont typeface="Arial" panose="020B0604020202020204" pitchFamily="34" charset="0"/>
-              <a:buNone/>
-              <a:defRPr sz="1600" kern="1200">
-                <a:solidFill>
-                  <a:schemeClr val="tx1"/>
-                </a:solidFill>
-                <a:latin typeface="+mn-lt"/>
-                <a:ea typeface="+mn-ea"/>
-                <a:cs typeface="+mn-cs"/>
-              </a:defRPr>
-            </a:lvl7pPr>
-            <a:lvl8pPr marL="3200400" indent="0" algn="ctr" defTabSz="914400" rtl="0" eaLnBrk="1" latinLnBrk="0" hangingPunct="1">
-              <a:lnSpc>
-                <a:spcPct val="90000"/>
-              </a:lnSpc>
-              <a:spcBef>
-                <a:spcPts val="500"/>
-              </a:spcBef>
-              <a:buFont typeface="Arial" panose="020B0604020202020204" pitchFamily="34" charset="0"/>
-              <a:buNone/>
-              <a:defRPr sz="1600" kern="1200">
-                <a:solidFill>
-                  <a:schemeClr val="tx1"/>
-                </a:solidFill>
-                <a:latin typeface="+mn-lt"/>
-                <a:ea typeface="+mn-ea"/>
-                <a:cs typeface="+mn-cs"/>
-              </a:defRPr>
-            </a:lvl8pPr>
-            <a:lvl9pPr marL="3657600" indent="0" algn="ctr" defTabSz="914400" rtl="0" eaLnBrk="1" latinLnBrk="0" hangingPunct="1">
-              <a:lnSpc>
-                <a:spcPct val="90000"/>
-              </a:lnSpc>
-              <a:spcBef>
-                <a:spcPts val="500"/>
-              </a:spcBef>
-              <a:buFont typeface="Arial" panose="020B0604020202020204" pitchFamily="34" charset="0"/>
-              <a:buNone/>
-              <a:defRPr sz="1600" kern="1200">
-                <a:solidFill>
-                  <a:schemeClr val="tx1"/>
-                </a:solidFill>
-                <a:latin typeface="+mn-lt"/>
-                <a:ea typeface="+mn-ea"/>
-                <a:cs typeface="+mn-cs"/>
-              </a:defRPr>
-            </a:lvl9pPr>
-          </a:lstStyle>
-          <a:p>
-            <a:pPr marL="742950" lvl="1" indent="-285750" algn="l">
-              <a:lnSpc>
-                <a:spcPct val="120000"/>
-              </a:lnSpc>
-              <a:buFont typeface="Wingdings" panose="05000000000000000000" pitchFamily="2" charset="2"/>
-              <a:buChar char="§"/>
-            </a:pPr>
-            <a:endParaRPr lang="en-CA" sz="1800" b="1" dirty="0">
-              <a:solidFill>
-                <a:schemeClr val="accent2">
-                  <a:lumMod val="75000"/>
-                </a:schemeClr>
-              </a:solidFill>
-              <a:latin typeface="Century Schoolbook" panose="02040604050505020304" pitchFamily="18" charset="0"/>
-              <a:ea typeface="Calibri" panose="020F0502020204030204" pitchFamily="34" charset="0"/>
-              <a:cs typeface="Calibri" panose="020F0502020204030204" pitchFamily="34" charset="0"/>
-            </a:endParaRPr>
-          </a:p>
-          <a:p>
-            <a:pPr lvl="1" algn="l">
-              <a:lnSpc>
-                <a:spcPct val="120000"/>
-              </a:lnSpc>
-            </a:pPr>
-            <a:r>
-              <a:rPr lang="en-CA" sz="3400" b="1" dirty="0">
-                <a:solidFill>
-                  <a:schemeClr val="accent2">
-                    <a:lumMod val="75000"/>
-                  </a:schemeClr>
-                </a:solidFill>
-                <a:latin typeface="Century Schoolbook" panose="02040604050505020304" pitchFamily="18" charset="0"/>
-                <a:ea typeface="+mj-ea"/>
-                <a:cs typeface="+mj-cs"/>
-              </a:rPr>
-              <a:t>Q&amp;A with the audience</a:t>
-            </a:r>
-          </a:p>
-          <a:p>
-            <a:pPr marL="285750" lvl="0" indent="-285750" algn="l">
-              <a:buFont typeface="Wingdings" panose="05000000000000000000" pitchFamily="2" charset="2"/>
-              <a:buChar char="ü"/>
-            </a:pPr>
-            <a:endParaRPr lang="en-CA" sz="1800" b="1" dirty="0">
-              <a:solidFill>
-                <a:schemeClr val="accent2">
-                  <a:lumMod val="75000"/>
-                </a:schemeClr>
-              </a:solidFill>
-              <a:latin typeface="Century Schoolbook" panose="02040604050505020304" pitchFamily="18" charset="0"/>
-              <a:cs typeface="Calibri" panose="020F0502020204030204" pitchFamily="34" charset="0"/>
-            </a:endParaRPr>
-          </a:p>
-        </p:txBody>
-      </p:sp>
-      <p:sp>
-        <p:nvSpPr>
-          <p:cNvPr id="10" name="Rectangle 9">
-            <a:extLst>
-              <a:ext uri="{FF2B5EF4-FFF2-40B4-BE49-F238E27FC236}">
-                <a16:creationId xmlns:a16="http://schemas.microsoft.com/office/drawing/2014/main" id="{EADA0E04-8858-4EB2-A55F-CD4DAD514B83}"/>
-              </a:ext>
-            </a:extLst>
-          </p:cNvPr>
-          <p:cNvSpPr/>
-          <p:nvPr/>
-        </p:nvSpPr>
-        <p:spPr>
-          <a:xfrm>
-            <a:off x="0" y="6143231"/>
-            <a:ext cx="12192000" cy="642730"/>
-          </a:xfrm>
-          <a:prstGeom prst="rect">
-            <a:avLst/>
-          </a:prstGeom>
-          <a:solidFill>
-            <a:schemeClr val="tx1">
-              <a:lumMod val="65000"/>
-              <a:lumOff val="35000"/>
-            </a:schemeClr>
-          </a:solidFill>
-          <a:ln>
-            <a:noFill/>
-          </a:ln>
-          <a:effectLst>
-            <a:outerShdw blurRad="190500" dist="228600" dir="2700000" algn="ctr">
-              <a:srgbClr val="000000">
-                <a:alpha val="30000"/>
-              </a:srgbClr>
-            </a:outerShdw>
-          </a:effectLst>
-          <a:scene3d>
-            <a:camera prst="orthographicFront">
-              <a:rot lat="0" lon="0" rev="0"/>
-            </a:camera>
-            <a:lightRig rig="glow" dir="t">
-              <a:rot lat="0" lon="0" rev="4800000"/>
-            </a:lightRig>
-          </a:scene3d>
-          <a:sp3d prstMaterial="matte">
-            <a:bevelT w="127000" h="63500"/>
-          </a:sp3d>
-        </p:spPr>
-        <p:style>
-          <a:lnRef idx="2">
-            <a:schemeClr val="accent1">
-              <a:shade val="50000"/>
-            </a:schemeClr>
-          </a:lnRef>
-          <a:fillRef idx="1">
-            <a:schemeClr val="accent1"/>
-          </a:fillRef>
-          <a:effectRef idx="0">
-            <a:schemeClr val="accent1"/>
-          </a:effectRef>
-          <a:fontRef idx="minor">
-            <a:schemeClr val="lt1"/>
-          </a:fontRef>
-        </p:style>
-        <p:txBody>
-          <a:bodyPr rtlCol="0" anchor="ctr"/>
-          <a:lstStyle/>
-          <a:p>
-            <a:pPr algn="ctr"/>
-            <a:endParaRPr lang="en-CA"/>
-          </a:p>
-        </p:txBody>
-      </p:sp>
-      <p:pic>
-        <p:nvPicPr>
-          <p:cNvPr id="7" name="Picture 6" descr="A close up of a logo&#10;&#10;Description automatically generated">
-            <a:extLst>
-              <a:ext uri="{FF2B5EF4-FFF2-40B4-BE49-F238E27FC236}">
-                <a16:creationId xmlns:a16="http://schemas.microsoft.com/office/drawing/2014/main" id="{FD833693-95BB-4365-BD8B-C06743E826FA}"/>
-              </a:ext>
-            </a:extLst>
-          </p:cNvPr>
-          <p:cNvPicPr>
-            <a:picLocks noChangeAspect="1"/>
-          </p:cNvPicPr>
-          <p:nvPr/>
-        </p:nvPicPr>
-        <p:blipFill>
-          <a:blip r:embed="rId2">
-            <a:extLst>
-              <a:ext uri="{28A0092B-C50C-407E-A947-70E740481C1C}">
-                <a14:useLocalDpi xmlns:a14="http://schemas.microsoft.com/office/drawing/2010/main" val="0"/>
-              </a:ext>
-              <a:ext uri="{837473B0-CC2E-450A-ABE3-18F120FF3D39}">
-                <a1611:picAttrSrcUrl xmlns:a1611="http://schemas.microsoft.com/office/drawing/2016/11/main" r:id="rId3"/>
-              </a:ext>
-            </a:extLst>
-          </a:blip>
-          <a:stretch>
-            <a:fillRect/>
-          </a:stretch>
-        </p:blipFill>
-        <p:spPr>
-          <a:xfrm>
-            <a:off x="2792775" y="1188394"/>
-            <a:ext cx="6606449" cy="4954837"/>
-          </a:xfrm>
-          <a:prstGeom prst="rect">
-            <a:avLst/>
-          </a:prstGeom>
-        </p:spPr>
-      </p:pic>
-    </p:spTree>
-    <p:extLst>
-      <p:ext uri="{BB962C8B-B14F-4D97-AF65-F5344CB8AC3E}">
-        <p14:creationId xmlns:p14="http://schemas.microsoft.com/office/powerpoint/2010/main" val="3972983593"/>
-      </p:ext>
-    </p:extLst>
-  </p:cSld>
-  <p:clrMapOvr>
-    <a:masterClrMapping/>
-  </p:clrMapOvr>
-  <mc:AlternateContent xmlns:mc="http://schemas.openxmlformats.org/markup-compatibility/2006">
-    <mc:Choice xmlns:p159="http://schemas.microsoft.com/office/powerpoint/2015/09/main" Requires="p159">
-      <p:transition xmlns:p14="http://schemas.microsoft.com/office/powerpoint/2010/main" spd="slow" p14:dur="2000">
-        <p159:morph option="byObject"/>
-      </p:transition>
-    </mc:Choice>
-    <mc:Fallback>
-      <p:transition spd="slow">
-        <p:fade/>
-      </p:transition>
-    </mc:Fallback>
-  </mc:AlternateContent>
-</p:sld>
-</file>
-
-<file path=ppt/slides/slide16.xml><?xml version="1.0" encoding="utf-8"?>
-<p:sld xmlns:a="http://schemas.openxmlformats.org/drawingml/2006/main" xmlns:r="http://schemas.openxmlformats.org/officeDocument/2006/relationships" xmlns:p="http://schemas.openxmlformats.org/presentationml/2006/main">
-  <p:cSld>
-    <p:spTree>
-      <p:nvGrpSpPr>
-        <p:cNvPr id="1" name=""/>
-        <p:cNvGrpSpPr/>
-        <p:nvPr/>
-      </p:nvGrpSpPr>
-      <p:grpSpPr>
-        <a:xfrm>
-          <a:off x="0" y="0"/>
-          <a:ext cx="0" cy="0"/>
-          <a:chOff x="0" y="0"/>
-          <a:chExt cx="0" cy="0"/>
-        </a:xfrm>
-      </p:grpSpPr>
-      <p:sp>
-        <p:nvSpPr>
-          <p:cNvPr id="6" name="Title 1">
-            <a:extLst>
-              <a:ext uri="{FF2B5EF4-FFF2-40B4-BE49-F238E27FC236}">
-                <a16:creationId xmlns:a16="http://schemas.microsoft.com/office/drawing/2014/main" id="{76A09E4B-015C-4F81-B595-B8801F160D84}"/>
-              </a:ext>
-            </a:extLst>
-          </p:cNvPr>
-          <p:cNvSpPr txBox="1">
-            <a:spLocks/>
-          </p:cNvSpPr>
-          <p:nvPr/>
-        </p:nvSpPr>
-        <p:spPr>
-          <a:xfrm>
-            <a:off x="383757" y="597643"/>
-            <a:ext cx="5036542" cy="1158446"/>
-          </a:xfrm>
-          <a:prstGeom prst="rect">
-            <a:avLst/>
-          </a:prstGeom>
-        </p:spPr>
-        <p:txBody>
-          <a:bodyPr vert="horz" lIns="91440" tIns="45720" rIns="91440" bIns="45720" rtlCol="0" anchor="b">
-            <a:normAutofit/>
-          </a:bodyPr>
-          <a:lstStyle>
-            <a:lvl1pPr algn="ctr" defTabSz="914400" rtl="0" eaLnBrk="1" latinLnBrk="0" hangingPunct="1">
-              <a:lnSpc>
-                <a:spcPct val="90000"/>
-              </a:lnSpc>
-              <a:spcBef>
-                <a:spcPct val="0"/>
-              </a:spcBef>
-              <a:buNone/>
-              <a:defRPr sz="6000" kern="1200">
-                <a:solidFill>
-                  <a:schemeClr val="tx1"/>
-                </a:solidFill>
-                <a:latin typeface="+mj-lt"/>
-                <a:ea typeface="+mj-ea"/>
-                <a:cs typeface="+mj-cs"/>
-              </a:defRPr>
-            </a:lvl1pPr>
-          </a:lstStyle>
-          <a:p>
-            <a:pPr algn="l"/>
-            <a:r>
-              <a:rPr lang="en-US" dirty="0">
-                <a:solidFill>
-                  <a:srgbClr val="00B050"/>
-                </a:solidFill>
-                <a:latin typeface="Century Schoolbook" panose="02040604050505020304" pitchFamily="18" charset="0"/>
-              </a:rPr>
-              <a:t>Thank You!</a:t>
-            </a:r>
-          </a:p>
-        </p:txBody>
-      </p:sp>
-      <p:sp>
-        <p:nvSpPr>
-          <p:cNvPr id="7" name="Subtitle 2">
-            <a:extLst>
-              <a:ext uri="{FF2B5EF4-FFF2-40B4-BE49-F238E27FC236}">
-                <a16:creationId xmlns:a16="http://schemas.microsoft.com/office/drawing/2014/main" id="{579D5581-53BA-44EB-8D96-6F645B299C3A}"/>
-              </a:ext>
-            </a:extLst>
-          </p:cNvPr>
-          <p:cNvSpPr txBox="1">
-            <a:spLocks/>
-          </p:cNvSpPr>
-          <p:nvPr/>
-        </p:nvSpPr>
-        <p:spPr>
-          <a:xfrm>
-            <a:off x="265043" y="5640643"/>
-            <a:ext cx="2729948" cy="474836"/>
-          </a:xfrm>
-          <a:prstGeom prst="rect">
-            <a:avLst/>
-          </a:prstGeom>
-        </p:spPr>
-        <p:txBody>
-          <a:bodyPr vert="horz" lIns="91440" tIns="45720" rIns="91440" bIns="45720" rtlCol="0">
-            <a:normAutofit lnSpcReduction="10000"/>
-          </a:bodyPr>
-          <a:lstStyle>
-            <a:lvl1pPr marL="0" indent="0" algn="ctr" defTabSz="914400" rtl="0" eaLnBrk="1" latinLnBrk="0" hangingPunct="1">
-              <a:lnSpc>
-                <a:spcPct val="90000"/>
-              </a:lnSpc>
-              <a:spcBef>
-                <a:spcPts val="1000"/>
-              </a:spcBef>
-              <a:buFont typeface="Arial" panose="020B0604020202020204" pitchFamily="34" charset="0"/>
-              <a:buNone/>
-              <a:defRPr sz="2400" kern="1200">
-                <a:solidFill>
-                  <a:schemeClr val="tx1"/>
-                </a:solidFill>
-                <a:latin typeface="+mn-lt"/>
-                <a:ea typeface="+mn-ea"/>
-                <a:cs typeface="+mn-cs"/>
-              </a:defRPr>
-            </a:lvl1pPr>
-            <a:lvl2pPr marL="457200" indent="0" algn="ctr" defTabSz="914400" rtl="0" eaLnBrk="1" latinLnBrk="0" hangingPunct="1">
-              <a:lnSpc>
-                <a:spcPct val="90000"/>
-              </a:lnSpc>
-              <a:spcBef>
-                <a:spcPts val="500"/>
-              </a:spcBef>
-              <a:buFont typeface="Arial" panose="020B0604020202020204" pitchFamily="34" charset="0"/>
-              <a:buNone/>
-              <a:defRPr sz="2000" kern="1200">
-                <a:solidFill>
-                  <a:schemeClr val="tx1"/>
-                </a:solidFill>
-                <a:latin typeface="+mn-lt"/>
-                <a:ea typeface="+mn-ea"/>
-                <a:cs typeface="+mn-cs"/>
-              </a:defRPr>
-            </a:lvl2pPr>
-            <a:lvl3pPr marL="914400" indent="0" algn="ctr" defTabSz="914400" rtl="0" eaLnBrk="1" latinLnBrk="0" hangingPunct="1">
-              <a:lnSpc>
-                <a:spcPct val="90000"/>
-              </a:lnSpc>
-              <a:spcBef>
-                <a:spcPts val="500"/>
-              </a:spcBef>
-              <a:buFont typeface="Arial" panose="020B0604020202020204" pitchFamily="34" charset="0"/>
-              <a:buNone/>
-              <a:defRPr sz="1800" kern="1200">
-                <a:solidFill>
-                  <a:schemeClr val="tx1"/>
-                </a:solidFill>
-                <a:latin typeface="+mn-lt"/>
-                <a:ea typeface="+mn-ea"/>
-                <a:cs typeface="+mn-cs"/>
-              </a:defRPr>
-            </a:lvl3pPr>
-            <a:lvl4pPr marL="1371600" indent="0" algn="ctr" defTabSz="914400" rtl="0" eaLnBrk="1" latinLnBrk="0" hangingPunct="1">
-              <a:lnSpc>
-                <a:spcPct val="90000"/>
-              </a:lnSpc>
-              <a:spcBef>
-                <a:spcPts val="500"/>
-              </a:spcBef>
-              <a:buFont typeface="Arial" panose="020B0604020202020204" pitchFamily="34" charset="0"/>
-              <a:buNone/>
-              <a:defRPr sz="1600" kern="1200">
-                <a:solidFill>
-                  <a:schemeClr val="tx1"/>
-                </a:solidFill>
-                <a:latin typeface="+mn-lt"/>
-                <a:ea typeface="+mn-ea"/>
-                <a:cs typeface="+mn-cs"/>
-              </a:defRPr>
-            </a:lvl4pPr>
-            <a:lvl5pPr marL="1828800" indent="0" algn="ctr" defTabSz="914400" rtl="0" eaLnBrk="1" latinLnBrk="0" hangingPunct="1">
-              <a:lnSpc>
-                <a:spcPct val="90000"/>
-              </a:lnSpc>
-              <a:spcBef>
-                <a:spcPts val="500"/>
-              </a:spcBef>
-              <a:buFont typeface="Arial" panose="020B0604020202020204" pitchFamily="34" charset="0"/>
-              <a:buNone/>
-              <a:defRPr sz="1600" kern="1200">
-                <a:solidFill>
-                  <a:schemeClr val="tx1"/>
-                </a:solidFill>
-                <a:latin typeface="+mn-lt"/>
-                <a:ea typeface="+mn-ea"/>
-                <a:cs typeface="+mn-cs"/>
-              </a:defRPr>
-            </a:lvl5pPr>
-            <a:lvl6pPr marL="2286000" indent="0" algn="ctr" defTabSz="914400" rtl="0" eaLnBrk="1" latinLnBrk="0" hangingPunct="1">
-              <a:lnSpc>
-                <a:spcPct val="90000"/>
-              </a:lnSpc>
-              <a:spcBef>
-                <a:spcPts val="500"/>
-              </a:spcBef>
-              <a:buFont typeface="Arial" panose="020B0604020202020204" pitchFamily="34" charset="0"/>
-              <a:buNone/>
-              <a:defRPr sz="1600" kern="1200">
-                <a:solidFill>
-                  <a:schemeClr val="tx1"/>
-                </a:solidFill>
-                <a:latin typeface="+mn-lt"/>
-                <a:ea typeface="+mn-ea"/>
-                <a:cs typeface="+mn-cs"/>
-              </a:defRPr>
-            </a:lvl6pPr>
-            <a:lvl7pPr marL="2743200" indent="0" algn="ctr" defTabSz="914400" rtl="0" eaLnBrk="1" latinLnBrk="0" hangingPunct="1">
-              <a:lnSpc>
-                <a:spcPct val="90000"/>
-              </a:lnSpc>
-              <a:spcBef>
-                <a:spcPts val="500"/>
-              </a:spcBef>
-              <a:buFont typeface="Arial" panose="020B0604020202020204" pitchFamily="34" charset="0"/>
-              <a:buNone/>
-              <a:defRPr sz="1600" kern="1200">
-                <a:solidFill>
-                  <a:schemeClr val="tx1"/>
-                </a:solidFill>
-                <a:latin typeface="+mn-lt"/>
-                <a:ea typeface="+mn-ea"/>
-                <a:cs typeface="+mn-cs"/>
-              </a:defRPr>
-            </a:lvl7pPr>
-            <a:lvl8pPr marL="3200400" indent="0" algn="ctr" defTabSz="914400" rtl="0" eaLnBrk="1" latinLnBrk="0" hangingPunct="1">
-              <a:lnSpc>
-                <a:spcPct val="90000"/>
-              </a:lnSpc>
-              <a:spcBef>
-                <a:spcPts val="500"/>
-              </a:spcBef>
-              <a:buFont typeface="Arial" panose="020B0604020202020204" pitchFamily="34" charset="0"/>
-              <a:buNone/>
-              <a:defRPr sz="1600" kern="1200">
-                <a:solidFill>
-                  <a:schemeClr val="tx1"/>
-                </a:solidFill>
-                <a:latin typeface="+mn-lt"/>
-                <a:ea typeface="+mn-ea"/>
-                <a:cs typeface="+mn-cs"/>
-              </a:defRPr>
-            </a:lvl8pPr>
-            <a:lvl9pPr marL="3657600" indent="0" algn="ctr" defTabSz="914400" rtl="0" eaLnBrk="1" latinLnBrk="0" hangingPunct="1">
-              <a:lnSpc>
-                <a:spcPct val="90000"/>
-              </a:lnSpc>
-              <a:spcBef>
-                <a:spcPts val="500"/>
-              </a:spcBef>
-              <a:buFont typeface="Arial" panose="020B0604020202020204" pitchFamily="34" charset="0"/>
-              <a:buNone/>
-              <a:defRPr sz="1600" kern="1200">
-                <a:solidFill>
-                  <a:schemeClr val="tx1"/>
-                </a:solidFill>
-                <a:latin typeface="+mn-lt"/>
-                <a:ea typeface="+mn-ea"/>
-                <a:cs typeface="+mn-cs"/>
-              </a:defRPr>
-            </a:lvl9pPr>
-          </a:lstStyle>
-          <a:p>
-            <a:pPr algn="l"/>
-            <a:r>
-              <a:rPr lang="en-US" sz="2800" dirty="0">
-                <a:solidFill>
-                  <a:schemeClr val="bg1"/>
-                </a:solidFill>
-                <a:latin typeface="Century Schoolbook" panose="02040604050505020304" pitchFamily="18" charset="0"/>
-              </a:rPr>
-              <a:t>Covid-19</a:t>
-            </a:r>
-            <a:r>
-              <a:rPr lang="en-US" sz="2800" dirty="0"/>
-              <a:t> </a:t>
-            </a:r>
-          </a:p>
-        </p:txBody>
-      </p:sp>
-      <p:sp>
-        <p:nvSpPr>
-          <p:cNvPr id="11" name="Subtitle 2">
-            <a:extLst>
-              <a:ext uri="{FF2B5EF4-FFF2-40B4-BE49-F238E27FC236}">
-                <a16:creationId xmlns:a16="http://schemas.microsoft.com/office/drawing/2014/main" id="{8D7D6A06-05A4-43A0-9060-88AF66C8A9F4}"/>
-              </a:ext>
-            </a:extLst>
-          </p:cNvPr>
-          <p:cNvSpPr txBox="1">
-            <a:spLocks/>
-          </p:cNvSpPr>
-          <p:nvPr/>
-        </p:nvSpPr>
-        <p:spPr>
-          <a:xfrm>
-            <a:off x="1630017" y="6115479"/>
-            <a:ext cx="9367371" cy="560300"/>
-          </a:xfrm>
-          <a:prstGeom prst="rect">
-            <a:avLst/>
-          </a:prstGeom>
-        </p:spPr>
-        <p:txBody>
-          <a:bodyPr vert="horz" lIns="91440" tIns="45720" rIns="91440" bIns="45720" rtlCol="0">
-            <a:normAutofit fontScale="70000" lnSpcReduction="20000"/>
-          </a:bodyPr>
-          <a:lstStyle>
-            <a:lvl1pPr marL="0" indent="0" algn="ctr" defTabSz="914400" rtl="0" eaLnBrk="1" latinLnBrk="0" hangingPunct="1">
-              <a:lnSpc>
-                <a:spcPct val="90000"/>
-              </a:lnSpc>
-              <a:spcBef>
-                <a:spcPts val="1000"/>
-              </a:spcBef>
-              <a:buFont typeface="Arial" panose="020B0604020202020204" pitchFamily="34" charset="0"/>
-              <a:buNone/>
-              <a:defRPr sz="2400" kern="1200">
-                <a:solidFill>
-                  <a:schemeClr val="tx1"/>
-                </a:solidFill>
-                <a:latin typeface="+mn-lt"/>
-                <a:ea typeface="+mn-ea"/>
-                <a:cs typeface="+mn-cs"/>
-              </a:defRPr>
-            </a:lvl1pPr>
-            <a:lvl2pPr marL="457200" indent="0" algn="ctr" defTabSz="914400" rtl="0" eaLnBrk="1" latinLnBrk="0" hangingPunct="1">
-              <a:lnSpc>
-                <a:spcPct val="90000"/>
-              </a:lnSpc>
-              <a:spcBef>
-                <a:spcPts val="500"/>
-              </a:spcBef>
-              <a:buFont typeface="Arial" panose="020B0604020202020204" pitchFamily="34" charset="0"/>
-              <a:buNone/>
-              <a:defRPr sz="2000" kern="1200">
-                <a:solidFill>
-                  <a:schemeClr val="tx1"/>
-                </a:solidFill>
-                <a:latin typeface="+mn-lt"/>
-                <a:ea typeface="+mn-ea"/>
-                <a:cs typeface="+mn-cs"/>
-              </a:defRPr>
-            </a:lvl2pPr>
-            <a:lvl3pPr marL="914400" indent="0" algn="ctr" defTabSz="914400" rtl="0" eaLnBrk="1" latinLnBrk="0" hangingPunct="1">
-              <a:lnSpc>
-                <a:spcPct val="90000"/>
-              </a:lnSpc>
-              <a:spcBef>
-                <a:spcPts val="500"/>
-              </a:spcBef>
-              <a:buFont typeface="Arial" panose="020B0604020202020204" pitchFamily="34" charset="0"/>
-              <a:buNone/>
-              <a:defRPr sz="1800" kern="1200">
-                <a:solidFill>
-                  <a:schemeClr val="tx1"/>
-                </a:solidFill>
-                <a:latin typeface="+mn-lt"/>
-                <a:ea typeface="+mn-ea"/>
-                <a:cs typeface="+mn-cs"/>
-              </a:defRPr>
-            </a:lvl3pPr>
-            <a:lvl4pPr marL="1371600" indent="0" algn="ctr" defTabSz="914400" rtl="0" eaLnBrk="1" latinLnBrk="0" hangingPunct="1">
-              <a:lnSpc>
-                <a:spcPct val="90000"/>
-              </a:lnSpc>
-              <a:spcBef>
-                <a:spcPts val="500"/>
-              </a:spcBef>
-              <a:buFont typeface="Arial" panose="020B0604020202020204" pitchFamily="34" charset="0"/>
-              <a:buNone/>
-              <a:defRPr sz="1600" kern="1200">
-                <a:solidFill>
-                  <a:schemeClr val="tx1"/>
-                </a:solidFill>
-                <a:latin typeface="+mn-lt"/>
-                <a:ea typeface="+mn-ea"/>
-                <a:cs typeface="+mn-cs"/>
-              </a:defRPr>
-            </a:lvl4pPr>
-            <a:lvl5pPr marL="1828800" indent="0" algn="ctr" defTabSz="914400" rtl="0" eaLnBrk="1" latinLnBrk="0" hangingPunct="1">
-              <a:lnSpc>
-                <a:spcPct val="90000"/>
-              </a:lnSpc>
-              <a:spcBef>
-                <a:spcPts val="500"/>
-              </a:spcBef>
-              <a:buFont typeface="Arial" panose="020B0604020202020204" pitchFamily="34" charset="0"/>
-              <a:buNone/>
-              <a:defRPr sz="1600" kern="1200">
-                <a:solidFill>
-                  <a:schemeClr val="tx1"/>
-                </a:solidFill>
-                <a:latin typeface="+mn-lt"/>
-                <a:ea typeface="+mn-ea"/>
-                <a:cs typeface="+mn-cs"/>
-              </a:defRPr>
-            </a:lvl5pPr>
-            <a:lvl6pPr marL="2286000" indent="0" algn="ctr" defTabSz="914400" rtl="0" eaLnBrk="1" latinLnBrk="0" hangingPunct="1">
-              <a:lnSpc>
-                <a:spcPct val="90000"/>
-              </a:lnSpc>
-              <a:spcBef>
-                <a:spcPts val="500"/>
-              </a:spcBef>
-              <a:buFont typeface="Arial" panose="020B0604020202020204" pitchFamily="34" charset="0"/>
-              <a:buNone/>
-              <a:defRPr sz="1600" kern="1200">
-                <a:solidFill>
-                  <a:schemeClr val="tx1"/>
-                </a:solidFill>
-                <a:latin typeface="+mn-lt"/>
-                <a:ea typeface="+mn-ea"/>
-                <a:cs typeface="+mn-cs"/>
-              </a:defRPr>
-            </a:lvl6pPr>
-            <a:lvl7pPr marL="2743200" indent="0" algn="ctr" defTabSz="914400" rtl="0" eaLnBrk="1" latinLnBrk="0" hangingPunct="1">
-              <a:lnSpc>
-                <a:spcPct val="90000"/>
-              </a:lnSpc>
-              <a:spcBef>
-                <a:spcPts val="500"/>
-              </a:spcBef>
-              <a:buFont typeface="Arial" panose="020B0604020202020204" pitchFamily="34" charset="0"/>
-              <a:buNone/>
-              <a:defRPr sz="1600" kern="1200">
-                <a:solidFill>
-                  <a:schemeClr val="tx1"/>
-                </a:solidFill>
-                <a:latin typeface="+mn-lt"/>
-                <a:ea typeface="+mn-ea"/>
-                <a:cs typeface="+mn-cs"/>
-              </a:defRPr>
-            </a:lvl7pPr>
-            <a:lvl8pPr marL="3200400" indent="0" algn="ctr" defTabSz="914400" rtl="0" eaLnBrk="1" latinLnBrk="0" hangingPunct="1">
-              <a:lnSpc>
-                <a:spcPct val="90000"/>
-              </a:lnSpc>
-              <a:spcBef>
-                <a:spcPts val="500"/>
-              </a:spcBef>
-              <a:buFont typeface="Arial" panose="020B0604020202020204" pitchFamily="34" charset="0"/>
-              <a:buNone/>
-              <a:defRPr sz="1600" kern="1200">
-                <a:solidFill>
-                  <a:schemeClr val="tx1"/>
-                </a:solidFill>
-                <a:latin typeface="+mn-lt"/>
-                <a:ea typeface="+mn-ea"/>
-                <a:cs typeface="+mn-cs"/>
-              </a:defRPr>
-            </a:lvl8pPr>
-            <a:lvl9pPr marL="3657600" indent="0" algn="ctr" defTabSz="914400" rtl="0" eaLnBrk="1" latinLnBrk="0" hangingPunct="1">
-              <a:lnSpc>
-                <a:spcPct val="90000"/>
-              </a:lnSpc>
-              <a:spcBef>
-                <a:spcPts val="500"/>
-              </a:spcBef>
-              <a:buFont typeface="Arial" panose="020B0604020202020204" pitchFamily="34" charset="0"/>
-              <a:buNone/>
-              <a:defRPr sz="1600" kern="1200">
-                <a:solidFill>
-                  <a:schemeClr val="tx1"/>
-                </a:solidFill>
-                <a:latin typeface="+mn-lt"/>
-                <a:ea typeface="+mn-ea"/>
-                <a:cs typeface="+mn-cs"/>
-              </a:defRPr>
-            </a:lvl9pPr>
-          </a:lstStyle>
-          <a:p>
-            <a:pPr algn="l"/>
-            <a:r>
-              <a:rPr lang="en-US" sz="2700" b="1" dirty="0">
-                <a:latin typeface="Century Schoolbook" panose="02040604050505020304" pitchFamily="18" charset="0"/>
-              </a:rPr>
-              <a:t>Emilia</a:t>
-            </a:r>
-            <a:r>
-              <a:rPr lang="en-US" sz="2700" dirty="0">
-                <a:latin typeface="Century Schoolbook" panose="02040604050505020304" pitchFamily="18" charset="0"/>
-              </a:rPr>
-              <a:t> </a:t>
-            </a:r>
-            <a:r>
-              <a:rPr lang="en-CA" sz="2700" dirty="0" err="1">
-                <a:latin typeface="Century Schoolbook" panose="02040604050505020304" pitchFamily="18" charset="0"/>
-              </a:rPr>
-              <a:t>Lubanska</a:t>
-            </a:r>
-            <a:r>
-              <a:rPr lang="en-CA" sz="2700" dirty="0">
-                <a:latin typeface="Century Schoolbook" panose="02040604050505020304" pitchFamily="18" charset="0"/>
-              </a:rPr>
-              <a:t>,</a:t>
-            </a:r>
-            <a:r>
-              <a:rPr lang="en-US" sz="2700" dirty="0">
-                <a:latin typeface="Century Schoolbook" panose="02040604050505020304" pitchFamily="18" charset="0"/>
-              </a:rPr>
-              <a:t> </a:t>
-            </a:r>
-            <a:r>
-              <a:rPr lang="en-US" sz="2800" b="1" dirty="0">
-                <a:latin typeface="Century Schoolbook" panose="02040604050505020304" pitchFamily="18" charset="0"/>
-              </a:rPr>
-              <a:t>Jorge</a:t>
-            </a:r>
-            <a:r>
-              <a:rPr lang="en-US" sz="2800" dirty="0">
-                <a:latin typeface="Century Schoolbook" panose="02040604050505020304" pitchFamily="18" charset="0"/>
-              </a:rPr>
-              <a:t> Arriola, </a:t>
-            </a:r>
-            <a:r>
-              <a:rPr lang="en-US" sz="2800" b="1" dirty="0">
-                <a:latin typeface="Century Schoolbook" panose="02040604050505020304" pitchFamily="18" charset="0"/>
-              </a:rPr>
-              <a:t>Marina </a:t>
-            </a:r>
-            <a:r>
-              <a:rPr lang="en-US" sz="2800" dirty="0">
-                <a:latin typeface="Century Schoolbook" panose="02040604050505020304" pitchFamily="18" charset="0"/>
-              </a:rPr>
-              <a:t>Ercoli, </a:t>
-            </a:r>
-            <a:r>
-              <a:rPr lang="en-US" sz="2800" b="1" dirty="0">
-                <a:latin typeface="Century Schoolbook" panose="02040604050505020304" pitchFamily="18" charset="0"/>
-              </a:rPr>
-              <a:t>Monica</a:t>
-            </a:r>
-            <a:r>
-              <a:rPr lang="en-US" sz="2800" dirty="0">
-                <a:latin typeface="Century Schoolbook" panose="02040604050505020304" pitchFamily="18" charset="0"/>
-              </a:rPr>
-              <a:t> Lin, </a:t>
-            </a:r>
-            <a:r>
-              <a:rPr lang="en-US" sz="2800" b="1" dirty="0" err="1">
-                <a:latin typeface="Century Schoolbook" panose="02040604050505020304" pitchFamily="18" charset="0"/>
-              </a:rPr>
-              <a:t>Ulisses</a:t>
-            </a:r>
-            <a:r>
-              <a:rPr lang="en-US" sz="2800" b="1" dirty="0">
-                <a:latin typeface="Century Schoolbook" panose="02040604050505020304" pitchFamily="18" charset="0"/>
-              </a:rPr>
-              <a:t> </a:t>
-            </a:r>
-            <a:r>
-              <a:rPr lang="en-US" sz="2800" dirty="0">
-                <a:latin typeface="Century Schoolbook" panose="02040604050505020304" pitchFamily="18" charset="0"/>
-              </a:rPr>
-              <a:t>Pinto </a:t>
-            </a:r>
-            <a:endParaRPr lang="en-US" sz="2800" dirty="0"/>
-          </a:p>
-        </p:txBody>
-      </p:sp>
-      <p:sp>
-        <p:nvSpPr>
-          <p:cNvPr id="13" name="Title 1">
-            <a:extLst>
-              <a:ext uri="{FF2B5EF4-FFF2-40B4-BE49-F238E27FC236}">
-                <a16:creationId xmlns:a16="http://schemas.microsoft.com/office/drawing/2014/main" id="{29B929CA-254B-4B37-AD20-E98B25F83D91}"/>
-              </a:ext>
-            </a:extLst>
-          </p:cNvPr>
-          <p:cNvSpPr txBox="1">
-            <a:spLocks/>
-          </p:cNvSpPr>
-          <p:nvPr/>
-        </p:nvSpPr>
-        <p:spPr>
-          <a:xfrm>
-            <a:off x="3971133" y="2871043"/>
-            <a:ext cx="4481750" cy="903516"/>
-          </a:xfrm>
-          <a:prstGeom prst="rect">
-            <a:avLst/>
-          </a:prstGeom>
-        </p:spPr>
-        <p:txBody>
-          <a:bodyPr vert="horz" lIns="91440" tIns="45720" rIns="91440" bIns="45720" rtlCol="0" anchor="b">
-            <a:normAutofit fontScale="55000" lnSpcReduction="20000"/>
-          </a:bodyPr>
-          <a:lstStyle>
-            <a:lvl1pPr algn="ctr" defTabSz="914400" rtl="0" eaLnBrk="1" latinLnBrk="0" hangingPunct="1">
-              <a:lnSpc>
-                <a:spcPct val="90000"/>
-              </a:lnSpc>
-              <a:spcBef>
-                <a:spcPct val="0"/>
-              </a:spcBef>
-              <a:buNone/>
-              <a:defRPr sz="6000" kern="1200">
-                <a:solidFill>
-                  <a:schemeClr val="tx1"/>
-                </a:solidFill>
-                <a:latin typeface="+mj-lt"/>
-                <a:ea typeface="+mj-ea"/>
-                <a:cs typeface="+mj-cs"/>
-              </a:defRPr>
-            </a:lvl1pPr>
-          </a:lstStyle>
-          <a:p>
-            <a:pPr algn="l"/>
-            <a:r>
-              <a:rPr lang="en-US" dirty="0">
-                <a:solidFill>
-                  <a:schemeClr val="accent2">
-                    <a:lumMod val="60000"/>
-                    <a:lumOff val="40000"/>
-                  </a:schemeClr>
-                </a:solidFill>
-                <a:latin typeface="Century Schoolbook" panose="02040604050505020304" pitchFamily="18" charset="0"/>
-              </a:rPr>
-              <a:t>Our photo to be added</a:t>
-            </a:r>
-          </a:p>
-        </p:txBody>
-      </p:sp>
-    </p:spTree>
-    <p:extLst>
-      <p:ext uri="{BB962C8B-B14F-4D97-AF65-F5344CB8AC3E}">
-        <p14:creationId xmlns:p14="http://schemas.microsoft.com/office/powerpoint/2010/main" val="1704619193"/>
-      </p:ext>
-    </p:extLst>
-  </p:cSld>
-  <p:clrMapOvr>
-    <a:masterClrMapping/>
-  </p:clrMapOvr>
-  <mc:AlternateContent xmlns:mc="http://schemas.openxmlformats.org/markup-compatibility/2006">
-    <mc:Choice xmlns:p159="http://schemas.microsoft.com/office/powerpoint/2015/09/main" Requires="p159">
-      <p:transition xmlns:p14="http://schemas.microsoft.com/office/powerpoint/2010/main" spd="slow" p14:dur="2000">
-        <p159:morph option="byObject"/>
-      </p:transition>
-    </mc:Choice>
-    <mc:Fallback>
-      <p:transition spd="slow">
-        <p:fade/>
-      </p:transition>
-    </mc:Fallback>
-  </mc:AlternateContent>
-</p:sld>
-</file>
-
-<file path=ppt/slides/slide2.xml><?xml version="1.0" encoding="utf-8"?>
-<p:sld xmlns:a="http://schemas.openxmlformats.org/drawingml/2006/main" xmlns:r="http://schemas.openxmlformats.org/officeDocument/2006/relationships" xmlns:p="http://schemas.openxmlformats.org/presentationml/2006/main">
-  <p:cSld>
-    <p:spTree>
-      <p:nvGrpSpPr>
-        <p:cNvPr id="1" name=""/>
-        <p:cNvGrpSpPr/>
-        <p:nvPr/>
-      </p:nvGrpSpPr>
-      <p:grpSpPr>
-        <a:xfrm>
-          <a:off x="0" y="0"/>
-          <a:ext cx="0" cy="0"/>
-          <a:chOff x="0" y="0"/>
-          <a:chExt cx="0" cy="0"/>
-        </a:xfrm>
-      </p:grpSpPr>
-      <p:sp>
-        <p:nvSpPr>
-          <p:cNvPr id="4" name="Title 1">
-            <a:extLst>
-              <a:ext uri="{FF2B5EF4-FFF2-40B4-BE49-F238E27FC236}">
-                <a16:creationId xmlns:a16="http://schemas.microsoft.com/office/drawing/2014/main" id="{50DF5C7B-714C-44DC-B49A-F16BE5E80C8B}"/>
-              </a:ext>
-            </a:extLst>
-          </p:cNvPr>
-          <p:cNvSpPr txBox="1">
-            <a:spLocks/>
-          </p:cNvSpPr>
-          <p:nvPr/>
-        </p:nvSpPr>
-        <p:spPr>
-          <a:xfrm>
-            <a:off x="424920" y="330535"/>
-            <a:ext cx="5535205" cy="935510"/>
-          </a:xfrm>
-          <a:prstGeom prst="rect">
-            <a:avLst/>
-          </a:prstGeom>
-        </p:spPr>
-        <p:txBody>
-          <a:bodyPr vert="horz" lIns="91440" tIns="45720" rIns="91440" bIns="45720" rtlCol="0" anchor="b">
-            <a:normAutofit/>
-          </a:bodyPr>
-          <a:lstStyle>
-            <a:lvl1pPr algn="ctr" defTabSz="914400" rtl="0" eaLnBrk="1" latinLnBrk="0" hangingPunct="1">
-              <a:lnSpc>
-                <a:spcPct val="90000"/>
-              </a:lnSpc>
-              <a:spcBef>
-                <a:spcPct val="0"/>
-              </a:spcBef>
-              <a:buNone/>
-              <a:defRPr sz="6000" kern="1200">
-                <a:solidFill>
-                  <a:schemeClr val="tx1"/>
-                </a:solidFill>
-                <a:latin typeface="+mj-lt"/>
-                <a:ea typeface="+mj-ea"/>
-                <a:cs typeface="+mj-cs"/>
-              </a:defRPr>
-            </a:lvl1pPr>
-          </a:lstStyle>
-          <a:p>
-            <a:pPr algn="l">
-              <a:spcBef>
-                <a:spcPts val="600"/>
-              </a:spcBef>
-              <a:spcAft>
-                <a:spcPts val="600"/>
-              </a:spcAft>
-            </a:pPr>
-            <a:r>
-              <a:rPr lang="en-US" sz="3400" dirty="0">
-                <a:solidFill>
-                  <a:schemeClr val="accent6"/>
-                </a:solidFill>
-                <a:latin typeface="Century Schoolbook" panose="02040604050505020304" pitchFamily="18" charset="0"/>
-              </a:rPr>
-              <a:t>Motivation &amp; Summary</a:t>
-            </a:r>
-          </a:p>
-        </p:txBody>
-      </p:sp>
-      <p:sp>
-        <p:nvSpPr>
-          <p:cNvPr id="6" name="Subtitle 2">
-            <a:extLst>
-              <a:ext uri="{FF2B5EF4-FFF2-40B4-BE49-F238E27FC236}">
-                <a16:creationId xmlns:a16="http://schemas.microsoft.com/office/drawing/2014/main" id="{AB8C65B5-8163-4E17-BC2A-195AC06AD212}"/>
-              </a:ext>
-            </a:extLst>
-          </p:cNvPr>
-          <p:cNvSpPr txBox="1">
-            <a:spLocks/>
-          </p:cNvSpPr>
-          <p:nvPr/>
-        </p:nvSpPr>
-        <p:spPr>
-          <a:xfrm>
-            <a:off x="796673" y="1604837"/>
-            <a:ext cx="8942238" cy="4271642"/>
-          </a:xfrm>
-          <a:prstGeom prst="rect">
-            <a:avLst/>
-          </a:prstGeom>
-        </p:spPr>
-        <p:txBody>
-          <a:bodyPr vert="horz" lIns="91440" tIns="45720" rIns="91440" bIns="45720" rtlCol="0">
-            <a:normAutofit/>
-          </a:bodyPr>
-          <a:lstStyle>
-            <a:lvl1pPr marL="0" indent="0" algn="ctr" defTabSz="914400" rtl="0" eaLnBrk="1" latinLnBrk="0" hangingPunct="1">
-              <a:lnSpc>
-                <a:spcPct val="90000"/>
-              </a:lnSpc>
-              <a:spcBef>
-                <a:spcPts val="1000"/>
-              </a:spcBef>
-              <a:buFont typeface="Arial" panose="020B0604020202020204" pitchFamily="34" charset="0"/>
-              <a:buNone/>
-              <a:defRPr sz="2400" kern="1200">
-                <a:solidFill>
-                  <a:schemeClr val="tx1"/>
-                </a:solidFill>
-                <a:latin typeface="+mn-lt"/>
-                <a:ea typeface="+mn-ea"/>
-                <a:cs typeface="+mn-cs"/>
-              </a:defRPr>
-            </a:lvl1pPr>
-            <a:lvl2pPr marL="457200" indent="0" algn="ctr" defTabSz="914400" rtl="0" eaLnBrk="1" latinLnBrk="0" hangingPunct="1">
-              <a:lnSpc>
-                <a:spcPct val="90000"/>
-              </a:lnSpc>
-              <a:spcBef>
-                <a:spcPts val="500"/>
-              </a:spcBef>
-              <a:buFont typeface="Arial" panose="020B0604020202020204" pitchFamily="34" charset="0"/>
-              <a:buNone/>
-              <a:defRPr sz="2000" kern="1200">
-                <a:solidFill>
-                  <a:schemeClr val="tx1"/>
-                </a:solidFill>
-                <a:latin typeface="+mn-lt"/>
-                <a:ea typeface="+mn-ea"/>
-                <a:cs typeface="+mn-cs"/>
-              </a:defRPr>
-            </a:lvl2pPr>
-            <a:lvl3pPr marL="914400" indent="0" algn="ctr" defTabSz="914400" rtl="0" eaLnBrk="1" latinLnBrk="0" hangingPunct="1">
-              <a:lnSpc>
-                <a:spcPct val="90000"/>
-              </a:lnSpc>
-              <a:spcBef>
-                <a:spcPts val="500"/>
-              </a:spcBef>
-              <a:buFont typeface="Arial" panose="020B0604020202020204" pitchFamily="34" charset="0"/>
-              <a:buNone/>
-              <a:defRPr sz="1800" kern="1200">
-                <a:solidFill>
-                  <a:schemeClr val="tx1"/>
-                </a:solidFill>
-                <a:latin typeface="+mn-lt"/>
-                <a:ea typeface="+mn-ea"/>
-                <a:cs typeface="+mn-cs"/>
-              </a:defRPr>
-            </a:lvl3pPr>
-            <a:lvl4pPr marL="1371600" indent="0" algn="ctr" defTabSz="914400" rtl="0" eaLnBrk="1" latinLnBrk="0" hangingPunct="1">
-              <a:lnSpc>
-                <a:spcPct val="90000"/>
-              </a:lnSpc>
-              <a:spcBef>
-                <a:spcPts val="500"/>
-              </a:spcBef>
-              <a:buFont typeface="Arial" panose="020B0604020202020204" pitchFamily="34" charset="0"/>
-              <a:buNone/>
-              <a:defRPr sz="1600" kern="1200">
-                <a:solidFill>
-                  <a:schemeClr val="tx1"/>
-                </a:solidFill>
-                <a:latin typeface="+mn-lt"/>
-                <a:ea typeface="+mn-ea"/>
-                <a:cs typeface="+mn-cs"/>
-              </a:defRPr>
-            </a:lvl4pPr>
-            <a:lvl5pPr marL="1828800" indent="0" algn="ctr" defTabSz="914400" rtl="0" eaLnBrk="1" latinLnBrk="0" hangingPunct="1">
-              <a:lnSpc>
-                <a:spcPct val="90000"/>
-              </a:lnSpc>
-              <a:spcBef>
-                <a:spcPts val="500"/>
-              </a:spcBef>
-              <a:buFont typeface="Arial" panose="020B0604020202020204" pitchFamily="34" charset="0"/>
-              <a:buNone/>
-              <a:defRPr sz="1600" kern="1200">
-                <a:solidFill>
-                  <a:schemeClr val="tx1"/>
-                </a:solidFill>
-                <a:latin typeface="+mn-lt"/>
-                <a:ea typeface="+mn-ea"/>
-                <a:cs typeface="+mn-cs"/>
-              </a:defRPr>
-            </a:lvl5pPr>
-            <a:lvl6pPr marL="2286000" indent="0" algn="ctr" defTabSz="914400" rtl="0" eaLnBrk="1" latinLnBrk="0" hangingPunct="1">
-              <a:lnSpc>
-                <a:spcPct val="90000"/>
-              </a:lnSpc>
-              <a:spcBef>
-                <a:spcPts val="500"/>
-              </a:spcBef>
-              <a:buFont typeface="Arial" panose="020B0604020202020204" pitchFamily="34" charset="0"/>
-              <a:buNone/>
-              <a:defRPr sz="1600" kern="1200">
-                <a:solidFill>
-                  <a:schemeClr val="tx1"/>
-                </a:solidFill>
-                <a:latin typeface="+mn-lt"/>
-                <a:ea typeface="+mn-ea"/>
-                <a:cs typeface="+mn-cs"/>
-              </a:defRPr>
-            </a:lvl6pPr>
-            <a:lvl7pPr marL="2743200" indent="0" algn="ctr" defTabSz="914400" rtl="0" eaLnBrk="1" latinLnBrk="0" hangingPunct="1">
-              <a:lnSpc>
-                <a:spcPct val="90000"/>
-              </a:lnSpc>
-              <a:spcBef>
-                <a:spcPts val="500"/>
-              </a:spcBef>
-              <a:buFont typeface="Arial" panose="020B0604020202020204" pitchFamily="34" charset="0"/>
-              <a:buNone/>
-              <a:defRPr sz="1600" kern="1200">
-                <a:solidFill>
-                  <a:schemeClr val="tx1"/>
-                </a:solidFill>
-                <a:latin typeface="+mn-lt"/>
-                <a:ea typeface="+mn-ea"/>
-                <a:cs typeface="+mn-cs"/>
-              </a:defRPr>
-            </a:lvl7pPr>
-            <a:lvl8pPr marL="3200400" indent="0" algn="ctr" defTabSz="914400" rtl="0" eaLnBrk="1" latinLnBrk="0" hangingPunct="1">
-              <a:lnSpc>
-                <a:spcPct val="90000"/>
-              </a:lnSpc>
-              <a:spcBef>
-                <a:spcPts val="500"/>
-              </a:spcBef>
-              <a:buFont typeface="Arial" panose="020B0604020202020204" pitchFamily="34" charset="0"/>
-              <a:buNone/>
-              <a:defRPr sz="1600" kern="1200">
-                <a:solidFill>
-                  <a:schemeClr val="tx1"/>
-                </a:solidFill>
-                <a:latin typeface="+mn-lt"/>
-                <a:ea typeface="+mn-ea"/>
-                <a:cs typeface="+mn-cs"/>
-              </a:defRPr>
-            </a:lvl8pPr>
-            <a:lvl9pPr marL="3657600" indent="0" algn="ctr" defTabSz="914400" rtl="0" eaLnBrk="1" latinLnBrk="0" hangingPunct="1">
-              <a:lnSpc>
-                <a:spcPct val="90000"/>
-              </a:lnSpc>
-              <a:spcBef>
-                <a:spcPts val="500"/>
-              </a:spcBef>
-              <a:buFont typeface="Arial" panose="020B0604020202020204" pitchFamily="34" charset="0"/>
-              <a:buNone/>
-              <a:defRPr sz="1600" kern="1200">
-                <a:solidFill>
-                  <a:schemeClr val="tx1"/>
-                </a:solidFill>
-                <a:latin typeface="+mn-lt"/>
-                <a:ea typeface="+mn-ea"/>
-                <a:cs typeface="+mn-cs"/>
-              </a:defRPr>
-            </a:lvl9pPr>
-          </a:lstStyle>
-          <a:p>
-            <a:pPr marL="285750" indent="-285750" algn="l">
-              <a:lnSpc>
-                <a:spcPct val="120000"/>
-              </a:lnSpc>
-              <a:buFont typeface="Wingdings" panose="05000000000000000000" pitchFamily="2" charset="2"/>
-              <a:buChar char="ü"/>
-            </a:pPr>
-            <a:r>
-              <a:rPr lang="en-CA" sz="1800" b="1" dirty="0">
-                <a:effectLst/>
-                <a:latin typeface="Century Schoolbook" panose="02040604050505020304" pitchFamily="18" charset="0"/>
-                <a:ea typeface="Calibri" panose="020F0502020204030204" pitchFamily="34" charset="0"/>
-                <a:cs typeface="Calibri" panose="020F0502020204030204" pitchFamily="34" charset="0"/>
-              </a:rPr>
-              <a:t>Curiosity</a:t>
-            </a:r>
-          </a:p>
-          <a:p>
-            <a:pPr marL="742950" lvl="1" indent="-285750" algn="l">
-              <a:lnSpc>
-                <a:spcPct val="120000"/>
-              </a:lnSpc>
-              <a:buFont typeface="Wingdings" panose="05000000000000000000" pitchFamily="2" charset="2"/>
-              <a:buChar char="§"/>
-            </a:pPr>
-            <a:r>
-              <a:rPr lang="en-CA" sz="1600" dirty="0">
-                <a:effectLst/>
-                <a:latin typeface="Century Schoolbook" panose="02040604050505020304" pitchFamily="18" charset="0"/>
-                <a:ea typeface="Calibri" panose="020F0502020204030204" pitchFamily="34" charset="0"/>
-                <a:cs typeface="Calibri" panose="020F0502020204030204" pitchFamily="34" charset="0"/>
-              </a:rPr>
-              <a:t>To analyse the impact of Covid-19 on the real estate market comparing 2019 and 2020 data from GTA. </a:t>
-            </a:r>
-          </a:p>
-          <a:p>
-            <a:pPr marL="742950" lvl="1" indent="-285750" algn="l">
-              <a:lnSpc>
-                <a:spcPct val="120000"/>
-              </a:lnSpc>
-              <a:buFont typeface="Wingdings" panose="05000000000000000000" pitchFamily="2" charset="2"/>
-              <a:buChar char="§"/>
-            </a:pPr>
-            <a:r>
-              <a:rPr lang="en-CA" sz="1600" dirty="0">
-                <a:effectLst/>
-                <a:latin typeface="Century Schoolbook" panose="02040604050505020304" pitchFamily="18" charset="0"/>
-                <a:ea typeface="Calibri" panose="020F0502020204030204" pitchFamily="34" charset="0"/>
-                <a:cs typeface="Calibri" panose="020F0502020204030204" pitchFamily="34" charset="0"/>
-              </a:rPr>
-              <a:t>Exam correlations, changes on interest rates as well as prices fluctuations sorting by types of houses/properties</a:t>
-            </a:r>
-            <a:r>
-              <a:rPr lang="en-CA" sz="1400" dirty="0">
-                <a:effectLst/>
-                <a:latin typeface="Century Schoolbook" panose="02040604050505020304" pitchFamily="18" charset="0"/>
-                <a:ea typeface="Calibri" panose="020F0502020204030204" pitchFamily="34" charset="0"/>
-                <a:cs typeface="Calibri" panose="020F0502020204030204" pitchFamily="34" charset="0"/>
-              </a:rPr>
-              <a:t>.</a:t>
-            </a:r>
-            <a:endParaRPr lang="en-CA" sz="1400" dirty="0">
-              <a:effectLst/>
-              <a:latin typeface="Century Schoolbook" panose="02040604050505020304" pitchFamily="18" charset="0"/>
-              <a:ea typeface="Calibri" panose="020F0502020204030204" pitchFamily="34" charset="0"/>
-              <a:cs typeface="Times New Roman" panose="02020603050405020304" pitchFamily="18" charset="0"/>
-            </a:endParaRPr>
-          </a:p>
-          <a:p>
-            <a:pPr lvl="0" algn="l"/>
-            <a:endParaRPr lang="en-CA" sz="1800" dirty="0">
-              <a:latin typeface="Century Schoolbook" panose="02040604050505020304" pitchFamily="18" charset="0"/>
-              <a:cs typeface="Calibri" panose="020F0502020204030204" pitchFamily="34" charset="0"/>
-            </a:endParaRPr>
-          </a:p>
-          <a:p>
-            <a:pPr marL="285750" lvl="0" indent="-285750" algn="l">
-              <a:buFont typeface="Wingdings" panose="05000000000000000000" pitchFamily="2" charset="2"/>
-              <a:buChar char="ü"/>
-            </a:pPr>
-            <a:r>
-              <a:rPr lang="en-CA" sz="1800" b="1" dirty="0">
-                <a:latin typeface="Century Schoolbook" panose="02040604050505020304" pitchFamily="18" charset="0"/>
-                <a:cs typeface="Calibri" panose="020F0502020204030204" pitchFamily="34" charset="0"/>
-              </a:rPr>
-              <a:t>Questions &amp; Why</a:t>
-            </a:r>
-          </a:p>
-          <a:p>
-            <a:pPr marL="742950" lvl="1" indent="-285750" algn="l">
-              <a:lnSpc>
-                <a:spcPct val="100000"/>
-              </a:lnSpc>
-              <a:buFont typeface="Wingdings" panose="05000000000000000000" pitchFamily="2" charset="2"/>
-              <a:buChar char="§"/>
-            </a:pPr>
-            <a:r>
-              <a:rPr lang="en-CA" sz="1600" dirty="0">
-                <a:latin typeface="Century Schoolbook" panose="02040604050505020304" pitchFamily="18" charset="0"/>
-                <a:cs typeface="Calibri" panose="020F0502020204030204" pitchFamily="34" charset="0"/>
-              </a:rPr>
-              <a:t>   What is the impact of Covid-19 on the real estate market?</a:t>
-            </a:r>
-          </a:p>
-          <a:p>
-            <a:pPr marL="914400" lvl="1" indent="-457200" algn="l">
-              <a:lnSpc>
-                <a:spcPct val="100000"/>
-              </a:lnSpc>
-              <a:buFont typeface="Wingdings" panose="05000000000000000000" pitchFamily="2" charset="2"/>
-              <a:buChar char="§"/>
-            </a:pPr>
-            <a:r>
-              <a:rPr lang="en-CA" sz="1600" dirty="0">
-                <a:latin typeface="Century Schoolbook" panose="02040604050505020304" pitchFamily="18" charset="0"/>
-                <a:cs typeface="Calibri" panose="020F0502020204030204" pitchFamily="34" charset="0"/>
-              </a:rPr>
-              <a:t>Does it impact the interest rates?</a:t>
-            </a:r>
-          </a:p>
-          <a:p>
-            <a:pPr marL="914400" lvl="1" indent="-457200" algn="l">
-              <a:lnSpc>
-                <a:spcPct val="100000"/>
-              </a:lnSpc>
-              <a:buFont typeface="Wingdings" panose="05000000000000000000" pitchFamily="2" charset="2"/>
-              <a:buChar char="§"/>
-            </a:pPr>
-            <a:r>
-              <a:rPr lang="en-CA" sz="1600" dirty="0">
-                <a:latin typeface="Century Schoolbook" panose="02040604050505020304" pitchFamily="18" charset="0"/>
-                <a:cs typeface="Calibri" panose="020F0502020204030204" pitchFamily="34" charset="0"/>
-              </a:rPr>
-              <a:t>Is there any correlation between Covid-19 and the volume of sales?</a:t>
-            </a:r>
-          </a:p>
-          <a:p>
-            <a:pPr marL="914400" lvl="1" indent="-457200" algn="l">
-              <a:lnSpc>
-                <a:spcPct val="100000"/>
-              </a:lnSpc>
-              <a:buFont typeface="Wingdings" panose="05000000000000000000" pitchFamily="2" charset="2"/>
-              <a:buChar char="§"/>
-            </a:pPr>
-            <a:r>
-              <a:rPr lang="en-CA" sz="1600" dirty="0">
-                <a:latin typeface="Century Schoolbook" panose="02040604050505020304" pitchFamily="18" charset="0"/>
-                <a:cs typeface="Calibri" panose="020F0502020204030204" pitchFamily="34" charset="0"/>
-              </a:rPr>
-              <a:t>What types of the houses being sold (condo, detached etc.)</a:t>
-            </a:r>
-          </a:p>
-          <a:p>
-            <a:pPr marL="914400" lvl="1" indent="-457200" algn="l">
-              <a:lnSpc>
-                <a:spcPct val="100000"/>
-              </a:lnSpc>
-              <a:buFont typeface="Wingdings" panose="05000000000000000000" pitchFamily="2" charset="2"/>
-              <a:buChar char="§"/>
-            </a:pPr>
-            <a:r>
-              <a:rPr lang="en-CA" sz="1600" dirty="0">
-                <a:latin typeface="Century Schoolbook" panose="02040604050505020304" pitchFamily="18" charset="0"/>
-                <a:cs typeface="Calibri" panose="020F0502020204030204" pitchFamily="34" charset="0"/>
-              </a:rPr>
-              <a:t>What about price fluctuation?</a:t>
-            </a:r>
-            <a:endParaRPr lang="en-US" sz="1600" dirty="0">
-              <a:latin typeface="Century Schoolbook" panose="02040604050505020304" pitchFamily="18" charset="0"/>
-              <a:cs typeface="Calibri" panose="020F0502020204030204" pitchFamily="34" charset="0"/>
-            </a:endParaRPr>
-          </a:p>
-          <a:p>
-            <a:pPr marL="285750" lvl="0" indent="-285750" algn="l">
-              <a:buFont typeface="Wingdings" panose="05000000000000000000" pitchFamily="2" charset="2"/>
-              <a:buChar char="ü"/>
-            </a:pPr>
-            <a:endParaRPr lang="en-CA" sz="1800" dirty="0">
-              <a:latin typeface="Century Schoolbook" panose="02040604050505020304" pitchFamily="18" charset="0"/>
-              <a:cs typeface="Calibri" panose="020F0502020204030204" pitchFamily="34" charset="0"/>
-            </a:endParaRPr>
-          </a:p>
-          <a:p>
-            <a:pPr marL="285750" lvl="0" indent="-285750" algn="l">
-              <a:buFont typeface="Wingdings" panose="05000000000000000000" pitchFamily="2" charset="2"/>
-              <a:buChar char="ü"/>
-            </a:pPr>
-            <a:endParaRPr lang="en-CA" sz="1800" dirty="0">
-              <a:latin typeface="Century Schoolbook" panose="02040604050505020304" pitchFamily="18" charset="0"/>
-              <a:cs typeface="Calibri" panose="020F0502020204030204" pitchFamily="34" charset="0"/>
-            </a:endParaRPr>
-          </a:p>
-          <a:p>
-            <a:pPr marL="285750" lvl="0" indent="-285750" algn="l">
-              <a:buFont typeface="Wingdings" panose="05000000000000000000" pitchFamily="2" charset="2"/>
-              <a:buChar char="ü"/>
-            </a:pPr>
-            <a:endParaRPr lang="en-CA" sz="1800" dirty="0">
-              <a:latin typeface="Century Schoolbook" panose="02040604050505020304" pitchFamily="18" charset="0"/>
-              <a:cs typeface="Calibri" panose="020F0502020204030204" pitchFamily="34" charset="0"/>
-            </a:endParaRPr>
-          </a:p>
-        </p:txBody>
-      </p:sp>
-      <p:pic>
-        <p:nvPicPr>
-          <p:cNvPr id="8" name="Picture 7" descr="A picture containing diagram&#10;&#10;Description automatically generated">
-            <a:extLst>
-              <a:ext uri="{FF2B5EF4-FFF2-40B4-BE49-F238E27FC236}">
-                <a16:creationId xmlns:a16="http://schemas.microsoft.com/office/drawing/2014/main" id="{7314AAE1-4A8B-4769-9B85-F4F77C3FA243}"/>
-              </a:ext>
-            </a:extLst>
-          </p:cNvPr>
-          <p:cNvPicPr>
-            <a:picLocks noChangeAspect="1"/>
-          </p:cNvPicPr>
-          <p:nvPr/>
-        </p:nvPicPr>
-        <p:blipFill rotWithShape="1">
-          <a:blip r:embed="rId2">
-            <a:extLst>
-              <a:ext uri="{28A0092B-C50C-407E-A947-70E740481C1C}">
-                <a14:useLocalDpi xmlns:a14="http://schemas.microsoft.com/office/drawing/2010/main" val="0"/>
-              </a:ext>
-            </a:extLst>
-          </a:blip>
-          <a:srcRect l="4257" t="23094" r="65929" b="35362"/>
-          <a:stretch/>
-        </p:blipFill>
-        <p:spPr>
-          <a:xfrm>
-            <a:off x="10176498" y="0"/>
-            <a:ext cx="2015502" cy="1604836"/>
-          </a:xfrm>
-          <a:prstGeom prst="rect">
-            <a:avLst/>
-          </a:prstGeom>
-        </p:spPr>
-      </p:pic>
-      <p:sp>
-        <p:nvSpPr>
-          <p:cNvPr id="10" name="Rectangle 9">
-            <a:extLst>
-              <a:ext uri="{FF2B5EF4-FFF2-40B4-BE49-F238E27FC236}">
-                <a16:creationId xmlns:a16="http://schemas.microsoft.com/office/drawing/2014/main" id="{EADA0E04-8858-4EB2-A55F-CD4DAD514B83}"/>
-              </a:ext>
-            </a:extLst>
-          </p:cNvPr>
-          <p:cNvSpPr/>
-          <p:nvPr/>
-        </p:nvSpPr>
-        <p:spPr>
-          <a:xfrm>
-            <a:off x="0" y="6143231"/>
-            <a:ext cx="12192000" cy="642730"/>
-          </a:xfrm>
-          <a:prstGeom prst="rect">
-            <a:avLst/>
-          </a:prstGeom>
-          <a:solidFill>
-            <a:schemeClr val="tx1">
-              <a:lumMod val="65000"/>
-              <a:lumOff val="35000"/>
-            </a:schemeClr>
-          </a:solidFill>
-          <a:ln>
-            <a:noFill/>
-          </a:ln>
-          <a:effectLst>
-            <a:outerShdw blurRad="190500" dist="228600" dir="2700000" algn="ctr">
-              <a:srgbClr val="000000">
-                <a:alpha val="30000"/>
-              </a:srgbClr>
-            </a:outerShdw>
-          </a:effectLst>
-          <a:scene3d>
-            <a:camera prst="orthographicFront">
-              <a:rot lat="0" lon="0" rev="0"/>
-            </a:camera>
-            <a:lightRig rig="glow" dir="t">
-              <a:rot lat="0" lon="0" rev="4800000"/>
-            </a:lightRig>
-          </a:scene3d>
-          <a:sp3d prstMaterial="matte">
-            <a:bevelT w="127000" h="63500"/>
-          </a:sp3d>
-        </p:spPr>
-        <p:style>
-          <a:lnRef idx="2">
-            <a:schemeClr val="accent1">
-              <a:shade val="50000"/>
-            </a:schemeClr>
-          </a:lnRef>
-          <a:fillRef idx="1">
-            <a:schemeClr val="accent1"/>
-          </a:fillRef>
-          <a:effectRef idx="0">
-            <a:schemeClr val="accent1"/>
-          </a:effectRef>
-          <a:fontRef idx="minor">
-            <a:schemeClr val="lt1"/>
-          </a:fontRef>
-        </p:style>
-        <p:txBody>
-          <a:bodyPr rtlCol="0" anchor="ctr"/>
-          <a:lstStyle/>
-          <a:p>
-            <a:pPr algn="ctr"/>
-            <a:endParaRPr lang="en-CA"/>
-          </a:p>
-        </p:txBody>
-      </p:sp>
-    </p:spTree>
-    <p:extLst>
-      <p:ext uri="{BB962C8B-B14F-4D97-AF65-F5344CB8AC3E}">
-        <p14:creationId xmlns:p14="http://schemas.microsoft.com/office/powerpoint/2010/main" val="1721340933"/>
-      </p:ext>
-    </p:extLst>
-  </p:cSld>
-  <p:clrMapOvr>
-    <a:masterClrMapping/>
-  </p:clrMapOvr>
-  <mc:AlternateContent xmlns:mc="http://schemas.openxmlformats.org/markup-compatibility/2006">
-    <mc:Choice xmlns:p159="http://schemas.microsoft.com/office/powerpoint/2015/09/main" Requires="p159">
-      <p:transition xmlns:p14="http://schemas.microsoft.com/office/powerpoint/2010/main" spd="slow" p14:dur="2000">
-        <p159:morph option="byObject"/>
-      </p:transition>
-    </mc:Choice>
-    <mc:Fallback>
-      <p:transition spd="slow">
-        <p:fade/>
-      </p:transition>
-    </mc:Fallback>
-  </mc:AlternateContent>
-</p:sld>
-</file>
-
-<file path=ppt/slides/slide3.xml><?xml version="1.0" encoding="utf-8"?>
-<p:sld xmlns:a="http://schemas.openxmlformats.org/drawingml/2006/main" xmlns:r="http://schemas.openxmlformats.org/officeDocument/2006/relationships" xmlns:p="http://schemas.openxmlformats.org/presentationml/2006/main">
-  <p:cSld>
-    <p:spTree>
-      <p:nvGrpSpPr>
-        <p:cNvPr id="1" name=""/>
-        <p:cNvGrpSpPr/>
-        <p:nvPr/>
-      </p:nvGrpSpPr>
-      <p:grpSpPr>
-        <a:xfrm>
-          <a:off x="0" y="0"/>
-          <a:ext cx="0" cy="0"/>
-          <a:chOff x="0" y="0"/>
-          <a:chExt cx="0" cy="0"/>
-        </a:xfrm>
-      </p:grpSpPr>
-      <p:sp>
-        <p:nvSpPr>
-          <p:cNvPr id="4" name="Title 1">
-            <a:extLst>
-              <a:ext uri="{FF2B5EF4-FFF2-40B4-BE49-F238E27FC236}">
-                <a16:creationId xmlns:a16="http://schemas.microsoft.com/office/drawing/2014/main" id="{50DF5C7B-714C-44DC-B49A-F16BE5E80C8B}"/>
-              </a:ext>
-            </a:extLst>
-          </p:cNvPr>
-          <p:cNvSpPr txBox="1">
-            <a:spLocks/>
-          </p:cNvSpPr>
-          <p:nvPr/>
-        </p:nvSpPr>
-        <p:spPr>
-          <a:xfrm>
-            <a:off x="424920" y="330535"/>
-            <a:ext cx="5535205" cy="935510"/>
-          </a:xfrm>
-          <a:prstGeom prst="rect">
-            <a:avLst/>
-          </a:prstGeom>
-        </p:spPr>
-        <p:txBody>
-          <a:bodyPr vert="horz" lIns="91440" tIns="45720" rIns="91440" bIns="45720" rtlCol="0" anchor="b">
-            <a:normAutofit/>
-          </a:bodyPr>
-          <a:lstStyle>
-            <a:lvl1pPr algn="ctr" defTabSz="914400" rtl="0" eaLnBrk="1" latinLnBrk="0" hangingPunct="1">
-              <a:lnSpc>
-                <a:spcPct val="90000"/>
-              </a:lnSpc>
-              <a:spcBef>
-                <a:spcPct val="0"/>
-              </a:spcBef>
-              <a:buNone/>
-              <a:defRPr sz="6000" kern="1200">
-                <a:solidFill>
-                  <a:schemeClr val="tx1"/>
-                </a:solidFill>
-                <a:latin typeface="+mj-lt"/>
-                <a:ea typeface="+mj-ea"/>
-                <a:cs typeface="+mj-cs"/>
-              </a:defRPr>
-            </a:lvl1pPr>
-          </a:lstStyle>
-          <a:p>
-            <a:pPr algn="l">
-              <a:spcBef>
-                <a:spcPts val="600"/>
-              </a:spcBef>
-              <a:spcAft>
-                <a:spcPts val="600"/>
-              </a:spcAft>
-            </a:pPr>
-            <a:r>
-              <a:rPr lang="en-US" sz="3400" dirty="0">
-                <a:solidFill>
-                  <a:schemeClr val="accent6"/>
-                </a:solidFill>
-                <a:latin typeface="Century Schoolbook" panose="02040604050505020304" pitchFamily="18" charset="0"/>
-              </a:rPr>
-              <a:t>Motivation &amp; Summary</a:t>
-            </a:r>
-          </a:p>
-        </p:txBody>
-      </p:sp>
-      <p:sp>
-        <p:nvSpPr>
-          <p:cNvPr id="6" name="Subtitle 2">
-            <a:extLst>
-              <a:ext uri="{FF2B5EF4-FFF2-40B4-BE49-F238E27FC236}">
-                <a16:creationId xmlns:a16="http://schemas.microsoft.com/office/drawing/2014/main" id="{AB8C65B5-8163-4E17-BC2A-195AC06AD212}"/>
-              </a:ext>
-            </a:extLst>
-          </p:cNvPr>
-          <p:cNvSpPr txBox="1">
-            <a:spLocks/>
-          </p:cNvSpPr>
-          <p:nvPr/>
-        </p:nvSpPr>
-        <p:spPr>
-          <a:xfrm>
-            <a:off x="752606" y="1825105"/>
-            <a:ext cx="9625284" cy="3650209"/>
-          </a:xfrm>
-          <a:prstGeom prst="rect">
-            <a:avLst/>
-          </a:prstGeom>
-        </p:spPr>
-        <p:txBody>
-          <a:bodyPr vert="horz" lIns="91440" tIns="45720" rIns="91440" bIns="45720" rtlCol="0">
-            <a:normAutofit lnSpcReduction="10000"/>
-          </a:bodyPr>
-          <a:lstStyle>
-            <a:lvl1pPr marL="0" indent="0" algn="ctr" defTabSz="914400" rtl="0" eaLnBrk="1" latinLnBrk="0" hangingPunct="1">
-              <a:lnSpc>
-                <a:spcPct val="90000"/>
-              </a:lnSpc>
-              <a:spcBef>
-                <a:spcPts val="1000"/>
-              </a:spcBef>
-              <a:buFont typeface="Arial" panose="020B0604020202020204" pitchFamily="34" charset="0"/>
-              <a:buNone/>
-              <a:defRPr sz="2400" kern="1200">
-                <a:solidFill>
-                  <a:schemeClr val="tx1"/>
-                </a:solidFill>
-                <a:latin typeface="+mn-lt"/>
-                <a:ea typeface="+mn-ea"/>
-                <a:cs typeface="+mn-cs"/>
-              </a:defRPr>
-            </a:lvl1pPr>
-            <a:lvl2pPr marL="457200" indent="0" algn="ctr" defTabSz="914400" rtl="0" eaLnBrk="1" latinLnBrk="0" hangingPunct="1">
-              <a:lnSpc>
-                <a:spcPct val="90000"/>
-              </a:lnSpc>
-              <a:spcBef>
-                <a:spcPts val="500"/>
-              </a:spcBef>
-              <a:buFont typeface="Arial" panose="020B0604020202020204" pitchFamily="34" charset="0"/>
-              <a:buNone/>
-              <a:defRPr sz="2000" kern="1200">
-                <a:solidFill>
-                  <a:schemeClr val="tx1"/>
-                </a:solidFill>
-                <a:latin typeface="+mn-lt"/>
-                <a:ea typeface="+mn-ea"/>
-                <a:cs typeface="+mn-cs"/>
-              </a:defRPr>
-            </a:lvl2pPr>
-            <a:lvl3pPr marL="914400" indent="0" algn="ctr" defTabSz="914400" rtl="0" eaLnBrk="1" latinLnBrk="0" hangingPunct="1">
-              <a:lnSpc>
-                <a:spcPct val="90000"/>
-              </a:lnSpc>
-              <a:spcBef>
-                <a:spcPts val="500"/>
-              </a:spcBef>
-              <a:buFont typeface="Arial" panose="020B0604020202020204" pitchFamily="34" charset="0"/>
-              <a:buNone/>
-              <a:defRPr sz="1800" kern="1200">
-                <a:solidFill>
-                  <a:schemeClr val="tx1"/>
-                </a:solidFill>
-                <a:latin typeface="+mn-lt"/>
-                <a:ea typeface="+mn-ea"/>
-                <a:cs typeface="+mn-cs"/>
-              </a:defRPr>
-            </a:lvl3pPr>
-            <a:lvl4pPr marL="1371600" indent="0" algn="ctr" defTabSz="914400" rtl="0" eaLnBrk="1" latinLnBrk="0" hangingPunct="1">
-              <a:lnSpc>
-                <a:spcPct val="90000"/>
-              </a:lnSpc>
-              <a:spcBef>
-                <a:spcPts val="500"/>
-              </a:spcBef>
-              <a:buFont typeface="Arial" panose="020B0604020202020204" pitchFamily="34" charset="0"/>
-              <a:buNone/>
-              <a:defRPr sz="1600" kern="1200">
-                <a:solidFill>
-                  <a:schemeClr val="tx1"/>
-                </a:solidFill>
-                <a:latin typeface="+mn-lt"/>
-                <a:ea typeface="+mn-ea"/>
-                <a:cs typeface="+mn-cs"/>
-              </a:defRPr>
-            </a:lvl4pPr>
-            <a:lvl5pPr marL="1828800" indent="0" algn="ctr" defTabSz="914400" rtl="0" eaLnBrk="1" latinLnBrk="0" hangingPunct="1">
-              <a:lnSpc>
-                <a:spcPct val="90000"/>
-              </a:lnSpc>
-              <a:spcBef>
-                <a:spcPts val="500"/>
-              </a:spcBef>
-              <a:buFont typeface="Arial" panose="020B0604020202020204" pitchFamily="34" charset="0"/>
-              <a:buNone/>
-              <a:defRPr sz="1600" kern="1200">
-                <a:solidFill>
-                  <a:schemeClr val="tx1"/>
-                </a:solidFill>
-                <a:latin typeface="+mn-lt"/>
-                <a:ea typeface="+mn-ea"/>
-                <a:cs typeface="+mn-cs"/>
-              </a:defRPr>
-            </a:lvl5pPr>
-            <a:lvl6pPr marL="2286000" indent="0" algn="ctr" defTabSz="914400" rtl="0" eaLnBrk="1" latinLnBrk="0" hangingPunct="1">
-              <a:lnSpc>
-                <a:spcPct val="90000"/>
-              </a:lnSpc>
-              <a:spcBef>
-                <a:spcPts val="500"/>
-              </a:spcBef>
-              <a:buFont typeface="Arial" panose="020B0604020202020204" pitchFamily="34" charset="0"/>
-              <a:buNone/>
-              <a:defRPr sz="1600" kern="1200">
-                <a:solidFill>
-                  <a:schemeClr val="tx1"/>
-                </a:solidFill>
-                <a:latin typeface="+mn-lt"/>
-                <a:ea typeface="+mn-ea"/>
-                <a:cs typeface="+mn-cs"/>
-              </a:defRPr>
-            </a:lvl6pPr>
-            <a:lvl7pPr marL="2743200" indent="0" algn="ctr" defTabSz="914400" rtl="0" eaLnBrk="1" latinLnBrk="0" hangingPunct="1">
-              <a:lnSpc>
-                <a:spcPct val="90000"/>
-              </a:lnSpc>
-              <a:spcBef>
-                <a:spcPts val="500"/>
-              </a:spcBef>
-              <a:buFont typeface="Arial" panose="020B0604020202020204" pitchFamily="34" charset="0"/>
-              <a:buNone/>
-              <a:defRPr sz="1600" kern="1200">
-                <a:solidFill>
-                  <a:schemeClr val="tx1"/>
-                </a:solidFill>
-                <a:latin typeface="+mn-lt"/>
-                <a:ea typeface="+mn-ea"/>
-                <a:cs typeface="+mn-cs"/>
-              </a:defRPr>
-            </a:lvl7pPr>
-            <a:lvl8pPr marL="3200400" indent="0" algn="ctr" defTabSz="914400" rtl="0" eaLnBrk="1" latinLnBrk="0" hangingPunct="1">
-              <a:lnSpc>
-                <a:spcPct val="90000"/>
-              </a:lnSpc>
-              <a:spcBef>
-                <a:spcPts val="500"/>
-              </a:spcBef>
-              <a:buFont typeface="Arial" panose="020B0604020202020204" pitchFamily="34" charset="0"/>
-              <a:buNone/>
-              <a:defRPr sz="1600" kern="1200">
-                <a:solidFill>
-                  <a:schemeClr val="tx1"/>
-                </a:solidFill>
-                <a:latin typeface="+mn-lt"/>
-                <a:ea typeface="+mn-ea"/>
-                <a:cs typeface="+mn-cs"/>
-              </a:defRPr>
-            </a:lvl8pPr>
-            <a:lvl9pPr marL="3657600" indent="0" algn="ctr" defTabSz="914400" rtl="0" eaLnBrk="1" latinLnBrk="0" hangingPunct="1">
-              <a:lnSpc>
-                <a:spcPct val="90000"/>
-              </a:lnSpc>
-              <a:spcBef>
-                <a:spcPts val="500"/>
-              </a:spcBef>
-              <a:buFont typeface="Arial" panose="020B0604020202020204" pitchFamily="34" charset="0"/>
-              <a:buNone/>
-              <a:defRPr sz="1600" kern="1200">
-                <a:solidFill>
-                  <a:schemeClr val="tx1"/>
-                </a:solidFill>
-                <a:latin typeface="+mn-lt"/>
-                <a:ea typeface="+mn-ea"/>
-                <a:cs typeface="+mn-cs"/>
-              </a:defRPr>
-            </a:lvl9pPr>
-          </a:lstStyle>
-          <a:p>
-            <a:pPr marL="285750" lvl="0" indent="-285750" algn="l">
-              <a:buFont typeface="Wingdings" panose="05000000000000000000" pitchFamily="2" charset="2"/>
-              <a:buChar char="ü"/>
-            </a:pPr>
-            <a:r>
-              <a:rPr lang="en-CA" sz="1800" dirty="0">
-                <a:latin typeface="Century Schoolbook" panose="02040604050505020304" pitchFamily="18" charset="0"/>
-                <a:cs typeface="Calibri" panose="020F0502020204030204" pitchFamily="34" charset="0"/>
-              </a:rPr>
-              <a:t>Outcomes</a:t>
-            </a:r>
-          </a:p>
-          <a:p>
-            <a:pPr marL="742950" lvl="1" indent="-285750" algn="l">
-              <a:buFont typeface="Wingdings" panose="05000000000000000000" pitchFamily="2" charset="2"/>
-              <a:buChar char="§"/>
-            </a:pPr>
-            <a:r>
-              <a:rPr lang="en-CA" sz="1400" dirty="0">
-                <a:latin typeface="Century Schoolbook" panose="02040604050505020304" pitchFamily="18" charset="0"/>
-                <a:ea typeface="Calibri" panose="020F0502020204030204" pitchFamily="34" charset="0"/>
-                <a:cs typeface="Calibri" panose="020F0502020204030204" pitchFamily="34" charset="0"/>
-              </a:rPr>
-              <a:t>……..</a:t>
-            </a:r>
-          </a:p>
-          <a:p>
-            <a:pPr marL="742950" lvl="1" indent="-285750" algn="l">
-              <a:buFont typeface="Wingdings" panose="05000000000000000000" pitchFamily="2" charset="2"/>
-              <a:buChar char="§"/>
-            </a:pPr>
-            <a:endParaRPr lang="en-CA" sz="1400" dirty="0">
-              <a:latin typeface="Century Schoolbook" panose="02040604050505020304" pitchFamily="18" charset="0"/>
-              <a:cs typeface="Calibri" panose="020F0502020204030204" pitchFamily="34" charset="0"/>
-            </a:endParaRPr>
-          </a:p>
-          <a:p>
-            <a:pPr marL="742950" lvl="1" indent="-285750" algn="l">
-              <a:buFont typeface="Wingdings" panose="05000000000000000000" pitchFamily="2" charset="2"/>
-              <a:buChar char="§"/>
-            </a:pPr>
-            <a:endParaRPr lang="en-CA" sz="1400" dirty="0">
-              <a:latin typeface="Century Schoolbook" panose="02040604050505020304" pitchFamily="18" charset="0"/>
-              <a:cs typeface="Calibri" panose="020F0502020204030204" pitchFamily="34" charset="0"/>
-            </a:endParaRPr>
-          </a:p>
-          <a:p>
-            <a:pPr marL="742950" lvl="1" indent="-285750" algn="l">
-              <a:buFont typeface="Wingdings" panose="05000000000000000000" pitchFamily="2" charset="2"/>
-              <a:buChar char="§"/>
-            </a:pPr>
-            <a:endParaRPr lang="en-CA" sz="1400" dirty="0">
-              <a:latin typeface="Century Schoolbook" panose="02040604050505020304" pitchFamily="18" charset="0"/>
-              <a:cs typeface="Calibri" panose="020F0502020204030204" pitchFamily="34" charset="0"/>
-            </a:endParaRPr>
-          </a:p>
-          <a:p>
-            <a:pPr marL="742950" lvl="1" indent="-285750" algn="l">
-              <a:buFont typeface="Wingdings" panose="05000000000000000000" pitchFamily="2" charset="2"/>
-              <a:buChar char="§"/>
-            </a:pPr>
-            <a:endParaRPr lang="en-CA" sz="1400" dirty="0">
-              <a:latin typeface="Century Schoolbook" panose="02040604050505020304" pitchFamily="18" charset="0"/>
-              <a:cs typeface="Calibri" panose="020F0502020204030204" pitchFamily="34" charset="0"/>
-            </a:endParaRPr>
-          </a:p>
-          <a:p>
-            <a:pPr marL="742950" lvl="1" indent="-285750" algn="l">
-              <a:buFont typeface="Wingdings" panose="05000000000000000000" pitchFamily="2" charset="2"/>
-              <a:buChar char="§"/>
-            </a:pPr>
-            <a:endParaRPr lang="en-CA" sz="1400" dirty="0">
-              <a:latin typeface="Century Schoolbook" panose="02040604050505020304" pitchFamily="18" charset="0"/>
-              <a:cs typeface="Calibri" panose="020F0502020204030204" pitchFamily="34" charset="0"/>
-            </a:endParaRPr>
-          </a:p>
-          <a:p>
-            <a:pPr marL="742950" lvl="1" indent="-285750" algn="l">
-              <a:buFont typeface="Wingdings" panose="05000000000000000000" pitchFamily="2" charset="2"/>
-              <a:buChar char="§"/>
-            </a:pPr>
-            <a:endParaRPr lang="en-CA" sz="1400" dirty="0">
-              <a:latin typeface="Century Schoolbook" panose="02040604050505020304" pitchFamily="18" charset="0"/>
-              <a:cs typeface="Calibri" panose="020F0502020204030204" pitchFamily="34" charset="0"/>
-            </a:endParaRPr>
-          </a:p>
-          <a:p>
-            <a:pPr marL="285750" lvl="0" indent="-285750" algn="l">
-              <a:buFont typeface="Wingdings" panose="05000000000000000000" pitchFamily="2" charset="2"/>
-              <a:buChar char="ü"/>
-            </a:pPr>
-            <a:r>
-              <a:rPr lang="en-CA" sz="1800" dirty="0">
-                <a:latin typeface="Century Schoolbook" panose="02040604050505020304" pitchFamily="18" charset="0"/>
-                <a:cs typeface="Calibri" panose="020F0502020204030204" pitchFamily="34" charset="0"/>
-              </a:rPr>
-              <a:t>Core message &amp; Hypothesis</a:t>
-            </a:r>
-          </a:p>
-          <a:p>
-            <a:pPr marL="742950" indent="-285750" algn="l" rtl="0">
-              <a:spcBef>
-                <a:spcPts val="1200"/>
-              </a:spcBef>
-              <a:spcAft>
-                <a:spcPts val="600"/>
-              </a:spcAft>
-              <a:buFont typeface="Wingdings" panose="05000000000000000000" pitchFamily="2" charset="2"/>
-              <a:buChar char="§"/>
-            </a:pPr>
-            <a:r>
-              <a:rPr lang="en-CA" sz="1600" b="1" dirty="0">
-                <a:latin typeface="Century Schoolbook" panose="02040604050505020304" pitchFamily="18" charset="0"/>
-                <a:cs typeface="Calibri" panose="020F0502020204030204" pitchFamily="34" charset="0"/>
-              </a:rPr>
-              <a:t>CM: </a:t>
-            </a:r>
-            <a:r>
-              <a:rPr lang="en-CA" sz="1600" dirty="0">
-                <a:latin typeface="Century Schoolbook" panose="02040604050505020304" pitchFamily="18" charset="0"/>
-                <a:cs typeface="Calibri" panose="020F0502020204030204" pitchFamily="34" charset="0"/>
-              </a:rPr>
-              <a:t>To analyze the impact of Covid-19 on the real estate market in Ontario.</a:t>
-            </a:r>
-          </a:p>
-          <a:p>
-            <a:pPr marL="742950" indent="-285750" algn="l" rtl="0">
-              <a:lnSpc>
-                <a:spcPct val="150000"/>
-              </a:lnSpc>
-              <a:spcBef>
-                <a:spcPts val="600"/>
-              </a:spcBef>
-              <a:spcAft>
-                <a:spcPts val="600"/>
-              </a:spcAft>
-              <a:buFont typeface="Wingdings" panose="05000000000000000000" pitchFamily="2" charset="2"/>
-              <a:buChar char="§"/>
-            </a:pPr>
-            <a:r>
-              <a:rPr lang="en-CA" sz="1600" b="1" dirty="0">
-                <a:latin typeface="Century Schoolbook" panose="02040604050505020304" pitchFamily="18" charset="0"/>
-                <a:cs typeface="Calibri" panose="020F0502020204030204" pitchFamily="34" charset="0"/>
-              </a:rPr>
-              <a:t>Hypothesis: </a:t>
-            </a:r>
-            <a:r>
-              <a:rPr lang="en-CA" sz="1400" dirty="0">
-                <a:latin typeface="Century Schoolbook" panose="02040604050505020304" pitchFamily="18" charset="0"/>
-                <a:cs typeface="Calibri" panose="020F0502020204030204" pitchFamily="34" charset="0"/>
-              </a:rPr>
-              <a:t> </a:t>
-            </a:r>
-            <a:r>
-              <a:rPr lang="en-CA" sz="1600" dirty="0">
-                <a:latin typeface="Century Schoolbook" panose="02040604050505020304" pitchFamily="18" charset="0"/>
-                <a:cs typeface="Calibri" panose="020F0502020204030204" pitchFamily="34" charset="0"/>
-              </a:rPr>
-              <a:t>We believe that indicators related to the real estate market will have a lower performance in 2020 than in 2019. (e.g. less houses sold in 2020 than in 2019)</a:t>
-            </a:r>
-            <a:endParaRPr lang="en-CA" sz="2000" dirty="0">
-              <a:latin typeface="Century Schoolbook" panose="02040604050505020304" pitchFamily="18" charset="0"/>
-              <a:cs typeface="Calibri" panose="020F0502020204030204" pitchFamily="34" charset="0"/>
-            </a:endParaRPr>
-          </a:p>
-          <a:p>
-            <a:pPr marL="285750" lvl="0" indent="-285750" algn="l">
-              <a:buFont typeface="Wingdings" panose="05000000000000000000" pitchFamily="2" charset="2"/>
-              <a:buChar char="ü"/>
-            </a:pPr>
-            <a:endParaRPr lang="en-CA" sz="1800" dirty="0">
-              <a:latin typeface="Century Schoolbook" panose="02040604050505020304" pitchFamily="18" charset="0"/>
-              <a:cs typeface="Calibri" panose="020F0502020204030204" pitchFamily="34" charset="0"/>
-            </a:endParaRPr>
-          </a:p>
-        </p:txBody>
-      </p:sp>
-      <p:pic>
-        <p:nvPicPr>
-          <p:cNvPr id="8" name="Picture 7" descr="A picture containing diagram&#10;&#10;Description automatically generated">
-            <a:extLst>
-              <a:ext uri="{FF2B5EF4-FFF2-40B4-BE49-F238E27FC236}">
-                <a16:creationId xmlns:a16="http://schemas.microsoft.com/office/drawing/2014/main" id="{7314AAE1-4A8B-4769-9B85-F4F77C3FA243}"/>
-              </a:ext>
-            </a:extLst>
-          </p:cNvPr>
-          <p:cNvPicPr>
-            <a:picLocks noChangeAspect="1"/>
-          </p:cNvPicPr>
-          <p:nvPr/>
-        </p:nvPicPr>
-        <p:blipFill rotWithShape="1">
-          <a:blip r:embed="rId2">
-            <a:extLst>
-              <a:ext uri="{28A0092B-C50C-407E-A947-70E740481C1C}">
-                <a14:useLocalDpi xmlns:a14="http://schemas.microsoft.com/office/drawing/2010/main" val="0"/>
-              </a:ext>
-            </a:extLst>
-          </a:blip>
-          <a:srcRect l="4257" t="23094" r="65929" b="35362"/>
-          <a:stretch/>
-        </p:blipFill>
-        <p:spPr>
-          <a:xfrm>
-            <a:off x="10176498" y="0"/>
-            <a:ext cx="2015502" cy="1604836"/>
-          </a:xfrm>
-          <a:prstGeom prst="rect">
-            <a:avLst/>
-          </a:prstGeom>
-        </p:spPr>
-      </p:pic>
-      <p:sp>
-        <p:nvSpPr>
-          <p:cNvPr id="3" name="Rectangle 2">
-            <a:extLst>
-              <a:ext uri="{FF2B5EF4-FFF2-40B4-BE49-F238E27FC236}">
-                <a16:creationId xmlns:a16="http://schemas.microsoft.com/office/drawing/2014/main" id="{8E0B1581-99EC-45E3-847B-256B3BCE7C9F}"/>
-              </a:ext>
-            </a:extLst>
-          </p:cNvPr>
-          <p:cNvSpPr/>
-          <p:nvPr/>
-        </p:nvSpPr>
-        <p:spPr>
-          <a:xfrm>
-            <a:off x="0" y="6143231"/>
-            <a:ext cx="12192000" cy="642730"/>
-          </a:xfrm>
-          <a:prstGeom prst="rect">
-            <a:avLst/>
-          </a:prstGeom>
-          <a:solidFill>
-            <a:schemeClr val="tx1">
-              <a:lumMod val="65000"/>
-              <a:lumOff val="35000"/>
-            </a:schemeClr>
-          </a:solidFill>
-          <a:ln>
-            <a:noFill/>
-          </a:ln>
-          <a:effectLst>
-            <a:outerShdw blurRad="190500" dist="228600" dir="2700000" algn="ctr">
-              <a:srgbClr val="000000">
-                <a:alpha val="30000"/>
-              </a:srgbClr>
-            </a:outerShdw>
-          </a:effectLst>
-          <a:scene3d>
-            <a:camera prst="orthographicFront">
-              <a:rot lat="0" lon="0" rev="0"/>
-            </a:camera>
-            <a:lightRig rig="glow" dir="t">
-              <a:rot lat="0" lon="0" rev="4800000"/>
-            </a:lightRig>
-          </a:scene3d>
-          <a:sp3d prstMaterial="matte">
-            <a:bevelT w="127000" h="63500"/>
-          </a:sp3d>
-        </p:spPr>
-        <p:style>
-          <a:lnRef idx="2">
-            <a:schemeClr val="accent1">
-              <a:shade val="50000"/>
-            </a:schemeClr>
-          </a:lnRef>
-          <a:fillRef idx="1">
-            <a:schemeClr val="accent1"/>
-          </a:fillRef>
-          <a:effectRef idx="0">
-            <a:schemeClr val="accent1"/>
-          </a:effectRef>
-          <a:fontRef idx="minor">
-            <a:schemeClr val="lt1"/>
-          </a:fontRef>
-        </p:style>
-        <p:txBody>
-          <a:bodyPr rtlCol="0" anchor="ctr"/>
-          <a:lstStyle/>
-          <a:p>
-            <a:pPr algn="ctr"/>
-            <a:endParaRPr lang="en-CA"/>
-          </a:p>
-        </p:txBody>
-      </p:sp>
-    </p:spTree>
-    <p:extLst>
-      <p:ext uri="{BB962C8B-B14F-4D97-AF65-F5344CB8AC3E}">
-        <p14:creationId xmlns:p14="http://schemas.microsoft.com/office/powerpoint/2010/main" val="515109759"/>
-      </p:ext>
-    </p:extLst>
-  </p:cSld>
-  <p:clrMapOvr>
-    <a:masterClrMapping/>
-  </p:clrMapOvr>
-  <mc:AlternateContent xmlns:mc="http://schemas.openxmlformats.org/markup-compatibility/2006">
-    <mc:Choice xmlns:p159="http://schemas.microsoft.com/office/powerpoint/2015/09/main" Requires="p159">
-      <p:transition xmlns:p14="http://schemas.microsoft.com/office/powerpoint/2010/main" spd="slow" p14:dur="2000">
-        <p159:morph option="byObject"/>
-      </p:transition>
-    </mc:Choice>
-    <mc:Fallback>
+    <mc:Fallback xmlns="">
       <p:transition spd="slow">
         <p:fade/>
       </p:transition>
@@ -10282,1155 +8518,6 @@
 </file>
 
 <file path=ppt/slides/slide4.xml><?xml version="1.0" encoding="utf-8"?>
-<p:sld xmlns:a="http://schemas.openxmlformats.org/drawingml/2006/main" xmlns:r="http://schemas.openxmlformats.org/officeDocument/2006/relationships" xmlns:p="http://schemas.openxmlformats.org/presentationml/2006/main">
-  <p:cSld>
-    <p:spTree>
-      <p:nvGrpSpPr>
-        <p:cNvPr id="1" name=""/>
-        <p:cNvGrpSpPr/>
-        <p:nvPr/>
-      </p:nvGrpSpPr>
-      <p:grpSpPr>
-        <a:xfrm>
-          <a:off x="0" y="0"/>
-          <a:ext cx="0" cy="0"/>
-          <a:chOff x="0" y="0"/>
-          <a:chExt cx="0" cy="0"/>
-        </a:xfrm>
-      </p:grpSpPr>
-      <p:sp>
-        <p:nvSpPr>
-          <p:cNvPr id="4" name="Title 1">
-            <a:extLst>
-              <a:ext uri="{FF2B5EF4-FFF2-40B4-BE49-F238E27FC236}">
-                <a16:creationId xmlns:a16="http://schemas.microsoft.com/office/drawing/2014/main" id="{50DF5C7B-714C-44DC-B49A-F16BE5E80C8B}"/>
-              </a:ext>
-            </a:extLst>
-          </p:cNvPr>
-          <p:cNvSpPr txBox="1">
-            <a:spLocks/>
-          </p:cNvSpPr>
-          <p:nvPr/>
-        </p:nvSpPr>
-        <p:spPr>
-          <a:xfrm>
-            <a:off x="424918" y="103676"/>
-            <a:ext cx="5535205" cy="935510"/>
-          </a:xfrm>
-          <a:prstGeom prst="rect">
-            <a:avLst/>
-          </a:prstGeom>
-        </p:spPr>
-        <p:txBody>
-          <a:bodyPr vert="horz" lIns="91440" tIns="45720" rIns="91440" bIns="45720" rtlCol="0" anchor="b">
-            <a:normAutofit/>
-          </a:bodyPr>
-          <a:lstStyle>
-            <a:lvl1pPr algn="ctr" defTabSz="914400" rtl="0" eaLnBrk="1" latinLnBrk="0" hangingPunct="1">
-              <a:lnSpc>
-                <a:spcPct val="90000"/>
-              </a:lnSpc>
-              <a:spcBef>
-                <a:spcPct val="0"/>
-              </a:spcBef>
-              <a:buNone/>
-              <a:defRPr sz="6000" kern="1200">
-                <a:solidFill>
-                  <a:schemeClr val="tx1"/>
-                </a:solidFill>
-                <a:latin typeface="+mj-lt"/>
-                <a:ea typeface="+mj-ea"/>
-                <a:cs typeface="+mj-cs"/>
-              </a:defRPr>
-            </a:lvl1pPr>
-          </a:lstStyle>
-          <a:p>
-            <a:pPr algn="l">
-              <a:spcBef>
-                <a:spcPts val="600"/>
-              </a:spcBef>
-              <a:spcAft>
-                <a:spcPts val="600"/>
-              </a:spcAft>
-            </a:pPr>
-            <a:r>
-              <a:rPr lang="en-US" sz="3400" dirty="0">
-                <a:solidFill>
-                  <a:schemeClr val="accent1"/>
-                </a:solidFill>
-                <a:latin typeface="Century Schoolbook" panose="02040604050505020304" pitchFamily="18" charset="0"/>
-              </a:rPr>
-              <a:t>Questions &amp; Data</a:t>
-            </a:r>
-          </a:p>
-        </p:txBody>
-      </p:sp>
-      <p:pic>
-        <p:nvPicPr>
-          <p:cNvPr id="8" name="Picture 7" descr="A picture containing diagram&#10;&#10;Description automatically generated">
-            <a:extLst>
-              <a:ext uri="{FF2B5EF4-FFF2-40B4-BE49-F238E27FC236}">
-                <a16:creationId xmlns:a16="http://schemas.microsoft.com/office/drawing/2014/main" id="{7314AAE1-4A8B-4769-9B85-F4F77C3FA243}"/>
-              </a:ext>
-            </a:extLst>
-          </p:cNvPr>
-          <p:cNvPicPr>
-            <a:picLocks noChangeAspect="1"/>
-          </p:cNvPicPr>
-          <p:nvPr/>
-        </p:nvPicPr>
-        <p:blipFill rotWithShape="1">
-          <a:blip r:embed="rId2">
-            <a:duotone>
-              <a:schemeClr val="accent5">
-                <a:shade val="45000"/>
-                <a:satMod val="135000"/>
-              </a:schemeClr>
-              <a:prstClr val="white"/>
-            </a:duotone>
-            <a:extLst>
-              <a:ext uri="{BEBA8EAE-BF5A-486C-A8C5-ECC9F3942E4B}">
-                <a14:imgProps xmlns:a14="http://schemas.microsoft.com/office/drawing/2010/main">
-                  <a14:imgLayer r:embed="rId3">
-                    <a14:imgEffect>
-                      <a14:colorTemperature colorTemp="4700"/>
-                    </a14:imgEffect>
-                    <a14:imgEffect>
-                      <a14:saturation sat="66000"/>
-                    </a14:imgEffect>
-                  </a14:imgLayer>
-                </a14:imgProps>
-              </a:ext>
-              <a:ext uri="{28A0092B-C50C-407E-A947-70E740481C1C}">
-                <a14:useLocalDpi xmlns:a14="http://schemas.microsoft.com/office/drawing/2010/main" val="0"/>
-              </a:ext>
-            </a:extLst>
-          </a:blip>
-          <a:srcRect l="4257" t="23094" r="65929" b="35362"/>
-          <a:stretch/>
-        </p:blipFill>
-        <p:spPr>
-          <a:xfrm>
-            <a:off x="10176498" y="0"/>
-            <a:ext cx="2015502" cy="1604836"/>
-          </a:xfrm>
-          <a:prstGeom prst="rect">
-            <a:avLst/>
-          </a:prstGeom>
-        </p:spPr>
-      </p:pic>
-      <p:sp>
-        <p:nvSpPr>
-          <p:cNvPr id="10" name="TextBox 9">
-            <a:extLst>
-              <a:ext uri="{FF2B5EF4-FFF2-40B4-BE49-F238E27FC236}">
-                <a16:creationId xmlns:a16="http://schemas.microsoft.com/office/drawing/2014/main" id="{D4B40B4C-A268-4EDA-9A79-6A3292BE8A8F}"/>
-              </a:ext>
-            </a:extLst>
-          </p:cNvPr>
-          <p:cNvSpPr txBox="1"/>
-          <p:nvPr/>
-        </p:nvSpPr>
-        <p:spPr>
-          <a:xfrm>
-            <a:off x="1055245" y="1772874"/>
-            <a:ext cx="5419983" cy="3585597"/>
-          </a:xfrm>
-          <a:prstGeom prst="rect">
-            <a:avLst/>
-          </a:prstGeom>
-          <a:noFill/>
-        </p:spPr>
-        <p:txBody>
-          <a:bodyPr wrap="square">
-            <a:spAutoFit/>
-          </a:bodyPr>
-          <a:lstStyle/>
-          <a:p>
-            <a:pPr marL="285750" lvl="0" indent="-285750" algn="l">
-              <a:buFont typeface="Wingdings" panose="05000000000000000000" pitchFamily="2" charset="2"/>
-              <a:buChar char="ü"/>
-            </a:pPr>
-            <a:r>
-              <a:rPr lang="en-CA" sz="2000" b="1" dirty="0">
-                <a:latin typeface="Century Schoolbook" panose="02040604050505020304" pitchFamily="18" charset="0"/>
-                <a:cs typeface="Calibri" panose="020F0502020204030204" pitchFamily="34" charset="0"/>
-              </a:rPr>
-              <a:t>Questions</a:t>
-            </a:r>
-            <a:endParaRPr lang="en-CA" sz="1800" b="1" dirty="0">
-              <a:latin typeface="Century Schoolbook" panose="02040604050505020304" pitchFamily="18" charset="0"/>
-              <a:cs typeface="Calibri" panose="020F0502020204030204" pitchFamily="34" charset="0"/>
-            </a:endParaRPr>
-          </a:p>
-          <a:p>
-            <a:pPr marL="285750" lvl="0" indent="-285750" algn="l">
-              <a:buFont typeface="Wingdings" panose="05000000000000000000" pitchFamily="2" charset="2"/>
-              <a:buChar char="ü"/>
-            </a:pPr>
-            <a:endParaRPr lang="en-CA" sz="2800" b="1" dirty="0">
-              <a:latin typeface="Century Schoolbook" panose="02040604050505020304" pitchFamily="18" charset="0"/>
-              <a:cs typeface="Calibri" panose="020F0502020204030204" pitchFamily="34" charset="0"/>
-            </a:endParaRPr>
-          </a:p>
-          <a:p>
-            <a:pPr marL="342900" indent="-342900" algn="l">
-              <a:spcAft>
-                <a:spcPts val="600"/>
-              </a:spcAft>
-              <a:buFont typeface="+mj-lt"/>
-              <a:buAutoNum type="arabicPeriod"/>
-            </a:pPr>
-            <a:r>
-              <a:rPr lang="en-CA" sz="1600" dirty="0">
-                <a:latin typeface="Century Schoolbook" panose="02040604050505020304" pitchFamily="18" charset="0"/>
-                <a:cs typeface="Calibri" panose="020F0502020204030204" pitchFamily="34" charset="0"/>
-              </a:rPr>
-              <a:t> </a:t>
-            </a:r>
-            <a:r>
-              <a:rPr lang="en-CA" dirty="0">
-                <a:latin typeface="Century Schoolbook" panose="02040604050505020304" pitchFamily="18" charset="0"/>
-                <a:cs typeface="Calibri" panose="020F0502020204030204" pitchFamily="34" charset="0"/>
-              </a:rPr>
-              <a:t>Number of Covid-19 cases </a:t>
-            </a:r>
-          </a:p>
-          <a:p>
-            <a:pPr marL="342900" indent="-342900" algn="l">
-              <a:spcAft>
-                <a:spcPts val="600"/>
-              </a:spcAft>
-              <a:buFont typeface="+mj-lt"/>
-              <a:buAutoNum type="arabicPeriod"/>
-            </a:pPr>
-            <a:r>
-              <a:rPr lang="en-CA" dirty="0">
-                <a:latin typeface="Century Schoolbook" panose="02040604050505020304" pitchFamily="18" charset="0"/>
-                <a:cs typeface="Calibri" panose="020F0502020204030204" pitchFamily="34" charset="0"/>
-              </a:rPr>
-              <a:t> Number of Covid-19 cases </a:t>
-            </a:r>
-          </a:p>
-          <a:p>
-            <a:pPr marL="342900" indent="-342900" algn="l">
-              <a:spcAft>
-                <a:spcPts val="600"/>
-              </a:spcAft>
-              <a:buFont typeface="+mj-lt"/>
-              <a:buAutoNum type="arabicPeriod"/>
-            </a:pPr>
-            <a:r>
-              <a:rPr lang="en-CA" dirty="0">
-                <a:latin typeface="Century Schoolbook" panose="02040604050505020304" pitchFamily="18" charset="0"/>
-                <a:cs typeface="Calibri" panose="020F0502020204030204" pitchFamily="34" charset="0"/>
-              </a:rPr>
-              <a:t> Fluctuation of house price </a:t>
-            </a:r>
-          </a:p>
-          <a:p>
-            <a:pPr marL="342900" indent="-342900" algn="l">
-              <a:spcAft>
-                <a:spcPts val="600"/>
-              </a:spcAft>
-              <a:buFont typeface="+mj-lt"/>
-              <a:buAutoNum type="arabicPeriod"/>
-            </a:pPr>
-            <a:r>
-              <a:rPr lang="en-CA" dirty="0">
-                <a:latin typeface="Century Schoolbook" panose="02040604050505020304" pitchFamily="18" charset="0"/>
-                <a:cs typeface="Calibri" panose="020F0502020204030204" pitchFamily="34" charset="0"/>
-              </a:rPr>
-              <a:t> Number of houses sold in Ontario  per month</a:t>
-            </a:r>
-          </a:p>
-          <a:p>
-            <a:pPr marL="342900" indent="-342900" algn="l">
-              <a:spcAft>
-                <a:spcPts val="600"/>
-              </a:spcAft>
-              <a:buFont typeface="+mj-lt"/>
-              <a:buAutoNum type="arabicPeriod" startAt="5"/>
-            </a:pPr>
-            <a:r>
-              <a:rPr lang="en-CA" dirty="0">
-                <a:latin typeface="Century Schoolbook" panose="02040604050505020304" pitchFamily="18" charset="0"/>
-                <a:cs typeface="Calibri" panose="020F0502020204030204" pitchFamily="34" charset="0"/>
-              </a:rPr>
-              <a:t>Interest rate fluctuation </a:t>
-            </a:r>
-          </a:p>
-          <a:p>
-            <a:pPr algn="l">
-              <a:spcAft>
-                <a:spcPts val="600"/>
-              </a:spcAft>
-              <a:buFont typeface="+mj-lt"/>
-              <a:buAutoNum type="arabicPeriod" startAt="5"/>
-            </a:pPr>
-            <a:r>
-              <a:rPr lang="en-CA" dirty="0">
-                <a:latin typeface="Century Schoolbook" panose="02040604050505020304" pitchFamily="18" charset="0"/>
-                <a:cs typeface="Calibri" panose="020F0502020204030204" pitchFamily="34" charset="0"/>
-              </a:rPr>
-              <a:t>   Covid-19 cases Vs. interest rate</a:t>
-            </a:r>
-          </a:p>
-          <a:p>
-            <a:pPr algn="l">
-              <a:spcAft>
-                <a:spcPts val="600"/>
-              </a:spcAft>
-              <a:buFont typeface="+mj-lt"/>
-              <a:buAutoNum type="arabicPeriod" startAt="5"/>
-            </a:pPr>
-            <a:r>
-              <a:rPr lang="en-CA" dirty="0">
-                <a:latin typeface="Century Schoolbook" panose="02040604050505020304" pitchFamily="18" charset="0"/>
-                <a:cs typeface="Calibri" panose="020F0502020204030204" pitchFamily="34" charset="0"/>
-              </a:rPr>
-              <a:t>   Covid-19 cases Vs. house sold </a:t>
-            </a:r>
-          </a:p>
-          <a:p>
-            <a:pPr algn="l">
-              <a:spcAft>
-                <a:spcPts val="600"/>
-              </a:spcAft>
-              <a:buFont typeface="+mj-lt"/>
-              <a:buAutoNum type="arabicPeriod" startAt="5"/>
-            </a:pPr>
-            <a:r>
-              <a:rPr lang="en-CA" dirty="0">
-                <a:latin typeface="Century Schoolbook" panose="02040604050505020304" pitchFamily="18" charset="0"/>
-                <a:cs typeface="Calibri" panose="020F0502020204030204" pitchFamily="34" charset="0"/>
-              </a:rPr>
-              <a:t>   Covid-19 </a:t>
-            </a:r>
-            <a:r>
-              <a:rPr lang="en-CA" sz="1600" dirty="0">
-                <a:latin typeface="Century Schoolbook" panose="02040604050505020304" pitchFamily="18" charset="0"/>
-                <a:cs typeface="Calibri" panose="020F0502020204030204" pitchFamily="34" charset="0"/>
-              </a:rPr>
-              <a:t>cases Vs. house price </a:t>
-            </a:r>
-          </a:p>
-        </p:txBody>
-      </p:sp>
-      <p:sp>
-        <p:nvSpPr>
-          <p:cNvPr id="16" name="TextBox 15">
-            <a:extLst>
-              <a:ext uri="{FF2B5EF4-FFF2-40B4-BE49-F238E27FC236}">
-                <a16:creationId xmlns:a16="http://schemas.microsoft.com/office/drawing/2014/main" id="{61478787-8F0A-49D4-8F4E-05012AA9B270}"/>
-              </a:ext>
-            </a:extLst>
-          </p:cNvPr>
-          <p:cNvSpPr txBox="1"/>
-          <p:nvPr/>
-        </p:nvSpPr>
-        <p:spPr>
-          <a:xfrm>
-            <a:off x="6853258" y="1823274"/>
-            <a:ext cx="4283497" cy="2462213"/>
-          </a:xfrm>
-          <a:prstGeom prst="rect">
-            <a:avLst/>
-          </a:prstGeom>
-          <a:noFill/>
-        </p:spPr>
-        <p:txBody>
-          <a:bodyPr wrap="square">
-            <a:spAutoFit/>
-          </a:bodyPr>
-          <a:lstStyle/>
-          <a:p>
-            <a:pPr marL="285750" lvl="0" indent="-285750" algn="l">
-              <a:buFont typeface="Wingdings" panose="05000000000000000000" pitchFamily="2" charset="2"/>
-              <a:buChar char="ü"/>
-            </a:pPr>
-            <a:r>
-              <a:rPr lang="en-CA" sz="2000" b="1" dirty="0">
-                <a:latin typeface="Century Schoolbook" panose="02040604050505020304" pitchFamily="18" charset="0"/>
-                <a:cs typeface="Calibri" panose="020F0502020204030204" pitchFamily="34" charset="0"/>
-              </a:rPr>
-              <a:t>Data Sources</a:t>
-            </a:r>
-          </a:p>
-          <a:p>
-            <a:pPr marL="285750" lvl="0" indent="-285750" algn="l">
-              <a:buFont typeface="Wingdings" panose="05000000000000000000" pitchFamily="2" charset="2"/>
-              <a:buChar char="ü"/>
-            </a:pPr>
-            <a:endParaRPr lang="en-CA" sz="2000" b="1" dirty="0">
-              <a:latin typeface="Century Schoolbook" panose="02040604050505020304" pitchFamily="18" charset="0"/>
-              <a:cs typeface="Calibri" panose="020F0502020204030204" pitchFamily="34" charset="0"/>
-            </a:endParaRPr>
-          </a:p>
-          <a:p>
-            <a:pPr marL="285750" lvl="0" indent="-285750" algn="l">
-              <a:buFont typeface="Wingdings" panose="05000000000000000000" pitchFamily="2" charset="2"/>
-              <a:buChar char="ü"/>
-            </a:pPr>
-            <a:endParaRPr lang="en-CA" sz="700" b="1" dirty="0">
-              <a:latin typeface="Century Schoolbook" panose="02040604050505020304" pitchFamily="18" charset="0"/>
-              <a:cs typeface="Calibri" panose="020F0502020204030204" pitchFamily="34" charset="0"/>
-            </a:endParaRPr>
-          </a:p>
-          <a:p>
-            <a:pPr marL="800100" lvl="1" indent="-342900">
-              <a:buFont typeface="Wingdings" panose="05000000000000000000" pitchFamily="2" charset="2"/>
-              <a:buChar char="§"/>
-            </a:pPr>
-            <a:r>
-              <a:rPr lang="en-CA" b="1" dirty="0">
-                <a:latin typeface="Century Schoolbook" panose="02040604050505020304" pitchFamily="18" charset="0"/>
-                <a:cs typeface="Calibri" panose="020F0502020204030204" pitchFamily="34" charset="0"/>
-              </a:rPr>
-              <a:t>Websites</a:t>
-            </a:r>
-            <a:r>
-              <a:rPr lang="en-CA" sz="2000" b="1" dirty="0">
-                <a:latin typeface="Century Schoolbook" panose="02040604050505020304" pitchFamily="18" charset="0"/>
-                <a:cs typeface="Calibri" panose="020F0502020204030204" pitchFamily="34" charset="0"/>
-              </a:rPr>
-              <a:t>:</a:t>
-            </a:r>
-          </a:p>
-          <a:p>
-            <a:pPr marL="1200150" lvl="2" indent="-285750">
-              <a:spcAft>
-                <a:spcPts val="600"/>
-              </a:spcAft>
-              <a:buFont typeface="Wingdings" panose="05000000000000000000" pitchFamily="2" charset="2"/>
-              <a:buChar char="Ø"/>
-            </a:pPr>
-            <a:r>
-              <a:rPr lang="en-CA" dirty="0">
-                <a:latin typeface="Century Schoolbook" panose="02040604050505020304" pitchFamily="18" charset="0"/>
-                <a:cs typeface="Calibri" panose="020F0502020204030204" pitchFamily="34" charset="0"/>
-              </a:rPr>
-              <a:t>open.canada.ca ----- CSV</a:t>
-            </a:r>
-          </a:p>
-          <a:p>
-            <a:pPr marL="1200150" lvl="2" indent="-285750">
-              <a:spcAft>
-                <a:spcPts val="600"/>
-              </a:spcAft>
-              <a:buFont typeface="Wingdings" panose="05000000000000000000" pitchFamily="2" charset="2"/>
-              <a:buChar char="Ø"/>
-            </a:pPr>
-            <a:r>
-              <a:rPr lang="en-CA" dirty="0">
-                <a:latin typeface="Century Schoolbook" panose="02040604050505020304" pitchFamily="18" charset="0"/>
-                <a:cs typeface="Calibri" panose="020F0502020204030204" pitchFamily="34" charset="0"/>
-              </a:rPr>
-              <a:t>data.ontario.ca ----- JSON</a:t>
-            </a:r>
-          </a:p>
-          <a:p>
-            <a:pPr marL="1200150" lvl="2" indent="-285750">
-              <a:spcAft>
-                <a:spcPts val="600"/>
-              </a:spcAft>
-              <a:buFont typeface="Wingdings" panose="05000000000000000000" pitchFamily="2" charset="2"/>
-              <a:buChar char="Ø"/>
-            </a:pPr>
-            <a:r>
-              <a:rPr lang="en-CA" dirty="0">
-                <a:latin typeface="Century Schoolbook" panose="02040604050505020304" pitchFamily="18" charset="0"/>
-                <a:cs typeface="Calibri" panose="020F0502020204030204" pitchFamily="34" charset="0"/>
-              </a:rPr>
-              <a:t>quandl.com ---------- API</a:t>
-            </a:r>
-          </a:p>
-          <a:p>
-            <a:pPr marL="1200150" lvl="2" indent="-285750">
-              <a:spcAft>
-                <a:spcPts val="600"/>
-              </a:spcAft>
-              <a:buFont typeface="Wingdings" panose="05000000000000000000" pitchFamily="2" charset="2"/>
-              <a:buChar char="Ø"/>
-            </a:pPr>
-            <a:r>
-              <a:rPr lang="en-CA" dirty="0">
-                <a:latin typeface="Century Schoolbook" panose="02040604050505020304" pitchFamily="18" charset="0"/>
-                <a:cs typeface="Calibri" panose="020F0502020204030204" pitchFamily="34" charset="0"/>
-              </a:rPr>
-              <a:t>bankofcanada.</a:t>
-            </a:r>
-            <a:r>
-              <a:rPr lang="en-CA">
-                <a:latin typeface="Century Schoolbook" panose="02040604050505020304" pitchFamily="18" charset="0"/>
-                <a:cs typeface="Calibri" panose="020F0502020204030204" pitchFamily="34" charset="0"/>
-              </a:rPr>
-              <a:t>ca ---- CSV</a:t>
-            </a:r>
-            <a:endParaRPr lang="en-US" dirty="0">
-              <a:latin typeface="Century Schoolbook" panose="02040604050505020304" pitchFamily="18" charset="0"/>
-              <a:cs typeface="Calibri" panose="020F0502020204030204" pitchFamily="34" charset="0"/>
-            </a:endParaRPr>
-          </a:p>
-        </p:txBody>
-      </p:sp>
-      <p:sp>
-        <p:nvSpPr>
-          <p:cNvPr id="20" name="Rectangle 19">
-            <a:extLst>
-              <a:ext uri="{FF2B5EF4-FFF2-40B4-BE49-F238E27FC236}">
-                <a16:creationId xmlns:a16="http://schemas.microsoft.com/office/drawing/2014/main" id="{DD7DCA66-F4C0-450F-B5DF-28645E125719}"/>
-              </a:ext>
-            </a:extLst>
-          </p:cNvPr>
-          <p:cNvSpPr/>
-          <p:nvPr/>
-        </p:nvSpPr>
-        <p:spPr>
-          <a:xfrm>
-            <a:off x="0" y="6143231"/>
-            <a:ext cx="12192000" cy="642730"/>
-          </a:xfrm>
-          <a:prstGeom prst="rect">
-            <a:avLst/>
-          </a:prstGeom>
-          <a:solidFill>
-            <a:schemeClr val="tx1">
-              <a:lumMod val="65000"/>
-              <a:lumOff val="35000"/>
-            </a:schemeClr>
-          </a:solidFill>
-          <a:ln>
-            <a:noFill/>
-          </a:ln>
-          <a:effectLst>
-            <a:outerShdw blurRad="190500" dist="228600" dir="2700000" algn="ctr">
-              <a:srgbClr val="000000">
-                <a:alpha val="30000"/>
-              </a:srgbClr>
-            </a:outerShdw>
-          </a:effectLst>
-          <a:scene3d>
-            <a:camera prst="orthographicFront">
-              <a:rot lat="0" lon="0" rev="0"/>
-            </a:camera>
-            <a:lightRig rig="glow" dir="t">
-              <a:rot lat="0" lon="0" rev="4800000"/>
-            </a:lightRig>
-          </a:scene3d>
-          <a:sp3d prstMaterial="matte">
-            <a:bevelT w="127000" h="63500"/>
-          </a:sp3d>
-        </p:spPr>
-        <p:style>
-          <a:lnRef idx="2">
-            <a:schemeClr val="accent1">
-              <a:shade val="50000"/>
-            </a:schemeClr>
-          </a:lnRef>
-          <a:fillRef idx="1">
-            <a:schemeClr val="accent1"/>
-          </a:fillRef>
-          <a:effectRef idx="0">
-            <a:schemeClr val="accent1"/>
-          </a:effectRef>
-          <a:fontRef idx="minor">
-            <a:schemeClr val="lt1"/>
-          </a:fontRef>
-        </p:style>
-        <p:txBody>
-          <a:bodyPr rtlCol="0" anchor="ctr"/>
-          <a:lstStyle/>
-          <a:p>
-            <a:pPr algn="ctr"/>
-            <a:endParaRPr lang="en-CA"/>
-          </a:p>
-        </p:txBody>
-      </p:sp>
-    </p:spTree>
-    <p:extLst>
-      <p:ext uri="{BB962C8B-B14F-4D97-AF65-F5344CB8AC3E}">
-        <p14:creationId xmlns:p14="http://schemas.microsoft.com/office/powerpoint/2010/main" val="1335930001"/>
-      </p:ext>
-    </p:extLst>
-  </p:cSld>
-  <p:clrMapOvr>
-    <a:masterClrMapping/>
-  </p:clrMapOvr>
-  <mc:AlternateContent xmlns:mc="http://schemas.openxmlformats.org/markup-compatibility/2006">
-    <mc:Choice xmlns:p159="http://schemas.microsoft.com/office/powerpoint/2015/09/main" Requires="p159">
-      <p:transition xmlns:p14="http://schemas.microsoft.com/office/powerpoint/2010/main" spd="slow" p14:dur="2000">
-        <p159:morph option="byObject"/>
-      </p:transition>
-    </mc:Choice>
-    <mc:Fallback>
-      <p:transition spd="slow">
-        <p:fade/>
-      </p:transition>
-    </mc:Fallback>
-  </mc:AlternateContent>
-</p:sld>
-</file>
-
-<file path=ppt/slides/slide5.xml><?xml version="1.0" encoding="utf-8"?>
-<p:sld xmlns:a="http://schemas.openxmlformats.org/drawingml/2006/main" xmlns:r="http://schemas.openxmlformats.org/officeDocument/2006/relationships" xmlns:p="http://schemas.openxmlformats.org/presentationml/2006/main">
-  <p:cSld>
-    <p:spTree>
-      <p:nvGrpSpPr>
-        <p:cNvPr id="1" name=""/>
-        <p:cNvGrpSpPr/>
-        <p:nvPr/>
-      </p:nvGrpSpPr>
-      <p:grpSpPr>
-        <a:xfrm>
-          <a:off x="0" y="0"/>
-          <a:ext cx="0" cy="0"/>
-          <a:chOff x="0" y="0"/>
-          <a:chExt cx="0" cy="0"/>
-        </a:xfrm>
-      </p:grpSpPr>
-      <p:sp>
-        <p:nvSpPr>
-          <p:cNvPr id="4" name="Title 1">
-            <a:extLst>
-              <a:ext uri="{FF2B5EF4-FFF2-40B4-BE49-F238E27FC236}">
-                <a16:creationId xmlns:a16="http://schemas.microsoft.com/office/drawing/2014/main" id="{50DF5C7B-714C-44DC-B49A-F16BE5E80C8B}"/>
-              </a:ext>
-            </a:extLst>
-          </p:cNvPr>
-          <p:cNvSpPr txBox="1">
-            <a:spLocks/>
-          </p:cNvSpPr>
-          <p:nvPr/>
-        </p:nvSpPr>
-        <p:spPr>
-          <a:xfrm>
-            <a:off x="424918" y="103676"/>
-            <a:ext cx="5535205" cy="935510"/>
-          </a:xfrm>
-          <a:prstGeom prst="rect">
-            <a:avLst/>
-          </a:prstGeom>
-        </p:spPr>
-        <p:txBody>
-          <a:bodyPr vert="horz" lIns="91440" tIns="45720" rIns="91440" bIns="45720" rtlCol="0" anchor="b">
-            <a:normAutofit/>
-          </a:bodyPr>
-          <a:lstStyle>
-            <a:lvl1pPr algn="ctr" defTabSz="914400" rtl="0" eaLnBrk="1" latinLnBrk="0" hangingPunct="1">
-              <a:lnSpc>
-                <a:spcPct val="90000"/>
-              </a:lnSpc>
-              <a:spcBef>
-                <a:spcPct val="0"/>
-              </a:spcBef>
-              <a:buNone/>
-              <a:defRPr sz="6000" kern="1200">
-                <a:solidFill>
-                  <a:schemeClr val="tx1"/>
-                </a:solidFill>
-                <a:latin typeface="+mj-lt"/>
-                <a:ea typeface="+mj-ea"/>
-                <a:cs typeface="+mj-cs"/>
-              </a:defRPr>
-            </a:lvl1pPr>
-          </a:lstStyle>
-          <a:p>
-            <a:pPr algn="l">
-              <a:spcBef>
-                <a:spcPts val="600"/>
-              </a:spcBef>
-              <a:spcAft>
-                <a:spcPts val="600"/>
-              </a:spcAft>
-            </a:pPr>
-            <a:r>
-              <a:rPr lang="en-US" sz="3400" dirty="0">
-                <a:solidFill>
-                  <a:schemeClr val="accent1"/>
-                </a:solidFill>
-                <a:latin typeface="Century Schoolbook" panose="02040604050505020304" pitchFamily="18" charset="0"/>
-              </a:rPr>
-              <a:t>Questions &amp; Data</a:t>
-            </a:r>
-          </a:p>
-        </p:txBody>
-      </p:sp>
-      <p:pic>
-        <p:nvPicPr>
-          <p:cNvPr id="8" name="Picture 7" descr="A picture containing diagram&#10;&#10;Description automatically generated">
-            <a:extLst>
-              <a:ext uri="{FF2B5EF4-FFF2-40B4-BE49-F238E27FC236}">
-                <a16:creationId xmlns:a16="http://schemas.microsoft.com/office/drawing/2014/main" id="{7314AAE1-4A8B-4769-9B85-F4F77C3FA243}"/>
-              </a:ext>
-            </a:extLst>
-          </p:cNvPr>
-          <p:cNvPicPr>
-            <a:picLocks noChangeAspect="1"/>
-          </p:cNvPicPr>
-          <p:nvPr/>
-        </p:nvPicPr>
-        <p:blipFill rotWithShape="1">
-          <a:blip r:embed="rId2">
-            <a:duotone>
-              <a:schemeClr val="accent5">
-                <a:shade val="45000"/>
-                <a:satMod val="135000"/>
-              </a:schemeClr>
-              <a:prstClr val="white"/>
-            </a:duotone>
-            <a:extLst>
-              <a:ext uri="{BEBA8EAE-BF5A-486C-A8C5-ECC9F3942E4B}">
-                <a14:imgProps xmlns:a14="http://schemas.microsoft.com/office/drawing/2010/main">
-                  <a14:imgLayer r:embed="rId3">
-                    <a14:imgEffect>
-                      <a14:colorTemperature colorTemp="4700"/>
-                    </a14:imgEffect>
-                    <a14:imgEffect>
-                      <a14:saturation sat="66000"/>
-                    </a14:imgEffect>
-                  </a14:imgLayer>
-                </a14:imgProps>
-              </a:ext>
-              <a:ext uri="{28A0092B-C50C-407E-A947-70E740481C1C}">
-                <a14:useLocalDpi xmlns:a14="http://schemas.microsoft.com/office/drawing/2010/main" val="0"/>
-              </a:ext>
-            </a:extLst>
-          </a:blip>
-          <a:srcRect l="4257" t="23094" r="65929" b="35362"/>
-          <a:stretch/>
-        </p:blipFill>
-        <p:spPr>
-          <a:xfrm>
-            <a:off x="10176498" y="0"/>
-            <a:ext cx="2015502" cy="1604836"/>
-          </a:xfrm>
-          <a:prstGeom prst="rect">
-            <a:avLst/>
-          </a:prstGeom>
-        </p:spPr>
-      </p:pic>
-      <p:sp>
-        <p:nvSpPr>
-          <p:cNvPr id="3" name="TextBox 2">
-            <a:extLst>
-              <a:ext uri="{FF2B5EF4-FFF2-40B4-BE49-F238E27FC236}">
-                <a16:creationId xmlns:a16="http://schemas.microsoft.com/office/drawing/2014/main" id="{5CBCD2FB-86AE-4224-B314-92DB0A60E4CC}"/>
-              </a:ext>
-            </a:extLst>
-          </p:cNvPr>
-          <p:cNvSpPr txBox="1"/>
-          <p:nvPr/>
-        </p:nvSpPr>
-        <p:spPr>
-          <a:xfrm>
-            <a:off x="428247" y="1604836"/>
-            <a:ext cx="11335505" cy="4539704"/>
-          </a:xfrm>
-          <a:prstGeom prst="rect">
-            <a:avLst/>
-          </a:prstGeom>
-          <a:noFill/>
-        </p:spPr>
-        <p:txBody>
-          <a:bodyPr wrap="square">
-            <a:spAutoFit/>
-          </a:bodyPr>
-          <a:lstStyle/>
-          <a:p>
-            <a:pPr marL="285750" lvl="0" indent="-285750" algn="l">
-              <a:buFont typeface="Wingdings" panose="05000000000000000000" pitchFamily="2" charset="2"/>
-              <a:buChar char="ü"/>
-            </a:pPr>
-            <a:r>
-              <a:rPr lang="en-CA" sz="2000" b="1" dirty="0">
-                <a:latin typeface="Century Schoolbook" panose="02040604050505020304" pitchFamily="18" charset="0"/>
-                <a:cs typeface="Calibri" panose="020F0502020204030204" pitchFamily="34" charset="0"/>
-              </a:rPr>
-              <a:t>Data Sources</a:t>
-            </a:r>
-          </a:p>
-          <a:p>
-            <a:pPr lvl="0" algn="l"/>
-            <a:endParaRPr lang="en-CA" sz="2000" b="1" dirty="0">
-              <a:latin typeface="Century Schoolbook" panose="02040604050505020304" pitchFamily="18" charset="0"/>
-              <a:cs typeface="Calibri" panose="020F0502020204030204" pitchFamily="34" charset="0"/>
-            </a:endParaRPr>
-          </a:p>
-          <a:p>
-            <a:pPr marL="742950" lvl="1" indent="-285750">
-              <a:buFont typeface="Wingdings" panose="05000000000000000000" pitchFamily="2" charset="2"/>
-              <a:buChar char="ü"/>
-            </a:pPr>
-            <a:endParaRPr lang="en-CA" sz="700" b="1" dirty="0">
-              <a:latin typeface="Century Schoolbook" panose="02040604050505020304" pitchFamily="18" charset="0"/>
-              <a:cs typeface="Calibri" panose="020F0502020204030204" pitchFamily="34" charset="0"/>
-            </a:endParaRPr>
-          </a:p>
-          <a:p>
-            <a:pPr marL="685800" lvl="1"/>
-            <a:r>
-              <a:rPr lang="en-CA" sz="1400" dirty="0">
-                <a:latin typeface="Century Schoolbook" panose="02040604050505020304" pitchFamily="18" charset="0"/>
-                <a:cs typeface="Calibri" panose="020F0502020204030204" pitchFamily="34" charset="0"/>
-              </a:rPr>
-              <a:t>Canada Mortgage and Housing Corporation, absorptions and unabsorbed inventory, newly completed dwellings, by type of dwelling unit in census agglomerations of 50,000 and over</a:t>
-            </a:r>
-          </a:p>
-          <a:p>
-            <a:pPr marL="685800" lvl="1"/>
-            <a:r>
-              <a:rPr lang="en-CA" sz="1400" u="sng" dirty="0">
-                <a:solidFill>
-                  <a:srgbClr val="0000FF"/>
-                </a:solidFill>
-                <a:latin typeface="Century Schoolbook" panose="02040604050505020304" pitchFamily="18" charset="0"/>
-                <a:cs typeface="Times New Roman" panose="02020603050405020304" pitchFamily="18" charset="0"/>
-                <a:hlinkClick r:id="rId4">
-                  <a:extLst>
-                    <a:ext uri="{A12FA001-AC4F-418D-AE19-62706E023703}">
-                      <ahyp:hlinkClr xmlns:ahyp="http://schemas.microsoft.com/office/drawing/2018/hyperlinkcolor" val="tx"/>
-                    </a:ext>
-                  </a:extLst>
-                </a:hlinkClick>
-              </a:rPr>
-              <a:t>https://open.canada.ca/data/en/dataset/1d329dea-af4a-4835-b524-06e329b4ff72</a:t>
-            </a:r>
-            <a:endParaRPr lang="en-CA" sz="1400" u="sng" dirty="0">
-              <a:solidFill>
-                <a:srgbClr val="0000FF"/>
-              </a:solidFill>
-              <a:latin typeface="Century Schoolbook" panose="02040604050505020304" pitchFamily="18" charset="0"/>
-              <a:cs typeface="Times New Roman" panose="02020603050405020304" pitchFamily="18" charset="0"/>
-            </a:endParaRPr>
-          </a:p>
-          <a:p>
-            <a:pPr marL="685800" lvl="1"/>
-            <a:r>
-              <a:rPr lang="en-CA" sz="1400" dirty="0">
-                <a:effectLst/>
-                <a:latin typeface="Century Schoolbook" panose="02040604050505020304" pitchFamily="18" charset="0"/>
-                <a:ea typeface="Calibri" panose="020F0502020204030204" pitchFamily="34" charset="0"/>
-                <a:cs typeface="Times New Roman" panose="02020603050405020304" pitchFamily="18" charset="0"/>
-              </a:rPr>
-              <a:t> </a:t>
-            </a:r>
-          </a:p>
-          <a:p>
-            <a:pPr marL="685800" lvl="1"/>
-            <a:r>
-              <a:rPr lang="en-CA" sz="1400" dirty="0">
-                <a:latin typeface="Century Schoolbook" panose="02040604050505020304" pitchFamily="18" charset="0"/>
-                <a:cs typeface="Calibri" panose="020F0502020204030204" pitchFamily="34" charset="0"/>
-              </a:rPr>
-              <a:t>Canada Mortgage and Housing Corporation, housing under construction in all centres 10,000 and over for Canada, provinces, and selected census metropolitan areas</a:t>
-            </a:r>
-            <a:br>
-              <a:rPr lang="en-CA" sz="1400" dirty="0">
-                <a:effectLst/>
-                <a:latin typeface="Century Schoolbook" panose="02040604050505020304" pitchFamily="18" charset="0"/>
-                <a:ea typeface="Calibri" panose="020F0502020204030204" pitchFamily="34" charset="0"/>
-                <a:cs typeface="Calibri" panose="020F0502020204030204" pitchFamily="34" charset="0"/>
-              </a:rPr>
-            </a:br>
-            <a:r>
-              <a:rPr lang="en-CA" sz="1400" u="sng" dirty="0">
-                <a:solidFill>
-                  <a:srgbClr val="0000FF"/>
-                </a:solidFill>
-                <a:latin typeface="Century Schoolbook" panose="02040604050505020304" pitchFamily="18" charset="0"/>
-                <a:cs typeface="Times New Roman" panose="02020603050405020304" pitchFamily="18" charset="0"/>
-                <a:hlinkClick r:id="rId5">
-                  <a:extLst>
-                    <a:ext uri="{A12FA001-AC4F-418D-AE19-62706E023703}">
-                      <ahyp:hlinkClr xmlns:ahyp="http://schemas.microsoft.com/office/drawing/2018/hyperlinkcolor" val="tx"/>
-                    </a:ext>
-                  </a:extLst>
-                </a:hlinkClick>
-              </a:rPr>
-              <a:t>https://open.canada.ca/data/en/dataset/1995a476-68fd-4fe2-973f-2dd47f7f6c2c</a:t>
-            </a:r>
-            <a:endParaRPr lang="en-CA" sz="1400" u="sng" dirty="0">
-              <a:solidFill>
-                <a:srgbClr val="0000FF"/>
-              </a:solidFill>
-              <a:latin typeface="Century Schoolbook" panose="02040604050505020304" pitchFamily="18" charset="0"/>
-              <a:cs typeface="Times New Roman" panose="02020603050405020304" pitchFamily="18" charset="0"/>
-            </a:endParaRPr>
-          </a:p>
-          <a:p>
-            <a:pPr marL="685800" lvl="1"/>
-            <a:r>
-              <a:rPr lang="pt-BR" sz="1400" dirty="0">
-                <a:effectLst/>
-                <a:latin typeface="Century Schoolbook" panose="02040604050505020304" pitchFamily="18" charset="0"/>
-                <a:ea typeface="Calibri" panose="020F0502020204030204" pitchFamily="34" charset="0"/>
-                <a:cs typeface="Calibri" panose="020F0502020204030204" pitchFamily="34" charset="0"/>
-              </a:rPr>
-              <a:t> </a:t>
-            </a:r>
-            <a:endParaRPr lang="en-CA" sz="1400" dirty="0">
-              <a:effectLst/>
-              <a:latin typeface="Century Schoolbook" panose="02040604050505020304" pitchFamily="18" charset="0"/>
-              <a:ea typeface="Calibri" panose="020F0502020204030204" pitchFamily="34" charset="0"/>
-              <a:cs typeface="Times New Roman" panose="02020603050405020304" pitchFamily="18" charset="0"/>
-            </a:endParaRPr>
-          </a:p>
-          <a:p>
-            <a:pPr marL="685800" lvl="1"/>
-            <a:r>
-              <a:rPr lang="en-CA" sz="1400" dirty="0">
-                <a:latin typeface="Century Schoolbook" panose="02040604050505020304" pitchFamily="18" charset="0"/>
-                <a:cs typeface="Calibri" panose="020F0502020204030204" pitchFamily="34" charset="0"/>
-              </a:rPr>
-              <a:t>Confirmed positive cases of COVID19 in Ontario</a:t>
-            </a:r>
-          </a:p>
-          <a:p>
-            <a:pPr marL="685800" lvl="1"/>
-            <a:r>
-              <a:rPr lang="en-CA" sz="1400" u="sng" dirty="0">
-                <a:solidFill>
-                  <a:srgbClr val="0000FF"/>
-                </a:solidFill>
-                <a:latin typeface="Century Schoolbook" panose="02040604050505020304" pitchFamily="18" charset="0"/>
-                <a:cs typeface="Times New Roman" panose="02020603050405020304" pitchFamily="18" charset="0"/>
-                <a:hlinkClick r:id="rId6">
-                  <a:extLst>
-                    <a:ext uri="{A12FA001-AC4F-418D-AE19-62706E023703}">
-                      <ahyp:hlinkClr xmlns:ahyp="http://schemas.microsoft.com/office/drawing/2018/hyperlinkcolor" val="tx"/>
-                    </a:ext>
-                  </a:extLst>
-                </a:hlinkClick>
-              </a:rPr>
-              <a:t>https://data.ontario.ca/dataset/confirmed-positive-cases-of-covid-19-in-ontario/resource/455fd63b-603d-4608-8216-7d8647f43350</a:t>
-            </a:r>
-            <a:endParaRPr lang="en-CA" sz="1400" u="sng" dirty="0">
-              <a:solidFill>
-                <a:srgbClr val="0000FF"/>
-              </a:solidFill>
-              <a:latin typeface="Century Schoolbook" panose="02040604050505020304" pitchFamily="18" charset="0"/>
-              <a:cs typeface="Times New Roman" panose="02020603050405020304" pitchFamily="18" charset="0"/>
-            </a:endParaRPr>
-          </a:p>
-          <a:p>
-            <a:pPr marL="685800" lvl="1"/>
-            <a:endParaRPr lang="en-CA" sz="1400" u="sng" dirty="0">
-              <a:solidFill>
-                <a:srgbClr val="0000FF"/>
-              </a:solidFill>
-              <a:latin typeface="Century Schoolbook" panose="02040604050505020304" pitchFamily="18" charset="0"/>
-              <a:cs typeface="Times New Roman" panose="02020603050405020304" pitchFamily="18" charset="0"/>
-            </a:endParaRPr>
-          </a:p>
-          <a:p>
-            <a:pPr marL="685800" lvl="1"/>
-            <a:r>
-              <a:rPr lang="en-CA" sz="1400" dirty="0">
-                <a:effectLst/>
-                <a:latin typeface="Century Schoolbook" panose="02040604050505020304" pitchFamily="18" charset="0"/>
-                <a:ea typeface="Calibri" panose="020F0502020204030204" pitchFamily="34" charset="0"/>
-                <a:cs typeface="Calibri" panose="020F0502020204030204" pitchFamily="34" charset="0"/>
-              </a:rPr>
-              <a:t>Average, Median and Price Percentiles for Unabsorbed Homeowner and Condominium Units (Provinces) – Ontario</a:t>
-            </a:r>
-            <a:endParaRPr lang="en-CA" sz="1400" dirty="0">
-              <a:effectLst/>
-              <a:latin typeface="Century Schoolbook" panose="02040604050505020304" pitchFamily="18" charset="0"/>
-              <a:ea typeface="Calibri" panose="020F0502020204030204" pitchFamily="34" charset="0"/>
-              <a:cs typeface="Times New Roman" panose="02020603050405020304" pitchFamily="18" charset="0"/>
-            </a:endParaRPr>
-          </a:p>
-          <a:p>
-            <a:pPr marL="685800" lvl="1"/>
-            <a:r>
-              <a:rPr lang="en-CA" sz="1400" u="sng" dirty="0">
-                <a:solidFill>
-                  <a:srgbClr val="0000FF"/>
-                </a:solidFill>
-                <a:latin typeface="Century Schoolbook" panose="02040604050505020304" pitchFamily="18" charset="0"/>
-                <a:cs typeface="Times New Roman" panose="02020603050405020304" pitchFamily="18" charset="0"/>
-                <a:hlinkClick r:id="rId7">
-                  <a:extLst>
-                    <a:ext uri="{A12FA001-AC4F-418D-AE19-62706E023703}">
-                      <ahyp:hlinkClr xmlns:ahyp="http://schemas.microsoft.com/office/drawing/2018/hyperlinkcolor" val="tx"/>
-                    </a:ext>
-                  </a:extLst>
-                </a:hlinkClick>
-              </a:rPr>
-              <a:t>https://www.quandl.com/data/CMHC-Canadian-Mortgage-and-Housing-Corporation/documentation?anchor=about</a:t>
-            </a:r>
-            <a:endParaRPr lang="en-CA" sz="1400" u="sng" dirty="0">
-              <a:solidFill>
-                <a:srgbClr val="0000FF"/>
-              </a:solidFill>
-              <a:latin typeface="Century Schoolbook" panose="02040604050505020304" pitchFamily="18" charset="0"/>
-              <a:cs typeface="Times New Roman" panose="02020603050405020304" pitchFamily="18" charset="0"/>
-            </a:endParaRPr>
-          </a:p>
-          <a:p>
-            <a:pPr marL="685800" lvl="1"/>
-            <a:r>
-              <a:rPr lang="pt-BR" sz="1400" dirty="0">
-                <a:effectLst/>
-                <a:latin typeface="Century Schoolbook" panose="02040604050505020304" pitchFamily="18" charset="0"/>
-                <a:ea typeface="Calibri" panose="020F0502020204030204" pitchFamily="34" charset="0"/>
-                <a:cs typeface="Calibri" panose="020F0502020204030204" pitchFamily="34" charset="0"/>
-              </a:rPr>
-              <a:t> </a:t>
-            </a:r>
-            <a:endParaRPr lang="en-CA" sz="1400" dirty="0">
-              <a:effectLst/>
-              <a:latin typeface="Century Schoolbook" panose="02040604050505020304" pitchFamily="18" charset="0"/>
-              <a:ea typeface="Calibri" panose="020F0502020204030204" pitchFamily="34" charset="0"/>
-              <a:cs typeface="Times New Roman" panose="02020603050405020304" pitchFamily="18" charset="0"/>
-            </a:endParaRPr>
-          </a:p>
-          <a:p>
-            <a:pPr marL="685800" lvl="1"/>
-            <a:r>
-              <a:rPr lang="en-CA" sz="1400" dirty="0">
-                <a:latin typeface="Century Schoolbook" panose="02040604050505020304" pitchFamily="18" charset="0"/>
-                <a:cs typeface="Calibri" panose="020F0502020204030204" pitchFamily="34" charset="0"/>
-              </a:rPr>
-              <a:t>Canadian Interest Rates and Monetary Policy Variables: 10-Year Lookup</a:t>
-            </a:r>
-          </a:p>
-          <a:p>
-            <a:pPr marL="685800" lvl="1"/>
-            <a:r>
-              <a:rPr lang="en-CA" sz="1400" u="sng" dirty="0">
-                <a:solidFill>
-                  <a:srgbClr val="0000FF"/>
-                </a:solidFill>
-                <a:effectLst/>
-                <a:latin typeface="Century Schoolbook" panose="02040604050505020304" pitchFamily="18" charset="0"/>
-                <a:ea typeface="Calibri" panose="020F0502020204030204" pitchFamily="34" charset="0"/>
-                <a:cs typeface="Times New Roman" panose="02020603050405020304" pitchFamily="18" charset="0"/>
-              </a:rPr>
-              <a:t>https://www.bankofcanada.ca/rates/interest-rates/canadian-interest-rates/</a:t>
-            </a:r>
-            <a:endParaRPr lang="en-CA" sz="1400" dirty="0">
-              <a:effectLst/>
-              <a:latin typeface="Century Schoolbook" panose="02040604050505020304" pitchFamily="18" charset="0"/>
-              <a:ea typeface="Calibri" panose="020F0502020204030204" pitchFamily="34" charset="0"/>
-              <a:cs typeface="Times New Roman" panose="02020603050405020304" pitchFamily="18" charset="0"/>
-            </a:endParaRPr>
-          </a:p>
-          <a:p>
-            <a:pPr marL="1200150" lvl="2" indent="-285750">
-              <a:spcAft>
-                <a:spcPts val="600"/>
-              </a:spcAft>
-              <a:buFont typeface="Wingdings" panose="05000000000000000000" pitchFamily="2" charset="2"/>
-              <a:buChar char="Ø"/>
-            </a:pPr>
-            <a:endParaRPr lang="en-US" dirty="0">
-              <a:latin typeface="Century Schoolbook" panose="02040604050505020304" pitchFamily="18" charset="0"/>
-              <a:cs typeface="Calibri" panose="020F0502020204030204" pitchFamily="34" charset="0"/>
-            </a:endParaRPr>
-          </a:p>
-        </p:txBody>
-      </p:sp>
-      <p:sp>
-        <p:nvSpPr>
-          <p:cNvPr id="5" name="Rectangle 4">
-            <a:extLst>
-              <a:ext uri="{FF2B5EF4-FFF2-40B4-BE49-F238E27FC236}">
-                <a16:creationId xmlns:a16="http://schemas.microsoft.com/office/drawing/2014/main" id="{C9C9AEE1-B6F9-40EB-814E-520E9F5192FA}"/>
-              </a:ext>
-            </a:extLst>
-          </p:cNvPr>
-          <p:cNvSpPr/>
-          <p:nvPr/>
-        </p:nvSpPr>
-        <p:spPr>
-          <a:xfrm>
-            <a:off x="0" y="6143231"/>
-            <a:ext cx="12192000" cy="642730"/>
-          </a:xfrm>
-          <a:prstGeom prst="rect">
-            <a:avLst/>
-          </a:prstGeom>
-          <a:solidFill>
-            <a:schemeClr val="tx1">
-              <a:lumMod val="65000"/>
-              <a:lumOff val="35000"/>
-            </a:schemeClr>
-          </a:solidFill>
-          <a:ln>
-            <a:noFill/>
-          </a:ln>
-          <a:effectLst>
-            <a:outerShdw blurRad="190500" dist="228600" dir="2700000" algn="ctr">
-              <a:srgbClr val="000000">
-                <a:alpha val="30000"/>
-              </a:srgbClr>
-            </a:outerShdw>
-          </a:effectLst>
-          <a:scene3d>
-            <a:camera prst="orthographicFront">
-              <a:rot lat="0" lon="0" rev="0"/>
-            </a:camera>
-            <a:lightRig rig="glow" dir="t">
-              <a:rot lat="0" lon="0" rev="4800000"/>
-            </a:lightRig>
-          </a:scene3d>
-          <a:sp3d prstMaterial="matte">
-            <a:bevelT w="127000" h="63500"/>
-          </a:sp3d>
-        </p:spPr>
-        <p:style>
-          <a:lnRef idx="2">
-            <a:schemeClr val="accent1">
-              <a:shade val="50000"/>
-            </a:schemeClr>
-          </a:lnRef>
-          <a:fillRef idx="1">
-            <a:schemeClr val="accent1"/>
-          </a:fillRef>
-          <a:effectRef idx="0">
-            <a:schemeClr val="accent1"/>
-          </a:effectRef>
-          <a:fontRef idx="minor">
-            <a:schemeClr val="lt1"/>
-          </a:fontRef>
-        </p:style>
-        <p:txBody>
-          <a:bodyPr rtlCol="0" anchor="ctr"/>
-          <a:lstStyle/>
-          <a:p>
-            <a:pPr algn="ctr"/>
-            <a:endParaRPr lang="en-CA"/>
-          </a:p>
-        </p:txBody>
-      </p:sp>
-    </p:spTree>
-    <p:extLst>
-      <p:ext uri="{BB962C8B-B14F-4D97-AF65-F5344CB8AC3E}">
-        <p14:creationId xmlns:p14="http://schemas.microsoft.com/office/powerpoint/2010/main" val="386137476"/>
-      </p:ext>
-    </p:extLst>
-  </p:cSld>
-  <p:clrMapOvr>
-    <a:masterClrMapping/>
-  </p:clrMapOvr>
-  <mc:AlternateContent xmlns:mc="http://schemas.openxmlformats.org/markup-compatibility/2006">
-    <mc:Choice xmlns:p159="http://schemas.microsoft.com/office/powerpoint/2015/09/main" Requires="p159">
-      <p:transition xmlns:p14="http://schemas.microsoft.com/office/powerpoint/2010/main" spd="slow" p14:dur="2000">
-        <p159:morph option="byObject"/>
-      </p:transition>
-    </mc:Choice>
-    <mc:Fallback>
-      <p:transition spd="slow">
-        <p:fade/>
-      </p:transition>
-    </mc:Fallback>
-  </mc:AlternateContent>
-</p:sld>
-</file>
-
-<file path=ppt/slides/slide6.xml><?xml version="1.0" encoding="utf-8"?>
 <p:sld xmlns:a="http://schemas.openxmlformats.org/drawingml/2006/main" xmlns:r="http://schemas.openxmlformats.org/officeDocument/2006/relationships" xmlns:p="http://schemas.openxmlformats.org/presentationml/2006/main">
   <p:cSld>
     <p:spTree>
@@ -12127,13 +9214,13 @@
   <p:clrMapOvr>
     <a:masterClrMapping/>
   </p:clrMapOvr>
-  <mc:AlternateContent xmlns:mc="http://schemas.openxmlformats.org/markup-compatibility/2006">
-    <mc:Choice xmlns:p159="http://schemas.microsoft.com/office/powerpoint/2015/09/main" Requires="p159">
+  <mc:AlternateContent xmlns:mc="http://schemas.openxmlformats.org/markup-compatibility/2006" xmlns:p159="http://schemas.microsoft.com/office/powerpoint/2015/09/main">
+    <mc:Choice Requires="p159">
       <p:transition xmlns:p14="http://schemas.microsoft.com/office/powerpoint/2010/main" spd="slow" p14:dur="2000">
         <p159:morph option="byObject"/>
       </p:transition>
     </mc:Choice>
-    <mc:Fallback>
+    <mc:Fallback xmlns="">
       <p:transition spd="slow">
         <p:fade/>
       </p:transition>
@@ -12142,7 +9229,7 @@
 </p:sld>
 </file>
 
-<file path=ppt/slides/slide7.xml><?xml version="1.0" encoding="utf-8"?>
+<file path=ppt/slides/slide5.xml><?xml version="1.0" encoding="utf-8"?>
 <p:sld xmlns:a="http://schemas.openxmlformats.org/drawingml/2006/main" xmlns:r="http://schemas.openxmlformats.org/officeDocument/2006/relationships" xmlns:p="http://schemas.openxmlformats.org/presentationml/2006/main">
   <p:cSld>
     <p:spTree>
@@ -12370,35 +9457,6 @@
           </a:prstGeom>
         </p:spPr>
       </p:pic>
-      <p:pic>
-        <p:nvPicPr>
-          <p:cNvPr id="3" name="Picture 2">
-            <a:extLst>
-              <a:ext uri="{FF2B5EF4-FFF2-40B4-BE49-F238E27FC236}">
-                <a16:creationId xmlns:a16="http://schemas.microsoft.com/office/drawing/2014/main" id="{42F8F412-72F3-49AF-A93D-167DE6B4314E}"/>
-              </a:ext>
-            </a:extLst>
-          </p:cNvPr>
-          <p:cNvPicPr>
-            <a:picLocks noChangeAspect="1"/>
-          </p:cNvPicPr>
-          <p:nvPr/>
-        </p:nvPicPr>
-        <p:blipFill rotWithShape="1">
-          <a:blip r:embed="rId3"/>
-          <a:srcRect r="22975"/>
-          <a:stretch/>
-        </p:blipFill>
-        <p:spPr>
-          <a:xfrm>
-            <a:off x="7445304" y="2246593"/>
-            <a:ext cx="3284397" cy="3065537"/>
-          </a:xfrm>
-          <a:prstGeom prst="rect">
-            <a:avLst/>
-          </a:prstGeom>
-        </p:spPr>
-      </p:pic>
       <p:sp>
         <p:nvSpPr>
           <p:cNvPr id="5" name="TextBox 4">
@@ -12477,6 +9535,36 @@
           </a:fontRef>
         </p:style>
       </p:cxnSp>
+      <p:pic>
+        <p:nvPicPr>
+          <p:cNvPr id="6" name="Picture 5">
+            <a:extLst>
+              <a:ext uri="{FF2B5EF4-FFF2-40B4-BE49-F238E27FC236}">
+                <a16:creationId xmlns:a16="http://schemas.microsoft.com/office/drawing/2014/main" id="{98B00E97-E2C5-4C7E-8F29-E925E28096AC}"/>
+              </a:ext>
+            </a:extLst>
+          </p:cNvPr>
+          <p:cNvPicPr>
+            <a:picLocks noChangeAspect="1"/>
+          </p:cNvPicPr>
+          <p:nvPr/>
+        </p:nvPicPr>
+        <p:blipFill>
+          <a:blip r:embed="rId3"/>
+          <a:stretch>
+            <a:fillRect/>
+          </a:stretch>
+        </p:blipFill>
+        <p:spPr>
+          <a:xfrm>
+            <a:off x="7089002" y="2251128"/>
+            <a:ext cx="4163006" cy="3724795"/>
+          </a:xfrm>
+          <a:prstGeom prst="rect">
+            <a:avLst/>
+          </a:prstGeom>
+        </p:spPr>
+      </p:pic>
     </p:spTree>
     <p:extLst>
       <p:ext uri="{BB962C8B-B14F-4D97-AF65-F5344CB8AC3E}">
@@ -12487,13 +9575,13 @@
   <p:clrMapOvr>
     <a:masterClrMapping/>
   </p:clrMapOvr>
-  <mc:AlternateContent xmlns:mc="http://schemas.openxmlformats.org/markup-compatibility/2006">
-    <mc:Choice xmlns:p159="http://schemas.microsoft.com/office/powerpoint/2015/09/main" Requires="p159">
+  <mc:AlternateContent xmlns:mc="http://schemas.openxmlformats.org/markup-compatibility/2006" xmlns:p159="http://schemas.microsoft.com/office/powerpoint/2015/09/main">
+    <mc:Choice Requires="p159">
       <p:transition xmlns:p14="http://schemas.microsoft.com/office/powerpoint/2010/main" spd="slow" p14:dur="2000">
         <p159:morph option="byObject"/>
       </p:transition>
     </mc:Choice>
-    <mc:Fallback>
+    <mc:Fallback xmlns="">
       <p:transition spd="slow">
         <p:fade/>
       </p:transition>
@@ -12502,7 +9590,7 @@
 </p:sld>
 </file>
 
-<file path=ppt/slides/slide8.xml><?xml version="1.0" encoding="utf-8"?>
+<file path=ppt/slides/slide6.xml><?xml version="1.0" encoding="utf-8"?>
 <p:sld xmlns:a="http://schemas.openxmlformats.org/drawingml/2006/main" xmlns:r="http://schemas.openxmlformats.org/officeDocument/2006/relationships" xmlns:p="http://schemas.openxmlformats.org/presentationml/2006/main">
   <p:cSld>
     <p:spTree>
@@ -12592,283 +9680,12 @@
           </a:p>
         </p:txBody>
       </p:sp>
-      <p:pic>
-        <p:nvPicPr>
-          <p:cNvPr id="8" name="Picture 7" descr="A picture containing diagram&#10;&#10;Description automatically generated">
-            <a:extLst>
-              <a:ext uri="{FF2B5EF4-FFF2-40B4-BE49-F238E27FC236}">
-                <a16:creationId xmlns:a16="http://schemas.microsoft.com/office/drawing/2014/main" id="{7314AAE1-4A8B-4769-9B85-F4F77C3FA243}"/>
-              </a:ext>
-            </a:extLst>
-          </p:cNvPr>
-          <p:cNvPicPr>
-            <a:picLocks noChangeAspect="1"/>
-          </p:cNvPicPr>
-          <p:nvPr/>
-        </p:nvPicPr>
-        <p:blipFill rotWithShape="1">
-          <a:blip r:embed="rId2">
-            <a:duotone>
-              <a:schemeClr val="accent2">
-                <a:shade val="45000"/>
-                <a:satMod val="135000"/>
-              </a:schemeClr>
-              <a:prstClr val="white"/>
-            </a:duotone>
-            <a:extLst>
-              <a:ext uri="{28A0092B-C50C-407E-A947-70E740481C1C}">
-                <a14:useLocalDpi xmlns:a14="http://schemas.microsoft.com/office/drawing/2010/main" val="0"/>
-              </a:ext>
-            </a:extLst>
-          </a:blip>
-          <a:srcRect l="4257" t="23094" r="65929" b="35362"/>
-          <a:stretch/>
-        </p:blipFill>
-        <p:spPr>
-          <a:xfrm>
-            <a:off x="10176498" y="0"/>
-            <a:ext cx="2015502" cy="1604836"/>
-          </a:xfrm>
-          <a:prstGeom prst="rect">
-            <a:avLst/>
-          </a:prstGeom>
-        </p:spPr>
-      </p:pic>
       <p:sp>
         <p:nvSpPr>
-          <p:cNvPr id="9" name="TextBox 8">
-            <a:extLst>
-              <a:ext uri="{FF2B5EF4-FFF2-40B4-BE49-F238E27FC236}">
-                <a16:creationId xmlns:a16="http://schemas.microsoft.com/office/drawing/2014/main" id="{02F3F37C-5EB5-40DC-904C-F1046056AD48}"/>
-              </a:ext>
-            </a:extLst>
-          </p:cNvPr>
-          <p:cNvSpPr txBox="1"/>
-          <p:nvPr/>
-        </p:nvSpPr>
-        <p:spPr>
-          <a:xfrm>
-            <a:off x="1114059" y="2635968"/>
-            <a:ext cx="9503167" cy="3308598"/>
-          </a:xfrm>
-          <a:prstGeom prst="rect">
-            <a:avLst/>
-          </a:prstGeom>
-          <a:noFill/>
-        </p:spPr>
-        <p:txBody>
-          <a:bodyPr wrap="square">
-            <a:spAutoFit/>
-          </a:bodyPr>
-          <a:lstStyle/>
-          <a:p>
-            <a:pPr marL="457200" rtl="0"/>
-            <a:br>
-              <a:rPr lang="en-CA" sz="1800" b="1" i="0" u="none" strike="noStrike" dirty="0">
-                <a:solidFill>
-                  <a:srgbClr val="000000"/>
-                </a:solidFill>
-                <a:effectLst/>
-                <a:latin typeface="Calibri" panose="020F0502020204030204" pitchFamily="34" charset="0"/>
-              </a:rPr>
-            </a:br>
-            <a:r>
-              <a:rPr lang="en-CA" sz="1800" b="1" i="0" u="none" strike="noStrike" dirty="0">
-                <a:solidFill>
-                  <a:srgbClr val="000000"/>
-                </a:solidFill>
-                <a:effectLst/>
-                <a:latin typeface="Calibri" panose="020F0502020204030204" pitchFamily="34" charset="0"/>
-              </a:rPr>
-              <a:t> </a:t>
-            </a:r>
-            <a:r>
-              <a:rPr lang="en-CA" sz="2000" b="1" i="0" u="none" strike="noStrike" dirty="0">
-                <a:solidFill>
-                  <a:srgbClr val="000000"/>
-                </a:solidFill>
-                <a:effectLst/>
-                <a:latin typeface="Century Schoolbook" panose="02040604050505020304" pitchFamily="18" charset="0"/>
-              </a:rPr>
-              <a:t>1</a:t>
-            </a:r>
-            <a:r>
-              <a:rPr lang="en-CA" sz="2000" b="1" i="0" u="none" strike="noStrike" baseline="30000" dirty="0">
-                <a:solidFill>
-                  <a:srgbClr val="000000"/>
-                </a:solidFill>
-                <a:effectLst/>
-                <a:latin typeface="Century Schoolbook" panose="02040604050505020304" pitchFamily="18" charset="0"/>
-              </a:rPr>
-              <a:t>st</a:t>
-            </a:r>
-            <a:r>
-              <a:rPr lang="en-CA" sz="2000" b="1" i="0" u="none" strike="noStrike" dirty="0">
-                <a:solidFill>
-                  <a:srgbClr val="000000"/>
-                </a:solidFill>
-                <a:effectLst/>
-                <a:latin typeface="Century Schoolbook" panose="02040604050505020304" pitchFamily="18" charset="0"/>
-              </a:rPr>
-              <a:t>  Step &gt; </a:t>
-            </a:r>
-            <a:r>
-              <a:rPr lang="en-CA" dirty="0">
-                <a:latin typeface="Century Schoolbook" panose="02040604050505020304" pitchFamily="18" charset="0"/>
-                <a:cs typeface="Calibri" panose="020F0502020204030204" pitchFamily="34" charset="0"/>
-              </a:rPr>
-              <a:t>We leveraged some sources provided by the government and banking 		institutions:</a:t>
-            </a:r>
-            <a:br>
-              <a:rPr lang="en-CA" dirty="0">
-                <a:latin typeface="Century Schoolbook" panose="02040604050505020304" pitchFamily="18" charset="0"/>
-                <a:cs typeface="Calibri" panose="020F0502020204030204" pitchFamily="34" charset="0"/>
-              </a:rPr>
-            </a:br>
-            <a:r>
-              <a:rPr lang="en-CA" dirty="0">
-                <a:latin typeface="Century Schoolbook" panose="02040604050505020304" pitchFamily="18" charset="0"/>
-                <a:cs typeface="Calibri" panose="020F0502020204030204" pitchFamily="34" charset="0"/>
-              </a:rPr>
-              <a:t>          	-  Open.canada.ca   </a:t>
-            </a:r>
-          </a:p>
-          <a:p>
-            <a:pPr marL="457200" rtl="0"/>
-            <a:r>
-              <a:rPr lang="en-CA" dirty="0">
-                <a:latin typeface="Century Schoolbook" panose="02040604050505020304" pitchFamily="18" charset="0"/>
-                <a:cs typeface="Calibri" panose="020F0502020204030204" pitchFamily="34" charset="0"/>
-              </a:rPr>
-              <a:t>		-   Data.ontario.ca    </a:t>
-            </a:r>
-          </a:p>
-          <a:p>
-            <a:pPr marL="457200" rtl="0"/>
-            <a:r>
-              <a:rPr lang="en-CA" dirty="0">
-                <a:latin typeface="Century Schoolbook" panose="02040604050505020304" pitchFamily="18" charset="0"/>
-                <a:cs typeface="Calibri" panose="020F0502020204030204" pitchFamily="34" charset="0"/>
-              </a:rPr>
-              <a:t>		-   Bank of Canada</a:t>
-            </a:r>
-          </a:p>
-          <a:p>
-            <a:pPr marL="457200" rtl="0">
-              <a:spcBef>
-                <a:spcPts val="1800"/>
-              </a:spcBef>
-              <a:spcAft>
-                <a:spcPts val="1200"/>
-              </a:spcAft>
-            </a:pPr>
-            <a:r>
-              <a:rPr lang="en-CA" sz="2000" b="1" dirty="0">
-                <a:solidFill>
-                  <a:srgbClr val="000000"/>
-                </a:solidFill>
-                <a:latin typeface="Century Schoolbook" panose="02040604050505020304" pitchFamily="18" charset="0"/>
-              </a:rPr>
-              <a:t>2</a:t>
-            </a:r>
-            <a:r>
-              <a:rPr lang="en-CA" sz="2000" b="1" baseline="30000" dirty="0">
-                <a:solidFill>
-                  <a:srgbClr val="000000"/>
-                </a:solidFill>
-                <a:latin typeface="Century Schoolbook" panose="02040604050505020304" pitchFamily="18" charset="0"/>
-              </a:rPr>
-              <a:t>nd</a:t>
-            </a:r>
-            <a:r>
-              <a:rPr lang="en-CA" sz="2000" b="1" dirty="0">
-                <a:solidFill>
-                  <a:srgbClr val="000000"/>
-                </a:solidFill>
-                <a:latin typeface="Century Schoolbook" panose="02040604050505020304" pitchFamily="18" charset="0"/>
-              </a:rPr>
-              <a:t> </a:t>
-            </a:r>
-            <a:r>
-              <a:rPr lang="en-CA" dirty="0">
-                <a:latin typeface="Century Schoolbook" panose="02040604050505020304" pitchFamily="18" charset="0"/>
-                <a:cs typeface="Calibri" panose="020F0502020204030204" pitchFamily="34" charset="0"/>
-              </a:rPr>
-              <a:t> </a:t>
-            </a:r>
-            <a:r>
-              <a:rPr lang="en-CA" sz="2000" b="1" dirty="0">
-                <a:solidFill>
-                  <a:srgbClr val="000000"/>
-                </a:solidFill>
-                <a:latin typeface="Century Schoolbook" panose="02040604050505020304" pitchFamily="18" charset="0"/>
-              </a:rPr>
-              <a:t>Step &gt; </a:t>
-            </a:r>
-            <a:r>
-              <a:rPr lang="en-CA" dirty="0">
-                <a:latin typeface="Century Schoolbook" panose="02040604050505020304" pitchFamily="18" charset="0"/>
-                <a:cs typeface="Calibri" panose="020F0502020204030204" pitchFamily="34" charset="0"/>
-              </a:rPr>
-              <a:t>It was to find a dataset that kept track of how the value of houses in 			 Toronto has fluctuated in time.</a:t>
-            </a:r>
-          </a:p>
-          <a:p>
-            <a:br>
-              <a:rPr lang="en-CA" dirty="0"/>
-            </a:br>
-            <a:endParaRPr lang="en-CA" dirty="0"/>
-          </a:p>
-        </p:txBody>
-      </p:sp>
-      <p:sp>
-        <p:nvSpPr>
-          <p:cNvPr id="7" name="TextBox 6">
-            <a:extLst>
-              <a:ext uri="{FF2B5EF4-FFF2-40B4-BE49-F238E27FC236}">
-                <a16:creationId xmlns:a16="http://schemas.microsoft.com/office/drawing/2014/main" id="{42D6D79A-51F1-467D-B1E0-064ADC0828DD}"/>
-              </a:ext>
-            </a:extLst>
-          </p:cNvPr>
-          <p:cNvSpPr txBox="1"/>
-          <p:nvPr/>
-        </p:nvSpPr>
-        <p:spPr>
-          <a:xfrm>
-            <a:off x="358049" y="1975638"/>
-            <a:ext cx="3123281" cy="461665"/>
-          </a:xfrm>
-          <a:prstGeom prst="rect">
-            <a:avLst/>
-          </a:prstGeom>
-          <a:noFill/>
-        </p:spPr>
-        <p:txBody>
-          <a:bodyPr wrap="square">
-            <a:spAutoFit/>
-          </a:bodyPr>
-          <a:lstStyle/>
-          <a:p>
-            <a:pPr marL="800100" indent="-342900" rtl="0">
-              <a:buFont typeface="Wingdings" panose="05000000000000000000" pitchFamily="2" charset="2"/>
-              <a:buChar char="ü"/>
-            </a:pPr>
-            <a:r>
-              <a:rPr lang="en-CA" sz="2400" b="1" dirty="0">
-                <a:latin typeface="Century Schoolbook" panose="02040604050505020304" pitchFamily="18" charset="0"/>
-                <a:cs typeface="Calibri" panose="020F0502020204030204" pitchFamily="34" charset="0"/>
-              </a:rPr>
-              <a:t>Exploration</a:t>
-            </a:r>
-          </a:p>
-        </p:txBody>
-      </p:sp>
-      <p:sp>
-        <p:nvSpPr>
-          <p:cNvPr id="5" name="Title 1">
-            <a:extLst>
-              <a:ext uri="{FF2B5EF4-FFF2-40B4-BE49-F238E27FC236}">
-                <a16:creationId xmlns:a16="http://schemas.microsoft.com/office/drawing/2014/main" id="{4CAB912F-61C6-47AE-842B-B546C89FD358}"/>
+          <p:cNvPr id="4" name="Title 1">
+            <a:extLst>
+              <a:ext uri="{FF2B5EF4-FFF2-40B4-BE49-F238E27FC236}">
+                <a16:creationId xmlns:a16="http://schemas.microsoft.com/office/drawing/2014/main" id="{50DF5C7B-714C-44DC-B49A-F16BE5E80C8B}"/>
               </a:ext>
             </a:extLst>
           </p:cNvPr>
@@ -12924,28 +9741,311 @@
                 </a:solidFill>
                 <a:latin typeface="Century Schoolbook" panose="02040604050505020304" pitchFamily="18" charset="0"/>
               </a:rPr>
-              <a:t>Data Cleanup &amp; Exploration</a:t>
-            </a:r>
+              <a:t>Exploration</a:t>
+            </a:r>
+          </a:p>
+        </p:txBody>
+      </p:sp>
+      <p:cxnSp>
+        <p:nvCxnSpPr>
+          <p:cNvPr id="7" name="Straight Connector 6">
+            <a:extLst>
+              <a:ext uri="{FF2B5EF4-FFF2-40B4-BE49-F238E27FC236}">
+                <a16:creationId xmlns:a16="http://schemas.microsoft.com/office/drawing/2014/main" id="{A4C14B66-1E57-4EB1-92A2-8390733AD1D5}"/>
+              </a:ext>
+            </a:extLst>
+          </p:cNvPr>
+          <p:cNvCxnSpPr/>
+          <p:nvPr/>
+        </p:nvCxnSpPr>
+        <p:spPr>
+          <a:xfrm>
+            <a:off x="209320" y="1136049"/>
+            <a:ext cx="11501610" cy="0"/>
+          </a:xfrm>
+          <a:prstGeom prst="line">
+            <a:avLst/>
+          </a:prstGeom>
+        </p:spPr>
+        <p:style>
+          <a:lnRef idx="1">
+            <a:schemeClr val="accent2"/>
+          </a:lnRef>
+          <a:fillRef idx="0">
+            <a:schemeClr val="accent2"/>
+          </a:fillRef>
+          <a:effectRef idx="0">
+            <a:schemeClr val="accent2"/>
+          </a:effectRef>
+          <a:fontRef idx="minor">
+            <a:schemeClr val="tx1"/>
+          </a:fontRef>
+        </p:style>
+      </p:cxnSp>
+      <p:sp>
+        <p:nvSpPr>
+          <p:cNvPr id="10" name="TextBox 9">
+            <a:extLst>
+              <a:ext uri="{FF2B5EF4-FFF2-40B4-BE49-F238E27FC236}">
+                <a16:creationId xmlns:a16="http://schemas.microsoft.com/office/drawing/2014/main" id="{ED8E508F-1AF4-48FC-A64B-B2FCF59808E2}"/>
+              </a:ext>
+            </a:extLst>
+          </p:cNvPr>
+          <p:cNvSpPr txBox="1"/>
+          <p:nvPr/>
+        </p:nvSpPr>
+        <p:spPr>
+          <a:xfrm>
+            <a:off x="630264" y="1888444"/>
+            <a:ext cx="10488058" cy="1231106"/>
+          </a:xfrm>
+          <a:prstGeom prst="rect">
+            <a:avLst/>
+          </a:prstGeom>
+          <a:noFill/>
+        </p:spPr>
+        <p:txBody>
+          <a:bodyPr wrap="square">
+            <a:spAutoFit/>
+          </a:bodyPr>
+          <a:lstStyle/>
+          <a:p>
+            <a:pPr marL="457200" rtl="0"/>
+            <a:r>
+              <a:rPr lang="en-CA" sz="1800" b="1" i="0" u="none" strike="noStrike" dirty="0">
+                <a:solidFill>
+                  <a:srgbClr val="000000"/>
+                </a:solidFill>
+                <a:effectLst/>
+                <a:latin typeface="Calibri" panose="020F0502020204030204" pitchFamily="34" charset="0"/>
+              </a:rPr>
+              <a:t> </a:t>
+            </a:r>
+            <a:r>
+              <a:rPr lang="en-CA" sz="2000" b="1" i="0" u="none" strike="noStrike" dirty="0">
+                <a:solidFill>
+                  <a:srgbClr val="000000"/>
+                </a:solidFill>
+                <a:effectLst/>
+                <a:latin typeface="Century Schoolbook" panose="02040604050505020304" pitchFamily="18" charset="0"/>
+              </a:rPr>
+              <a:t>Insights &gt; </a:t>
+            </a:r>
+            <a:r>
+              <a:rPr lang="en-CA" sz="2000" b="1" i="0" u="none" strike="noStrike" dirty="0">
+                <a:solidFill>
+                  <a:srgbClr val="000000"/>
+                </a:solidFill>
+                <a:effectLst/>
+                <a:latin typeface="Century Schoolbook" panose="02040604050505020304" pitchFamily="18" charset="0"/>
+                <a:cs typeface="Calibri" panose="020F0502020204030204" pitchFamily="34" charset="0"/>
+              </a:rPr>
+              <a:t>F</a:t>
+            </a:r>
+            <a:r>
+              <a:rPr lang="en-CA" dirty="0">
+                <a:latin typeface="Century Schoolbook" panose="02040604050505020304" pitchFamily="18" charset="0"/>
+                <a:cs typeface="Calibri" panose="020F0502020204030204" pitchFamily="34" charset="0"/>
+              </a:rPr>
+              <a:t>rom a visual inspection, we noticed that the number of buildings being 			constructed in Ontario in 2019 and 2020 were very similar. Hence, Covid-19 			did not seem to have a direct impact on this</a:t>
+            </a:r>
+          </a:p>
+          <a:p>
+            <a:pPr marL="457200" rtl="0"/>
+            <a:endParaRPr lang="en-CA" dirty="0">
+              <a:latin typeface="Century Schoolbook" panose="02040604050505020304" pitchFamily="18" charset="0"/>
+              <a:cs typeface="Calibri" panose="020F0502020204030204" pitchFamily="34" charset="0"/>
+            </a:endParaRPr>
+          </a:p>
+        </p:txBody>
+      </p:sp>
+      <p:sp>
+        <p:nvSpPr>
+          <p:cNvPr id="12" name="TextBox 11">
+            <a:extLst>
+              <a:ext uri="{FF2B5EF4-FFF2-40B4-BE49-F238E27FC236}">
+                <a16:creationId xmlns:a16="http://schemas.microsoft.com/office/drawing/2014/main" id="{6B5E9134-B65C-47A6-A205-3AF18758E22D}"/>
+              </a:ext>
+            </a:extLst>
+          </p:cNvPr>
+          <p:cNvSpPr txBox="1"/>
+          <p:nvPr/>
+        </p:nvSpPr>
+        <p:spPr>
+          <a:xfrm>
+            <a:off x="514587" y="1358002"/>
+            <a:ext cx="6817138" cy="369332"/>
+          </a:xfrm>
+          <a:prstGeom prst="rect">
+            <a:avLst/>
+          </a:prstGeom>
+          <a:noFill/>
+        </p:spPr>
+        <p:txBody>
+          <a:bodyPr wrap="square">
+            <a:spAutoFit/>
+          </a:bodyPr>
+          <a:lstStyle/>
+          <a:p>
+            <a:r>
+              <a:rPr lang="en-CA" dirty="0">
+                <a:solidFill>
+                  <a:schemeClr val="bg2">
+                    <a:lumMod val="50000"/>
+                  </a:schemeClr>
+                </a:solidFill>
+                <a:latin typeface="Century Schoolbook" panose="02040604050505020304" pitchFamily="18" charset="0"/>
+              </a:rPr>
+              <a:t>Insights while exploring the data that you didn't anticipate: </a:t>
+            </a:r>
+          </a:p>
+        </p:txBody>
+      </p:sp>
+      <p:sp>
+        <p:nvSpPr>
+          <p:cNvPr id="14" name="TextBox 13">
+            <a:extLst>
+              <a:ext uri="{FF2B5EF4-FFF2-40B4-BE49-F238E27FC236}">
+                <a16:creationId xmlns:a16="http://schemas.microsoft.com/office/drawing/2014/main" id="{50B4CB4D-B695-495E-B072-7DF37C14B4D6}"/>
+              </a:ext>
+            </a:extLst>
+          </p:cNvPr>
+          <p:cNvSpPr txBox="1"/>
+          <p:nvPr/>
+        </p:nvSpPr>
+        <p:spPr>
+          <a:xfrm>
+            <a:off x="630264" y="4260252"/>
+            <a:ext cx="8028994" cy="369332"/>
+          </a:xfrm>
+          <a:prstGeom prst="rect">
+            <a:avLst/>
+          </a:prstGeom>
+          <a:noFill/>
+        </p:spPr>
+        <p:txBody>
+          <a:bodyPr wrap="square">
+            <a:spAutoFit/>
+          </a:bodyPr>
+          <a:lstStyle/>
+          <a:p>
+            <a:r>
+              <a:rPr lang="en-CA" dirty="0">
+                <a:solidFill>
+                  <a:schemeClr val="bg2">
+                    <a:lumMod val="50000"/>
+                  </a:schemeClr>
+                </a:solidFill>
+                <a:latin typeface="Century Schoolbook" panose="02040604050505020304" pitchFamily="18" charset="0"/>
+              </a:rPr>
+              <a:t>Problems that arose after exploring data </a:t>
+            </a:r>
+            <a:r>
+              <a:rPr lang="en-CA" b="0" i="0" dirty="0">
+                <a:solidFill>
+                  <a:schemeClr val="bg2">
+                    <a:lumMod val="50000"/>
+                  </a:schemeClr>
+                </a:solidFill>
+                <a:effectLst/>
+                <a:latin typeface="arial" panose="020B0604020202020204" pitchFamily="34" charset="0"/>
+              </a:rPr>
+              <a:t>|  </a:t>
+            </a:r>
+            <a:r>
+              <a:rPr lang="en-CA" dirty="0">
+                <a:solidFill>
+                  <a:schemeClr val="bg2">
+                    <a:lumMod val="50000"/>
+                  </a:schemeClr>
+                </a:solidFill>
+                <a:latin typeface="Century Schoolbook" panose="02040604050505020304" pitchFamily="18" charset="0"/>
+              </a:rPr>
+              <a:t>How we solve them:</a:t>
+            </a:r>
+          </a:p>
+        </p:txBody>
+      </p:sp>
+      <p:sp>
+        <p:nvSpPr>
+          <p:cNvPr id="11" name="TextBox 10">
+            <a:extLst>
+              <a:ext uri="{FF2B5EF4-FFF2-40B4-BE49-F238E27FC236}">
+                <a16:creationId xmlns:a16="http://schemas.microsoft.com/office/drawing/2014/main" id="{1F63FD2A-EE28-4455-8759-FC3A58DA9882}"/>
+              </a:ext>
+            </a:extLst>
+          </p:cNvPr>
+          <p:cNvSpPr txBox="1"/>
+          <p:nvPr/>
+        </p:nvSpPr>
+        <p:spPr>
+          <a:xfrm>
+            <a:off x="851971" y="4751015"/>
+            <a:ext cx="10488058" cy="677108"/>
+          </a:xfrm>
+          <a:prstGeom prst="rect">
+            <a:avLst/>
+          </a:prstGeom>
+          <a:noFill/>
+        </p:spPr>
+        <p:txBody>
+          <a:bodyPr wrap="square">
+            <a:spAutoFit/>
+          </a:bodyPr>
+          <a:lstStyle/>
+          <a:p>
+            <a:pPr marL="457200" rtl="0"/>
+            <a:r>
+              <a:rPr lang="en-CA" sz="1800" b="1" i="0" u="none" strike="noStrike" dirty="0">
+                <a:solidFill>
+                  <a:srgbClr val="000000"/>
+                </a:solidFill>
+                <a:effectLst/>
+                <a:latin typeface="Calibri" panose="020F0502020204030204" pitchFamily="34" charset="0"/>
+              </a:rPr>
+              <a:t> </a:t>
+            </a:r>
+            <a:r>
+              <a:rPr lang="en-CA" sz="2000" b="1" i="0" u="none" strike="noStrike" dirty="0">
+                <a:solidFill>
+                  <a:srgbClr val="000000"/>
+                </a:solidFill>
+                <a:effectLst/>
+                <a:latin typeface="Century Schoolbook" panose="02040604050505020304" pitchFamily="18" charset="0"/>
+              </a:rPr>
+              <a:t>Problems &gt;</a:t>
+            </a:r>
+            <a:endParaRPr lang="en-CA" dirty="0">
+              <a:latin typeface="Century Schoolbook" panose="02040604050505020304" pitchFamily="18" charset="0"/>
+              <a:cs typeface="Calibri" panose="020F0502020204030204" pitchFamily="34" charset="0"/>
+            </a:endParaRPr>
+          </a:p>
+          <a:p>
+            <a:pPr marL="457200" rtl="0"/>
+            <a:endParaRPr lang="en-CA" dirty="0">
+              <a:latin typeface="Century Schoolbook" panose="02040604050505020304" pitchFamily="18" charset="0"/>
+              <a:cs typeface="Calibri" panose="020F0502020204030204" pitchFamily="34" charset="0"/>
+            </a:endParaRPr>
           </a:p>
         </p:txBody>
       </p:sp>
     </p:spTree>
     <p:extLst>
       <p:ext uri="{BB962C8B-B14F-4D97-AF65-F5344CB8AC3E}">
-        <p14:creationId xmlns:p14="http://schemas.microsoft.com/office/powerpoint/2010/main" val="3146211802"/>
+        <p14:creationId xmlns:p14="http://schemas.microsoft.com/office/powerpoint/2010/main" val="976448399"/>
       </p:ext>
     </p:extLst>
   </p:cSld>
   <p:clrMapOvr>
     <a:masterClrMapping/>
   </p:clrMapOvr>
-  <mc:AlternateContent xmlns:mc="http://schemas.openxmlformats.org/markup-compatibility/2006">
-    <mc:Choice xmlns:p159="http://schemas.microsoft.com/office/powerpoint/2015/09/main" Requires="p159">
+  <mc:AlternateContent xmlns:mc="http://schemas.openxmlformats.org/markup-compatibility/2006" xmlns:p159="http://schemas.microsoft.com/office/powerpoint/2015/09/main">
+    <mc:Choice Requires="p159">
       <p:transition xmlns:p14="http://schemas.microsoft.com/office/powerpoint/2010/main" spd="slow" p14:dur="2000">
         <p159:morph option="byObject"/>
       </p:transition>
     </mc:Choice>
-    <mc:Fallback>
+    <mc:Fallback xmlns="">
       <p:transition spd="slow">
         <p:fade/>
       </p:transition>
@@ -12954,7 +10054,7 @@
 </p:sld>
 </file>
 
-<file path=ppt/slides/slide9.xml><?xml version="1.0" encoding="utf-8"?>
+<file path=ppt/slides/slide7.xml><?xml version="1.0" encoding="utf-8"?>
 <p:sld xmlns:a="http://schemas.openxmlformats.org/drawingml/2006/main" xmlns:r="http://schemas.openxmlformats.org/officeDocument/2006/relationships" xmlns:p="http://schemas.openxmlformats.org/presentationml/2006/main">
   <p:cSld>
     <p:spTree>
@@ -13148,10 +10248,10 @@
       </p:cxnSp>
       <p:sp>
         <p:nvSpPr>
-          <p:cNvPr id="10" name="TextBox 9">
-            <a:extLst>
-              <a:ext uri="{FF2B5EF4-FFF2-40B4-BE49-F238E27FC236}">
-                <a16:creationId xmlns:a16="http://schemas.microsoft.com/office/drawing/2014/main" id="{ED8E508F-1AF4-48FC-A64B-B2FCF59808E2}"/>
+          <p:cNvPr id="13" name="TextBox 12">
+            <a:extLst>
+              <a:ext uri="{FF2B5EF4-FFF2-40B4-BE49-F238E27FC236}">
+                <a16:creationId xmlns:a16="http://schemas.microsoft.com/office/drawing/2014/main" id="{0AE89165-76A7-40BD-93AD-5C6E3B13B88B}"/>
               </a:ext>
             </a:extLst>
           </p:cNvPr>
@@ -13160,8 +10260,8 @@
         </p:nvSpPr>
         <p:spPr>
           <a:xfrm>
-            <a:off x="630264" y="1888444"/>
-            <a:ext cx="10488058" cy="1231106"/>
+            <a:off x="630264" y="1725973"/>
+            <a:ext cx="6312664" cy="400110"/>
           </a:xfrm>
           <a:prstGeom prst="rect">
             <a:avLst/>
@@ -13174,61 +10274,21 @@
           </a:bodyPr>
           <a:lstStyle/>
           <a:p>
-            <a:pPr marL="457200" rtl="0"/>
-            <a:r>
-              <a:rPr lang="en-CA" sz="1800" b="1" i="0" u="none" strike="noStrike" dirty="0">
-                <a:solidFill>
-                  <a:srgbClr val="000000"/>
-                </a:solidFill>
-                <a:effectLst/>
-                <a:latin typeface="Calibri" panose="020F0502020204030204" pitchFamily="34" charset="0"/>
-              </a:rPr>
-              <a:t> </a:t>
-            </a:r>
-            <a:r>
-              <a:rPr lang="en-CA" sz="2000" b="1" i="0" u="none" strike="noStrike" dirty="0">
-                <a:solidFill>
-                  <a:srgbClr val="000000"/>
-                </a:solidFill>
-                <a:effectLst/>
-                <a:latin typeface="Century Schoolbook" panose="02040604050505020304" pitchFamily="18" charset="0"/>
-              </a:rPr>
-              <a:t>Insights &gt; </a:t>
-            </a:r>
-            <a:r>
-              <a:rPr lang="en-CA" sz="2000" b="1" i="0" u="none" strike="noStrike" dirty="0">
-                <a:solidFill>
-                  <a:srgbClr val="000000"/>
-                </a:solidFill>
-                <a:effectLst/>
-                <a:latin typeface="Century Schoolbook" panose="02040604050505020304" pitchFamily="18" charset="0"/>
-                <a:cs typeface="Calibri" panose="020F0502020204030204" pitchFamily="34" charset="0"/>
-              </a:rPr>
-              <a:t>F</a:t>
-            </a:r>
-            <a:r>
-              <a:rPr lang="en-CA" dirty="0">
-                <a:latin typeface="Century Schoolbook" panose="02040604050505020304" pitchFamily="18" charset="0"/>
-                <a:cs typeface="Calibri" panose="020F0502020204030204" pitchFamily="34" charset="0"/>
-              </a:rPr>
-              <a:t>rom a visual inspection, we noticed that the number of buildings being 			constructed in Ontario in 2019 and 2020 were very similar. Hence, Covid-19 			did not seem to have a direct impact on this</a:t>
-            </a:r>
-          </a:p>
-          <a:p>
-            <a:pPr marL="457200" rtl="0"/>
-            <a:endParaRPr lang="en-CA" dirty="0">
-              <a:latin typeface="Century Schoolbook" panose="02040604050505020304" pitchFamily="18" charset="0"/>
-              <a:cs typeface="Calibri" panose="020F0502020204030204" pitchFamily="34" charset="0"/>
-            </a:endParaRPr>
+            <a:r>
+              <a:rPr lang="en-CA" sz="2000" dirty="0">
+                <a:latin typeface="Century Schoolbook" panose="02040604050505020304" pitchFamily="18" charset="0"/>
+              </a:rPr>
+              <a:t>Interesting figures developed during exploration:</a:t>
+            </a:r>
           </a:p>
         </p:txBody>
       </p:sp>
       <p:sp>
         <p:nvSpPr>
-          <p:cNvPr id="12" name="TextBox 11">
-            <a:extLst>
-              <a:ext uri="{FF2B5EF4-FFF2-40B4-BE49-F238E27FC236}">
-                <a16:creationId xmlns:a16="http://schemas.microsoft.com/office/drawing/2014/main" id="{6B5E9134-B65C-47A6-A205-3AF18758E22D}"/>
+          <p:cNvPr id="15" name="TextBox 14">
+            <a:extLst>
+              <a:ext uri="{FF2B5EF4-FFF2-40B4-BE49-F238E27FC236}">
+                <a16:creationId xmlns:a16="http://schemas.microsoft.com/office/drawing/2014/main" id="{9D00CB6A-9BD1-4015-9156-C064F456FBED}"/>
               </a:ext>
             </a:extLst>
           </p:cNvPr>
@@ -13237,8 +10297,8 @@
         </p:nvSpPr>
         <p:spPr>
           <a:xfrm>
-            <a:off x="514587" y="1358002"/>
-            <a:ext cx="6817138" cy="369332"/>
+            <a:off x="6533003" y="1783307"/>
+            <a:ext cx="2818202" cy="369332"/>
           </a:xfrm>
           <a:prstGeom prst="rect">
             <a:avLst/>
@@ -13253,24 +10313,37 @@
           <a:p>
             <a:r>
               <a:rPr lang="en-CA" dirty="0">
-                <a:solidFill>
-                  <a:schemeClr val="bg2">
-                    <a:lumMod val="50000"/>
-                  </a:schemeClr>
-                </a:solidFill>
-                <a:latin typeface="Century Schoolbook" panose="02040604050505020304" pitchFamily="18" charset="0"/>
-              </a:rPr>
-              <a:t>Insights while exploring the data that you didn't anticipate: </a:t>
-            </a:r>
+                <a:latin typeface="Century Schoolbook" panose="02040604050505020304" pitchFamily="18" charset="0"/>
+                <a:hlinkClick r:id="rId2"/>
+              </a:rPr>
+              <a:t>Final </a:t>
+            </a:r>
+            <a:r>
+              <a:rPr lang="en-CA" dirty="0" err="1">
+                <a:latin typeface="Century Schoolbook" panose="02040604050505020304" pitchFamily="18" charset="0"/>
+                <a:hlinkClick r:id="rId2"/>
+              </a:rPr>
+              <a:t>Jupyter</a:t>
+            </a:r>
+            <a:r>
+              <a:rPr lang="en-CA" dirty="0">
+                <a:latin typeface="Century Schoolbook" panose="02040604050505020304" pitchFamily="18" charset="0"/>
+                <a:hlinkClick r:id="rId2"/>
+              </a:rPr>
+              <a:t> Notebook</a:t>
+            </a:r>
+            <a:endParaRPr lang="en-CA" dirty="0">
+              <a:latin typeface="Century Schoolbook" panose="02040604050505020304" pitchFamily="18" charset="0"/>
+            </a:endParaRPr>
           </a:p>
         </p:txBody>
       </p:sp>
       <p:sp>
         <p:nvSpPr>
-          <p:cNvPr id="14" name="TextBox 13">
-            <a:extLst>
-              <a:ext uri="{FF2B5EF4-FFF2-40B4-BE49-F238E27FC236}">
-                <a16:creationId xmlns:a16="http://schemas.microsoft.com/office/drawing/2014/main" id="{50B4CB4D-B695-495E-B072-7DF37C14B4D6}"/>
+          <p:cNvPr id="8" name="TextBox 7">
+            <a:extLst>
+              <a:ext uri="{FF2B5EF4-FFF2-40B4-BE49-F238E27FC236}">
+                <a16:creationId xmlns:a16="http://schemas.microsoft.com/office/drawing/2014/main" id="{AE7A7980-DB70-4A81-9B72-5C8B97A14EFA}"/>
               </a:ext>
             </a:extLst>
           </p:cNvPr>
@@ -13279,8 +10352,8 @@
         </p:nvSpPr>
         <p:spPr>
           <a:xfrm>
-            <a:off x="630264" y="4260252"/>
-            <a:ext cx="8028994" cy="369332"/>
+            <a:off x="630264" y="2523264"/>
+            <a:ext cx="10344839" cy="954107"/>
           </a:xfrm>
           <a:prstGeom prst="rect">
             <a:avLst/>
@@ -13293,49 +10366,396 @@
           </a:bodyPr>
           <a:lstStyle/>
           <a:p>
-            <a:r>
-              <a:rPr lang="en-CA" dirty="0">
-                <a:solidFill>
-                  <a:schemeClr val="bg2">
-                    <a:lumMod val="50000"/>
-                  </a:schemeClr>
-                </a:solidFill>
-                <a:latin typeface="Century Schoolbook" panose="02040604050505020304" pitchFamily="18" charset="0"/>
-              </a:rPr>
-              <a:t>Problems that arose after exploring data </a:t>
-            </a:r>
-            <a:r>
-              <a:rPr lang="en-CA" b="0" i="0" dirty="0">
-                <a:solidFill>
-                  <a:schemeClr val="bg2">
-                    <a:lumMod val="50000"/>
-                  </a:schemeClr>
+            <a:pPr marL="457200" rtl="0"/>
+            <a:br>
+              <a:rPr lang="en-CA" sz="1800" b="1" i="0" u="none" strike="noStrike" dirty="0">
+                <a:solidFill>
+                  <a:srgbClr val="000000"/>
                 </a:solidFill>
                 <a:effectLst/>
-                <a:latin typeface="arial" panose="020B0604020202020204" pitchFamily="34" charset="0"/>
-              </a:rPr>
-              <a:t>|  </a:t>
-            </a:r>
-            <a:r>
-              <a:rPr lang="en-CA" dirty="0">
-                <a:solidFill>
-                  <a:schemeClr val="bg2">
-                    <a:lumMod val="50000"/>
-                  </a:schemeClr>
-                </a:solidFill>
-                <a:latin typeface="Century Schoolbook" panose="02040604050505020304" pitchFamily="18" charset="0"/>
-              </a:rPr>
-              <a:t>How we solve them:</a:t>
-            </a:r>
+                <a:latin typeface="Calibri" panose="020F0502020204030204" pitchFamily="34" charset="0"/>
+              </a:rPr>
+            </a:br>
+            <a:r>
+              <a:rPr lang="en-CA" sz="2000" b="1" dirty="0">
+                <a:solidFill>
+                  <a:srgbClr val="000000"/>
+                </a:solidFill>
+                <a:latin typeface="Century Schoolbook" panose="02040604050505020304" pitchFamily="18" charset="0"/>
+              </a:rPr>
+              <a:t>Figures </a:t>
+            </a:r>
+            <a:r>
+              <a:rPr lang="en-CA" sz="2000" b="1" i="0" u="none" strike="noStrike" dirty="0">
+                <a:solidFill>
+                  <a:srgbClr val="000000"/>
+                </a:solidFill>
+                <a:effectLst/>
+                <a:latin typeface="Century Schoolbook" panose="02040604050505020304" pitchFamily="18" charset="0"/>
+              </a:rPr>
+              <a:t>Summary </a:t>
+            </a:r>
+            <a:br>
+              <a:rPr lang="en-CA" dirty="0"/>
+            </a:br>
+            <a:endParaRPr lang="en-CA" dirty="0"/>
+          </a:p>
+        </p:txBody>
+      </p:sp>
+      <p:graphicFrame>
+        <p:nvGraphicFramePr>
+          <p:cNvPr id="17" name="Table 17">
+            <a:extLst>
+              <a:ext uri="{FF2B5EF4-FFF2-40B4-BE49-F238E27FC236}">
+                <a16:creationId xmlns:a16="http://schemas.microsoft.com/office/drawing/2014/main" id="{E2F87133-7B91-4EE4-9637-D45444B9651F}"/>
+              </a:ext>
+            </a:extLst>
+          </p:cNvPr>
+          <p:cNvGraphicFramePr>
+            <a:graphicFrameLocks noGrp="1"/>
+          </p:cNvGraphicFramePr>
+          <p:nvPr>
+            <p:extLst>
+              <p:ext uri="{D42A27DB-BD31-4B8C-83A1-F6EECF244321}">
+                <p14:modId xmlns:p14="http://schemas.microsoft.com/office/powerpoint/2010/main" val="3358125800"/>
+              </p:ext>
+            </p:extLst>
+          </p:nvPr>
+        </p:nvGraphicFramePr>
+        <p:xfrm>
+          <a:off x="1584314" y="3359513"/>
+          <a:ext cx="8128000" cy="1112520"/>
+        </p:xfrm>
+        <a:graphic>
+          <a:graphicData uri="http://schemas.openxmlformats.org/drawingml/2006/table">
+            <a:tbl>
+              <a:tblPr firstRow="1" bandRow="1">
+                <a:tableStyleId>{21E4AEA4-8DFA-4A89-87EB-49C32662AFE0}</a:tableStyleId>
+              </a:tblPr>
+              <a:tblGrid>
+                <a:gridCol w="4064000">
+                  <a:extLst>
+                    <a:ext uri="{9D8B030D-6E8A-4147-A177-3AD203B41FA5}">
+                      <a16:colId xmlns:a16="http://schemas.microsoft.com/office/drawing/2014/main" val="4250318149"/>
+                    </a:ext>
+                  </a:extLst>
+                </a:gridCol>
+                <a:gridCol w="4064000">
+                  <a:extLst>
+                    <a:ext uri="{9D8B030D-6E8A-4147-A177-3AD203B41FA5}">
+                      <a16:colId xmlns:a16="http://schemas.microsoft.com/office/drawing/2014/main" val="4157212451"/>
+                    </a:ext>
+                  </a:extLst>
+                </a:gridCol>
+              </a:tblGrid>
+              <a:tr h="370840">
+                <a:tc>
+                  <a:txBody>
+                    <a:bodyPr/>
+                    <a:lstStyle/>
+                    <a:p>
+                      <a:endParaRPr lang="en-CA" dirty="0"/>
+                    </a:p>
+                  </a:txBody>
+                  <a:tcPr/>
+                </a:tc>
+                <a:tc>
+                  <a:txBody>
+                    <a:bodyPr/>
+                    <a:lstStyle/>
+                    <a:p>
+                      <a:endParaRPr lang="en-CA"/>
+                    </a:p>
+                  </a:txBody>
+                  <a:tcPr/>
+                </a:tc>
+                <a:extLst>
+                  <a:ext uri="{0D108BD9-81ED-4DB2-BD59-A6C34878D82A}">
+                    <a16:rowId xmlns:a16="http://schemas.microsoft.com/office/drawing/2014/main" val="1468962831"/>
+                  </a:ext>
+                </a:extLst>
+              </a:tr>
+              <a:tr h="370840">
+                <a:tc>
+                  <a:txBody>
+                    <a:bodyPr/>
+                    <a:lstStyle/>
+                    <a:p>
+                      <a:endParaRPr lang="en-CA" dirty="0"/>
+                    </a:p>
+                  </a:txBody>
+                  <a:tcPr/>
+                </a:tc>
+                <a:tc>
+                  <a:txBody>
+                    <a:bodyPr/>
+                    <a:lstStyle/>
+                    <a:p>
+                      <a:endParaRPr lang="en-CA"/>
+                    </a:p>
+                  </a:txBody>
+                  <a:tcPr/>
+                </a:tc>
+                <a:extLst>
+                  <a:ext uri="{0D108BD9-81ED-4DB2-BD59-A6C34878D82A}">
+                    <a16:rowId xmlns:a16="http://schemas.microsoft.com/office/drawing/2014/main" val="3756493888"/>
+                  </a:ext>
+                </a:extLst>
+              </a:tr>
+              <a:tr h="370840">
+                <a:tc>
+                  <a:txBody>
+                    <a:bodyPr/>
+                    <a:lstStyle/>
+                    <a:p>
+                      <a:endParaRPr lang="en-CA"/>
+                    </a:p>
+                  </a:txBody>
+                  <a:tcPr/>
+                </a:tc>
+                <a:tc>
+                  <a:txBody>
+                    <a:bodyPr/>
+                    <a:lstStyle/>
+                    <a:p>
+                      <a:endParaRPr lang="en-CA" dirty="0"/>
+                    </a:p>
+                  </a:txBody>
+                  <a:tcPr/>
+                </a:tc>
+                <a:extLst>
+                  <a:ext uri="{0D108BD9-81ED-4DB2-BD59-A6C34878D82A}">
+                    <a16:rowId xmlns:a16="http://schemas.microsoft.com/office/drawing/2014/main" val="3596268837"/>
+                  </a:ext>
+                </a:extLst>
+              </a:tr>
+            </a:tbl>
+          </a:graphicData>
+        </a:graphic>
+      </p:graphicFrame>
+    </p:spTree>
+    <p:extLst>
+      <p:ext uri="{BB962C8B-B14F-4D97-AF65-F5344CB8AC3E}">
+        <p14:creationId xmlns:p14="http://schemas.microsoft.com/office/powerpoint/2010/main" val="438456063"/>
+      </p:ext>
+    </p:extLst>
+  </p:cSld>
+  <p:clrMapOvr>
+    <a:masterClrMapping/>
+  </p:clrMapOvr>
+  <mc:AlternateContent xmlns:mc="http://schemas.openxmlformats.org/markup-compatibility/2006" xmlns:p159="http://schemas.microsoft.com/office/powerpoint/2015/09/main">
+    <mc:Choice Requires="p159">
+      <p:transition xmlns:p14="http://schemas.microsoft.com/office/powerpoint/2010/main" spd="slow" p14:dur="2000">
+        <p159:morph option="byObject"/>
+      </p:transition>
+    </mc:Choice>
+    <mc:Fallback xmlns="">
+      <p:transition spd="slow">
+        <p:fade/>
+      </p:transition>
+    </mc:Fallback>
+  </mc:AlternateContent>
+</p:sld>
+</file>
+
+<file path=ppt/slides/slide8.xml><?xml version="1.0" encoding="utf-8"?>
+<p:sld xmlns:a="http://schemas.openxmlformats.org/drawingml/2006/main" xmlns:r="http://schemas.openxmlformats.org/officeDocument/2006/relationships" xmlns:p="http://schemas.openxmlformats.org/presentationml/2006/main">
+  <p:cSld>
+    <p:spTree>
+      <p:nvGrpSpPr>
+        <p:cNvPr id="1" name=""/>
+        <p:cNvGrpSpPr/>
+        <p:nvPr/>
+      </p:nvGrpSpPr>
+      <p:grpSpPr>
+        <a:xfrm>
+          <a:off x="0" y="0"/>
+          <a:ext cx="0" cy="0"/>
+          <a:chOff x="0" y="0"/>
+          <a:chExt cx="0" cy="0"/>
+        </a:xfrm>
+      </p:grpSpPr>
+      <p:sp>
+        <p:nvSpPr>
+          <p:cNvPr id="4" name="Title 1">
+            <a:extLst>
+              <a:ext uri="{FF2B5EF4-FFF2-40B4-BE49-F238E27FC236}">
+                <a16:creationId xmlns:a16="http://schemas.microsoft.com/office/drawing/2014/main" id="{50DF5C7B-714C-44DC-B49A-F16BE5E80C8B}"/>
+              </a:ext>
+            </a:extLst>
+          </p:cNvPr>
+          <p:cNvSpPr txBox="1">
+            <a:spLocks/>
+          </p:cNvSpPr>
+          <p:nvPr/>
+        </p:nvSpPr>
+        <p:spPr>
+          <a:xfrm>
+            <a:off x="424920" y="330535"/>
+            <a:ext cx="5535205" cy="935510"/>
+          </a:xfrm>
+          <a:prstGeom prst="rect">
+            <a:avLst/>
+          </a:prstGeom>
+        </p:spPr>
+        <p:txBody>
+          <a:bodyPr vert="horz" lIns="91440" tIns="45720" rIns="91440" bIns="45720" rtlCol="0" anchor="b">
+            <a:normAutofit/>
+          </a:bodyPr>
+          <a:lstStyle>
+            <a:lvl1pPr algn="ctr" defTabSz="914400" rtl="0" eaLnBrk="1" latinLnBrk="0" hangingPunct="1">
+              <a:lnSpc>
+                <a:spcPct val="90000"/>
+              </a:lnSpc>
+              <a:spcBef>
+                <a:spcPct val="0"/>
+              </a:spcBef>
+              <a:buNone/>
+              <a:defRPr sz="6000" kern="1200">
+                <a:solidFill>
+                  <a:schemeClr val="tx1"/>
+                </a:solidFill>
+                <a:latin typeface="+mj-lt"/>
+                <a:ea typeface="+mj-ea"/>
+                <a:cs typeface="+mj-cs"/>
+              </a:defRPr>
+            </a:lvl1pPr>
+          </a:lstStyle>
+          <a:p>
+            <a:pPr algn="l">
+              <a:spcBef>
+                <a:spcPts val="600"/>
+              </a:spcBef>
+              <a:spcAft>
+                <a:spcPts val="600"/>
+              </a:spcAft>
+            </a:pPr>
+            <a:r>
+              <a:rPr lang="en-US" sz="3400" dirty="0">
+                <a:solidFill>
+                  <a:schemeClr val="accent6"/>
+                </a:solidFill>
+                <a:latin typeface="Century Schoolbook" panose="02040604050505020304" pitchFamily="18" charset="0"/>
+              </a:rPr>
+              <a:t>Findings</a:t>
+            </a:r>
+          </a:p>
+        </p:txBody>
+      </p:sp>
+      <p:pic>
+        <p:nvPicPr>
+          <p:cNvPr id="8" name="Picture 7" descr="A picture containing diagram&#10;&#10;Description automatically generated">
+            <a:extLst>
+              <a:ext uri="{FF2B5EF4-FFF2-40B4-BE49-F238E27FC236}">
+                <a16:creationId xmlns:a16="http://schemas.microsoft.com/office/drawing/2014/main" id="{7314AAE1-4A8B-4769-9B85-F4F77C3FA243}"/>
+              </a:ext>
+            </a:extLst>
+          </p:cNvPr>
+          <p:cNvPicPr>
+            <a:picLocks noChangeAspect="1"/>
+          </p:cNvPicPr>
+          <p:nvPr/>
+        </p:nvPicPr>
+        <p:blipFill rotWithShape="1">
+          <a:blip r:embed="rId2">
+            <a:extLst>
+              <a:ext uri="{28A0092B-C50C-407E-A947-70E740481C1C}">
+                <a14:useLocalDpi xmlns:a14="http://schemas.microsoft.com/office/drawing/2010/main" val="0"/>
+              </a:ext>
+            </a:extLst>
+          </a:blip>
+          <a:srcRect l="4257" t="23094" r="65929" b="35362"/>
+          <a:stretch/>
+        </p:blipFill>
+        <p:spPr>
+          <a:xfrm>
+            <a:off x="10176498" y="0"/>
+            <a:ext cx="2015502" cy="1604836"/>
+          </a:xfrm>
+          <a:prstGeom prst="rect">
+            <a:avLst/>
+          </a:prstGeom>
+        </p:spPr>
+      </p:pic>
+      <p:sp>
+        <p:nvSpPr>
+          <p:cNvPr id="10" name="Rectangle 9">
+            <a:extLst>
+              <a:ext uri="{FF2B5EF4-FFF2-40B4-BE49-F238E27FC236}">
+                <a16:creationId xmlns:a16="http://schemas.microsoft.com/office/drawing/2014/main" id="{EADA0E04-8858-4EB2-A55F-CD4DAD514B83}"/>
+              </a:ext>
+            </a:extLst>
+          </p:cNvPr>
+          <p:cNvSpPr/>
+          <p:nvPr/>
+        </p:nvSpPr>
+        <p:spPr>
+          <a:xfrm>
+            <a:off x="0" y="6143231"/>
+            <a:ext cx="12192000" cy="642730"/>
+          </a:xfrm>
+          <a:prstGeom prst="rect">
+            <a:avLst/>
+          </a:prstGeom>
+          <a:solidFill>
+            <a:schemeClr val="tx1">
+              <a:lumMod val="65000"/>
+              <a:lumOff val="35000"/>
+            </a:schemeClr>
+          </a:solidFill>
+          <a:ln>
+            <a:noFill/>
+          </a:ln>
+          <a:effectLst>
+            <a:outerShdw blurRad="190500" dist="228600" dir="2700000" algn="ctr">
+              <a:srgbClr val="000000">
+                <a:alpha val="30000"/>
+              </a:srgbClr>
+            </a:outerShdw>
+          </a:effectLst>
+          <a:scene3d>
+            <a:camera prst="orthographicFront">
+              <a:rot lat="0" lon="0" rev="0"/>
+            </a:camera>
+            <a:lightRig rig="glow" dir="t">
+              <a:rot lat="0" lon="0" rev="4800000"/>
+            </a:lightRig>
+          </a:scene3d>
+          <a:sp3d prstMaterial="matte">
+            <a:bevelT w="127000" h="63500"/>
+          </a:sp3d>
+        </p:spPr>
+        <p:style>
+          <a:lnRef idx="2">
+            <a:schemeClr val="accent1">
+              <a:shade val="50000"/>
+            </a:schemeClr>
+          </a:lnRef>
+          <a:fillRef idx="1">
+            <a:schemeClr val="accent1"/>
+          </a:fillRef>
+          <a:effectRef idx="0">
+            <a:schemeClr val="accent1"/>
+          </a:effectRef>
+          <a:fontRef idx="minor">
+            <a:schemeClr val="lt1"/>
+          </a:fontRef>
+        </p:style>
+        <p:txBody>
+          <a:bodyPr rtlCol="0" anchor="ctr"/>
+          <a:lstStyle/>
+          <a:p>
+            <a:pPr algn="ctr"/>
+            <a:endParaRPr lang="en-CA"/>
           </a:p>
         </p:txBody>
       </p:sp>
       <p:sp>
         <p:nvSpPr>
-          <p:cNvPr id="11" name="TextBox 10">
-            <a:extLst>
-              <a:ext uri="{FF2B5EF4-FFF2-40B4-BE49-F238E27FC236}">
-                <a16:creationId xmlns:a16="http://schemas.microsoft.com/office/drawing/2014/main" id="{1F63FD2A-EE28-4455-8759-FC3A58DA9882}"/>
+          <p:cNvPr id="7" name="TextBox 6">
+            <a:extLst>
+              <a:ext uri="{FF2B5EF4-FFF2-40B4-BE49-F238E27FC236}">
+                <a16:creationId xmlns:a16="http://schemas.microsoft.com/office/drawing/2014/main" id="{362594AB-54A2-4EAB-B654-C341286EBCB8}"/>
               </a:ext>
             </a:extLst>
           </p:cNvPr>
@@ -13344,8 +10764,8 @@
         </p:nvSpPr>
         <p:spPr>
           <a:xfrm>
-            <a:off x="851971" y="4751015"/>
-            <a:ext cx="10488058" cy="677108"/>
+            <a:off x="1305338" y="1971378"/>
+            <a:ext cx="8156713" cy="2862322"/>
           </a:xfrm>
           <a:prstGeom prst="rect">
             <a:avLst/>
@@ -13358,45 +10778,104 @@
           </a:bodyPr>
           <a:lstStyle/>
           <a:p>
-            <a:pPr marL="457200" rtl="0"/>
-            <a:r>
-              <a:rPr lang="en-CA" sz="1800" b="1" i="0" u="none" strike="noStrike" dirty="0">
-                <a:solidFill>
-                  <a:srgbClr val="000000"/>
-                </a:solidFill>
-                <a:effectLst/>
-                <a:latin typeface="Calibri" panose="020F0502020204030204" pitchFamily="34" charset="0"/>
-              </a:rPr>
-              <a:t> </a:t>
-            </a:r>
-            <a:r>
-              <a:rPr lang="en-CA" sz="2000" b="1" i="0" u="none" strike="noStrike" dirty="0">
-                <a:solidFill>
-                  <a:srgbClr val="000000"/>
-                </a:solidFill>
-                <a:effectLst/>
-                <a:latin typeface="Century Schoolbook" panose="02040604050505020304" pitchFamily="18" charset="0"/>
-              </a:rPr>
-              <a:t>Problems &gt;</a:t>
-            </a:r>
+            <a:pPr marL="285750" indent="-285750">
+              <a:buFont typeface="Wingdings" panose="05000000000000000000" pitchFamily="2" charset="2"/>
+              <a:buChar char="§"/>
+            </a:pPr>
+            <a:r>
+              <a:rPr lang="en-CA" dirty="0">
+                <a:latin typeface="Century Schoolbook" panose="02040604050505020304" pitchFamily="18" charset="0"/>
+                <a:cs typeface="Calibri" panose="020F0502020204030204" pitchFamily="34" charset="0"/>
+              </a:rPr>
+              <a:t>We can observe weak correlation between increasing number of cases and number of houses sold as well as average prices</a:t>
+            </a:r>
+          </a:p>
+          <a:p>
+            <a:pPr marL="285750" indent="-285750">
+              <a:buFont typeface="Wingdings" panose="05000000000000000000" pitchFamily="2" charset="2"/>
+              <a:buChar char="§"/>
+            </a:pPr>
             <a:endParaRPr lang="en-CA" dirty="0">
               <a:latin typeface="Century Schoolbook" panose="02040604050505020304" pitchFamily="18" charset="0"/>
               <a:cs typeface="Calibri" panose="020F0502020204030204" pitchFamily="34" charset="0"/>
             </a:endParaRPr>
           </a:p>
           <a:p>
-            <a:pPr marL="457200" rtl="0"/>
+            <a:pPr marL="285750" indent="-285750">
+              <a:buFont typeface="Wingdings" panose="05000000000000000000" pitchFamily="2" charset="2"/>
+              <a:buChar char="§"/>
+            </a:pPr>
             <a:endParaRPr lang="en-CA" dirty="0">
               <a:latin typeface="Century Schoolbook" panose="02040604050505020304" pitchFamily="18" charset="0"/>
               <a:cs typeface="Calibri" panose="020F0502020204030204" pitchFamily="34" charset="0"/>
             </a:endParaRPr>
+          </a:p>
+          <a:p>
+            <a:pPr marL="285750" indent="-285750">
+              <a:buFont typeface="Wingdings" panose="05000000000000000000" pitchFamily="2" charset="2"/>
+              <a:buChar char="§"/>
+            </a:pPr>
+            <a:r>
+              <a:rPr lang="en-CA" dirty="0">
+                <a:latin typeface="Century Schoolbook" panose="02040604050505020304" pitchFamily="18" charset="0"/>
+                <a:cs typeface="Calibri" panose="020F0502020204030204" pitchFamily="34" charset="0"/>
+              </a:rPr>
+              <a:t>The correlation between estimated mortgage rate is strong which is a result of banking response for the current situation</a:t>
+            </a:r>
+          </a:p>
+          <a:p>
+            <a:pPr marL="285750" indent="-285750">
+              <a:buFont typeface="Wingdings" panose="05000000000000000000" pitchFamily="2" charset="2"/>
+              <a:buChar char="§"/>
+            </a:pPr>
+            <a:endParaRPr lang="en-CA" dirty="0">
+              <a:latin typeface="Century Schoolbook" panose="02040604050505020304" pitchFamily="18" charset="0"/>
+              <a:cs typeface="Calibri" panose="020F0502020204030204" pitchFamily="34" charset="0"/>
+            </a:endParaRPr>
+          </a:p>
+          <a:p>
+            <a:pPr marL="285750" indent="-285750">
+              <a:buFont typeface="Wingdings" panose="05000000000000000000" pitchFamily="2" charset="2"/>
+              <a:buChar char="§"/>
+            </a:pPr>
+            <a:endParaRPr lang="en-CA" dirty="0">
+              <a:latin typeface="Century Schoolbook" panose="02040604050505020304" pitchFamily="18" charset="0"/>
+              <a:cs typeface="Calibri" panose="020F0502020204030204" pitchFamily="34" charset="0"/>
+            </a:endParaRPr>
+          </a:p>
+          <a:p>
+            <a:pPr marL="285750" indent="-285750">
+              <a:buFont typeface="Wingdings" panose="05000000000000000000" pitchFamily="2" charset="2"/>
+              <a:buChar char="§"/>
+            </a:pPr>
+            <a:r>
+              <a:rPr lang="en-CA" dirty="0">
+                <a:latin typeface="Century Schoolbook" panose="02040604050505020304" pitchFamily="18" charset="0"/>
+                <a:cs typeface="Calibri" panose="020F0502020204030204" pitchFamily="34" charset="0"/>
+              </a:rPr>
+              <a:t>Number of sold houses in 2020 is on the similar level as in 2019 which indicates that Ontario real estate market is not affected by </a:t>
+            </a:r>
+            <a:r>
+              <a:rPr lang="en-CA" dirty="0" err="1">
+                <a:latin typeface="Century Schoolbook" panose="02040604050505020304" pitchFamily="18" charset="0"/>
+                <a:cs typeface="Calibri" panose="020F0502020204030204" pitchFamily="34" charset="0"/>
+              </a:rPr>
+              <a:t>Covid</a:t>
+            </a:r>
+            <a:r>
+              <a:rPr lang="en-CA" dirty="0">
+                <a:latin typeface="Century Schoolbook" panose="02040604050505020304" pitchFamily="18" charset="0"/>
+                <a:cs typeface="Calibri" panose="020F0502020204030204" pitchFamily="34" charset="0"/>
+              </a:rPr>
+              <a:t> 19</a:t>
+            </a:r>
           </a:p>
         </p:txBody>
       </p:sp>
     </p:spTree>
     <p:extLst>
       <p:ext uri="{BB962C8B-B14F-4D97-AF65-F5344CB8AC3E}">
-        <p14:creationId xmlns:p14="http://schemas.microsoft.com/office/powerpoint/2010/main" val="976448399"/>
+        <p14:creationId xmlns:p14="http://schemas.microsoft.com/office/powerpoint/2010/main" val="1417207179"/>
       </p:ext>
     </p:extLst>
   </p:cSld>
@@ -13410,6 +10889,711 @@
       </p:transition>
     </mc:Choice>
     <mc:Fallback>
+      <p:transition spd="slow">
+        <p:fade/>
+      </p:transition>
+    </mc:Fallback>
+  </mc:AlternateContent>
+</p:sld>
+</file>
+
+<file path=ppt/slides/slide9.xml><?xml version="1.0" encoding="utf-8"?>
+<p:sld xmlns:a="http://schemas.openxmlformats.org/drawingml/2006/main" xmlns:r="http://schemas.openxmlformats.org/officeDocument/2006/relationships" xmlns:p="http://schemas.openxmlformats.org/presentationml/2006/main">
+  <p:cSld>
+    <p:spTree>
+      <p:nvGrpSpPr>
+        <p:cNvPr id="1" name=""/>
+        <p:cNvGrpSpPr/>
+        <p:nvPr/>
+      </p:nvGrpSpPr>
+      <p:grpSpPr>
+        <a:xfrm>
+          <a:off x="0" y="0"/>
+          <a:ext cx="0" cy="0"/>
+          <a:chOff x="0" y="0"/>
+          <a:chExt cx="0" cy="0"/>
+        </a:xfrm>
+      </p:grpSpPr>
+      <p:sp>
+        <p:nvSpPr>
+          <p:cNvPr id="4" name="Title 1">
+            <a:extLst>
+              <a:ext uri="{FF2B5EF4-FFF2-40B4-BE49-F238E27FC236}">
+                <a16:creationId xmlns:a16="http://schemas.microsoft.com/office/drawing/2014/main" id="{50DF5C7B-714C-44DC-B49A-F16BE5E80C8B}"/>
+              </a:ext>
+            </a:extLst>
+          </p:cNvPr>
+          <p:cNvSpPr txBox="1">
+            <a:spLocks/>
+          </p:cNvSpPr>
+          <p:nvPr/>
+        </p:nvSpPr>
+        <p:spPr>
+          <a:xfrm>
+            <a:off x="424920" y="330535"/>
+            <a:ext cx="5535205" cy="935510"/>
+          </a:xfrm>
+          <a:prstGeom prst="rect">
+            <a:avLst/>
+          </a:prstGeom>
+        </p:spPr>
+        <p:txBody>
+          <a:bodyPr vert="horz" lIns="91440" tIns="45720" rIns="91440" bIns="45720" rtlCol="0" anchor="b">
+            <a:normAutofit/>
+          </a:bodyPr>
+          <a:lstStyle>
+            <a:lvl1pPr algn="ctr" defTabSz="914400" rtl="0" eaLnBrk="1" latinLnBrk="0" hangingPunct="1">
+              <a:lnSpc>
+                <a:spcPct val="90000"/>
+              </a:lnSpc>
+              <a:spcBef>
+                <a:spcPct val="0"/>
+              </a:spcBef>
+              <a:buNone/>
+              <a:defRPr sz="6000" kern="1200">
+                <a:solidFill>
+                  <a:schemeClr val="tx1"/>
+                </a:solidFill>
+                <a:latin typeface="+mj-lt"/>
+                <a:ea typeface="+mj-ea"/>
+                <a:cs typeface="+mj-cs"/>
+              </a:defRPr>
+            </a:lvl1pPr>
+          </a:lstStyle>
+          <a:p>
+            <a:pPr algn="l">
+              <a:spcBef>
+                <a:spcPts val="600"/>
+              </a:spcBef>
+              <a:spcAft>
+                <a:spcPts val="600"/>
+              </a:spcAft>
+            </a:pPr>
+            <a:r>
+              <a:rPr lang="en-US" sz="3400" dirty="0">
+                <a:solidFill>
+                  <a:srgbClr val="00B050"/>
+                </a:solidFill>
+                <a:latin typeface="Century Schoolbook" panose="02040604050505020304" pitchFamily="18" charset="0"/>
+              </a:rPr>
+              <a:t>Data Analysis</a:t>
+            </a:r>
+          </a:p>
+        </p:txBody>
+      </p:sp>
+      <p:sp>
+        <p:nvSpPr>
+          <p:cNvPr id="6" name="Subtitle 2">
+            <a:extLst>
+              <a:ext uri="{FF2B5EF4-FFF2-40B4-BE49-F238E27FC236}">
+                <a16:creationId xmlns:a16="http://schemas.microsoft.com/office/drawing/2014/main" id="{AB8C65B5-8163-4E17-BC2A-195AC06AD212}"/>
+              </a:ext>
+            </a:extLst>
+          </p:cNvPr>
+          <p:cNvSpPr txBox="1">
+            <a:spLocks/>
+          </p:cNvSpPr>
+          <p:nvPr/>
+        </p:nvSpPr>
+        <p:spPr>
+          <a:xfrm>
+            <a:off x="796673" y="1604837"/>
+            <a:ext cx="8942238" cy="4271642"/>
+          </a:xfrm>
+          <a:prstGeom prst="rect">
+            <a:avLst/>
+          </a:prstGeom>
+        </p:spPr>
+        <p:txBody>
+          <a:bodyPr vert="horz" lIns="91440" tIns="45720" rIns="91440" bIns="45720" rtlCol="0">
+            <a:normAutofit/>
+          </a:bodyPr>
+          <a:lstStyle>
+            <a:lvl1pPr marL="0" indent="0" algn="ctr" defTabSz="914400" rtl="0" eaLnBrk="1" latinLnBrk="0" hangingPunct="1">
+              <a:lnSpc>
+                <a:spcPct val="90000"/>
+              </a:lnSpc>
+              <a:spcBef>
+                <a:spcPts val="1000"/>
+              </a:spcBef>
+              <a:buFont typeface="Arial" panose="020B0604020202020204" pitchFamily="34" charset="0"/>
+              <a:buNone/>
+              <a:defRPr sz="2400" kern="1200">
+                <a:solidFill>
+                  <a:schemeClr val="tx1"/>
+                </a:solidFill>
+                <a:latin typeface="+mn-lt"/>
+                <a:ea typeface="+mn-ea"/>
+                <a:cs typeface="+mn-cs"/>
+              </a:defRPr>
+            </a:lvl1pPr>
+            <a:lvl2pPr marL="457200" indent="0" algn="ctr" defTabSz="914400" rtl="0" eaLnBrk="1" latinLnBrk="0" hangingPunct="1">
+              <a:lnSpc>
+                <a:spcPct val="90000"/>
+              </a:lnSpc>
+              <a:spcBef>
+                <a:spcPts val="500"/>
+              </a:spcBef>
+              <a:buFont typeface="Arial" panose="020B0604020202020204" pitchFamily="34" charset="0"/>
+              <a:buNone/>
+              <a:defRPr sz="2000" kern="1200">
+                <a:solidFill>
+                  <a:schemeClr val="tx1"/>
+                </a:solidFill>
+                <a:latin typeface="+mn-lt"/>
+                <a:ea typeface="+mn-ea"/>
+                <a:cs typeface="+mn-cs"/>
+              </a:defRPr>
+            </a:lvl2pPr>
+            <a:lvl3pPr marL="914400" indent="0" algn="ctr" defTabSz="914400" rtl="0" eaLnBrk="1" latinLnBrk="0" hangingPunct="1">
+              <a:lnSpc>
+                <a:spcPct val="90000"/>
+              </a:lnSpc>
+              <a:spcBef>
+                <a:spcPts val="500"/>
+              </a:spcBef>
+              <a:buFont typeface="Arial" panose="020B0604020202020204" pitchFamily="34" charset="0"/>
+              <a:buNone/>
+              <a:defRPr sz="1800" kern="1200">
+                <a:solidFill>
+                  <a:schemeClr val="tx1"/>
+                </a:solidFill>
+                <a:latin typeface="+mn-lt"/>
+                <a:ea typeface="+mn-ea"/>
+                <a:cs typeface="+mn-cs"/>
+              </a:defRPr>
+            </a:lvl3pPr>
+            <a:lvl4pPr marL="1371600" indent="0" algn="ctr" defTabSz="914400" rtl="0" eaLnBrk="1" latinLnBrk="0" hangingPunct="1">
+              <a:lnSpc>
+                <a:spcPct val="90000"/>
+              </a:lnSpc>
+              <a:spcBef>
+                <a:spcPts val="500"/>
+              </a:spcBef>
+              <a:buFont typeface="Arial" panose="020B0604020202020204" pitchFamily="34" charset="0"/>
+              <a:buNone/>
+              <a:defRPr sz="1600" kern="1200">
+                <a:solidFill>
+                  <a:schemeClr val="tx1"/>
+                </a:solidFill>
+                <a:latin typeface="+mn-lt"/>
+                <a:ea typeface="+mn-ea"/>
+                <a:cs typeface="+mn-cs"/>
+              </a:defRPr>
+            </a:lvl4pPr>
+            <a:lvl5pPr marL="1828800" indent="0" algn="ctr" defTabSz="914400" rtl="0" eaLnBrk="1" latinLnBrk="0" hangingPunct="1">
+              <a:lnSpc>
+                <a:spcPct val="90000"/>
+              </a:lnSpc>
+              <a:spcBef>
+                <a:spcPts val="500"/>
+              </a:spcBef>
+              <a:buFont typeface="Arial" panose="020B0604020202020204" pitchFamily="34" charset="0"/>
+              <a:buNone/>
+              <a:defRPr sz="1600" kern="1200">
+                <a:solidFill>
+                  <a:schemeClr val="tx1"/>
+                </a:solidFill>
+                <a:latin typeface="+mn-lt"/>
+                <a:ea typeface="+mn-ea"/>
+                <a:cs typeface="+mn-cs"/>
+              </a:defRPr>
+            </a:lvl5pPr>
+            <a:lvl6pPr marL="2286000" indent="0" algn="ctr" defTabSz="914400" rtl="0" eaLnBrk="1" latinLnBrk="0" hangingPunct="1">
+              <a:lnSpc>
+                <a:spcPct val="90000"/>
+              </a:lnSpc>
+              <a:spcBef>
+                <a:spcPts val="500"/>
+              </a:spcBef>
+              <a:buFont typeface="Arial" panose="020B0604020202020204" pitchFamily="34" charset="0"/>
+              <a:buNone/>
+              <a:defRPr sz="1600" kern="1200">
+                <a:solidFill>
+                  <a:schemeClr val="tx1"/>
+                </a:solidFill>
+                <a:latin typeface="+mn-lt"/>
+                <a:ea typeface="+mn-ea"/>
+                <a:cs typeface="+mn-cs"/>
+              </a:defRPr>
+            </a:lvl6pPr>
+            <a:lvl7pPr marL="2743200" indent="0" algn="ctr" defTabSz="914400" rtl="0" eaLnBrk="1" latinLnBrk="0" hangingPunct="1">
+              <a:lnSpc>
+                <a:spcPct val="90000"/>
+              </a:lnSpc>
+              <a:spcBef>
+                <a:spcPts val="500"/>
+              </a:spcBef>
+              <a:buFont typeface="Arial" panose="020B0604020202020204" pitchFamily="34" charset="0"/>
+              <a:buNone/>
+              <a:defRPr sz="1600" kern="1200">
+                <a:solidFill>
+                  <a:schemeClr val="tx1"/>
+                </a:solidFill>
+                <a:latin typeface="+mn-lt"/>
+                <a:ea typeface="+mn-ea"/>
+                <a:cs typeface="+mn-cs"/>
+              </a:defRPr>
+            </a:lvl7pPr>
+            <a:lvl8pPr marL="3200400" indent="0" algn="ctr" defTabSz="914400" rtl="0" eaLnBrk="1" latinLnBrk="0" hangingPunct="1">
+              <a:lnSpc>
+                <a:spcPct val="90000"/>
+              </a:lnSpc>
+              <a:spcBef>
+                <a:spcPts val="500"/>
+              </a:spcBef>
+              <a:buFont typeface="Arial" panose="020B0604020202020204" pitchFamily="34" charset="0"/>
+              <a:buNone/>
+              <a:defRPr sz="1600" kern="1200">
+                <a:solidFill>
+                  <a:schemeClr val="tx1"/>
+                </a:solidFill>
+                <a:latin typeface="+mn-lt"/>
+                <a:ea typeface="+mn-ea"/>
+                <a:cs typeface="+mn-cs"/>
+              </a:defRPr>
+            </a:lvl8pPr>
+            <a:lvl9pPr marL="3657600" indent="0" algn="ctr" defTabSz="914400" rtl="0" eaLnBrk="1" latinLnBrk="0" hangingPunct="1">
+              <a:lnSpc>
+                <a:spcPct val="90000"/>
+              </a:lnSpc>
+              <a:spcBef>
+                <a:spcPts val="500"/>
+              </a:spcBef>
+              <a:buFont typeface="Arial" panose="020B0604020202020204" pitchFamily="34" charset="0"/>
+              <a:buNone/>
+              <a:defRPr sz="1600" kern="1200">
+                <a:solidFill>
+                  <a:schemeClr val="tx1"/>
+                </a:solidFill>
+                <a:latin typeface="+mn-lt"/>
+                <a:ea typeface="+mn-ea"/>
+                <a:cs typeface="+mn-cs"/>
+              </a:defRPr>
+            </a:lvl9pPr>
+          </a:lstStyle>
+          <a:p>
+            <a:pPr marL="285750" indent="-285750" algn="l">
+              <a:lnSpc>
+                <a:spcPct val="120000"/>
+              </a:lnSpc>
+              <a:buFont typeface="Wingdings" panose="05000000000000000000" pitchFamily="2" charset="2"/>
+              <a:buChar char="ü"/>
+            </a:pPr>
+            <a:r>
+              <a:rPr lang="en-CA" sz="1800" b="1" dirty="0">
+                <a:latin typeface="Century Schoolbook" panose="02040604050505020304" pitchFamily="18" charset="0"/>
+                <a:cs typeface="Calibri" panose="020F0502020204030204" pitchFamily="34" charset="0"/>
+              </a:rPr>
+              <a:t>Steps to analyze the data and answer proposal questions: </a:t>
+            </a:r>
+          </a:p>
+          <a:p>
+            <a:pPr marL="742950" lvl="1" indent="-285750" algn="l">
+              <a:lnSpc>
+                <a:spcPct val="120000"/>
+              </a:lnSpc>
+              <a:buFont typeface="Wingdings" panose="05000000000000000000" pitchFamily="2" charset="2"/>
+              <a:buChar char="§"/>
+            </a:pPr>
+            <a:r>
+              <a:rPr lang="en-CA" sz="1600" dirty="0">
+                <a:effectLst/>
+                <a:latin typeface="Century Schoolbook" panose="02040604050505020304" pitchFamily="18" charset="0"/>
+                <a:ea typeface="Calibri" panose="020F0502020204030204" pitchFamily="34" charset="0"/>
+                <a:cs typeface="Calibri" panose="020F0502020204030204" pitchFamily="34" charset="0"/>
+              </a:rPr>
+              <a:t>………</a:t>
+            </a:r>
+          </a:p>
+          <a:p>
+            <a:pPr marL="742950" lvl="1" indent="-285750" algn="l">
+              <a:lnSpc>
+                <a:spcPct val="120000"/>
+              </a:lnSpc>
+              <a:buFont typeface="Wingdings" panose="05000000000000000000" pitchFamily="2" charset="2"/>
+              <a:buChar char="§"/>
+            </a:pPr>
+            <a:r>
+              <a:rPr lang="en-CA" sz="1600" dirty="0">
+                <a:effectLst/>
+                <a:latin typeface="Century Schoolbook" panose="02040604050505020304" pitchFamily="18" charset="0"/>
+                <a:ea typeface="Calibri" panose="020F0502020204030204" pitchFamily="34" charset="0"/>
+                <a:cs typeface="Calibri" panose="020F0502020204030204" pitchFamily="34" charset="0"/>
+              </a:rPr>
+              <a:t>……….</a:t>
+            </a:r>
+            <a:endParaRPr lang="en-CA" sz="1400" dirty="0">
+              <a:effectLst/>
+              <a:latin typeface="Century Schoolbook" panose="02040604050505020304" pitchFamily="18" charset="0"/>
+              <a:ea typeface="Calibri" panose="020F0502020204030204" pitchFamily="34" charset="0"/>
+              <a:cs typeface="Times New Roman" panose="02020603050405020304" pitchFamily="18" charset="0"/>
+            </a:endParaRPr>
+          </a:p>
+          <a:p>
+            <a:pPr lvl="0" algn="l"/>
+            <a:endParaRPr lang="en-CA" sz="1800" dirty="0">
+              <a:latin typeface="Century Schoolbook" panose="02040604050505020304" pitchFamily="18" charset="0"/>
+              <a:cs typeface="Calibri" panose="020F0502020204030204" pitchFamily="34" charset="0"/>
+            </a:endParaRPr>
+          </a:p>
+          <a:p>
+            <a:pPr marL="285750" lvl="0" indent="-285750" algn="l">
+              <a:buFont typeface="Wingdings" panose="05000000000000000000" pitchFamily="2" charset="2"/>
+              <a:buChar char="ü"/>
+            </a:pPr>
+            <a:r>
+              <a:rPr lang="en-CA" sz="1800" b="1" dirty="0">
+                <a:latin typeface="Century Schoolbook" panose="02040604050505020304" pitchFamily="18" charset="0"/>
+                <a:cs typeface="Calibri" panose="020F0502020204030204" pitchFamily="34" charset="0"/>
+              </a:rPr>
+              <a:t>Interesting figures developed during analysis</a:t>
+            </a:r>
+            <a:r>
+              <a:rPr lang="en-CA" sz="1400" b="1" dirty="0">
+                <a:latin typeface="Century Schoolbook" panose="02040604050505020304" pitchFamily="18" charset="0"/>
+                <a:cs typeface="Calibri" panose="020F0502020204030204" pitchFamily="34" charset="0"/>
+              </a:rPr>
+              <a:t> :</a:t>
+            </a:r>
+            <a:endParaRPr lang="en-CA" sz="1800" dirty="0">
+              <a:latin typeface="Century Schoolbook" panose="02040604050505020304" pitchFamily="18" charset="0"/>
+              <a:cs typeface="Calibri" panose="020F0502020204030204" pitchFamily="34" charset="0"/>
+            </a:endParaRPr>
+          </a:p>
+          <a:p>
+            <a:pPr marL="285750" lvl="0" indent="-285750" algn="l">
+              <a:buFont typeface="Wingdings" panose="05000000000000000000" pitchFamily="2" charset="2"/>
+              <a:buChar char="ü"/>
+            </a:pPr>
+            <a:endParaRPr lang="en-CA" sz="1800" dirty="0">
+              <a:latin typeface="Century Schoolbook" panose="02040604050505020304" pitchFamily="18" charset="0"/>
+              <a:cs typeface="Calibri" panose="020F0502020204030204" pitchFamily="34" charset="0"/>
+            </a:endParaRPr>
+          </a:p>
+          <a:p>
+            <a:pPr marL="285750" lvl="0" indent="-285750" algn="l">
+              <a:buFont typeface="Wingdings" panose="05000000000000000000" pitchFamily="2" charset="2"/>
+              <a:buChar char="ü"/>
+            </a:pPr>
+            <a:endParaRPr lang="en-CA" sz="1800" dirty="0">
+              <a:latin typeface="Century Schoolbook" panose="02040604050505020304" pitchFamily="18" charset="0"/>
+              <a:cs typeface="Calibri" panose="020F0502020204030204" pitchFamily="34" charset="0"/>
+            </a:endParaRPr>
+          </a:p>
+        </p:txBody>
+      </p:sp>
+      <p:sp>
+        <p:nvSpPr>
+          <p:cNvPr id="10" name="Rectangle 9">
+            <a:extLst>
+              <a:ext uri="{FF2B5EF4-FFF2-40B4-BE49-F238E27FC236}">
+                <a16:creationId xmlns:a16="http://schemas.microsoft.com/office/drawing/2014/main" id="{EADA0E04-8858-4EB2-A55F-CD4DAD514B83}"/>
+              </a:ext>
+            </a:extLst>
+          </p:cNvPr>
+          <p:cNvSpPr/>
+          <p:nvPr/>
+        </p:nvSpPr>
+        <p:spPr>
+          <a:xfrm>
+            <a:off x="0" y="6143231"/>
+            <a:ext cx="12192000" cy="642730"/>
+          </a:xfrm>
+          <a:prstGeom prst="rect">
+            <a:avLst/>
+          </a:prstGeom>
+          <a:solidFill>
+            <a:schemeClr val="tx1">
+              <a:lumMod val="65000"/>
+              <a:lumOff val="35000"/>
+            </a:schemeClr>
+          </a:solidFill>
+          <a:ln>
+            <a:noFill/>
+          </a:ln>
+          <a:effectLst>
+            <a:outerShdw blurRad="190500" dist="228600" dir="2700000" algn="ctr">
+              <a:srgbClr val="000000">
+                <a:alpha val="30000"/>
+              </a:srgbClr>
+            </a:outerShdw>
+          </a:effectLst>
+          <a:scene3d>
+            <a:camera prst="orthographicFront">
+              <a:rot lat="0" lon="0" rev="0"/>
+            </a:camera>
+            <a:lightRig rig="glow" dir="t">
+              <a:rot lat="0" lon="0" rev="4800000"/>
+            </a:lightRig>
+          </a:scene3d>
+          <a:sp3d prstMaterial="matte">
+            <a:bevelT w="127000" h="63500"/>
+          </a:sp3d>
+        </p:spPr>
+        <p:style>
+          <a:lnRef idx="2">
+            <a:schemeClr val="accent1">
+              <a:shade val="50000"/>
+            </a:schemeClr>
+          </a:lnRef>
+          <a:fillRef idx="1">
+            <a:schemeClr val="accent1"/>
+          </a:fillRef>
+          <a:effectRef idx="0">
+            <a:schemeClr val="accent1"/>
+          </a:effectRef>
+          <a:fontRef idx="minor">
+            <a:schemeClr val="lt1"/>
+          </a:fontRef>
+        </p:style>
+        <p:txBody>
+          <a:bodyPr rtlCol="0" anchor="ctr"/>
+          <a:lstStyle/>
+          <a:p>
+            <a:pPr algn="ctr"/>
+            <a:endParaRPr lang="en-CA"/>
+          </a:p>
+        </p:txBody>
+      </p:sp>
+      <p:sp>
+        <p:nvSpPr>
+          <p:cNvPr id="2" name="TextBox 1">
+            <a:extLst>
+              <a:ext uri="{FF2B5EF4-FFF2-40B4-BE49-F238E27FC236}">
+                <a16:creationId xmlns:a16="http://schemas.microsoft.com/office/drawing/2014/main" id="{DF1D0849-D307-4B83-B4EA-3C130221BA45}"/>
+              </a:ext>
+            </a:extLst>
+          </p:cNvPr>
+          <p:cNvSpPr txBox="1"/>
+          <p:nvPr/>
+        </p:nvSpPr>
+        <p:spPr>
+          <a:xfrm>
+            <a:off x="6830459" y="3150640"/>
+            <a:ext cx="2818202" cy="369332"/>
+          </a:xfrm>
+          <a:prstGeom prst="rect">
+            <a:avLst/>
+          </a:prstGeom>
+          <a:noFill/>
+        </p:spPr>
+        <p:txBody>
+          <a:bodyPr wrap="square">
+            <a:spAutoFit/>
+          </a:bodyPr>
+          <a:lstStyle/>
+          <a:p>
+            <a:r>
+              <a:rPr lang="en-CA" dirty="0">
+                <a:latin typeface="Century Schoolbook" panose="02040604050505020304" pitchFamily="18" charset="0"/>
+                <a:hlinkClick r:id="rId2"/>
+              </a:rPr>
+              <a:t>Final </a:t>
+            </a:r>
+            <a:r>
+              <a:rPr lang="en-CA" dirty="0" err="1">
+                <a:latin typeface="Century Schoolbook" panose="02040604050505020304" pitchFamily="18" charset="0"/>
+                <a:hlinkClick r:id="rId2"/>
+              </a:rPr>
+              <a:t>Jupyter</a:t>
+            </a:r>
+            <a:r>
+              <a:rPr lang="en-CA" dirty="0">
+                <a:latin typeface="Century Schoolbook" panose="02040604050505020304" pitchFamily="18" charset="0"/>
+                <a:hlinkClick r:id="rId2"/>
+              </a:rPr>
+              <a:t> Notebook</a:t>
+            </a:r>
+            <a:endParaRPr lang="en-CA" dirty="0">
+              <a:latin typeface="Century Schoolbook" panose="02040604050505020304" pitchFamily="18" charset="0"/>
+            </a:endParaRPr>
+          </a:p>
+        </p:txBody>
+      </p:sp>
+      <p:graphicFrame>
+        <p:nvGraphicFramePr>
+          <p:cNvPr id="3" name="Table 17">
+            <a:extLst>
+              <a:ext uri="{FF2B5EF4-FFF2-40B4-BE49-F238E27FC236}">
+                <a16:creationId xmlns:a16="http://schemas.microsoft.com/office/drawing/2014/main" id="{B1B6E89D-63C2-49BD-9490-5B5A89F9F714}"/>
+              </a:ext>
+            </a:extLst>
+          </p:cNvPr>
+          <p:cNvGraphicFramePr>
+            <a:graphicFrameLocks noGrp="1"/>
+          </p:cNvGraphicFramePr>
+          <p:nvPr>
+            <p:extLst>
+              <p:ext uri="{D42A27DB-BD31-4B8C-83A1-F6EECF244321}">
+                <p14:modId xmlns:p14="http://schemas.microsoft.com/office/powerpoint/2010/main" val="2184445278"/>
+              </p:ext>
+            </p:extLst>
+          </p:nvPr>
+        </p:nvGraphicFramePr>
+        <p:xfrm>
+          <a:off x="1705499" y="4177770"/>
+          <a:ext cx="8128000" cy="1112520"/>
+        </p:xfrm>
+        <a:graphic>
+          <a:graphicData uri="http://schemas.openxmlformats.org/drawingml/2006/table">
+            <a:tbl>
+              <a:tblPr firstRow="1" bandRow="1">
+                <a:tableStyleId>{93296810-A885-4BE3-A3E7-6D5BEEA58F35}</a:tableStyleId>
+              </a:tblPr>
+              <a:tblGrid>
+                <a:gridCol w="4064000">
+                  <a:extLst>
+                    <a:ext uri="{9D8B030D-6E8A-4147-A177-3AD203B41FA5}">
+                      <a16:colId xmlns:a16="http://schemas.microsoft.com/office/drawing/2014/main" val="4250318149"/>
+                    </a:ext>
+                  </a:extLst>
+                </a:gridCol>
+                <a:gridCol w="4064000">
+                  <a:extLst>
+                    <a:ext uri="{9D8B030D-6E8A-4147-A177-3AD203B41FA5}">
+                      <a16:colId xmlns:a16="http://schemas.microsoft.com/office/drawing/2014/main" val="4157212451"/>
+                    </a:ext>
+                  </a:extLst>
+                </a:gridCol>
+              </a:tblGrid>
+              <a:tr h="370840">
+                <a:tc>
+                  <a:txBody>
+                    <a:bodyPr/>
+                    <a:lstStyle/>
+                    <a:p>
+                      <a:endParaRPr lang="en-CA" dirty="0"/>
+                    </a:p>
+                  </a:txBody>
+                  <a:tcPr/>
+                </a:tc>
+                <a:tc>
+                  <a:txBody>
+                    <a:bodyPr/>
+                    <a:lstStyle/>
+                    <a:p>
+                      <a:endParaRPr lang="en-CA"/>
+                    </a:p>
+                  </a:txBody>
+                  <a:tcPr/>
+                </a:tc>
+                <a:extLst>
+                  <a:ext uri="{0D108BD9-81ED-4DB2-BD59-A6C34878D82A}">
+                    <a16:rowId xmlns:a16="http://schemas.microsoft.com/office/drawing/2014/main" val="1468962831"/>
+                  </a:ext>
+                </a:extLst>
+              </a:tr>
+              <a:tr h="370840">
+                <a:tc>
+                  <a:txBody>
+                    <a:bodyPr/>
+                    <a:lstStyle/>
+                    <a:p>
+                      <a:endParaRPr lang="en-CA" dirty="0"/>
+                    </a:p>
+                  </a:txBody>
+                  <a:tcPr/>
+                </a:tc>
+                <a:tc>
+                  <a:txBody>
+                    <a:bodyPr/>
+                    <a:lstStyle/>
+                    <a:p>
+                      <a:endParaRPr lang="en-CA"/>
+                    </a:p>
+                  </a:txBody>
+                  <a:tcPr/>
+                </a:tc>
+                <a:extLst>
+                  <a:ext uri="{0D108BD9-81ED-4DB2-BD59-A6C34878D82A}">
+                    <a16:rowId xmlns:a16="http://schemas.microsoft.com/office/drawing/2014/main" val="3756493888"/>
+                  </a:ext>
+                </a:extLst>
+              </a:tr>
+              <a:tr h="370840">
+                <a:tc>
+                  <a:txBody>
+                    <a:bodyPr/>
+                    <a:lstStyle/>
+                    <a:p>
+                      <a:endParaRPr lang="en-CA"/>
+                    </a:p>
+                  </a:txBody>
+                  <a:tcPr/>
+                </a:tc>
+                <a:tc>
+                  <a:txBody>
+                    <a:bodyPr/>
+                    <a:lstStyle/>
+                    <a:p>
+                      <a:endParaRPr lang="en-CA" dirty="0"/>
+                    </a:p>
+                  </a:txBody>
+                  <a:tcPr/>
+                </a:tc>
+                <a:extLst>
+                  <a:ext uri="{0D108BD9-81ED-4DB2-BD59-A6C34878D82A}">
+                    <a16:rowId xmlns:a16="http://schemas.microsoft.com/office/drawing/2014/main" val="3596268837"/>
+                  </a:ext>
+                </a:extLst>
+              </a:tr>
+            </a:tbl>
+          </a:graphicData>
+        </a:graphic>
+      </p:graphicFrame>
+      <p:pic>
+        <p:nvPicPr>
+          <p:cNvPr id="5" name="Picture 4" descr="A picture containing diagram&#10;&#10;Description automatically generated">
+            <a:extLst>
+              <a:ext uri="{FF2B5EF4-FFF2-40B4-BE49-F238E27FC236}">
+                <a16:creationId xmlns:a16="http://schemas.microsoft.com/office/drawing/2014/main" id="{B2EA1A92-949A-443A-ACC3-F51E52FD83F4}"/>
+              </a:ext>
+            </a:extLst>
+          </p:cNvPr>
+          <p:cNvPicPr>
+            <a:picLocks noChangeAspect="1"/>
+          </p:cNvPicPr>
+          <p:nvPr/>
+        </p:nvPicPr>
+        <p:blipFill rotWithShape="1">
+          <a:blip r:embed="rId3">
+            <a:extLst>
+              <a:ext uri="{28A0092B-C50C-407E-A947-70E740481C1C}">
+                <a14:useLocalDpi xmlns:a14="http://schemas.microsoft.com/office/drawing/2010/main" val="0"/>
+              </a:ext>
+            </a:extLst>
+          </a:blip>
+          <a:srcRect l="4257" t="23094" r="65929" b="35362"/>
+          <a:stretch/>
+        </p:blipFill>
+        <p:spPr>
+          <a:xfrm>
+            <a:off x="10176498" y="0"/>
+            <a:ext cx="2015502" cy="1604836"/>
+          </a:xfrm>
+          <a:prstGeom prst="rect">
+            <a:avLst/>
+          </a:prstGeom>
+        </p:spPr>
+      </p:pic>
+    </p:spTree>
+    <p:extLst>
+      <p:ext uri="{BB962C8B-B14F-4D97-AF65-F5344CB8AC3E}">
+        <p14:creationId xmlns:p14="http://schemas.microsoft.com/office/powerpoint/2010/main" val="1306512237"/>
+      </p:ext>
+    </p:extLst>
+  </p:cSld>
+  <p:clrMapOvr>
+    <a:masterClrMapping/>
+  </p:clrMapOvr>
+  <mc:AlternateContent xmlns:mc="http://schemas.openxmlformats.org/markup-compatibility/2006" xmlns:p159="http://schemas.microsoft.com/office/powerpoint/2015/09/main">
+    <mc:Choice Requires="p159">
+      <p:transition xmlns:p14="http://schemas.microsoft.com/office/powerpoint/2010/main" spd="slow" p14:dur="2000">
+        <p159:morph option="byObject"/>
+      </p:transition>
+    </mc:Choice>
+    <mc:Fallback xmlns="">
       <p:transition spd="slow">
         <p:fade/>
       </p:transition>
